--- a/resources/slides/Opening.pptx
+++ b/resources/slides/Opening.pptx
@@ -5,10 +5,10 @@
     <p:sldMasterId id="2147484229" r:id="rId4"/>
   </p:sldMasterIdLst>
   <p:notesMasterIdLst>
-    <p:notesMasterId r:id="rId29"/>
+    <p:notesMasterId r:id="rId21"/>
   </p:notesMasterIdLst>
   <p:handoutMasterIdLst>
-    <p:handoutMasterId r:id="rId30"/>
+    <p:handoutMasterId r:id="rId22"/>
   </p:handoutMasterIdLst>
   <p:sldIdLst>
     <p:sldId id="258" r:id="rId5"/>
@@ -21,20 +21,12 @@
     <p:sldId id="3407" r:id="rId12"/>
     <p:sldId id="3358" r:id="rId13"/>
     <p:sldId id="3408" r:id="rId14"/>
-    <p:sldId id="3394" r:id="rId15"/>
-    <p:sldId id="3395" r:id="rId16"/>
-    <p:sldId id="3403" r:id="rId17"/>
-    <p:sldId id="3384" r:id="rId18"/>
-    <p:sldId id="3393" r:id="rId19"/>
-    <p:sldId id="3385" r:id="rId20"/>
-    <p:sldId id="3382" r:id="rId21"/>
-    <p:sldId id="3399" r:id="rId22"/>
-    <p:sldId id="3390" r:id="rId23"/>
-    <p:sldId id="3402" r:id="rId24"/>
-    <p:sldId id="3397" r:id="rId25"/>
-    <p:sldId id="3398" r:id="rId26"/>
-    <p:sldId id="3386" r:id="rId27"/>
-    <p:sldId id="3387" r:id="rId28"/>
+    <p:sldId id="3409" r:id="rId15"/>
+    <p:sldId id="3394" r:id="rId16"/>
+    <p:sldId id="3395" r:id="rId17"/>
+    <p:sldId id="3403" r:id="rId18"/>
+    <p:sldId id="3384" r:id="rId19"/>
+    <p:sldId id="3393" r:id="rId20"/>
   </p:sldIdLst>
   <p:sldSz cx="12192000" cy="6858000"/>
   <p:notesSz cx="6858000" cy="9144000"/>
@@ -186,7 +178,7 @@
 <file path=ppt/revisionInfo.xml><?xml version="1.0" encoding="utf-8"?>
 <p1510:revInfo xmlns:a="http://schemas.openxmlformats.org/drawingml/2006/main" xmlns:r="http://schemas.openxmlformats.org/officeDocument/2006/relationships" xmlns:p1510="http://schemas.microsoft.com/office/powerpoint/2015/10/main">
   <p1510:revLst>
-    <p1510:client id="{58FE1A85-EBFA-4101-8B29-DD36DF8C6638}" v="20" dt="2019-09-27T14:29:28.759"/>
+    <p1510:client id="{58FE1A85-EBFA-4101-8B29-DD36DF8C6638}" v="26" dt="2019-09-27T17:44:24.236"/>
   </p1510:revLst>
 </p1510:revInfo>
 </file>
@@ -196,7 +188,7 @@
   <pc:docChgLst>
     <pc:chgData name="Rodrigo Souza" userId="3f1b70c4-e612-4552-8d48-b67fafb1b6d4" providerId="ADAL" clId="{58FE1A85-EBFA-4101-8B29-DD36DF8C6638}"/>
     <pc:docChg chg="undo custSel addSld delSld modSld">
-      <pc:chgData name="Rodrigo Souza" userId="3f1b70c4-e612-4552-8d48-b67fafb1b6d4" providerId="ADAL" clId="{58FE1A85-EBFA-4101-8B29-DD36DF8C6638}" dt="2019-09-27T14:34:01.487" v="73" actId="2696"/>
+      <pc:chgData name="Rodrigo Souza" userId="3f1b70c4-e612-4552-8d48-b67fafb1b6d4" providerId="ADAL" clId="{58FE1A85-EBFA-4101-8B29-DD36DF8C6638}" dt="2019-09-27T17:45:31.994" v="187" actId="2696"/>
       <pc:docMkLst>
         <pc:docMk/>
       </pc:docMkLst>
@@ -246,6 +238,41 @@
           </ac:spMkLst>
         </pc:spChg>
       </pc:sldChg>
+      <pc:sldChg chg="del">
+        <pc:chgData name="Rodrigo Souza" userId="3f1b70c4-e612-4552-8d48-b67fafb1b6d4" providerId="ADAL" clId="{58FE1A85-EBFA-4101-8B29-DD36DF8C6638}" dt="2019-09-27T17:45:08.389" v="179" actId="2696"/>
+        <pc:sldMkLst>
+          <pc:docMk/>
+          <pc:sldMk cId="2642587419" sldId="3382"/>
+        </pc:sldMkLst>
+      </pc:sldChg>
+      <pc:sldChg chg="del">
+        <pc:chgData name="Rodrigo Souza" userId="3f1b70c4-e612-4552-8d48-b67fafb1b6d4" providerId="ADAL" clId="{58FE1A85-EBFA-4101-8B29-DD36DF8C6638}" dt="2019-09-27T17:45:31.166" v="186" actId="2696"/>
+        <pc:sldMkLst>
+          <pc:docMk/>
+          <pc:sldMk cId="318974586" sldId="3385"/>
+        </pc:sldMkLst>
+      </pc:sldChg>
+      <pc:sldChg chg="del">
+        <pc:chgData name="Rodrigo Souza" userId="3f1b70c4-e612-4552-8d48-b67fafb1b6d4" providerId="ADAL" clId="{58FE1A85-EBFA-4101-8B29-DD36DF8C6638}" dt="2019-09-27T17:45:31.994" v="187" actId="2696"/>
+        <pc:sldMkLst>
+          <pc:docMk/>
+          <pc:sldMk cId="2551760854" sldId="3386"/>
+        </pc:sldMkLst>
+      </pc:sldChg>
+      <pc:sldChg chg="del">
+        <pc:chgData name="Rodrigo Souza" userId="3f1b70c4-e612-4552-8d48-b67fafb1b6d4" providerId="ADAL" clId="{58FE1A85-EBFA-4101-8B29-DD36DF8C6638}" dt="2019-09-27T17:45:26.350" v="185" actId="2696"/>
+        <pc:sldMkLst>
+          <pc:docMk/>
+          <pc:sldMk cId="1694421879" sldId="3387"/>
+        </pc:sldMkLst>
+      </pc:sldChg>
+      <pc:sldChg chg="del">
+        <pc:chgData name="Rodrigo Souza" userId="3f1b70c4-e612-4552-8d48-b67fafb1b6d4" providerId="ADAL" clId="{58FE1A85-EBFA-4101-8B29-DD36DF8C6638}" dt="2019-09-27T17:45:20.766" v="181" actId="2696"/>
+        <pc:sldMkLst>
+          <pc:docMk/>
+          <pc:sldMk cId="572600280" sldId="3390"/>
+        </pc:sldMkLst>
+      </pc:sldChg>
       <pc:sldChg chg="modSp">
         <pc:chgData name="Rodrigo Souza" userId="3f1b70c4-e612-4552-8d48-b67fafb1b6d4" providerId="ADAL" clId="{58FE1A85-EBFA-4101-8B29-DD36DF8C6638}" dt="2019-09-19T17:32:27.540" v="56"/>
         <pc:sldMkLst>
@@ -266,6 +293,34 @@
         <pc:sldMkLst>
           <pc:docMk/>
           <pc:sldMk cId="2995817085" sldId="3396"/>
+        </pc:sldMkLst>
+      </pc:sldChg>
+      <pc:sldChg chg="del">
+        <pc:chgData name="Rodrigo Souza" userId="3f1b70c4-e612-4552-8d48-b67fafb1b6d4" providerId="ADAL" clId="{58FE1A85-EBFA-4101-8B29-DD36DF8C6638}" dt="2019-09-27T17:45:20.802" v="183" actId="2696"/>
+        <pc:sldMkLst>
+          <pc:docMk/>
+          <pc:sldMk cId="3315879849" sldId="3397"/>
+        </pc:sldMkLst>
+      </pc:sldChg>
+      <pc:sldChg chg="del">
+        <pc:chgData name="Rodrigo Souza" userId="3f1b70c4-e612-4552-8d48-b67fafb1b6d4" providerId="ADAL" clId="{58FE1A85-EBFA-4101-8B29-DD36DF8C6638}" dt="2019-09-27T17:45:20.811" v="184" actId="2696"/>
+        <pc:sldMkLst>
+          <pc:docMk/>
+          <pc:sldMk cId="2869638216" sldId="3398"/>
+        </pc:sldMkLst>
+      </pc:sldChg>
+      <pc:sldChg chg="del">
+        <pc:chgData name="Rodrigo Souza" userId="3f1b70c4-e612-4552-8d48-b67fafb1b6d4" providerId="ADAL" clId="{58FE1A85-EBFA-4101-8B29-DD36DF8C6638}" dt="2019-09-27T17:45:20.753" v="180" actId="2696"/>
+        <pc:sldMkLst>
+          <pc:docMk/>
+          <pc:sldMk cId="3271184651" sldId="3399"/>
+        </pc:sldMkLst>
+      </pc:sldChg>
+      <pc:sldChg chg="del">
+        <pc:chgData name="Rodrigo Souza" userId="3f1b70c4-e612-4552-8d48-b67fafb1b6d4" providerId="ADAL" clId="{58FE1A85-EBFA-4101-8B29-DD36DF8C6638}" dt="2019-09-27T17:45:20.784" v="182" actId="2696"/>
+        <pc:sldMkLst>
+          <pc:docMk/>
+          <pc:sldMk cId="1597188903" sldId="3402"/>
         </pc:sldMkLst>
       </pc:sldChg>
       <pc:sldChg chg="addSp delSp modSp add">
@@ -300,13 +355,13 @@
         </pc:picChg>
       </pc:sldChg>
       <pc:sldChg chg="addSp delSp modSp add">
-        <pc:chgData name="Rodrigo Souza" userId="3f1b70c4-e612-4552-8d48-b67fafb1b6d4" providerId="ADAL" clId="{58FE1A85-EBFA-4101-8B29-DD36DF8C6638}" dt="2019-09-27T14:29:41.727" v="72" actId="1076"/>
+        <pc:chgData name="Rodrigo Souza" userId="3f1b70c4-e612-4552-8d48-b67fafb1b6d4" providerId="ADAL" clId="{58FE1A85-EBFA-4101-8B29-DD36DF8C6638}" dt="2019-09-27T17:44:33.775" v="154" actId="1076"/>
         <pc:sldMkLst>
           <pc:docMk/>
           <pc:sldMk cId="2050025718" sldId="3408"/>
         </pc:sldMkLst>
         <pc:spChg chg="mod">
-          <ac:chgData name="Rodrigo Souza" userId="3f1b70c4-e612-4552-8d48-b67fafb1b6d4" providerId="ADAL" clId="{58FE1A85-EBFA-4101-8B29-DD36DF8C6638}" dt="2019-09-27T14:29:41.727" v="72" actId="1076"/>
+          <ac:chgData name="Rodrigo Souza" userId="3f1b70c4-e612-4552-8d48-b67fafb1b6d4" providerId="ADAL" clId="{58FE1A85-EBFA-4101-8B29-DD36DF8C6638}" dt="2019-09-27T17:44:33.775" v="154" actId="1076"/>
           <ac:spMkLst>
             <pc:docMk/>
             <pc:sldMk cId="2050025718" sldId="3408"/>
@@ -319,6 +374,29 @@
             <pc:docMk/>
             <pc:sldMk cId="2050025718" sldId="3408"/>
             <ac:spMk id="5" creationId="{0292923B-867B-4ACA-8C61-D92FCBF80799}"/>
+          </ac:spMkLst>
+        </pc:spChg>
+      </pc:sldChg>
+      <pc:sldChg chg="modSp add">
+        <pc:chgData name="Rodrigo Souza" userId="3f1b70c4-e612-4552-8d48-b67fafb1b6d4" providerId="ADAL" clId="{58FE1A85-EBFA-4101-8B29-DD36DF8C6638}" dt="2019-09-27T17:44:53.505" v="178" actId="20577"/>
+        <pc:sldMkLst>
+          <pc:docMk/>
+          <pc:sldMk cId="1796545766" sldId="3409"/>
+        </pc:sldMkLst>
+        <pc:spChg chg="mod">
+          <ac:chgData name="Rodrigo Souza" userId="3f1b70c4-e612-4552-8d48-b67fafb1b6d4" providerId="ADAL" clId="{58FE1A85-EBFA-4101-8B29-DD36DF8C6638}" dt="2019-09-27T17:44:44.417" v="160" actId="403"/>
+          <ac:spMkLst>
+            <pc:docMk/>
+            <pc:sldMk cId="1796545766" sldId="3409"/>
+            <ac:spMk id="3" creationId="{713B7F62-3934-40F6-80A6-F89FD1571432}"/>
+          </ac:spMkLst>
+        </pc:spChg>
+        <pc:spChg chg="mod">
+          <ac:chgData name="Rodrigo Souza" userId="3f1b70c4-e612-4552-8d48-b67fafb1b6d4" providerId="ADAL" clId="{58FE1A85-EBFA-4101-8B29-DD36DF8C6638}" dt="2019-09-27T17:44:53.505" v="178" actId="20577"/>
+          <ac:spMkLst>
+            <pc:docMk/>
+            <pc:sldMk cId="1796545766" sldId="3409"/>
+            <ac:spMk id="4" creationId="{46E2BCF7-DF8D-434A-B087-AD75483FD198}"/>
           </ac:spMkLst>
         </pc:spChg>
       </pc:sldChg>
@@ -838,7 +916,7 @@
               <a:rPr lang="en-US" smtClean="0">
                 <a:latin typeface="Segoe UI" pitchFamily="34" charset="0"/>
               </a:rPr>
-              <a:t>9/26/2019 3:32 PM</a:t>
+              <a:t>9/27/2019 12:41 PM</a:t>
             </a:fld>
             <a:endParaRPr lang="en-US" dirty="0">
               <a:latin typeface="Segoe UI" pitchFamily="34" charset="0"/>
@@ -1116,7 +1194,7 @@
           <a:p>
             <a:fld id="{2A684A5B-FAB6-4A00-8C57-4D12C178E703}" type="datetime8">
               <a:rPr lang="en-US" smtClean="0"/>
-              <a:t>9/26/2019 3:32 PM</a:t>
+              <a:t>9/27/2019 12:41 PM</a:t>
             </a:fld>
             <a:endParaRPr lang="en-US" dirty="0"/>
           </a:p>
@@ -1585,7 +1663,7 @@
                 <a:tabLst/>
                 <a:defRPr/>
               </a:pPr>
-              <a:t>9/26/2019 3:32 PM</a:t>
+              <a:t>9/27/2019 12:41 PM</a:t>
             </a:fld>
             <a:endParaRPr kumimoji="0" lang="en-US" sz="1800" b="0" i="0" u="none" strike="noStrike" kern="0" cap="none" spc="0" normalizeH="0" baseline="0" noProof="0" dirty="0">
               <a:ln>
@@ -7799,8 +7877,8 @@
         </p:nvSpPr>
         <p:spPr>
           <a:xfrm>
-            <a:off x="3999507" y="1678733"/>
-            <a:ext cx="4554772" cy="4709751"/>
+            <a:off x="630521" y="2228698"/>
+            <a:ext cx="4554772" cy="3623300"/>
           </a:xfrm>
           <a:prstGeom prst="rect">
             <a:avLst/>
@@ -7852,7 +7930,7 @@
               <a:rPr lang="en-US" dirty="0">
                 <a:hlinkClick r:id="rId4"/>
               </a:rPr>
-              <a:t>ACE Team Blog</a:t>
+              <a:t>AI on IoT Edge Devices</a:t>
             </a:r>
             <a:endParaRPr lang="en-US" dirty="0"/>
           </a:p>
@@ -7864,7 +7942,7 @@
               <a:rPr lang="en-US" dirty="0">
                 <a:hlinkClick r:id="rId5"/>
               </a:rPr>
-              <a:t>KMA</a:t>
+              <a:t>Azure Cognitive Services</a:t>
             </a:r>
             <a:endParaRPr lang="en-US" dirty="0"/>
           </a:p>
@@ -7876,7 +7954,7 @@
               <a:rPr lang="en-US" dirty="0">
                 <a:hlinkClick r:id="rId6"/>
               </a:rPr>
-              <a:t>AI on IoT Edge Devices</a:t>
+              <a:t>Azure Cognitive Services in Containers</a:t>
             </a:r>
             <a:endParaRPr lang="en-US" dirty="0"/>
           </a:p>
@@ -7887,30 +7965,6 @@
             <a:r>
               <a:rPr lang="en-US" dirty="0">
                 <a:hlinkClick r:id="rId7"/>
-              </a:rPr>
-              <a:t>Azure Cognitive Services</a:t>
-            </a:r>
-            <a:endParaRPr lang="en-US" dirty="0"/>
-          </a:p>
-          <a:p>
-            <a:endParaRPr lang="en-US" dirty="0"/>
-          </a:p>
-          <a:p>
-            <a:r>
-              <a:rPr lang="en-US" dirty="0">
-                <a:hlinkClick r:id="rId8"/>
-              </a:rPr>
-              <a:t>Azure Cognitive Services in Containers</a:t>
-            </a:r>
-            <a:endParaRPr lang="en-US" dirty="0"/>
-          </a:p>
-          <a:p>
-            <a:endParaRPr lang="en-US" dirty="0"/>
-          </a:p>
-          <a:p>
-            <a:r>
-              <a:rPr lang="en-US" dirty="0">
-                <a:hlinkClick r:id="rId9"/>
               </a:rPr>
               <a:t>Azure Machine Learning Studio</a:t>
             </a:r>
@@ -7965,7 +8019,7 @@
           <p:cNvPr id="4" name="Title 3">
             <a:extLst>
               <a:ext uri="{FF2B5EF4-FFF2-40B4-BE49-F238E27FC236}">
-                <a16:creationId xmlns:a16="http://schemas.microsoft.com/office/drawing/2014/main" id="{79850671-DC31-4204-BA79-C472F6478216}"/>
+                <a16:creationId xmlns:a16="http://schemas.microsoft.com/office/drawing/2014/main" id="{46E2BCF7-DF8D-434A-B087-AD75483FD198}"/>
               </a:ext>
             </a:extLst>
           </p:cNvPr>
@@ -7978,7 +8032,7 @@
         </p:nvSpPr>
         <p:spPr>
           <a:xfrm>
-            <a:off x="501650" y="1198602"/>
+            <a:off x="613293" y="1124735"/>
             <a:ext cx="9144000" cy="553998"/>
           </a:xfrm>
         </p:spPr>
@@ -7988,154 +8042,91 @@
           <a:p>
             <a:r>
               <a:rPr lang="en-US" dirty="0"/>
-              <a:t>Spektra Environment</a:t>
+              <a:t>Key Links – ACE Team</a:t>
             </a:r>
           </a:p>
         </p:txBody>
       </p:sp>
       <p:sp>
         <p:nvSpPr>
-          <p:cNvPr id="2" name="TextBox 1">
+          <p:cNvPr id="3" name="Rectangle 2">
             <a:extLst>
               <a:ext uri="{FF2B5EF4-FFF2-40B4-BE49-F238E27FC236}">
-                <a16:creationId xmlns:a16="http://schemas.microsoft.com/office/drawing/2014/main" id="{0732188B-CC0A-4A85-BE9C-3258D1FEFAD5}"/>
+                <a16:creationId xmlns:a16="http://schemas.microsoft.com/office/drawing/2014/main" id="{713B7F62-3934-40F6-80A6-F89FD1571432}"/>
               </a:ext>
             </a:extLst>
           </p:cNvPr>
-          <p:cNvSpPr txBox="1"/>
+          <p:cNvSpPr/>
           <p:nvPr/>
         </p:nvSpPr>
         <p:spPr>
           <a:xfrm>
-            <a:off x="501651" y="2165350"/>
-            <a:ext cx="8877300" cy="2462213"/>
+            <a:off x="613293" y="2692524"/>
+            <a:ext cx="4554772" cy="3046988"/>
           </a:xfrm>
           <a:prstGeom prst="rect">
             <a:avLst/>
           </a:prstGeom>
-          <a:noFill/>
         </p:spPr>
         <p:txBody>
-          <a:bodyPr wrap="square" lIns="0" tIns="0" rIns="0" bIns="0" rtlCol="0">
+          <a:bodyPr wrap="square">
             <a:spAutoFit/>
           </a:bodyPr>
           <a:lstStyle/>
           <a:p>
-            <a:pPr marL="457200" indent="-457200">
-              <a:buFont typeface="Arial" panose="020B0604020202020204" pitchFamily="34" charset="0"/>
-              <a:buChar char="•"/>
-            </a:pPr>
+            <a:endParaRPr lang="en-US" sz="3200" dirty="0"/>
+          </a:p>
+          <a:p>
             <a:r>
               <a:rPr lang="en-US" sz="3200" dirty="0">
-                <a:gradFill>
-                  <a:gsLst>
-                    <a:gs pos="2917">
-                      <a:schemeClr val="tx1"/>
-                    </a:gs>
-                    <a:gs pos="30000">
-                      <a:schemeClr val="tx1"/>
-                    </a:gs>
-                  </a:gsLst>
-                  <a:lin ang="5400000" scaled="0"/>
-                </a:gradFill>
+                <a:hlinkClick r:id="rId2"/>
               </a:rPr>
-              <a:t>Azure Account</a:t>
-            </a:r>
-          </a:p>
-          <a:p>
-            <a:pPr marL="457200" indent="-457200">
-              <a:buFont typeface="Arial" panose="020B0604020202020204" pitchFamily="34" charset="0"/>
-              <a:buChar char="•"/>
-            </a:pPr>
+              <a:t>aka.ms/ACE-Blog</a:t>
+            </a:r>
+            <a:endParaRPr lang="en-US" sz="3200" dirty="0"/>
+          </a:p>
+          <a:p>
+            <a:endParaRPr lang="en-US" sz="3200" dirty="0"/>
+          </a:p>
+          <a:p>
             <a:r>
               <a:rPr lang="en-US" sz="3200" dirty="0">
-                <a:gradFill>
-                  <a:gsLst>
-                    <a:gs pos="2917">
-                      <a:schemeClr val="tx1"/>
-                    </a:gs>
-                    <a:gs pos="30000">
-                      <a:schemeClr val="tx1"/>
-                    </a:gs>
-                  </a:gsLst>
-                  <a:lin ang="5400000" scaled="0"/>
-                </a:gradFill>
+                <a:hlinkClick r:id="rId3"/>
               </a:rPr>
-              <a:t>DSVM</a:t>
-            </a:r>
-          </a:p>
-          <a:p>
-            <a:pPr marL="457200" indent="-457200">
-              <a:buFont typeface="Arial" panose="020B0604020202020204" pitchFamily="34" charset="0"/>
-              <a:buChar char="•"/>
-            </a:pPr>
+              <a:t>aka.ms/</a:t>
+            </a:r>
+            <a:r>
+              <a:rPr lang="en-US" sz="3200" dirty="0" err="1">
+                <a:hlinkClick r:id="rId3"/>
+              </a:rPr>
+              <a:t>kma</a:t>
+            </a:r>
+            <a:endParaRPr lang="en-US" sz="3200" dirty="0"/>
+          </a:p>
+          <a:p>
+            <a:endParaRPr lang="en-US" sz="3200" dirty="0"/>
+          </a:p>
+          <a:p>
             <a:r>
               <a:rPr lang="en-US" sz="3200" dirty="0">
-                <a:gradFill>
-                  <a:gsLst>
-                    <a:gs pos="2917">
-                      <a:schemeClr val="tx1"/>
-                    </a:gs>
-                    <a:gs pos="30000">
-                      <a:schemeClr val="tx1"/>
-                    </a:gs>
-                  </a:gsLst>
-                  <a:lin ang="5400000" scaled="0"/>
-                </a:gradFill>
+                <a:hlinkClick r:id="rId4"/>
               </a:rPr>
-              <a:t>Storage Account</a:t>
-            </a:r>
-          </a:p>
-          <a:p>
-            <a:pPr marL="457200" indent="-457200">
-              <a:buFont typeface="Arial" panose="020B0604020202020204" pitchFamily="34" charset="0"/>
-              <a:buChar char="•"/>
-            </a:pPr>
-            <a:r>
-              <a:rPr lang="en-US" sz="3200" dirty="0">
-                <a:gradFill>
-                  <a:gsLst>
-                    <a:gs pos="2917">
-                      <a:schemeClr val="tx1"/>
-                    </a:gs>
-                    <a:gs pos="30000">
-                      <a:schemeClr val="tx1"/>
-                    </a:gs>
-                  </a:gsLst>
-                  <a:lin ang="5400000" scaled="0"/>
-                </a:gradFill>
+              <a:t>aka.ms/</a:t>
+            </a:r>
+            <a:r>
+              <a:rPr lang="en-US" sz="3200" dirty="0" err="1">
+                <a:hlinkClick r:id="rId4"/>
               </a:rPr>
-              <a:t>Azure Search</a:t>
-            </a:r>
-          </a:p>
-          <a:p>
-            <a:pPr marL="457200" indent="-457200">
-              <a:buFont typeface="Arial" panose="020B0604020202020204" pitchFamily="34" charset="0"/>
-              <a:buChar char="•"/>
-            </a:pPr>
-            <a:r>
-              <a:rPr lang="en-US" sz="3200" dirty="0">
-                <a:gradFill>
-                  <a:gsLst>
-                    <a:gs pos="2917">
-                      <a:schemeClr val="tx1"/>
-                    </a:gs>
-                    <a:gs pos="30000">
-                      <a:schemeClr val="tx1"/>
-                    </a:gs>
-                  </a:gsLst>
-                  <a:lin ang="5400000" scaled="0"/>
-                </a:gradFill>
-              </a:rPr>
-              <a:t>Cognitive Services</a:t>
-            </a:r>
+              <a:t>kmb</a:t>
+            </a:r>
+            <a:endParaRPr lang="en-US" sz="3200" dirty="0"/>
           </a:p>
         </p:txBody>
       </p:sp>
     </p:spTree>
     <p:extLst>
       <p:ext uri="{BB962C8B-B14F-4D97-AF65-F5344CB8AC3E}">
-        <p14:creationId xmlns:p14="http://schemas.microsoft.com/office/powerpoint/2010/main" val="2858535330"/>
+        <p14:creationId xmlns:p14="http://schemas.microsoft.com/office/powerpoint/2010/main" val="1796545766"/>
       </p:ext>
     </p:extLst>
   </p:cSld>
@@ -8221,6 +8212,220 @@
         </p:nvSpPr>
         <p:spPr>
           <a:xfrm>
+            <a:off x="501651" y="2165350"/>
+            <a:ext cx="8877300" cy="2462213"/>
+          </a:xfrm>
+          <a:prstGeom prst="rect">
+            <a:avLst/>
+          </a:prstGeom>
+          <a:noFill/>
+        </p:spPr>
+        <p:txBody>
+          <a:bodyPr wrap="square" lIns="0" tIns="0" rIns="0" bIns="0" rtlCol="0">
+            <a:spAutoFit/>
+          </a:bodyPr>
+          <a:lstStyle/>
+          <a:p>
+            <a:pPr marL="457200" indent="-457200">
+              <a:buFont typeface="Arial" panose="020B0604020202020204" pitchFamily="34" charset="0"/>
+              <a:buChar char="•"/>
+            </a:pPr>
+            <a:r>
+              <a:rPr lang="en-US" sz="3200" dirty="0">
+                <a:gradFill>
+                  <a:gsLst>
+                    <a:gs pos="2917">
+                      <a:schemeClr val="tx1"/>
+                    </a:gs>
+                    <a:gs pos="30000">
+                      <a:schemeClr val="tx1"/>
+                    </a:gs>
+                  </a:gsLst>
+                  <a:lin ang="5400000" scaled="0"/>
+                </a:gradFill>
+              </a:rPr>
+              <a:t>Azure Account</a:t>
+            </a:r>
+          </a:p>
+          <a:p>
+            <a:pPr marL="457200" indent="-457200">
+              <a:buFont typeface="Arial" panose="020B0604020202020204" pitchFamily="34" charset="0"/>
+              <a:buChar char="•"/>
+            </a:pPr>
+            <a:r>
+              <a:rPr lang="en-US" sz="3200" dirty="0">
+                <a:gradFill>
+                  <a:gsLst>
+                    <a:gs pos="2917">
+                      <a:schemeClr val="tx1"/>
+                    </a:gs>
+                    <a:gs pos="30000">
+                      <a:schemeClr val="tx1"/>
+                    </a:gs>
+                  </a:gsLst>
+                  <a:lin ang="5400000" scaled="0"/>
+                </a:gradFill>
+              </a:rPr>
+              <a:t>DSVM</a:t>
+            </a:r>
+          </a:p>
+          <a:p>
+            <a:pPr marL="457200" indent="-457200">
+              <a:buFont typeface="Arial" panose="020B0604020202020204" pitchFamily="34" charset="0"/>
+              <a:buChar char="•"/>
+            </a:pPr>
+            <a:r>
+              <a:rPr lang="en-US" sz="3200" dirty="0">
+                <a:gradFill>
+                  <a:gsLst>
+                    <a:gs pos="2917">
+                      <a:schemeClr val="tx1"/>
+                    </a:gs>
+                    <a:gs pos="30000">
+                      <a:schemeClr val="tx1"/>
+                    </a:gs>
+                  </a:gsLst>
+                  <a:lin ang="5400000" scaled="0"/>
+                </a:gradFill>
+              </a:rPr>
+              <a:t>Storage Account</a:t>
+            </a:r>
+          </a:p>
+          <a:p>
+            <a:pPr marL="457200" indent="-457200">
+              <a:buFont typeface="Arial" panose="020B0604020202020204" pitchFamily="34" charset="0"/>
+              <a:buChar char="•"/>
+            </a:pPr>
+            <a:r>
+              <a:rPr lang="en-US" sz="3200" dirty="0">
+                <a:gradFill>
+                  <a:gsLst>
+                    <a:gs pos="2917">
+                      <a:schemeClr val="tx1"/>
+                    </a:gs>
+                    <a:gs pos="30000">
+                      <a:schemeClr val="tx1"/>
+                    </a:gs>
+                  </a:gsLst>
+                  <a:lin ang="5400000" scaled="0"/>
+                </a:gradFill>
+              </a:rPr>
+              <a:t>Azure Search</a:t>
+            </a:r>
+          </a:p>
+          <a:p>
+            <a:pPr marL="457200" indent="-457200">
+              <a:buFont typeface="Arial" panose="020B0604020202020204" pitchFamily="34" charset="0"/>
+              <a:buChar char="•"/>
+            </a:pPr>
+            <a:r>
+              <a:rPr lang="en-US" sz="3200" dirty="0">
+                <a:gradFill>
+                  <a:gsLst>
+                    <a:gs pos="2917">
+                      <a:schemeClr val="tx1"/>
+                    </a:gs>
+                    <a:gs pos="30000">
+                      <a:schemeClr val="tx1"/>
+                    </a:gs>
+                  </a:gsLst>
+                  <a:lin ang="5400000" scaled="0"/>
+                </a:gradFill>
+              </a:rPr>
+              <a:t>Cognitive Services</a:t>
+            </a:r>
+          </a:p>
+        </p:txBody>
+      </p:sp>
+    </p:spTree>
+    <p:extLst>
+      <p:ext uri="{BB962C8B-B14F-4D97-AF65-F5344CB8AC3E}">
+        <p14:creationId xmlns:p14="http://schemas.microsoft.com/office/powerpoint/2010/main" val="2858535330"/>
+      </p:ext>
+    </p:extLst>
+  </p:cSld>
+  <p:clrMapOvr>
+    <a:masterClrMapping/>
+  </p:clrMapOvr>
+  <mc:AlternateContent xmlns:mc="http://schemas.openxmlformats.org/markup-compatibility/2006" xmlns:p14="http://schemas.microsoft.com/office/powerpoint/2010/main">
+    <mc:Choice Requires="p14">
+      <p:transition spd="med" p14:dur="700">
+        <p:fade/>
+      </p:transition>
+    </mc:Choice>
+    <mc:Fallback xmlns="">
+      <p:transition spd="med">
+        <p:fade/>
+      </p:transition>
+    </mc:Fallback>
+  </mc:AlternateContent>
+</p:sld>
+</file>
+
+<file path=ppt/slides/slide13.xml><?xml version="1.0" encoding="utf-8"?>
+<p:sld xmlns:a="http://schemas.openxmlformats.org/drawingml/2006/main" xmlns:r="http://schemas.openxmlformats.org/officeDocument/2006/relationships" xmlns:p="http://schemas.openxmlformats.org/presentationml/2006/main">
+  <p:cSld>
+    <p:spTree>
+      <p:nvGrpSpPr>
+        <p:cNvPr id="1" name=""/>
+        <p:cNvGrpSpPr/>
+        <p:nvPr/>
+      </p:nvGrpSpPr>
+      <p:grpSpPr>
+        <a:xfrm>
+          <a:off x="0" y="0"/>
+          <a:ext cx="0" cy="0"/>
+          <a:chOff x="0" y="0"/>
+          <a:chExt cx="0" cy="0"/>
+        </a:xfrm>
+      </p:grpSpPr>
+      <p:sp>
+        <p:nvSpPr>
+          <p:cNvPr id="4" name="Title 3">
+            <a:extLst>
+              <a:ext uri="{FF2B5EF4-FFF2-40B4-BE49-F238E27FC236}">
+                <a16:creationId xmlns:a16="http://schemas.microsoft.com/office/drawing/2014/main" id="{79850671-DC31-4204-BA79-C472F6478216}"/>
+              </a:ext>
+            </a:extLst>
+          </p:cNvPr>
+          <p:cNvSpPr>
+            <a:spLocks noGrp="1"/>
+          </p:cNvSpPr>
+          <p:nvPr>
+            <p:ph type="title"/>
+          </p:nvPr>
+        </p:nvSpPr>
+        <p:spPr>
+          <a:xfrm>
+            <a:off x="501650" y="1198602"/>
+            <a:ext cx="9144000" cy="553998"/>
+          </a:xfrm>
+        </p:spPr>
+        <p:txBody>
+          <a:bodyPr/>
+          <a:lstStyle/>
+          <a:p>
+            <a:r>
+              <a:rPr lang="en-US" dirty="0"/>
+              <a:t>Spektra Environment</a:t>
+            </a:r>
+          </a:p>
+        </p:txBody>
+      </p:sp>
+      <p:sp>
+        <p:nvSpPr>
+          <p:cNvPr id="2" name="TextBox 1">
+            <a:extLst>
+              <a:ext uri="{FF2B5EF4-FFF2-40B4-BE49-F238E27FC236}">
+                <a16:creationId xmlns:a16="http://schemas.microsoft.com/office/drawing/2014/main" id="{0732188B-CC0A-4A85-BE9C-3258D1FEFAD5}"/>
+              </a:ext>
+            </a:extLst>
+          </p:cNvPr>
+          <p:cNvSpPr txBox="1"/>
+          <p:nvPr/>
+        </p:nvSpPr>
+        <p:spPr>
+          <a:xfrm>
             <a:off x="501651" y="2165349"/>
             <a:ext cx="10751368" cy="2708434"/>
           </a:xfrm>
@@ -8329,7 +8534,7 @@
 </p:sld>
 </file>
 
-<file path=ppt/slides/slide13.xml><?xml version="1.0" encoding="utf-8"?>
+<file path=ppt/slides/slide14.xml><?xml version="1.0" encoding="utf-8"?>
 <p:sld xmlns:a="http://schemas.openxmlformats.org/drawingml/2006/main" xmlns:r="http://schemas.openxmlformats.org/officeDocument/2006/relationships" xmlns:p="http://schemas.openxmlformats.org/presentationml/2006/main">
   <p:cSld>
     <p:spTree>
@@ -8464,7 +8669,7 @@
 </p:sld>
 </file>
 
-<file path=ppt/slides/slide14.xml><?xml version="1.0" encoding="utf-8"?>
+<file path=ppt/slides/slide15.xml><?xml version="1.0" encoding="utf-8"?>
 <p:sld xmlns:a="http://schemas.openxmlformats.org/drawingml/2006/main" xmlns:r="http://schemas.openxmlformats.org/officeDocument/2006/relationships" xmlns:p="http://schemas.openxmlformats.org/presentationml/2006/main">
   <p:cSld>
     <p:spTree>
@@ -8555,108 +8760,6 @@
     <p:extLst>
       <p:ext uri="{BB962C8B-B14F-4D97-AF65-F5344CB8AC3E}">
         <p14:creationId xmlns:p14="http://schemas.microsoft.com/office/powerpoint/2010/main" val="2628648499"/>
-      </p:ext>
-    </p:extLst>
-  </p:cSld>
-  <p:clrMapOvr>
-    <a:masterClrMapping/>
-  </p:clrMapOvr>
-  <mc:AlternateContent xmlns:mc="http://schemas.openxmlformats.org/markup-compatibility/2006" xmlns:p14="http://schemas.microsoft.com/office/powerpoint/2010/main">
-    <mc:Choice Requires="p14">
-      <p:transition spd="med" p14:dur="700">
-        <p:fade/>
-      </p:transition>
-    </mc:Choice>
-    <mc:Fallback xmlns="">
-      <p:transition spd="med">
-        <p:fade/>
-      </p:transition>
-    </mc:Fallback>
-  </mc:AlternateContent>
-</p:sld>
-</file>
-
-<file path=ppt/slides/slide15.xml><?xml version="1.0" encoding="utf-8"?>
-<p:sld xmlns:a="http://schemas.openxmlformats.org/drawingml/2006/main" xmlns:r="http://schemas.openxmlformats.org/officeDocument/2006/relationships" xmlns:p="http://schemas.openxmlformats.org/presentationml/2006/main">
-  <p:cSld>
-    <p:spTree>
-      <p:nvGrpSpPr>
-        <p:cNvPr id="1" name=""/>
-        <p:cNvGrpSpPr/>
-        <p:nvPr/>
-      </p:nvGrpSpPr>
-      <p:grpSpPr>
-        <a:xfrm>
-          <a:off x="0" y="0"/>
-          <a:ext cx="0" cy="0"/>
-          <a:chOff x="0" y="0"/>
-          <a:chExt cx="0" cy="0"/>
-        </a:xfrm>
-      </p:grpSpPr>
-      <p:sp>
-        <p:nvSpPr>
-          <p:cNvPr id="4" name="Title 3">
-            <a:extLst>
-              <a:ext uri="{FF2B5EF4-FFF2-40B4-BE49-F238E27FC236}">
-                <a16:creationId xmlns:a16="http://schemas.microsoft.com/office/drawing/2014/main" id="{79850671-DC31-4204-BA79-C472F6478216}"/>
-              </a:ext>
-            </a:extLst>
-          </p:cNvPr>
-          <p:cNvSpPr>
-            <a:spLocks noGrp="1"/>
-          </p:cNvSpPr>
-          <p:nvPr>
-            <p:ph type="title"/>
-          </p:nvPr>
-        </p:nvSpPr>
-        <p:spPr>
-          <a:xfrm>
-            <a:off x="591307" y="1415669"/>
-            <a:ext cx="9144000" cy="2769989"/>
-          </a:xfrm>
-        </p:spPr>
-        <p:txBody>
-          <a:bodyPr/>
-          <a:lstStyle/>
-          <a:p>
-            <a:r>
-              <a:rPr lang="en-US" dirty="0"/>
-              <a:t>Thank you!</a:t>
-            </a:r>
-            <a:br>
-              <a:rPr lang="en-US" dirty="0"/>
-            </a:br>
-            <a:br>
-              <a:rPr lang="en-US" dirty="0"/>
-            </a:br>
-            <a:r>
-              <a:rPr lang="en-US" dirty="0"/>
-              <a:t>Rodrigo Souza</a:t>
-            </a:r>
-            <a:br>
-              <a:rPr lang="en-US" dirty="0"/>
-            </a:br>
-            <a:r>
-              <a:rPr lang="en-US" dirty="0">
-                <a:hlinkClick r:id="rId2"/>
-              </a:rPr>
-              <a:t>rosouz@Microsoft.com</a:t>
-            </a:r>
-            <a:r>
-              <a:rPr lang="en-US" dirty="0"/>
-              <a:t> </a:t>
-            </a:r>
-            <a:br>
-              <a:rPr lang="en-US" dirty="0"/>
-            </a:br>
-            <a:endParaRPr lang="en-US" dirty="0"/>
-          </a:p>
-        </p:txBody>
-      </p:sp>
-    </p:spTree>
-    <p:extLst>
-      <p:ext uri="{BB962C8B-B14F-4D97-AF65-F5344CB8AC3E}">
-        <p14:creationId xmlns:p14="http://schemas.microsoft.com/office/powerpoint/2010/main" val="3760874456"/>
       </p:ext>
     </p:extLst>
   </p:cSld>
@@ -8713,8 +8816,8 @@
         </p:nvSpPr>
         <p:spPr>
           <a:xfrm>
-            <a:off x="1066800" y="2534444"/>
-            <a:ext cx="9144000" cy="1231106"/>
+            <a:off x="591307" y="1415669"/>
+            <a:ext cx="9144000" cy="2769989"/>
           </a:xfrm>
         </p:spPr>
         <p:txBody>
@@ -8722,570 +8825,43 @@
           <a:lstStyle/>
           <a:p>
             <a:r>
-              <a:rPr lang="en-US" sz="8000" dirty="0"/>
-              <a:t>Backup Slides</a:t>
-            </a:r>
+              <a:rPr lang="en-US" dirty="0"/>
+              <a:t>Thank you!</a:t>
+            </a:r>
+            <a:br>
+              <a:rPr lang="en-US" dirty="0"/>
+            </a:br>
+            <a:br>
+              <a:rPr lang="en-US" dirty="0"/>
+            </a:br>
+            <a:r>
+              <a:rPr lang="en-US" dirty="0"/>
+              <a:t>Rodrigo Souza</a:t>
+            </a:r>
+            <a:br>
+              <a:rPr lang="en-US" dirty="0"/>
+            </a:br>
+            <a:r>
+              <a:rPr lang="en-US" dirty="0">
+                <a:hlinkClick r:id="rId2"/>
+              </a:rPr>
+              <a:t>rosouz@Microsoft.com</a:t>
+            </a:r>
+            <a:r>
+              <a:rPr lang="en-US" dirty="0"/>
+              <a:t> </a:t>
+            </a:r>
+            <a:br>
+              <a:rPr lang="en-US" dirty="0"/>
+            </a:br>
+            <a:endParaRPr lang="en-US" dirty="0"/>
           </a:p>
         </p:txBody>
       </p:sp>
     </p:spTree>
     <p:extLst>
       <p:ext uri="{BB962C8B-B14F-4D97-AF65-F5344CB8AC3E}">
-        <p14:creationId xmlns:p14="http://schemas.microsoft.com/office/powerpoint/2010/main" val="318974586"/>
-      </p:ext>
-    </p:extLst>
-  </p:cSld>
-  <p:clrMapOvr>
-    <a:masterClrMapping/>
-  </p:clrMapOvr>
-  <mc:AlternateContent xmlns:mc="http://schemas.openxmlformats.org/markup-compatibility/2006" xmlns:p14="http://schemas.microsoft.com/office/powerpoint/2010/main">
-    <mc:Choice Requires="p14">
-      <p:transition spd="med" p14:dur="700">
-        <p:fade/>
-      </p:transition>
-    </mc:Choice>
-    <mc:Fallback xmlns="">
-      <p:transition spd="med">
-        <p:fade/>
-      </p:transition>
-    </mc:Fallback>
-  </mc:AlternateContent>
-</p:sld>
-</file>
-
-<file path=ppt/slides/slide17.xml><?xml version="1.0" encoding="utf-8"?>
-<p:sld xmlns:a="http://schemas.openxmlformats.org/drawingml/2006/main" xmlns:r="http://schemas.openxmlformats.org/officeDocument/2006/relationships" xmlns:p="http://schemas.openxmlformats.org/presentationml/2006/main">
-  <p:cSld>
-    <p:spTree>
-      <p:nvGrpSpPr>
-        <p:cNvPr id="1" name=""/>
-        <p:cNvGrpSpPr/>
-        <p:nvPr/>
-      </p:nvGrpSpPr>
-      <p:grpSpPr>
-        <a:xfrm>
-          <a:off x="0" y="0"/>
-          <a:ext cx="0" cy="0"/>
-          <a:chOff x="0" y="0"/>
-          <a:chExt cx="0" cy="0"/>
-        </a:xfrm>
-      </p:grpSpPr>
-      <p:sp>
-        <p:nvSpPr>
-          <p:cNvPr id="2" name="TextBox 1">
-            <a:extLst>
-              <a:ext uri="{FF2B5EF4-FFF2-40B4-BE49-F238E27FC236}">
-                <a16:creationId xmlns:a16="http://schemas.microsoft.com/office/drawing/2014/main" id="{2C6D6B1C-D7C3-4588-B5CB-FD50A28D7D88}"/>
-              </a:ext>
-            </a:extLst>
-          </p:cNvPr>
-          <p:cNvSpPr txBox="1"/>
-          <p:nvPr/>
-        </p:nvSpPr>
-        <p:spPr>
-          <a:xfrm>
-            <a:off x="2694097" y="193682"/>
-            <a:ext cx="3763274" cy="1015663"/>
-          </a:xfrm>
-          <a:prstGeom prst="rect">
-            <a:avLst/>
-          </a:prstGeom>
-          <a:noFill/>
-        </p:spPr>
-        <p:txBody>
-          <a:bodyPr wrap="none" lIns="0" tIns="0" rIns="0" bIns="0" rtlCol="0">
-            <a:spAutoFit/>
-          </a:bodyPr>
-          <a:lstStyle/>
-          <a:p>
-            <a:pPr algn="l"/>
-            <a:r>
-              <a:rPr lang="en-US" sz="6600" dirty="0">
-                <a:gradFill>
-                  <a:gsLst>
-                    <a:gs pos="2917">
-                      <a:schemeClr val="tx1"/>
-                    </a:gs>
-                    <a:gs pos="30000">
-                      <a:schemeClr val="tx1"/>
-                    </a:gs>
-                  </a:gsLst>
-                  <a:lin ang="5400000" scaled="0"/>
-                </a:gradFill>
-              </a:rPr>
-              <a:t>Tomorrow</a:t>
-            </a:r>
-          </a:p>
-        </p:txBody>
-      </p:sp>
-      <p:sp>
-        <p:nvSpPr>
-          <p:cNvPr id="3" name="TextBox 2">
-            <a:extLst>
-              <a:ext uri="{FF2B5EF4-FFF2-40B4-BE49-F238E27FC236}">
-                <a16:creationId xmlns:a16="http://schemas.microsoft.com/office/drawing/2014/main" id="{28959BE4-56F9-43C5-9F1F-8A052465011A}"/>
-              </a:ext>
-            </a:extLst>
-          </p:cNvPr>
-          <p:cNvSpPr txBox="1"/>
-          <p:nvPr/>
-        </p:nvSpPr>
-        <p:spPr>
-          <a:xfrm>
-            <a:off x="789415" y="1691640"/>
-            <a:ext cx="10375409" cy="4062651"/>
-          </a:xfrm>
-          <a:prstGeom prst="rect">
-            <a:avLst/>
-          </a:prstGeom>
-          <a:noFill/>
-        </p:spPr>
-        <p:txBody>
-          <a:bodyPr wrap="square" lIns="0" tIns="0" rIns="0" bIns="0" rtlCol="0">
-            <a:spAutoFit/>
-          </a:bodyPr>
-          <a:lstStyle/>
-          <a:p>
-            <a:pPr marL="342900" indent="-342900" algn="l">
-              <a:buFont typeface="Arial" panose="020B0604020202020204" pitchFamily="34" charset="0"/>
-              <a:buChar char="•"/>
-            </a:pPr>
-            <a:r>
-              <a:rPr lang="en-US" sz="4400" dirty="0">
-                <a:gradFill>
-                  <a:gsLst>
-                    <a:gs pos="2917">
-                      <a:schemeClr val="tx1"/>
-                    </a:gs>
-                    <a:gs pos="30000">
-                      <a:schemeClr val="tx1"/>
-                    </a:gs>
-                  </a:gsLst>
-                  <a:lin ang="5400000" scaled="0"/>
-                </a:gradFill>
-              </a:rPr>
-              <a:t>Sign the presence sheet</a:t>
-            </a:r>
-          </a:p>
-          <a:p>
-            <a:pPr marL="342900" indent="-342900" algn="l">
-              <a:buFont typeface="Arial" panose="020B0604020202020204" pitchFamily="34" charset="0"/>
-              <a:buChar char="•"/>
-            </a:pPr>
-            <a:r>
-              <a:rPr lang="en-US" sz="4400" dirty="0">
-                <a:gradFill>
-                  <a:gsLst>
-                    <a:gs pos="2917">
-                      <a:schemeClr val="tx1"/>
-                    </a:gs>
-                    <a:gs pos="30000">
-                      <a:schemeClr val="tx1"/>
-                    </a:gs>
-                  </a:gsLst>
-                  <a:lin ang="5400000" scaled="0"/>
-                </a:gradFill>
-              </a:rPr>
-              <a:t>Photo</a:t>
-            </a:r>
-          </a:p>
-          <a:p>
-            <a:pPr marL="342900" indent="-342900" algn="l">
-              <a:buFont typeface="Arial" panose="020B0604020202020204" pitchFamily="34" charset="0"/>
-              <a:buChar char="•"/>
-            </a:pPr>
-            <a:r>
-              <a:rPr lang="en-US" sz="4400" dirty="0">
-                <a:gradFill>
-                  <a:gsLst>
-                    <a:gs pos="2917">
-                      <a:schemeClr val="tx1"/>
-                    </a:gs>
-                    <a:gs pos="30000">
-                      <a:schemeClr val="tx1"/>
-                    </a:gs>
-                  </a:gsLst>
-                  <a:lin ang="5400000" scaled="0"/>
-                </a:gradFill>
-              </a:rPr>
-              <a:t>Demos (including the </a:t>
-            </a:r>
-            <a:r>
-              <a:rPr lang="en-US" sz="4400">
-                <a:gradFill>
-                  <a:gsLst>
-                    <a:gs pos="2917">
-                      <a:schemeClr val="tx1"/>
-                    </a:gs>
-                    <a:gs pos="30000">
-                      <a:schemeClr val="tx1"/>
-                    </a:gs>
-                  </a:gsLst>
-                  <a:lin ang="5400000" scaled="0"/>
-                </a:gradFill>
-              </a:rPr>
-              <a:t>training bot)</a:t>
-            </a:r>
-            <a:endParaRPr lang="en-US" sz="4400" dirty="0">
-              <a:gradFill>
-                <a:gsLst>
-                  <a:gs pos="2917">
-                    <a:schemeClr val="tx1"/>
-                  </a:gs>
-                  <a:gs pos="30000">
-                    <a:schemeClr val="tx1"/>
-                  </a:gs>
-                </a:gsLst>
-                <a:lin ang="5400000" scaled="0"/>
-              </a:gradFill>
-            </a:endParaRPr>
-          </a:p>
-          <a:p>
-            <a:pPr marL="342900" indent="-342900">
-              <a:buFont typeface="Arial" panose="020B0604020202020204" pitchFamily="34" charset="0"/>
-              <a:buChar char="•"/>
-            </a:pPr>
-            <a:r>
-              <a:rPr lang="en-US" sz="4400" dirty="0">
-                <a:gradFill>
-                  <a:gsLst>
-                    <a:gs pos="2917">
-                      <a:schemeClr val="tx1"/>
-                    </a:gs>
-                    <a:gs pos="30000">
-                      <a:schemeClr val="tx1"/>
-                    </a:gs>
-                  </a:gsLst>
-                  <a:lin ang="5400000" scaled="0"/>
-                </a:gradFill>
-              </a:rPr>
-              <a:t>Survey</a:t>
-            </a:r>
-          </a:p>
-          <a:p>
-            <a:r>
-              <a:rPr lang="en-US" sz="4400" dirty="0">
-                <a:gradFill>
-                  <a:gsLst>
-                    <a:gs pos="2917">
-                      <a:schemeClr val="tx1"/>
-                    </a:gs>
-                    <a:gs pos="30000">
-                      <a:schemeClr val="tx1"/>
-                    </a:gs>
-                  </a:gsLst>
-                  <a:lin ang="5400000" scaled="0"/>
-                </a:gradFill>
-                <a:hlinkClick r:id="rId2"/>
-              </a:rPr>
-              <a:t>http://aka.ms/LearnAI-Airlift-Survey</a:t>
-            </a:r>
-            <a:r>
-              <a:rPr lang="en-US" sz="4400" dirty="0">
-                <a:gradFill>
-                  <a:gsLst>
-                    <a:gs pos="2917">
-                      <a:schemeClr val="tx1"/>
-                    </a:gs>
-                    <a:gs pos="30000">
-                      <a:schemeClr val="tx1"/>
-                    </a:gs>
-                  </a:gsLst>
-                  <a:lin ang="5400000" scaled="0"/>
-                </a:gradFill>
-              </a:rPr>
-              <a:t> </a:t>
-            </a:r>
-          </a:p>
-          <a:p>
-            <a:endParaRPr lang="en-US" sz="4400" dirty="0">
-              <a:gradFill>
-                <a:gsLst>
-                  <a:gs pos="2917">
-                    <a:schemeClr val="tx1"/>
-                  </a:gs>
-                  <a:gs pos="30000">
-                    <a:schemeClr val="tx1"/>
-                  </a:gs>
-                </a:gsLst>
-                <a:lin ang="5400000" scaled="0"/>
-              </a:gradFill>
-            </a:endParaRPr>
-          </a:p>
-        </p:txBody>
-      </p:sp>
-    </p:spTree>
-    <p:extLst>
-      <p:ext uri="{BB962C8B-B14F-4D97-AF65-F5344CB8AC3E}">
-        <p14:creationId xmlns:p14="http://schemas.microsoft.com/office/powerpoint/2010/main" val="2642587419"/>
-      </p:ext>
-    </p:extLst>
-  </p:cSld>
-  <p:clrMapOvr>
-    <a:masterClrMapping/>
-  </p:clrMapOvr>
-  <mc:AlternateContent xmlns:mc="http://schemas.openxmlformats.org/markup-compatibility/2006" xmlns:p14="http://schemas.microsoft.com/office/powerpoint/2010/main">
-    <mc:Choice Requires="p14">
-      <p:transition spd="med" p14:dur="700">
-        <p:fade/>
-      </p:transition>
-    </mc:Choice>
-    <mc:Fallback xmlns="">
-      <p:transition spd="med">
-        <p:fade/>
-      </p:transition>
-    </mc:Fallback>
-  </mc:AlternateContent>
-</p:sld>
-</file>
-
-<file path=ppt/slides/slide18.xml><?xml version="1.0" encoding="utf-8"?>
-<p:sld xmlns:a="http://schemas.openxmlformats.org/drawingml/2006/main" xmlns:r="http://schemas.openxmlformats.org/officeDocument/2006/relationships" xmlns:p="http://schemas.openxmlformats.org/presentationml/2006/main">
-  <p:cSld>
-    <p:spTree>
-      <p:nvGrpSpPr>
-        <p:cNvPr id="1" name=""/>
-        <p:cNvGrpSpPr/>
-        <p:nvPr/>
-      </p:nvGrpSpPr>
-      <p:grpSpPr>
-        <a:xfrm>
-          <a:off x="0" y="0"/>
-          <a:ext cx="0" cy="0"/>
-          <a:chOff x="0" y="0"/>
-          <a:chExt cx="0" cy="0"/>
-        </a:xfrm>
-      </p:grpSpPr>
-      <p:sp>
-        <p:nvSpPr>
-          <p:cNvPr id="2" name="TextBox 1">
-            <a:extLst>
-              <a:ext uri="{FF2B5EF4-FFF2-40B4-BE49-F238E27FC236}">
-                <a16:creationId xmlns:a16="http://schemas.microsoft.com/office/drawing/2014/main" id="{2C6D6B1C-D7C3-4588-B5CB-FD50A28D7D88}"/>
-              </a:ext>
-            </a:extLst>
-          </p:cNvPr>
-          <p:cNvSpPr txBox="1"/>
-          <p:nvPr/>
-        </p:nvSpPr>
-        <p:spPr>
-          <a:xfrm>
-            <a:off x="939973" y="1324708"/>
-            <a:ext cx="6232027" cy="3385542"/>
-          </a:xfrm>
-          <a:prstGeom prst="rect">
-            <a:avLst/>
-          </a:prstGeom>
-          <a:noFill/>
-        </p:spPr>
-        <p:txBody>
-          <a:bodyPr wrap="none" lIns="0" tIns="0" rIns="0" bIns="0" rtlCol="0">
-            <a:spAutoFit/>
-          </a:bodyPr>
-          <a:lstStyle/>
-          <a:p>
-            <a:pPr algn="l"/>
-            <a:r>
-              <a:rPr lang="en-US" sz="6600" dirty="0">
-                <a:gradFill>
-                  <a:gsLst>
-                    <a:gs pos="2917">
-                      <a:schemeClr val="tx1"/>
-                    </a:gs>
-                    <a:gs pos="30000">
-                      <a:schemeClr val="tx1"/>
-                    </a:gs>
-                  </a:gsLst>
-                  <a:lin ang="5400000" scaled="0"/>
-                </a:gradFill>
-              </a:rPr>
-              <a:t>Demos</a:t>
-            </a:r>
-          </a:p>
-          <a:p>
-            <a:pPr algn="l"/>
-            <a:endParaRPr lang="en-US" sz="6600" dirty="0">
-              <a:gradFill>
-                <a:gsLst>
-                  <a:gs pos="2917">
-                    <a:schemeClr val="tx1"/>
-                  </a:gs>
-                  <a:gs pos="30000">
-                    <a:schemeClr val="tx1"/>
-                  </a:gs>
-                </a:gsLst>
-                <a:lin ang="5400000" scaled="0"/>
-              </a:gradFill>
-            </a:endParaRPr>
-          </a:p>
-          <a:p>
-            <a:pPr marL="857250" indent="-857250" algn="l">
-              <a:buFont typeface="Arial" panose="020B0604020202020204" pitchFamily="34" charset="0"/>
-              <a:buChar char="•"/>
-            </a:pPr>
-            <a:r>
-              <a:rPr lang="en-US" sz="4400" dirty="0">
-                <a:gradFill>
-                  <a:gsLst>
-                    <a:gs pos="2917">
-                      <a:schemeClr val="tx1"/>
-                    </a:gs>
-                    <a:gs pos="30000">
-                      <a:schemeClr val="tx1"/>
-                    </a:gs>
-                  </a:gsLst>
-                  <a:lin ang="5400000" scaled="0"/>
-                </a:gradFill>
-              </a:rPr>
-              <a:t>Forms Understanding</a:t>
-            </a:r>
-          </a:p>
-          <a:p>
-            <a:pPr marL="857250" indent="-857250" algn="l">
-              <a:buFont typeface="Arial" panose="020B0604020202020204" pitchFamily="34" charset="0"/>
-              <a:buChar char="•"/>
-            </a:pPr>
-            <a:r>
-              <a:rPr lang="en-US" sz="4400" dirty="0">
-                <a:gradFill>
-                  <a:gsLst>
-                    <a:gs pos="2917">
-                      <a:schemeClr val="tx1"/>
-                    </a:gs>
-                    <a:gs pos="30000">
-                      <a:schemeClr val="tx1"/>
-                    </a:gs>
-                  </a:gsLst>
-                  <a:lin ang="5400000" scaled="0"/>
-                </a:gradFill>
-              </a:rPr>
-              <a:t>AI Sandbox</a:t>
-            </a:r>
-            <a:endParaRPr lang="en-US" sz="3200" dirty="0">
-              <a:gradFill>
-                <a:gsLst>
-                  <a:gs pos="2917">
-                    <a:schemeClr val="tx1"/>
-                  </a:gs>
-                  <a:gs pos="30000">
-                    <a:schemeClr val="tx1"/>
-                  </a:gs>
-                </a:gsLst>
-                <a:lin ang="5400000" scaled="0"/>
-              </a:gradFill>
-            </a:endParaRPr>
-          </a:p>
-        </p:txBody>
-      </p:sp>
-    </p:spTree>
-    <p:extLst>
-      <p:ext uri="{BB962C8B-B14F-4D97-AF65-F5344CB8AC3E}">
-        <p14:creationId xmlns:p14="http://schemas.microsoft.com/office/powerpoint/2010/main" val="3271184651"/>
-      </p:ext>
-    </p:extLst>
-  </p:cSld>
-  <p:clrMapOvr>
-    <a:masterClrMapping/>
-  </p:clrMapOvr>
-  <mc:AlternateContent xmlns:mc="http://schemas.openxmlformats.org/markup-compatibility/2006" xmlns:p14="http://schemas.microsoft.com/office/powerpoint/2010/main">
-    <mc:Choice Requires="p14">
-      <p:transition spd="med" p14:dur="700">
-        <p:fade/>
-      </p:transition>
-    </mc:Choice>
-    <mc:Fallback xmlns="">
-      <p:transition spd="med">
-        <p:fade/>
-      </p:transition>
-    </mc:Fallback>
-  </mc:AlternateContent>
-</p:sld>
-</file>
-
-<file path=ppt/slides/slide19.xml><?xml version="1.0" encoding="utf-8"?>
-<p:sld xmlns:a="http://schemas.openxmlformats.org/drawingml/2006/main" xmlns:r="http://schemas.openxmlformats.org/officeDocument/2006/relationships" xmlns:p="http://schemas.openxmlformats.org/presentationml/2006/main">
-  <p:cSld>
-    <p:spTree>
-      <p:nvGrpSpPr>
-        <p:cNvPr id="1" name=""/>
-        <p:cNvGrpSpPr/>
-        <p:nvPr/>
-      </p:nvGrpSpPr>
-      <p:grpSpPr>
-        <a:xfrm>
-          <a:off x="0" y="0"/>
-          <a:ext cx="0" cy="0"/>
-          <a:chOff x="0" y="0"/>
-          <a:chExt cx="0" cy="0"/>
-        </a:xfrm>
-      </p:grpSpPr>
-      <p:sp>
-        <p:nvSpPr>
-          <p:cNvPr id="4" name="Title 3">
-            <a:extLst>
-              <a:ext uri="{FF2B5EF4-FFF2-40B4-BE49-F238E27FC236}">
-                <a16:creationId xmlns:a16="http://schemas.microsoft.com/office/drawing/2014/main" id="{79850671-DC31-4204-BA79-C472F6478216}"/>
-              </a:ext>
-            </a:extLst>
-          </p:cNvPr>
-          <p:cNvSpPr>
-            <a:spLocks noGrp="1"/>
-          </p:cNvSpPr>
-          <p:nvPr>
-            <p:ph type="title"/>
-          </p:nvPr>
-        </p:nvSpPr>
-        <p:spPr>
-          <a:xfrm>
-            <a:off x="501650" y="1198602"/>
-            <a:ext cx="9144000" cy="553998"/>
-          </a:xfrm>
-        </p:spPr>
-        <p:txBody>
-          <a:bodyPr/>
-          <a:lstStyle/>
-          <a:p>
-            <a:r>
-              <a:rPr lang="en-US" dirty="0"/>
-              <a:t>Breaking News</a:t>
-            </a:r>
-          </a:p>
-        </p:txBody>
-      </p:sp>
-      <p:pic>
-        <p:nvPicPr>
-          <p:cNvPr id="2" name="Picture 1">
-            <a:extLst>
-              <a:ext uri="{FF2B5EF4-FFF2-40B4-BE49-F238E27FC236}">
-                <a16:creationId xmlns:a16="http://schemas.microsoft.com/office/drawing/2014/main" id="{98C60FD8-D69D-40F6-B7A5-CD21FB1192D1}"/>
-              </a:ext>
-            </a:extLst>
-          </p:cNvPr>
-          <p:cNvPicPr>
-            <a:picLocks noChangeAspect="1"/>
-          </p:cNvPicPr>
-          <p:nvPr/>
-        </p:nvPicPr>
-        <p:blipFill>
-          <a:blip r:embed="rId2"/>
-          <a:stretch>
-            <a:fillRect/>
-          </a:stretch>
-        </p:blipFill>
-        <p:spPr>
-          <a:xfrm>
-            <a:off x="1207151" y="2045017"/>
-            <a:ext cx="8087851" cy="4412983"/>
-          </a:xfrm>
-          <a:prstGeom prst="rect">
-            <a:avLst/>
-          </a:prstGeom>
-        </p:spPr>
-      </p:pic>
-    </p:spTree>
-    <p:extLst>
-      <p:ext uri="{BB962C8B-B14F-4D97-AF65-F5344CB8AC3E}">
-        <p14:creationId xmlns:p14="http://schemas.microsoft.com/office/powerpoint/2010/main" val="572600280"/>
+        <p14:creationId xmlns:p14="http://schemas.microsoft.com/office/powerpoint/2010/main" val="3760874456"/>
       </p:ext>
     </p:extLst>
   </p:cSld>
@@ -9387,1090 +8963,6 @@
     <p:extLst>
       <p:ext uri="{BB962C8B-B14F-4D97-AF65-F5344CB8AC3E}">
         <p14:creationId xmlns:p14="http://schemas.microsoft.com/office/powerpoint/2010/main" val="4007832179"/>
-      </p:ext>
-    </p:extLst>
-  </p:cSld>
-  <p:clrMapOvr>
-    <a:masterClrMapping/>
-  </p:clrMapOvr>
-  <mc:AlternateContent xmlns:mc="http://schemas.openxmlformats.org/markup-compatibility/2006" xmlns:p14="http://schemas.microsoft.com/office/powerpoint/2010/main">
-    <mc:Choice Requires="p14">
-      <p:transition spd="med" p14:dur="700">
-        <p:fade/>
-      </p:transition>
-    </mc:Choice>
-    <mc:Fallback xmlns="">
-      <p:transition spd="med">
-        <p:fade/>
-      </p:transition>
-    </mc:Fallback>
-  </mc:AlternateContent>
-</p:sld>
-</file>
-
-<file path=ppt/slides/slide20.xml><?xml version="1.0" encoding="utf-8"?>
-<p:sld xmlns:a="http://schemas.openxmlformats.org/drawingml/2006/main" xmlns:r="http://schemas.openxmlformats.org/officeDocument/2006/relationships" xmlns:p="http://schemas.openxmlformats.org/presentationml/2006/main">
-  <p:cSld>
-    <p:spTree>
-      <p:nvGrpSpPr>
-        <p:cNvPr id="1" name=""/>
-        <p:cNvGrpSpPr/>
-        <p:nvPr/>
-      </p:nvGrpSpPr>
-      <p:grpSpPr>
-        <a:xfrm>
-          <a:off x="0" y="0"/>
-          <a:ext cx="0" cy="0"/>
-          <a:chOff x="0" y="0"/>
-          <a:chExt cx="0" cy="0"/>
-        </a:xfrm>
-      </p:grpSpPr>
-      <p:sp>
-        <p:nvSpPr>
-          <p:cNvPr id="2" name="TextBox 1">
-            <a:extLst>
-              <a:ext uri="{FF2B5EF4-FFF2-40B4-BE49-F238E27FC236}">
-                <a16:creationId xmlns:a16="http://schemas.microsoft.com/office/drawing/2014/main" id="{2C6D6B1C-D7C3-4588-B5CB-FD50A28D7D88}"/>
-              </a:ext>
-            </a:extLst>
-          </p:cNvPr>
-          <p:cNvSpPr txBox="1"/>
-          <p:nvPr/>
-        </p:nvSpPr>
-        <p:spPr>
-          <a:xfrm>
-            <a:off x="939973" y="1324708"/>
-            <a:ext cx="7499232" cy="4524315"/>
-          </a:xfrm>
-          <a:prstGeom prst="rect">
-            <a:avLst/>
-          </a:prstGeom>
-          <a:noFill/>
-        </p:spPr>
-        <p:txBody>
-          <a:bodyPr wrap="none" lIns="0" tIns="0" rIns="0" bIns="0" rtlCol="0">
-            <a:spAutoFit/>
-          </a:bodyPr>
-          <a:lstStyle/>
-          <a:p>
-            <a:pPr algn="l"/>
-            <a:r>
-              <a:rPr lang="en-US" sz="6600" dirty="0">
-                <a:gradFill>
-                  <a:gsLst>
-                    <a:gs pos="2917">
-                      <a:schemeClr val="tx1"/>
-                    </a:gs>
-                    <a:gs pos="30000">
-                      <a:schemeClr val="tx1"/>
-                    </a:gs>
-                  </a:gsLst>
-                  <a:lin ang="5400000" scaled="0"/>
-                </a:gradFill>
-              </a:rPr>
-              <a:t>Lunch: 12 – 1 PM</a:t>
-            </a:r>
-          </a:p>
-          <a:p>
-            <a:pPr algn="l"/>
-            <a:endParaRPr lang="en-US" sz="6600" dirty="0">
-              <a:gradFill>
-                <a:gsLst>
-                  <a:gs pos="2917">
-                    <a:schemeClr val="tx1"/>
-                  </a:gs>
-                  <a:gs pos="30000">
-                    <a:schemeClr val="tx1"/>
-                  </a:gs>
-                </a:gsLst>
-                <a:lin ang="5400000" scaled="0"/>
-              </a:gradFill>
-            </a:endParaRPr>
-          </a:p>
-          <a:p>
-            <a:pPr algn="l"/>
-            <a:r>
-              <a:rPr lang="en-US" sz="6600" dirty="0">
-                <a:gradFill>
-                  <a:gsLst>
-                    <a:gs pos="2917">
-                      <a:schemeClr val="tx1"/>
-                    </a:gs>
-                    <a:gs pos="30000">
-                      <a:schemeClr val="tx1"/>
-                    </a:gs>
-                  </a:gsLst>
-                  <a:lin ang="5400000" scaled="0"/>
-                </a:gradFill>
-              </a:rPr>
-              <a:t>KMB: 1 PM – 6 PM</a:t>
-            </a:r>
-            <a:endParaRPr lang="en-US" sz="4800" dirty="0">
-              <a:gradFill>
-                <a:gsLst>
-                  <a:gs pos="2917">
-                    <a:schemeClr val="tx1"/>
-                  </a:gs>
-                  <a:gs pos="30000">
-                    <a:schemeClr val="tx1"/>
-                  </a:gs>
-                </a:gsLst>
-                <a:lin ang="5400000" scaled="0"/>
-              </a:gradFill>
-            </a:endParaRPr>
-          </a:p>
-          <a:p>
-            <a:endParaRPr lang="en-US" sz="4800" dirty="0">
-              <a:gradFill>
-                <a:gsLst>
-                  <a:gs pos="2917">
-                    <a:schemeClr val="tx1"/>
-                  </a:gs>
-                  <a:gs pos="30000">
-                    <a:schemeClr val="tx1"/>
-                  </a:gs>
-                </a:gsLst>
-                <a:lin ang="5400000" scaled="0"/>
-              </a:gradFill>
-            </a:endParaRPr>
-          </a:p>
-          <a:p>
-            <a:pPr algn="l"/>
-            <a:r>
-              <a:rPr lang="en-US" sz="4800" dirty="0">
-                <a:gradFill>
-                  <a:gsLst>
-                    <a:gs pos="2917">
-                      <a:schemeClr val="tx1"/>
-                    </a:gs>
-                    <a:gs pos="30000">
-                      <a:schemeClr val="tx1"/>
-                    </a:gs>
-                  </a:gsLst>
-                  <a:lin ang="5400000" scaled="0"/>
-                </a:gradFill>
-                <a:hlinkClick r:id="rId2"/>
-              </a:rPr>
-              <a:t>http://aka.ms/LearnAI-kmb</a:t>
-            </a:r>
-            <a:r>
-              <a:rPr lang="en-US" sz="4800" dirty="0">
-                <a:gradFill>
-                  <a:gsLst>
-                    <a:gs pos="2917">
-                      <a:schemeClr val="tx1"/>
-                    </a:gs>
-                    <a:gs pos="30000">
-                      <a:schemeClr val="tx1"/>
-                    </a:gs>
-                  </a:gsLst>
-                  <a:lin ang="5400000" scaled="0"/>
-                </a:gradFill>
-              </a:rPr>
-              <a:t> </a:t>
-            </a:r>
-          </a:p>
-        </p:txBody>
-      </p:sp>
-    </p:spTree>
-    <p:extLst>
-      <p:ext uri="{BB962C8B-B14F-4D97-AF65-F5344CB8AC3E}">
-        <p14:creationId xmlns:p14="http://schemas.microsoft.com/office/powerpoint/2010/main" val="1597188903"/>
-      </p:ext>
-    </p:extLst>
-  </p:cSld>
-  <p:clrMapOvr>
-    <a:masterClrMapping/>
-  </p:clrMapOvr>
-  <mc:AlternateContent xmlns:mc="http://schemas.openxmlformats.org/markup-compatibility/2006" xmlns:p14="http://schemas.microsoft.com/office/powerpoint/2010/main">
-    <mc:Choice Requires="p14">
-      <p:transition spd="med" p14:dur="700">
-        <p:fade/>
-      </p:transition>
-    </mc:Choice>
-    <mc:Fallback xmlns="">
-      <p:transition spd="med">
-        <p:fade/>
-      </p:transition>
-    </mc:Fallback>
-  </mc:AlternateContent>
-</p:sld>
-</file>
-
-<file path=ppt/slides/slide21.xml><?xml version="1.0" encoding="utf-8"?>
-<p:sld xmlns:a="http://schemas.openxmlformats.org/drawingml/2006/main" xmlns:r="http://schemas.openxmlformats.org/officeDocument/2006/relationships" xmlns:p="http://schemas.openxmlformats.org/presentationml/2006/main">
-  <p:cSld>
-    <p:spTree>
-      <p:nvGrpSpPr>
-        <p:cNvPr id="1" name=""/>
-        <p:cNvGrpSpPr/>
-        <p:nvPr/>
-      </p:nvGrpSpPr>
-      <p:grpSpPr>
-        <a:xfrm>
-          <a:off x="0" y="0"/>
-          <a:ext cx="0" cy="0"/>
-          <a:chOff x="0" y="0"/>
-          <a:chExt cx="0" cy="0"/>
-        </a:xfrm>
-      </p:grpSpPr>
-      <p:sp>
-        <p:nvSpPr>
-          <p:cNvPr id="2" name="TextBox 1">
-            <a:extLst>
-              <a:ext uri="{FF2B5EF4-FFF2-40B4-BE49-F238E27FC236}">
-                <a16:creationId xmlns:a16="http://schemas.microsoft.com/office/drawing/2014/main" id="{2C6D6B1C-D7C3-4588-B5CB-FD50A28D7D88}"/>
-              </a:ext>
-            </a:extLst>
-          </p:cNvPr>
-          <p:cNvSpPr txBox="1"/>
-          <p:nvPr/>
-        </p:nvSpPr>
-        <p:spPr>
-          <a:xfrm>
-            <a:off x="883825" y="923655"/>
-            <a:ext cx="9844490" cy="5447645"/>
-          </a:xfrm>
-          <a:prstGeom prst="rect">
-            <a:avLst/>
-          </a:prstGeom>
-          <a:noFill/>
-        </p:spPr>
-        <p:txBody>
-          <a:bodyPr wrap="none" lIns="0" tIns="0" rIns="0" bIns="0" rtlCol="0">
-            <a:spAutoFit/>
-          </a:bodyPr>
-          <a:lstStyle/>
-          <a:p>
-            <a:pPr algn="l"/>
-            <a:r>
-              <a:rPr lang="en-US" sz="6600" dirty="0">
-                <a:gradFill>
-                  <a:gsLst>
-                    <a:gs pos="2917">
-                      <a:schemeClr val="tx1"/>
-                    </a:gs>
-                    <a:gs pos="30000">
-                      <a:schemeClr val="tx1"/>
-                    </a:gs>
-                  </a:gsLst>
-                  <a:lin ang="5400000" scaled="0"/>
-                </a:gradFill>
-              </a:rPr>
-              <a:t>Links</a:t>
-            </a:r>
-          </a:p>
-          <a:p>
-            <a:r>
-              <a:rPr lang="en-US" sz="4800" dirty="0">
-                <a:gradFill>
-                  <a:gsLst>
-                    <a:gs pos="2917">
-                      <a:schemeClr val="tx1"/>
-                    </a:gs>
-                    <a:gs pos="30000">
-                      <a:schemeClr val="tx1"/>
-                    </a:gs>
-                  </a:gsLst>
-                  <a:lin ang="5400000" scaled="0"/>
-                </a:gradFill>
-                <a:hlinkClick r:id="rId2"/>
-              </a:rPr>
-              <a:t>http://aka.ms/LearnAI-Links</a:t>
-            </a:r>
-            <a:r>
-              <a:rPr lang="en-US" sz="4800" dirty="0">
-                <a:gradFill>
-                  <a:gsLst>
-                    <a:gs pos="2917">
-                      <a:schemeClr val="tx1"/>
-                    </a:gs>
-                    <a:gs pos="30000">
-                      <a:schemeClr val="tx1"/>
-                    </a:gs>
-                  </a:gsLst>
-                  <a:lin ang="5400000" scaled="0"/>
-                </a:gradFill>
-              </a:rPr>
-              <a:t>  </a:t>
-            </a:r>
-          </a:p>
-          <a:p>
-            <a:endParaRPr lang="en-US" sz="4800" dirty="0">
-              <a:gradFill>
-                <a:gsLst>
-                  <a:gs pos="2917">
-                    <a:schemeClr val="tx1"/>
-                  </a:gs>
-                  <a:gs pos="30000">
-                    <a:schemeClr val="tx1"/>
-                  </a:gs>
-                </a:gsLst>
-                <a:lin ang="5400000" scaled="0"/>
-              </a:gradFill>
-            </a:endParaRPr>
-          </a:p>
-          <a:p>
-            <a:r>
-              <a:rPr lang="en-US" sz="4800" dirty="0">
-                <a:gradFill>
-                  <a:gsLst>
-                    <a:gs pos="2917">
-                      <a:schemeClr val="tx1"/>
-                    </a:gs>
-                    <a:gs pos="30000">
-                      <a:schemeClr val="tx1"/>
-                    </a:gs>
-                  </a:gsLst>
-                  <a:lin ang="5400000" scaled="0"/>
-                </a:gradFill>
-              </a:rPr>
-              <a:t>Suggestions, Feedback, Redeliveries</a:t>
-            </a:r>
-          </a:p>
-          <a:p>
-            <a:r>
-              <a:rPr lang="en-US" sz="4800" dirty="0">
-                <a:gradFill>
-                  <a:gsLst>
-                    <a:gs pos="2917">
-                      <a:schemeClr val="tx1"/>
-                    </a:gs>
-                    <a:gs pos="30000">
-                      <a:schemeClr val="tx1"/>
-                    </a:gs>
-                  </a:gsLst>
-                  <a:lin ang="5400000" scaled="0"/>
-                </a:gradFill>
-                <a:hlinkClick r:id="rId3"/>
-              </a:rPr>
-              <a:t>learnai@microsoft.com</a:t>
-            </a:r>
-            <a:r>
-              <a:rPr lang="en-US" sz="4800" dirty="0">
-                <a:gradFill>
-                  <a:gsLst>
-                    <a:gs pos="2917">
-                      <a:schemeClr val="tx1"/>
-                    </a:gs>
-                    <a:gs pos="30000">
-                      <a:schemeClr val="tx1"/>
-                    </a:gs>
-                  </a:gsLst>
-                  <a:lin ang="5400000" scaled="0"/>
-                </a:gradFill>
-              </a:rPr>
-              <a:t> </a:t>
-            </a:r>
-          </a:p>
-          <a:p>
-            <a:r>
-              <a:rPr lang="en-US" sz="4800" dirty="0">
-                <a:gradFill>
-                  <a:gsLst>
-                    <a:gs pos="2917">
-                      <a:schemeClr val="tx1"/>
-                    </a:gs>
-                    <a:gs pos="30000">
-                      <a:schemeClr val="tx1"/>
-                    </a:gs>
-                  </a:gsLst>
-                  <a:lin ang="5400000" scaled="0"/>
-                </a:gradFill>
-                <a:hlinkClick r:id="rId4"/>
-              </a:rPr>
-              <a:t>rosouz@microsoft.com</a:t>
-            </a:r>
-            <a:r>
-              <a:rPr lang="en-US" sz="4800" dirty="0">
-                <a:gradFill>
-                  <a:gsLst>
-                    <a:gs pos="2917">
-                      <a:schemeClr val="tx1"/>
-                    </a:gs>
-                    <a:gs pos="30000">
-                      <a:schemeClr val="tx1"/>
-                    </a:gs>
-                  </a:gsLst>
-                  <a:lin ang="5400000" scaled="0"/>
-                </a:gradFill>
-              </a:rPr>
-              <a:t> </a:t>
-            </a:r>
-          </a:p>
-          <a:p>
-            <a:endParaRPr lang="en-US" sz="4800" dirty="0">
-              <a:gradFill>
-                <a:gsLst>
-                  <a:gs pos="2917">
-                    <a:schemeClr val="tx1"/>
-                  </a:gs>
-                  <a:gs pos="30000">
-                    <a:schemeClr val="tx1"/>
-                  </a:gs>
-                </a:gsLst>
-                <a:lin ang="5400000" scaled="0"/>
-              </a:gradFill>
-            </a:endParaRPr>
-          </a:p>
-        </p:txBody>
-      </p:sp>
-      <p:sp>
-        <p:nvSpPr>
-          <p:cNvPr id="3" name="Explosion: 8 Points 2">
-            <a:extLst>
-              <a:ext uri="{FF2B5EF4-FFF2-40B4-BE49-F238E27FC236}">
-                <a16:creationId xmlns:a16="http://schemas.microsoft.com/office/drawing/2014/main" id="{3460E2DD-10C6-4755-ADC5-DA091E9F7DC2}"/>
-              </a:ext>
-            </a:extLst>
-          </p:cNvPr>
-          <p:cNvSpPr/>
-          <p:nvPr/>
-        </p:nvSpPr>
-        <p:spPr bwMode="auto">
-          <a:xfrm>
-            <a:off x="8165431" y="3429000"/>
-            <a:ext cx="4106779" cy="4612105"/>
-          </a:xfrm>
-          <a:prstGeom prst="irregularSeal1">
-            <a:avLst/>
-          </a:prstGeom>
-          <a:solidFill>
-            <a:schemeClr val="accent1"/>
-          </a:solidFill>
-          <a:ln>
-            <a:noFill/>
-          </a:ln>
-        </p:spPr>
-        <p:style>
-          <a:lnRef idx="0">
-            <a:scrgbClr r="0" g="0" b="0"/>
-          </a:lnRef>
-          <a:fillRef idx="0">
-            <a:scrgbClr r="0" g="0" b="0"/>
-          </a:fillRef>
-          <a:effectRef idx="0">
-            <a:scrgbClr r="0" g="0" b="0"/>
-          </a:effectRef>
-          <a:fontRef idx="minor">
-            <a:schemeClr val="lt1"/>
-          </a:fontRef>
-        </p:style>
-        <p:txBody>
-          <a:bodyPr rot="0" spcFirstLastPara="0" vert="horz" wrap="square" lIns="182880" tIns="146304" rIns="182880" bIns="146304" numCol="1" spcCol="0" rtlCol="0" fromWordArt="0" anchor="t" anchorCtr="0" forceAA="0" compatLnSpc="1">
-            <a:prstTxWarp prst="textNoShape">
-              <a:avLst/>
-            </a:prstTxWarp>
-            <a:noAutofit/>
-          </a:bodyPr>
-          <a:lstStyle/>
-          <a:p>
-            <a:pPr algn="l" defTabSz="932472" fontAlgn="base">
-              <a:spcBef>
-                <a:spcPct val="0"/>
-              </a:spcBef>
-              <a:spcAft>
-                <a:spcPct val="0"/>
-              </a:spcAft>
-            </a:pPr>
-            <a:r>
-              <a:rPr lang="en-US" sz="4000" dirty="0">
-                <a:gradFill>
-                  <a:gsLst>
-                    <a:gs pos="0">
-                      <a:srgbClr val="FFFFFF"/>
-                    </a:gs>
-                    <a:gs pos="100000">
-                      <a:srgbClr val="FFFFFF"/>
-                    </a:gs>
-                  </a:gsLst>
-                  <a:lin ang="5400000" scaled="0"/>
-                </a:gradFill>
-                <a:ea typeface="Segoe UI" pitchFamily="34" charset="0"/>
-                <a:cs typeface="Segoe UI" pitchFamily="34" charset="0"/>
-              </a:rPr>
-              <a:t>Thank you!!</a:t>
-            </a:r>
-          </a:p>
-        </p:txBody>
-      </p:sp>
-    </p:spTree>
-    <p:extLst>
-      <p:ext uri="{BB962C8B-B14F-4D97-AF65-F5344CB8AC3E}">
-        <p14:creationId xmlns:p14="http://schemas.microsoft.com/office/powerpoint/2010/main" val="3315879849"/>
-      </p:ext>
-    </p:extLst>
-  </p:cSld>
-  <p:clrMapOvr>
-    <a:masterClrMapping/>
-  </p:clrMapOvr>
-  <mc:AlternateContent xmlns:mc="http://schemas.openxmlformats.org/markup-compatibility/2006" xmlns:p14="http://schemas.microsoft.com/office/powerpoint/2010/main">
-    <mc:Choice Requires="p14">
-      <p:transition spd="med" p14:dur="700">
-        <p:fade/>
-      </p:transition>
-    </mc:Choice>
-    <mc:Fallback xmlns="">
-      <p:transition spd="med">
-        <p:fade/>
-      </p:transition>
-    </mc:Fallback>
-  </mc:AlternateContent>
-</p:sld>
-</file>
-
-<file path=ppt/slides/slide22.xml><?xml version="1.0" encoding="utf-8"?>
-<p:sld xmlns:a="http://schemas.openxmlformats.org/drawingml/2006/main" xmlns:r="http://schemas.openxmlformats.org/officeDocument/2006/relationships" xmlns:p="http://schemas.openxmlformats.org/presentationml/2006/main">
-  <p:cSld>
-    <p:spTree>
-      <p:nvGrpSpPr>
-        <p:cNvPr id="1" name=""/>
-        <p:cNvGrpSpPr/>
-        <p:nvPr/>
-      </p:nvGrpSpPr>
-      <p:grpSpPr>
-        <a:xfrm>
-          <a:off x="0" y="0"/>
-          <a:ext cx="0" cy="0"/>
-          <a:chOff x="0" y="0"/>
-          <a:chExt cx="0" cy="0"/>
-        </a:xfrm>
-      </p:grpSpPr>
-      <p:sp>
-        <p:nvSpPr>
-          <p:cNvPr id="2" name="TextBox 1">
-            <a:extLst>
-              <a:ext uri="{FF2B5EF4-FFF2-40B4-BE49-F238E27FC236}">
-                <a16:creationId xmlns:a16="http://schemas.microsoft.com/office/drawing/2014/main" id="{2C6D6B1C-D7C3-4588-B5CB-FD50A28D7D88}"/>
-              </a:ext>
-            </a:extLst>
-          </p:cNvPr>
-          <p:cNvSpPr txBox="1"/>
-          <p:nvPr/>
-        </p:nvSpPr>
-        <p:spPr>
-          <a:xfrm>
-            <a:off x="883825" y="923655"/>
-            <a:ext cx="9844490" cy="5447645"/>
-          </a:xfrm>
-          <a:prstGeom prst="rect">
-            <a:avLst/>
-          </a:prstGeom>
-          <a:noFill/>
-        </p:spPr>
-        <p:txBody>
-          <a:bodyPr wrap="none" lIns="0" tIns="0" rIns="0" bIns="0" rtlCol="0">
-            <a:spAutoFit/>
-          </a:bodyPr>
-          <a:lstStyle/>
-          <a:p>
-            <a:pPr algn="l"/>
-            <a:r>
-              <a:rPr lang="en-US" sz="6600" dirty="0">
-                <a:gradFill>
-                  <a:gsLst>
-                    <a:gs pos="2917">
-                      <a:schemeClr val="tx1"/>
-                    </a:gs>
-                    <a:gs pos="30000">
-                      <a:schemeClr val="tx1"/>
-                    </a:gs>
-                  </a:gsLst>
-                  <a:lin ang="5400000" scaled="0"/>
-                </a:gradFill>
-              </a:rPr>
-              <a:t>Survey!!</a:t>
-            </a:r>
-          </a:p>
-          <a:p>
-            <a:r>
-              <a:rPr lang="en-US" sz="4800" dirty="0">
-                <a:gradFill>
-                  <a:gsLst>
-                    <a:gs pos="2917">
-                      <a:schemeClr val="tx1"/>
-                    </a:gs>
-                    <a:gs pos="30000">
-                      <a:schemeClr val="tx1"/>
-                    </a:gs>
-                  </a:gsLst>
-                  <a:lin ang="5400000" scaled="0"/>
-                </a:gradFill>
-                <a:hlinkClick r:id="rId2"/>
-              </a:rPr>
-              <a:t>http://aka.ms/LearnAI-Airlift-Survey</a:t>
-            </a:r>
-            <a:r>
-              <a:rPr lang="en-US" sz="4800" dirty="0">
-                <a:gradFill>
-                  <a:gsLst>
-                    <a:gs pos="2917">
-                      <a:schemeClr val="tx1"/>
-                    </a:gs>
-                    <a:gs pos="30000">
-                      <a:schemeClr val="tx1"/>
-                    </a:gs>
-                  </a:gsLst>
-                  <a:lin ang="5400000" scaled="0"/>
-                </a:gradFill>
-              </a:rPr>
-              <a:t> </a:t>
-            </a:r>
-          </a:p>
-          <a:p>
-            <a:endParaRPr lang="en-US" sz="4800" dirty="0">
-              <a:gradFill>
-                <a:gsLst>
-                  <a:gs pos="2917">
-                    <a:schemeClr val="tx1"/>
-                  </a:gs>
-                  <a:gs pos="30000">
-                    <a:schemeClr val="tx1"/>
-                  </a:gs>
-                </a:gsLst>
-                <a:lin ang="5400000" scaled="0"/>
-              </a:gradFill>
-            </a:endParaRPr>
-          </a:p>
-          <a:p>
-            <a:r>
-              <a:rPr lang="en-US" sz="4800" dirty="0">
-                <a:gradFill>
-                  <a:gsLst>
-                    <a:gs pos="2917">
-                      <a:schemeClr val="tx1"/>
-                    </a:gs>
-                    <a:gs pos="30000">
-                      <a:schemeClr val="tx1"/>
-                    </a:gs>
-                  </a:gsLst>
-                  <a:lin ang="5400000" scaled="0"/>
-                </a:gradFill>
-              </a:rPr>
-              <a:t>Suggestions, Feedback, Redeliveries</a:t>
-            </a:r>
-          </a:p>
-          <a:p>
-            <a:r>
-              <a:rPr lang="en-US" sz="4800" dirty="0">
-                <a:gradFill>
-                  <a:gsLst>
-                    <a:gs pos="2917">
-                      <a:schemeClr val="tx1"/>
-                    </a:gs>
-                    <a:gs pos="30000">
-                      <a:schemeClr val="tx1"/>
-                    </a:gs>
-                  </a:gsLst>
-                  <a:lin ang="5400000" scaled="0"/>
-                </a:gradFill>
-                <a:hlinkClick r:id="rId3"/>
-              </a:rPr>
-              <a:t>learnai@microsoft.com</a:t>
-            </a:r>
-            <a:r>
-              <a:rPr lang="en-US" sz="4800" dirty="0">
-                <a:gradFill>
-                  <a:gsLst>
-                    <a:gs pos="2917">
-                      <a:schemeClr val="tx1"/>
-                    </a:gs>
-                    <a:gs pos="30000">
-                      <a:schemeClr val="tx1"/>
-                    </a:gs>
-                  </a:gsLst>
-                  <a:lin ang="5400000" scaled="0"/>
-                </a:gradFill>
-              </a:rPr>
-              <a:t> </a:t>
-            </a:r>
-          </a:p>
-          <a:p>
-            <a:r>
-              <a:rPr lang="en-US" sz="4800" dirty="0">
-                <a:gradFill>
-                  <a:gsLst>
-                    <a:gs pos="2917">
-                      <a:schemeClr val="tx1"/>
-                    </a:gs>
-                    <a:gs pos="30000">
-                      <a:schemeClr val="tx1"/>
-                    </a:gs>
-                  </a:gsLst>
-                  <a:lin ang="5400000" scaled="0"/>
-                </a:gradFill>
-                <a:hlinkClick r:id="rId4"/>
-              </a:rPr>
-              <a:t>rosouz@microsoft.com</a:t>
-            </a:r>
-            <a:r>
-              <a:rPr lang="en-US" sz="4800" dirty="0">
-                <a:gradFill>
-                  <a:gsLst>
-                    <a:gs pos="2917">
-                      <a:schemeClr val="tx1"/>
-                    </a:gs>
-                    <a:gs pos="30000">
-                      <a:schemeClr val="tx1"/>
-                    </a:gs>
-                  </a:gsLst>
-                  <a:lin ang="5400000" scaled="0"/>
-                </a:gradFill>
-              </a:rPr>
-              <a:t> </a:t>
-            </a:r>
-          </a:p>
-          <a:p>
-            <a:endParaRPr lang="en-US" sz="4800" dirty="0">
-              <a:gradFill>
-                <a:gsLst>
-                  <a:gs pos="2917">
-                    <a:schemeClr val="tx1"/>
-                  </a:gs>
-                  <a:gs pos="30000">
-                    <a:schemeClr val="tx1"/>
-                  </a:gs>
-                </a:gsLst>
-                <a:lin ang="5400000" scaled="0"/>
-              </a:gradFill>
-            </a:endParaRPr>
-          </a:p>
-        </p:txBody>
-      </p:sp>
-      <p:sp>
-        <p:nvSpPr>
-          <p:cNvPr id="3" name="Explosion: 8 Points 2">
-            <a:extLst>
-              <a:ext uri="{FF2B5EF4-FFF2-40B4-BE49-F238E27FC236}">
-                <a16:creationId xmlns:a16="http://schemas.microsoft.com/office/drawing/2014/main" id="{3460E2DD-10C6-4755-ADC5-DA091E9F7DC2}"/>
-              </a:ext>
-            </a:extLst>
-          </p:cNvPr>
-          <p:cNvSpPr/>
-          <p:nvPr/>
-        </p:nvSpPr>
-        <p:spPr bwMode="auto">
-          <a:xfrm>
-            <a:off x="8165431" y="3429000"/>
-            <a:ext cx="4106779" cy="4612105"/>
-          </a:xfrm>
-          <a:prstGeom prst="irregularSeal1">
-            <a:avLst/>
-          </a:prstGeom>
-          <a:solidFill>
-            <a:schemeClr val="accent1"/>
-          </a:solidFill>
-          <a:ln>
-            <a:noFill/>
-          </a:ln>
-        </p:spPr>
-        <p:style>
-          <a:lnRef idx="0">
-            <a:scrgbClr r="0" g="0" b="0"/>
-          </a:lnRef>
-          <a:fillRef idx="0">
-            <a:scrgbClr r="0" g="0" b="0"/>
-          </a:fillRef>
-          <a:effectRef idx="0">
-            <a:scrgbClr r="0" g="0" b="0"/>
-          </a:effectRef>
-          <a:fontRef idx="minor">
-            <a:schemeClr val="lt1"/>
-          </a:fontRef>
-        </p:style>
-        <p:txBody>
-          <a:bodyPr rot="0" spcFirstLastPara="0" vert="horz" wrap="square" lIns="182880" tIns="146304" rIns="182880" bIns="146304" numCol="1" spcCol="0" rtlCol="0" fromWordArt="0" anchor="t" anchorCtr="0" forceAA="0" compatLnSpc="1">
-            <a:prstTxWarp prst="textNoShape">
-              <a:avLst/>
-            </a:prstTxWarp>
-            <a:noAutofit/>
-          </a:bodyPr>
-          <a:lstStyle/>
-          <a:p>
-            <a:pPr algn="l" defTabSz="932472" fontAlgn="base">
-              <a:spcBef>
-                <a:spcPct val="0"/>
-              </a:spcBef>
-              <a:spcAft>
-                <a:spcPct val="0"/>
-              </a:spcAft>
-            </a:pPr>
-            <a:r>
-              <a:rPr lang="en-US" sz="4000" dirty="0">
-                <a:gradFill>
-                  <a:gsLst>
-                    <a:gs pos="0">
-                      <a:srgbClr val="FFFFFF"/>
-                    </a:gs>
-                    <a:gs pos="100000">
-                      <a:srgbClr val="FFFFFF"/>
-                    </a:gs>
-                  </a:gsLst>
-                  <a:lin ang="5400000" scaled="0"/>
-                </a:gradFill>
-                <a:ea typeface="Segoe UI" pitchFamily="34" charset="0"/>
-                <a:cs typeface="Segoe UI" pitchFamily="34" charset="0"/>
-              </a:rPr>
-              <a:t>Thank you!!</a:t>
-            </a:r>
-          </a:p>
-        </p:txBody>
-      </p:sp>
-    </p:spTree>
-    <p:extLst>
-      <p:ext uri="{BB962C8B-B14F-4D97-AF65-F5344CB8AC3E}">
-        <p14:creationId xmlns:p14="http://schemas.microsoft.com/office/powerpoint/2010/main" val="2869638216"/>
-      </p:ext>
-    </p:extLst>
-  </p:cSld>
-  <p:clrMapOvr>
-    <a:masterClrMapping/>
-  </p:clrMapOvr>
-  <mc:AlternateContent xmlns:mc="http://schemas.openxmlformats.org/markup-compatibility/2006" xmlns:p14="http://schemas.microsoft.com/office/powerpoint/2010/main">
-    <mc:Choice Requires="p14">
-      <p:transition spd="med" p14:dur="700">
-        <p:fade/>
-      </p:transition>
-    </mc:Choice>
-    <mc:Fallback xmlns="">
-      <p:transition spd="med">
-        <p:fade/>
-      </p:transition>
-    </mc:Fallback>
-  </mc:AlternateContent>
-</p:sld>
-</file>
-
-<file path=ppt/slides/slide23.xml><?xml version="1.0" encoding="utf-8"?>
-<p:sld xmlns:a="http://schemas.openxmlformats.org/drawingml/2006/main" xmlns:r="http://schemas.openxmlformats.org/officeDocument/2006/relationships" xmlns:p="http://schemas.openxmlformats.org/presentationml/2006/main">
-  <p:cSld>
-    <p:spTree>
-      <p:nvGrpSpPr>
-        <p:cNvPr id="1" name=""/>
-        <p:cNvGrpSpPr/>
-        <p:nvPr/>
-      </p:nvGrpSpPr>
-      <p:grpSpPr>
-        <a:xfrm>
-          <a:off x="0" y="0"/>
-          <a:ext cx="0" cy="0"/>
-          <a:chOff x="0" y="0"/>
-          <a:chExt cx="0" cy="0"/>
-        </a:xfrm>
-      </p:grpSpPr>
-      <p:sp>
-        <p:nvSpPr>
-          <p:cNvPr id="4" name="Title 3">
-            <a:extLst>
-              <a:ext uri="{FF2B5EF4-FFF2-40B4-BE49-F238E27FC236}">
-                <a16:creationId xmlns:a16="http://schemas.microsoft.com/office/drawing/2014/main" id="{79850671-DC31-4204-BA79-C472F6478216}"/>
-              </a:ext>
-            </a:extLst>
-          </p:cNvPr>
-          <p:cNvSpPr>
-            <a:spLocks noGrp="1"/>
-          </p:cNvSpPr>
-          <p:nvPr>
-            <p:ph type="title"/>
-          </p:nvPr>
-        </p:nvSpPr>
-        <p:spPr>
-          <a:xfrm>
-            <a:off x="501650" y="1198602"/>
-            <a:ext cx="9144000" cy="553998"/>
-          </a:xfrm>
-        </p:spPr>
-        <p:txBody>
-          <a:bodyPr/>
-          <a:lstStyle/>
-          <a:p>
-            <a:r>
-              <a:rPr lang="en-US" dirty="0"/>
-              <a:t>Rodrigo Souza</a:t>
-            </a:r>
-          </a:p>
-        </p:txBody>
-      </p:sp>
-      <p:sp>
-        <p:nvSpPr>
-          <p:cNvPr id="3" name="Rectangle 2">
-            <a:extLst>
-              <a:ext uri="{FF2B5EF4-FFF2-40B4-BE49-F238E27FC236}">
-                <a16:creationId xmlns:a16="http://schemas.microsoft.com/office/drawing/2014/main" id="{7193010D-BBAA-4CA8-B41E-BC55B6B2A0CA}"/>
-              </a:ext>
-            </a:extLst>
-          </p:cNvPr>
-          <p:cNvSpPr/>
-          <p:nvPr/>
-        </p:nvSpPr>
-        <p:spPr>
-          <a:xfrm>
-            <a:off x="368300" y="2193082"/>
-            <a:ext cx="6096000" cy="400110"/>
-          </a:xfrm>
-          <a:prstGeom prst="rect">
-            <a:avLst/>
-          </a:prstGeom>
-        </p:spPr>
-        <p:txBody>
-          <a:bodyPr>
-            <a:spAutoFit/>
-          </a:bodyPr>
-          <a:lstStyle/>
-          <a:p>
-            <a:r>
-              <a:rPr lang="en-US" sz="2000" b="1" dirty="0">
-                <a:hlinkClick r:id="rId2"/>
-              </a:rPr>
-              <a:t>rosouz@micrsosoft.com</a:t>
-            </a:r>
-            <a:r>
-              <a:rPr lang="en-US" sz="2000" b="1" dirty="0"/>
-              <a:t> </a:t>
-            </a:r>
-          </a:p>
-        </p:txBody>
-      </p:sp>
-    </p:spTree>
-    <p:extLst>
-      <p:ext uri="{BB962C8B-B14F-4D97-AF65-F5344CB8AC3E}">
-        <p14:creationId xmlns:p14="http://schemas.microsoft.com/office/powerpoint/2010/main" val="2551760854"/>
-      </p:ext>
-    </p:extLst>
-  </p:cSld>
-  <p:clrMapOvr>
-    <a:masterClrMapping/>
-  </p:clrMapOvr>
-  <mc:AlternateContent xmlns:mc="http://schemas.openxmlformats.org/markup-compatibility/2006" xmlns:p14="http://schemas.microsoft.com/office/powerpoint/2010/main">
-    <mc:Choice Requires="p14">
-      <p:transition spd="med" p14:dur="700">
-        <p:fade/>
-      </p:transition>
-    </mc:Choice>
-    <mc:Fallback xmlns="">
-      <p:transition spd="med">
-        <p:fade/>
-      </p:transition>
-    </mc:Fallback>
-  </mc:AlternateContent>
-</p:sld>
-</file>
-
-<file path=ppt/slides/slide24.xml><?xml version="1.0" encoding="utf-8"?>
-<p:sld xmlns:a="http://schemas.openxmlformats.org/drawingml/2006/main" xmlns:r="http://schemas.openxmlformats.org/officeDocument/2006/relationships" xmlns:p="http://schemas.openxmlformats.org/presentationml/2006/main">
-  <p:cSld>
-    <p:spTree>
-      <p:nvGrpSpPr>
-        <p:cNvPr id="1" name=""/>
-        <p:cNvGrpSpPr/>
-        <p:nvPr/>
-      </p:nvGrpSpPr>
-      <p:grpSpPr>
-        <a:xfrm>
-          <a:off x="0" y="0"/>
-          <a:ext cx="0" cy="0"/>
-          <a:chOff x="0" y="0"/>
-          <a:chExt cx="0" cy="0"/>
-        </a:xfrm>
-      </p:grpSpPr>
-      <p:sp>
-        <p:nvSpPr>
-          <p:cNvPr id="4" name="Title 3">
-            <a:extLst>
-              <a:ext uri="{FF2B5EF4-FFF2-40B4-BE49-F238E27FC236}">
-                <a16:creationId xmlns:a16="http://schemas.microsoft.com/office/drawing/2014/main" id="{79850671-DC31-4204-BA79-C472F6478216}"/>
-              </a:ext>
-            </a:extLst>
-          </p:cNvPr>
-          <p:cNvSpPr>
-            <a:spLocks noGrp="1"/>
-          </p:cNvSpPr>
-          <p:nvPr>
-            <p:ph type="title"/>
-          </p:nvPr>
-        </p:nvSpPr>
-        <p:spPr>
-          <a:xfrm>
-            <a:off x="501650" y="1198602"/>
-            <a:ext cx="9144000" cy="553998"/>
-          </a:xfrm>
-        </p:spPr>
-        <p:txBody>
-          <a:bodyPr/>
-          <a:lstStyle/>
-          <a:p>
-            <a:r>
-              <a:rPr lang="en-US" dirty="0"/>
-              <a:t>Custom Vision URLs</a:t>
-            </a:r>
-          </a:p>
-        </p:txBody>
-      </p:sp>
-      <p:sp>
-        <p:nvSpPr>
-          <p:cNvPr id="3" name="Rectangle 2">
-            <a:extLst>
-              <a:ext uri="{FF2B5EF4-FFF2-40B4-BE49-F238E27FC236}">
-                <a16:creationId xmlns:a16="http://schemas.microsoft.com/office/drawing/2014/main" id="{7193010D-BBAA-4CA8-B41E-BC55B6B2A0CA}"/>
-              </a:ext>
-            </a:extLst>
-          </p:cNvPr>
-          <p:cNvSpPr/>
-          <p:nvPr/>
-        </p:nvSpPr>
-        <p:spPr>
-          <a:xfrm>
-            <a:off x="368300" y="2193082"/>
-            <a:ext cx="6096000" cy="2554545"/>
-          </a:xfrm>
-          <a:prstGeom prst="rect">
-            <a:avLst/>
-          </a:prstGeom>
-        </p:spPr>
-        <p:txBody>
-          <a:bodyPr>
-            <a:spAutoFit/>
-          </a:bodyPr>
-          <a:lstStyle/>
-          <a:p>
-            <a:r>
-              <a:rPr lang="en-US" sz="2000" b="1" dirty="0">
-                <a:hlinkClick r:id="rId2"/>
-              </a:rPr>
-              <a:t>https://docs.microsoft.com/en-gb/azure/cognitive-services/custom-vision-service/getting-started-build-a-classifier</a:t>
-            </a:r>
-            <a:endParaRPr lang="en-US" sz="2000" b="1" dirty="0"/>
-          </a:p>
-          <a:p>
-            <a:endParaRPr lang="en-US" sz="2000" b="1" dirty="0"/>
-          </a:p>
-          <a:p>
-            <a:endParaRPr lang="en-US" sz="2000" b="1" dirty="0"/>
-          </a:p>
-          <a:p>
-            <a:r>
-              <a:rPr lang="en-US" sz="2000" b="1" dirty="0">
-                <a:hlinkClick r:id="rId3"/>
-              </a:rPr>
-              <a:t>http://customvision.ai</a:t>
-            </a:r>
-            <a:r>
-              <a:rPr lang="en-US" sz="2000" b="1" dirty="0"/>
-              <a:t> </a:t>
-            </a:r>
-          </a:p>
-          <a:p>
-            <a:endParaRPr lang="en-US" sz="2000" b="1" dirty="0"/>
-          </a:p>
-          <a:p>
-            <a:endParaRPr lang="en-US" sz="2000" b="1" dirty="0"/>
-          </a:p>
-        </p:txBody>
-      </p:sp>
-    </p:spTree>
-    <p:extLst>
-      <p:ext uri="{BB962C8B-B14F-4D97-AF65-F5344CB8AC3E}">
-        <p14:creationId xmlns:p14="http://schemas.microsoft.com/office/powerpoint/2010/main" val="1694421879"/>
       </p:ext>
     </p:extLst>
   </p:cSld>
@@ -12561,6 +11053,15 @@
 </file>
 
 <file path=customXml/item1.xml><?xml version="1.0" encoding="utf-8"?>
+<?mso-contentType ?>
+<FormTemplates xmlns="http://schemas.microsoft.com/sharepoint/v3/contenttype/forms">
+  <Display>DocumentLibraryForm</Display>
+  <Edit>DocumentLibraryForm</Edit>
+  <New>DocumentLibraryForm</New>
+</FormTemplates>
+</file>
+
+<file path=customXml/item2.xml><?xml version="1.0" encoding="utf-8"?>
 <ct:contentTypeSchema xmlns:ct="http://schemas.microsoft.com/office/2006/metadata/contentType" xmlns:ma="http://schemas.microsoft.com/office/2006/metadata/properties/metaAttributes" ct:_="" ma:_="" ma:contentTypeName="Document" ma:contentTypeID="0x010100A2B0BB5962AB3C45A9A1CE1EC4C4F647" ma:contentTypeVersion="3" ma:contentTypeDescription="Create a new document." ma:contentTypeScope="" ma:versionID="f0876370c90de824ab54c09b0bd2a056">
   <xsd:schema xmlns:xsd="http://www.w3.org/2001/XMLSchema" xmlns:xs="http://www.w3.org/2001/XMLSchema" xmlns:p="http://schemas.microsoft.com/office/2006/metadata/properties" xmlns:ns3="630a2e83-186a-4a0f-ab27-bee8a8096abc" targetNamespace="http://schemas.microsoft.com/office/2006/metadata/properties" ma:root="true" ma:fieldsID="a2a3b5ed8b4accd7c8a398d0cb075271" ns3:_="">
     <xsd:import namespace="630a2e83-186a-4a0f-ab27-bee8a8096abc"/>
@@ -12714,15 +11215,6 @@
 </ct:contentTypeSchema>
 </file>
 
-<file path=customXml/item2.xml><?xml version="1.0" encoding="utf-8"?>
-<?mso-contentType ?>
-<FormTemplates xmlns="http://schemas.microsoft.com/sharepoint/v3/contenttype/forms">
-  <Display>DocumentLibraryForm</Display>
-  <Edit>DocumentLibraryForm</Edit>
-  <New>DocumentLibraryForm</New>
-</FormTemplates>
-</file>
-
 <file path=customXml/item3.xml><?xml version="1.0" encoding="utf-8"?>
 <p:properties xmlns:p="http://schemas.microsoft.com/office/2006/metadata/properties" xmlns:xsi="http://www.w3.org/2001/XMLSchema-instance" xmlns:pc="http://schemas.microsoft.com/office/infopath/2007/PartnerControls">
   <documentManagement/>
@@ -12730,6 +11222,14 @@
 </file>
 
 <file path=customXml/itemProps1.xml><?xml version="1.0" encoding="utf-8"?>
+<ds:datastoreItem xmlns:ds="http://schemas.openxmlformats.org/officeDocument/2006/customXml" ds:itemID="{758FDAC0-319D-4A54-8D8E-1D42CB1F8004}">
+  <ds:schemaRefs>
+    <ds:schemaRef ds:uri="http://schemas.microsoft.com/sharepoint/v3/contenttype/forms"/>
+  </ds:schemaRefs>
+</ds:datastoreItem>
+</file>
+
+<file path=customXml/itemProps2.xml><?xml version="1.0" encoding="utf-8"?>
 <ds:datastoreItem xmlns:ds="http://schemas.openxmlformats.org/officeDocument/2006/customXml" ds:itemID="{F330841A-A209-44E7-824E-9DDB4DE0DC3C}">
   <ds:schemaRefs>
     <ds:schemaRef ds:uri="http://schemas.microsoft.com/office/2006/metadata/contentType"/>
@@ -12747,14 +11247,6 @@
 </ds:datastoreItem>
 </file>
 
-<file path=customXml/itemProps2.xml><?xml version="1.0" encoding="utf-8"?>
-<ds:datastoreItem xmlns:ds="http://schemas.openxmlformats.org/officeDocument/2006/customXml" ds:itemID="{758FDAC0-319D-4A54-8D8E-1D42CB1F8004}">
-  <ds:schemaRefs>
-    <ds:schemaRef ds:uri="http://schemas.microsoft.com/sharepoint/v3/contenttype/forms"/>
-  </ds:schemaRefs>
-</ds:datastoreItem>
-</file>
-
 <file path=customXml/itemProps3.xml><?xml version="1.0" encoding="utf-8"?>
 <ds:datastoreItem xmlns:ds="http://schemas.openxmlformats.org/officeDocument/2006/customXml" ds:itemID="{F990F116-B58F-4255-B05B-DA3808E0E5C6}">
   <ds:schemaRefs>

--- a/resources/slides/Opening.pptx
+++ b/resources/slides/Opening.pptx
@@ -178,7 +178,7 @@
 <file path=ppt/revisionInfo.xml><?xml version="1.0" encoding="utf-8"?>
 <p1510:revInfo xmlns:a="http://schemas.openxmlformats.org/drawingml/2006/main" xmlns:r="http://schemas.openxmlformats.org/officeDocument/2006/relationships" xmlns:p1510="http://schemas.microsoft.com/office/powerpoint/2015/10/main">
   <p1510:revLst>
-    <p1510:client id="{58FE1A85-EBFA-4101-8B29-DD36DF8C6638}" v="26" dt="2019-09-27T17:44:24.236"/>
+    <p1510:client id="{58FE1A85-EBFA-4101-8B29-DD36DF8C6638}" v="32" dt="2019-09-27T18:04:55.539"/>
   </p1510:revLst>
 </p1510:revInfo>
 </file>
@@ -188,10 +188,25 @@
   <pc:docChgLst>
     <pc:chgData name="Rodrigo Souza" userId="3f1b70c4-e612-4552-8d48-b67fafb1b6d4" providerId="ADAL" clId="{58FE1A85-EBFA-4101-8B29-DD36DF8C6638}"/>
     <pc:docChg chg="undo custSel addSld delSld modSld">
-      <pc:chgData name="Rodrigo Souza" userId="3f1b70c4-e612-4552-8d48-b67fafb1b6d4" providerId="ADAL" clId="{58FE1A85-EBFA-4101-8B29-DD36DF8C6638}" dt="2019-09-27T17:45:31.994" v="187" actId="2696"/>
+      <pc:chgData name="Rodrigo Souza" userId="3f1b70c4-e612-4552-8d48-b67fafb1b6d4" providerId="ADAL" clId="{58FE1A85-EBFA-4101-8B29-DD36DF8C6638}" dt="2019-09-29T00:23:12.627" v="270" actId="2696"/>
       <pc:docMkLst>
         <pc:docMk/>
       </pc:docMkLst>
+      <pc:sldChg chg="modSp">
+        <pc:chgData name="Rodrigo Souza" userId="3f1b70c4-e612-4552-8d48-b67fafb1b6d4" providerId="ADAL" clId="{58FE1A85-EBFA-4101-8B29-DD36DF8C6638}" dt="2019-09-27T18:00:44.493" v="218" actId="20577"/>
+        <pc:sldMkLst>
+          <pc:docMk/>
+          <pc:sldMk cId="3198738927" sldId="258"/>
+        </pc:sldMkLst>
+        <pc:spChg chg="mod">
+          <ac:chgData name="Rodrigo Souza" userId="3f1b70c4-e612-4552-8d48-b67fafb1b6d4" providerId="ADAL" clId="{58FE1A85-EBFA-4101-8B29-DD36DF8C6638}" dt="2019-09-27T18:00:44.493" v="218" actId="20577"/>
+          <ac:spMkLst>
+            <pc:docMk/>
+            <pc:sldMk cId="3198738927" sldId="258"/>
+            <ac:spMk id="5" creationId="{F4B89E80-BCA2-45C9-A268-D9E21A2074D8}"/>
+          </ac:spMkLst>
+        </pc:spChg>
+      </pc:sldChg>
       <pc:sldChg chg="addSp delSp modSp add">
         <pc:chgData name="Rodrigo Souza" userId="3f1b70c4-e612-4552-8d48-b67fafb1b6d4" providerId="ADAL" clId="{58FE1A85-EBFA-4101-8B29-DD36DF8C6638}" dt="2019-09-19T04:13:17.821" v="30" actId="1076"/>
         <pc:sldMkLst>
@@ -224,6 +239,21 @@
         </pc:picChg>
       </pc:sldChg>
       <pc:sldChg chg="modSp">
+        <pc:chgData name="Rodrigo Souza" userId="3f1b70c4-e612-4552-8d48-b67fafb1b6d4" providerId="ADAL" clId="{58FE1A85-EBFA-4101-8B29-DD36DF8C6638}" dt="2019-09-27T18:00:08.981" v="206" actId="403"/>
+        <pc:sldMkLst>
+          <pc:docMk/>
+          <pc:sldMk cId="4007832179" sldId="3370"/>
+        </pc:sldMkLst>
+        <pc:spChg chg="mod">
+          <ac:chgData name="Rodrigo Souza" userId="3f1b70c4-e612-4552-8d48-b67fafb1b6d4" providerId="ADAL" clId="{58FE1A85-EBFA-4101-8B29-DD36DF8C6638}" dt="2019-09-27T18:00:08.981" v="206" actId="403"/>
+          <ac:spMkLst>
+            <pc:docMk/>
+            <pc:sldMk cId="4007832179" sldId="3370"/>
+            <ac:spMk id="4" creationId="{79850671-DC31-4204-BA79-C472F6478216}"/>
+          </ac:spMkLst>
+        </pc:spChg>
+      </pc:sldChg>
+      <pc:sldChg chg="modSp">
         <pc:chgData name="Rodrigo Souza" userId="3f1b70c4-e612-4552-8d48-b67fafb1b6d4" providerId="ADAL" clId="{58FE1A85-EBFA-4101-8B29-DD36DF8C6638}" dt="2019-09-26T20:33:02.342" v="58" actId="20577"/>
         <pc:sldMkLst>
           <pc:docMk/>
@@ -235,6 +265,21 @@
             <pc:docMk/>
             <pc:sldMk cId="3179360335" sldId="3371"/>
             <ac:spMk id="7" creationId="{D3A754C3-F854-4677-B5F3-524C47D7A1CB}"/>
+          </ac:spMkLst>
+        </pc:spChg>
+      </pc:sldChg>
+      <pc:sldChg chg="addSp modSp modAnim">
+        <pc:chgData name="Rodrigo Souza" userId="3f1b70c4-e612-4552-8d48-b67fafb1b6d4" providerId="ADAL" clId="{58FE1A85-EBFA-4101-8B29-DD36DF8C6638}" dt="2019-09-27T17:54:19.794" v="197"/>
+        <pc:sldMkLst>
+          <pc:docMk/>
+          <pc:sldMk cId="381192199" sldId="3375"/>
+        </pc:sldMkLst>
+        <pc:spChg chg="add mod">
+          <ac:chgData name="Rodrigo Souza" userId="3f1b70c4-e612-4552-8d48-b67fafb1b6d4" providerId="ADAL" clId="{58FE1A85-EBFA-4101-8B29-DD36DF8C6638}" dt="2019-09-27T17:54:09.654" v="196" actId="20577"/>
+          <ac:spMkLst>
+            <pc:docMk/>
+            <pc:sldMk cId="381192199" sldId="3375"/>
+            <ac:spMk id="2" creationId="{27221C60-AE20-4182-8346-A1A60FF2E415}"/>
           </ac:spMkLst>
         </pc:spChg>
       </pc:sldChg>
@@ -272,6 +317,21 @@
           <pc:docMk/>
           <pc:sldMk cId="572600280" sldId="3390"/>
         </pc:sldMkLst>
+      </pc:sldChg>
+      <pc:sldChg chg="modSp">
+        <pc:chgData name="Rodrigo Souza" userId="3f1b70c4-e612-4552-8d48-b67fafb1b6d4" providerId="ADAL" clId="{58FE1A85-EBFA-4101-8B29-DD36DF8C6638}" dt="2019-09-27T21:29:22.851" v="269" actId="20577"/>
+        <pc:sldMkLst>
+          <pc:docMk/>
+          <pc:sldMk cId="3760874456" sldId="3393"/>
+        </pc:sldMkLst>
+        <pc:spChg chg="mod">
+          <ac:chgData name="Rodrigo Souza" userId="3f1b70c4-e612-4552-8d48-b67fafb1b6d4" providerId="ADAL" clId="{58FE1A85-EBFA-4101-8B29-DD36DF8C6638}" dt="2019-09-27T21:29:22.851" v="269" actId="20577"/>
+          <ac:spMkLst>
+            <pc:docMk/>
+            <pc:sldMk cId="3760874456" sldId="3393"/>
+            <ac:spMk id="4" creationId="{79850671-DC31-4204-BA79-C472F6478216}"/>
+          </ac:spMkLst>
+        </pc:spChg>
       </pc:sldChg>
       <pc:sldChg chg="modSp">
         <pc:chgData name="Rodrigo Souza" userId="3f1b70c4-e612-4552-8d48-b67fafb1b6d4" providerId="ADAL" clId="{58FE1A85-EBFA-4101-8B29-DD36DF8C6638}" dt="2019-09-19T17:32:27.540" v="56"/>
@@ -406,6 +466,37 @@
           <pc:docMk/>
           <pc:sldMk cId="3281733134" sldId="3409"/>
         </pc:sldMkLst>
+      </pc:sldChg>
+      <pc:sldChg chg="addSp delSp modSp add del">
+        <pc:chgData name="Rodrigo Souza" userId="3f1b70c4-e612-4552-8d48-b67fafb1b6d4" providerId="ADAL" clId="{58FE1A85-EBFA-4101-8B29-DD36DF8C6638}" dt="2019-09-29T00:23:12.627" v="270" actId="2696"/>
+        <pc:sldMkLst>
+          <pc:docMk/>
+          <pc:sldMk cId="3896968309" sldId="3410"/>
+        </pc:sldMkLst>
+        <pc:spChg chg="add mod">
+          <ac:chgData name="Rodrigo Souza" userId="3f1b70c4-e612-4552-8d48-b67fafb1b6d4" providerId="ADAL" clId="{58FE1A85-EBFA-4101-8B29-DD36DF8C6638}" dt="2019-09-27T18:05:09.415" v="237" actId="14100"/>
+          <ac:spMkLst>
+            <pc:docMk/>
+            <pc:sldMk cId="3896968309" sldId="3410"/>
+            <ac:spMk id="5" creationId="{F8F1ABFA-CC9D-41FB-A19E-B79E0182A569}"/>
+          </ac:spMkLst>
+        </pc:spChg>
+        <pc:picChg chg="add mod">
+          <ac:chgData name="Rodrigo Souza" userId="3f1b70c4-e612-4552-8d48-b67fafb1b6d4" providerId="ADAL" clId="{58FE1A85-EBFA-4101-8B29-DD36DF8C6638}" dt="2019-09-27T18:04:31.943" v="223" actId="1076"/>
+          <ac:picMkLst>
+            <pc:docMk/>
+            <pc:sldMk cId="3896968309" sldId="3410"/>
+            <ac:picMk id="2" creationId="{BDD401E1-6E61-4159-B4FB-25ED29103E7E}"/>
+          </ac:picMkLst>
+        </pc:picChg>
+        <pc:picChg chg="del">
+          <ac:chgData name="Rodrigo Souza" userId="3f1b70c4-e612-4552-8d48-b67fafb1b6d4" providerId="ADAL" clId="{58FE1A85-EBFA-4101-8B29-DD36DF8C6638}" dt="2019-09-27T18:04:01.327" v="220" actId="478"/>
+          <ac:picMkLst>
+            <pc:docMk/>
+            <pc:sldMk cId="3896968309" sldId="3410"/>
+            <ac:picMk id="3" creationId="{ED967CDF-DF86-4B4D-B573-AA4D0D0726EE}"/>
+          </ac:picMkLst>
+        </pc:picChg>
       </pc:sldChg>
     </pc:docChg>
   </pc:docChgLst>
@@ -916,7 +1007,7 @@
               <a:rPr lang="en-US" smtClean="0">
                 <a:latin typeface="Segoe UI" pitchFamily="34" charset="0"/>
               </a:rPr>
-              <a:t>9/27/2019 12:41 PM</a:t>
+              <a:t>9/28/2019 7:23 PM</a:t>
             </a:fld>
             <a:endParaRPr lang="en-US" dirty="0">
               <a:latin typeface="Segoe UI" pitchFamily="34" charset="0"/>
@@ -1194,7 +1285,7 @@
           <a:p>
             <a:fld id="{2A684A5B-FAB6-4A00-8C57-4D12C178E703}" type="datetime8">
               <a:rPr lang="en-US" smtClean="0"/>
-              <a:t>9/27/2019 12:41 PM</a:t>
+              <a:t>9/28/2019 7:23 PM</a:t>
             </a:fld>
             <a:endParaRPr lang="en-US" dirty="0"/>
           </a:p>
@@ -1663,7 +1754,7 @@
                 <a:tabLst/>
                 <a:defRPr/>
               </a:pPr>
-              <a:t>9/27/2019 12:41 PM</a:t>
+              <a:t>9/28/2019 7:23 PM</a:t>
             </a:fld>
             <a:endParaRPr kumimoji="0" lang="en-US" sz="1800" b="0" i="0" u="none" strike="noStrike" kern="0" cap="none" spc="0" normalizeH="0" baseline="0" noProof="0" dirty="0">
               <a:ln>
@@ -7783,7 +7874,7 @@
           <a:p>
             <a:r>
               <a:rPr lang="en-US" dirty="0"/>
-              <a:t>Cloud &amp; AI</a:t>
+              <a:t>Cloud &amp; AI – ACE Team</a:t>
             </a:r>
           </a:p>
         </p:txBody>
@@ -8816,8 +8907,8 @@
         </p:nvSpPr>
         <p:spPr>
           <a:xfrm>
-            <a:off x="591307" y="1415669"/>
-            <a:ext cx="9144000" cy="2769989"/>
+            <a:off x="650942" y="1184910"/>
+            <a:ext cx="9144000" cy="4431983"/>
           </a:xfrm>
         </p:spPr>
         <p:txBody>
@@ -8827,6 +8918,35 @@
             <a:r>
               <a:rPr lang="en-US" dirty="0"/>
               <a:t>Thank you!</a:t>
+            </a:r>
+            <a:br>
+              <a:rPr lang="en-US" dirty="0"/>
+            </a:br>
+            <a:br>
+              <a:rPr lang="en-US" dirty="0"/>
+            </a:br>
+            <a:r>
+              <a:rPr lang="en-US" dirty="0"/>
+              <a:t>Aka.ms/</a:t>
+            </a:r>
+            <a:r>
+              <a:rPr lang="en-US" dirty="0" err="1"/>
+              <a:t>kmb</a:t>
+            </a:r>
+            <a:r>
+              <a:rPr lang="en-US" dirty="0"/>
+              <a:t> </a:t>
+            </a:r>
+            <a:br>
+              <a:rPr lang="en-US" dirty="0"/>
+            </a:br>
+            <a:r>
+              <a:rPr lang="en-US" dirty="0"/>
+              <a:t>aka.ms/</a:t>
+            </a:r>
+            <a:r>
+              <a:rPr lang="en-US" dirty="0" err="1"/>
+              <a:t>kma</a:t>
             </a:r>
             <a:br>
               <a:rPr lang="en-US" dirty="0"/>
@@ -8918,8 +9038,8 @@
         </p:nvSpPr>
         <p:spPr>
           <a:xfrm>
-            <a:off x="582569" y="1158930"/>
-            <a:ext cx="9144000" cy="2769989"/>
+            <a:off x="569317" y="1560014"/>
+            <a:ext cx="6659744" cy="2031325"/>
           </a:xfrm>
         </p:spPr>
         <p:txBody>
@@ -8927,33 +9047,29 @@
           <a:lstStyle/>
           <a:p>
             <a:r>
-              <a:rPr lang="en-US" dirty="0"/>
+              <a:rPr lang="en-US" sz="4400" dirty="0"/>
               <a:t>This Training</a:t>
             </a:r>
             <a:br>
-              <a:rPr lang="en-US" dirty="0"/>
+              <a:rPr lang="en-US" sz="4400" dirty="0"/>
             </a:br>
             <a:br>
-              <a:rPr lang="en-US" dirty="0"/>
+              <a:rPr lang="en-US" sz="4400" dirty="0"/>
             </a:br>
             <a:r>
-              <a:rPr lang="en-US" dirty="0">
+              <a:rPr lang="en-US" sz="4400" dirty="0">
                 <a:hlinkClick r:id="rId2"/>
               </a:rPr>
-              <a:t>aka.ms/kmb</a:t>
-            </a:r>
-            <a:r>
-              <a:rPr lang="en-US" dirty="0"/>
-              <a:t>  </a:t>
-            </a:r>
-            <a:br>
-              <a:rPr lang="en-US" dirty="0"/>
-            </a:br>
-            <a:br>
-              <a:rPr lang="en-US" dirty="0"/>
-            </a:br>
-            <a:r>
-              <a:rPr lang="en-US" dirty="0"/>
+              <a:t>aka.ms/</a:t>
+            </a:r>
+            <a:r>
+              <a:rPr lang="en-US" sz="4400" dirty="0" err="1">
+                <a:hlinkClick r:id="rId2"/>
+              </a:rPr>
+              <a:t>kmb</a:t>
+            </a:r>
+            <a:r>
+              <a:rPr lang="en-US" sz="4400" dirty="0"/>
               <a:t> </a:t>
             </a:r>
           </a:p>
@@ -9461,6 +9577,85 @@
           </a:p>
         </p:txBody>
       </p:sp>
+      <p:sp>
+        <p:nvSpPr>
+          <p:cNvPr id="2" name="Explosion: 14 Points 1">
+            <a:extLst>
+              <a:ext uri="{FF2B5EF4-FFF2-40B4-BE49-F238E27FC236}">
+                <a16:creationId xmlns:a16="http://schemas.microsoft.com/office/drawing/2014/main" id="{27221C60-AE20-4182-8346-A1A60FF2E415}"/>
+              </a:ext>
+            </a:extLst>
+          </p:cNvPr>
+          <p:cNvSpPr/>
+          <p:nvPr/>
+        </p:nvSpPr>
+        <p:spPr bwMode="auto">
+          <a:xfrm>
+            <a:off x="7885043" y="689650"/>
+            <a:ext cx="4154557" cy="2411895"/>
+          </a:xfrm>
+          <a:prstGeom prst="irregularSeal2">
+            <a:avLst/>
+          </a:prstGeom>
+          <a:solidFill>
+            <a:schemeClr val="accent1"/>
+          </a:solidFill>
+          <a:ln>
+            <a:noFill/>
+          </a:ln>
+        </p:spPr>
+        <p:style>
+          <a:lnRef idx="0">
+            <a:scrgbClr r="0" g="0" b="0"/>
+          </a:lnRef>
+          <a:fillRef idx="0">
+            <a:scrgbClr r="0" g="0" b="0"/>
+          </a:fillRef>
+          <a:effectRef idx="0">
+            <a:scrgbClr r="0" g="0" b="0"/>
+          </a:effectRef>
+          <a:fontRef idx="minor">
+            <a:schemeClr val="lt1"/>
+          </a:fontRef>
+        </p:style>
+        <p:txBody>
+          <a:bodyPr rot="0" spcFirstLastPara="0" vert="horz" wrap="square" lIns="182880" tIns="146304" rIns="182880" bIns="146304" numCol="1" spcCol="0" rtlCol="0" fromWordArt="0" anchor="t" anchorCtr="0" forceAA="0" compatLnSpc="1">
+            <a:prstTxWarp prst="textNoShape">
+              <a:avLst/>
+            </a:prstTxWarp>
+            <a:noAutofit/>
+          </a:bodyPr>
+          <a:lstStyle/>
+          <a:p>
+            <a:pPr algn="l" defTabSz="932472" fontAlgn="base">
+              <a:spcBef>
+                <a:spcPct val="0"/>
+              </a:spcBef>
+              <a:spcAft>
+                <a:spcPct val="0"/>
+              </a:spcAft>
+            </a:pPr>
+            <a:r>
+              <a:rPr lang="en-US" sz="2000" dirty="0">
+                <a:gradFill>
+                  <a:gsLst>
+                    <a:gs pos="0">
+                      <a:srgbClr val="FFFFFF"/>
+                    </a:gs>
+                    <a:gs pos="100000">
+                      <a:srgbClr val="FFFFFF"/>
+                    </a:gs>
+                  </a:gsLst>
+                  <a:lin ang="5400000" scaled="0"/>
+                </a:gradFill>
+                <a:ea typeface="Segoe UI" pitchFamily="34" charset="0"/>
+                <a:cs typeface="Segoe UI" pitchFamily="34" charset="0"/>
+              </a:rPr>
+              <a:t>Demo!!</a:t>
+            </a:r>
+          </a:p>
+        </p:txBody>
+      </p:sp>
     </p:spTree>
     <p:extLst>
       <p:ext uri="{BB962C8B-B14F-4D97-AF65-F5344CB8AC3E}">
@@ -9483,6 +9678,84 @@
       </p:transition>
     </mc:Fallback>
   </mc:AlternateContent>
+  <p:timing>
+    <p:tnLst>
+      <p:par>
+        <p:cTn id="1" dur="indefinite" restart="never" nodeType="tmRoot">
+          <p:childTnLst>
+            <p:seq concurrent="1" nextAc="seek">
+              <p:cTn id="2" dur="indefinite" nodeType="mainSeq">
+                <p:childTnLst>
+                  <p:par>
+                    <p:cTn id="3" fill="hold">
+                      <p:stCondLst>
+                        <p:cond delay="indefinite"/>
+                      </p:stCondLst>
+                      <p:childTnLst>
+                        <p:par>
+                          <p:cTn id="4" fill="hold">
+                            <p:stCondLst>
+                              <p:cond delay="0"/>
+                            </p:stCondLst>
+                            <p:childTnLst>
+                              <p:par>
+                                <p:cTn id="5" presetID="1" presetClass="entr" presetSubtype="0" fill="hold" grpId="0" nodeType="clickEffect">
+                                  <p:stCondLst>
+                                    <p:cond delay="0"/>
+                                  </p:stCondLst>
+                                  <p:childTnLst>
+                                    <p:set>
+                                      <p:cBhvr>
+                                        <p:cTn id="6" dur="1" fill="hold">
+                                          <p:stCondLst>
+                                            <p:cond delay="0"/>
+                                          </p:stCondLst>
+                                        </p:cTn>
+                                        <p:tgtEl>
+                                          <p:spTgt spid="2"/>
+                                        </p:tgtEl>
+                                        <p:attrNameLst>
+                                          <p:attrName>style.visibility</p:attrName>
+                                        </p:attrNameLst>
+                                      </p:cBhvr>
+                                      <p:to>
+                                        <p:strVal val="visible"/>
+                                      </p:to>
+                                    </p:set>
+                                  </p:childTnLst>
+                                </p:cTn>
+                              </p:par>
+                            </p:childTnLst>
+                          </p:cTn>
+                        </p:par>
+                      </p:childTnLst>
+                    </p:cTn>
+                  </p:par>
+                </p:childTnLst>
+              </p:cTn>
+              <p:prevCondLst>
+                <p:cond evt="onPrev" delay="0">
+                  <p:tgtEl>
+                    <p:sldTgt/>
+                  </p:tgtEl>
+                </p:cond>
+              </p:prevCondLst>
+              <p:nextCondLst>
+                <p:cond evt="onNext" delay="0">
+                  <p:tgtEl>
+                    <p:sldTgt/>
+                  </p:tgtEl>
+                </p:cond>
+              </p:nextCondLst>
+            </p:seq>
+          </p:childTnLst>
+        </p:cTn>
+      </p:par>
+    </p:tnLst>
+    <p:bldLst>
+      <p:bldP spid="2" grpId="0" animBg="1"/>
+    </p:bldLst>
+  </p:timing>
 </p:sld>
 </file>
 

--- a/resources/slides/Opening.pptx
+++ b/resources/slides/Opening.pptx
@@ -7,30 +7,33 @@
     <p:sldMasterId id="2147484872" r:id="rId6"/>
   </p:sldMasterIdLst>
   <p:notesMasterIdLst>
-    <p:notesMasterId r:id="rId25"/>
+    <p:notesMasterId r:id="rId28"/>
   </p:notesMasterIdLst>
   <p:handoutMasterIdLst>
-    <p:handoutMasterId r:id="rId26"/>
+    <p:handoutMasterId r:id="rId29"/>
   </p:handoutMasterIdLst>
   <p:sldIdLst>
     <p:sldId id="1720" r:id="rId7"/>
     <p:sldId id="1994" r:id="rId8"/>
     <p:sldId id="1660" r:id="rId9"/>
-    <p:sldId id="3404" r:id="rId10"/>
-    <p:sldId id="3405" r:id="rId11"/>
-    <p:sldId id="1670" r:id="rId12"/>
-    <p:sldId id="2042" r:id="rId13"/>
-    <p:sldId id="1548" r:id="rId14"/>
-    <p:sldId id="1635" r:id="rId15"/>
-    <p:sldId id="2043" r:id="rId16"/>
-    <p:sldId id="2044" r:id="rId17"/>
-    <p:sldId id="2045" r:id="rId18"/>
-    <p:sldId id="2046" r:id="rId19"/>
-    <p:sldId id="3394" r:id="rId20"/>
-    <p:sldId id="3395" r:id="rId21"/>
-    <p:sldId id="3403" r:id="rId22"/>
-    <p:sldId id="3384" r:id="rId23"/>
-    <p:sldId id="3393" r:id="rId24"/>
+    <p:sldId id="3410" r:id="rId10"/>
+    <p:sldId id="3409" r:id="rId11"/>
+    <p:sldId id="3404" r:id="rId12"/>
+    <p:sldId id="3406" r:id="rId13"/>
+    <p:sldId id="3405" r:id="rId14"/>
+    <p:sldId id="1670" r:id="rId15"/>
+    <p:sldId id="2042" r:id="rId16"/>
+    <p:sldId id="1548" r:id="rId17"/>
+    <p:sldId id="1635" r:id="rId18"/>
+    <p:sldId id="2043" r:id="rId19"/>
+    <p:sldId id="2044" r:id="rId20"/>
+    <p:sldId id="2045" r:id="rId21"/>
+    <p:sldId id="2046" r:id="rId22"/>
+    <p:sldId id="3394" r:id="rId23"/>
+    <p:sldId id="3395" r:id="rId24"/>
+    <p:sldId id="3403" r:id="rId25"/>
+    <p:sldId id="3384" r:id="rId26"/>
+    <p:sldId id="3393" r:id="rId27"/>
   </p:sldIdLst>
   <p:sldSz cx="12192000" cy="6858000"/>
   <p:notesSz cx="6858000" cy="9144000"/>
@@ -182,13 +185,244 @@
 <file path=ppt/revisionInfo.xml><?xml version="1.0" encoding="utf-8"?>
 <p1510:revInfo xmlns:a="http://schemas.openxmlformats.org/drawingml/2006/main" xmlns:r="http://schemas.openxmlformats.org/officeDocument/2006/relationships" xmlns:p1510="http://schemas.microsoft.com/office/powerpoint/2015/10/main">
   <p1510:revLst>
-    <p1510:client id="{D67B6D95-CDFC-429E-B2C2-6C60F1609BB3}" v="8" dt="2019-11-01T11:46:14.161"/>
+    <p1510:client id="{D67B6D95-CDFC-429E-B2C2-6C60F1609BB3}" v="34" dt="2019-11-03T12:54:39.142"/>
   </p1510:revLst>
 </p1510:revInfo>
 </file>
 
 <file path=ppt/changesInfos/changesInfo1.xml><?xml version="1.0" encoding="utf-8"?>
 <pc:chgInfo xmlns:a="http://schemas.openxmlformats.org/drawingml/2006/main" xmlns:r="http://schemas.openxmlformats.org/officeDocument/2006/relationships" xmlns:ac="http://schemas.microsoft.com/office/drawing/2013/main/command" xmlns:pc="http://schemas.microsoft.com/office/powerpoint/2013/main/command">
+  <pc:docChgLst>
+    <pc:chgData name="Rodrigo Souza" userId="fdd20d9ea302e74f" providerId="LiveId" clId="{D67B6D95-CDFC-429E-B2C2-6C60F1609BB3}"/>
+    <pc:docChg chg="custSel addSld delSld modSld sldOrd">
+      <pc:chgData name="Rodrigo Souza" userId="fdd20d9ea302e74f" providerId="LiveId" clId="{D67B6D95-CDFC-429E-B2C2-6C60F1609BB3}" dt="2019-11-03T12:54:50.339" v="1155" actId="1076"/>
+      <pc:docMkLst>
+        <pc:docMk/>
+      </pc:docMkLst>
+      <pc:sldChg chg="modSp">
+        <pc:chgData name="Rodrigo Souza" userId="fdd20d9ea302e74f" providerId="LiveId" clId="{D67B6D95-CDFC-429E-B2C2-6C60F1609BB3}" dt="2019-11-03T12:51:20.203" v="1143" actId="20577"/>
+        <pc:sldMkLst>
+          <pc:docMk/>
+          <pc:sldMk cId="3957722359" sldId="1660"/>
+        </pc:sldMkLst>
+        <pc:spChg chg="mod">
+          <ac:chgData name="Rodrigo Souza" userId="fdd20d9ea302e74f" providerId="LiveId" clId="{D67B6D95-CDFC-429E-B2C2-6C60F1609BB3}" dt="2019-11-03T12:51:12.677" v="1142" actId="20577"/>
+          <ac:spMkLst>
+            <pc:docMk/>
+            <pc:sldMk cId="3957722359" sldId="1660"/>
+            <ac:spMk id="6" creationId="{00000000-0000-0000-0000-000000000000}"/>
+          </ac:spMkLst>
+        </pc:spChg>
+        <pc:spChg chg="mod">
+          <ac:chgData name="Rodrigo Souza" userId="fdd20d9ea302e74f" providerId="LiveId" clId="{D67B6D95-CDFC-429E-B2C2-6C60F1609BB3}" dt="2019-11-03T12:51:20.203" v="1143" actId="20577"/>
+          <ac:spMkLst>
+            <pc:docMk/>
+            <pc:sldMk cId="3957722359" sldId="1660"/>
+            <ac:spMk id="17" creationId="{00000000-0000-0000-0000-000000000000}"/>
+          </ac:spMkLst>
+        </pc:spChg>
+      </pc:sldChg>
+      <pc:sldChg chg="modSp">
+        <pc:chgData name="Rodrigo Souza" userId="fdd20d9ea302e74f" providerId="LiveId" clId="{D67B6D95-CDFC-429E-B2C2-6C60F1609BB3}" dt="2019-11-01T11:47:28.996" v="539" actId="20577"/>
+        <pc:sldMkLst>
+          <pc:docMk/>
+          <pc:sldMk cId="1793706927" sldId="1670"/>
+        </pc:sldMkLst>
+        <pc:spChg chg="mod">
+          <ac:chgData name="Rodrigo Souza" userId="fdd20d9ea302e74f" providerId="LiveId" clId="{D67B6D95-CDFC-429E-B2C2-6C60F1609BB3}" dt="2019-11-01T11:47:28.996" v="539" actId="20577"/>
+          <ac:spMkLst>
+            <pc:docMk/>
+            <pc:sldMk cId="1793706927" sldId="1670"/>
+            <ac:spMk id="17" creationId="{00000000-0000-0000-0000-000000000000}"/>
+          </ac:spMkLst>
+        </pc:spChg>
+      </pc:sldChg>
+      <pc:sldChg chg="modSp">
+        <pc:chgData name="Rodrigo Souza" userId="fdd20d9ea302e74f" providerId="LiveId" clId="{D67B6D95-CDFC-429E-B2C2-6C60F1609BB3}" dt="2019-11-02T14:51:51.580" v="962" actId="20577"/>
+        <pc:sldMkLst>
+          <pc:docMk/>
+          <pc:sldMk cId="3117013438" sldId="1994"/>
+        </pc:sldMkLst>
+        <pc:spChg chg="mod">
+          <ac:chgData name="Rodrigo Souza" userId="fdd20d9ea302e74f" providerId="LiveId" clId="{D67B6D95-CDFC-429E-B2C2-6C60F1609BB3}" dt="2019-11-02T14:51:51.580" v="962" actId="20577"/>
+          <ac:spMkLst>
+            <pc:docMk/>
+            <pc:sldMk cId="3117013438" sldId="1994"/>
+            <ac:spMk id="5" creationId="{6F88C36C-D184-4AF5-92D2-A0DBD6B7A82C}"/>
+          </ac:spMkLst>
+        </pc:spChg>
+      </pc:sldChg>
+      <pc:sldChg chg="modSp">
+        <pc:chgData name="Rodrigo Souza" userId="fdd20d9ea302e74f" providerId="LiveId" clId="{D67B6D95-CDFC-429E-B2C2-6C60F1609BB3}" dt="2019-11-02T14:36:07.124" v="883" actId="20577"/>
+        <pc:sldMkLst>
+          <pc:docMk/>
+          <pc:sldMk cId="2421290480" sldId="3395"/>
+        </pc:sldMkLst>
+        <pc:spChg chg="mod">
+          <ac:chgData name="Rodrigo Souza" userId="fdd20d9ea302e74f" providerId="LiveId" clId="{D67B6D95-CDFC-429E-B2C2-6C60F1609BB3}" dt="2019-11-02T14:36:07.124" v="883" actId="20577"/>
+          <ac:spMkLst>
+            <pc:docMk/>
+            <pc:sldMk cId="2421290480" sldId="3395"/>
+            <ac:spMk id="2" creationId="{0732188B-CC0A-4A85-BE9C-3258D1FEFAD5}"/>
+          </ac:spMkLst>
+        </pc:spChg>
+      </pc:sldChg>
+      <pc:sldChg chg="modSp add">
+        <pc:chgData name="Rodrigo Souza" userId="fdd20d9ea302e74f" providerId="LiveId" clId="{D67B6D95-CDFC-429E-B2C2-6C60F1609BB3}" dt="2019-11-02T15:02:14.817" v="1055" actId="20577"/>
+        <pc:sldMkLst>
+          <pc:docMk/>
+          <pc:sldMk cId="2979398037" sldId="3404"/>
+        </pc:sldMkLst>
+        <pc:spChg chg="mod">
+          <ac:chgData name="Rodrigo Souza" userId="fdd20d9ea302e74f" providerId="LiveId" clId="{D67B6D95-CDFC-429E-B2C2-6C60F1609BB3}" dt="2019-11-01T11:38:01.288" v="180" actId="20577"/>
+          <ac:spMkLst>
+            <pc:docMk/>
+            <pc:sldMk cId="2979398037" sldId="3404"/>
+            <ac:spMk id="6" creationId="{00000000-0000-0000-0000-000000000000}"/>
+          </ac:spMkLst>
+        </pc:spChg>
+        <pc:spChg chg="mod">
+          <ac:chgData name="Rodrigo Souza" userId="fdd20d9ea302e74f" providerId="LiveId" clId="{D67B6D95-CDFC-429E-B2C2-6C60F1609BB3}" dt="2019-11-02T15:02:14.817" v="1055" actId="20577"/>
+          <ac:spMkLst>
+            <pc:docMk/>
+            <pc:sldMk cId="2979398037" sldId="3404"/>
+            <ac:spMk id="17" creationId="{00000000-0000-0000-0000-000000000000}"/>
+          </ac:spMkLst>
+        </pc:spChg>
+      </pc:sldChg>
+      <pc:sldChg chg="addSp modSp add modAnim">
+        <pc:chgData name="Rodrigo Souza" userId="fdd20d9ea302e74f" providerId="LiveId" clId="{D67B6D95-CDFC-429E-B2C2-6C60F1609BB3}" dt="2019-11-02T15:02:25.272" v="1061" actId="20577"/>
+        <pc:sldMkLst>
+          <pc:docMk/>
+          <pc:sldMk cId="2668243192" sldId="3405"/>
+        </pc:sldMkLst>
+        <pc:spChg chg="add mod">
+          <ac:chgData name="Rodrigo Souza" userId="fdd20d9ea302e74f" providerId="LiveId" clId="{D67B6D95-CDFC-429E-B2C2-6C60F1609BB3}" dt="2019-11-01T11:46:56.506" v="513" actId="14100"/>
+          <ac:spMkLst>
+            <pc:docMk/>
+            <pc:sldMk cId="2668243192" sldId="3405"/>
+            <ac:spMk id="2" creationId="{4E9F0AAC-559A-4150-9A95-A51572AC9EF0}"/>
+          </ac:spMkLst>
+        </pc:spChg>
+        <pc:spChg chg="add mod">
+          <ac:chgData name="Rodrigo Souza" userId="fdd20d9ea302e74f" providerId="LiveId" clId="{D67B6D95-CDFC-429E-B2C2-6C60F1609BB3}" dt="2019-11-01T11:45:49.481" v="485" actId="20577"/>
+          <ac:spMkLst>
+            <pc:docMk/>
+            <pc:sldMk cId="2668243192" sldId="3405"/>
+            <ac:spMk id="4" creationId="{4B8833AF-50B3-44E7-83FB-F47603830D71}"/>
+          </ac:spMkLst>
+        </pc:spChg>
+        <pc:spChg chg="mod">
+          <ac:chgData name="Rodrigo Souza" userId="fdd20d9ea302e74f" providerId="LiveId" clId="{D67B6D95-CDFC-429E-B2C2-6C60F1609BB3}" dt="2019-11-01T11:44:04.685" v="411" actId="313"/>
+          <ac:spMkLst>
+            <pc:docMk/>
+            <pc:sldMk cId="2668243192" sldId="3405"/>
+            <ac:spMk id="6" creationId="{00000000-0000-0000-0000-000000000000}"/>
+          </ac:spMkLst>
+        </pc:spChg>
+        <pc:spChg chg="mod">
+          <ac:chgData name="Rodrigo Souza" userId="fdd20d9ea302e74f" providerId="LiveId" clId="{D67B6D95-CDFC-429E-B2C2-6C60F1609BB3}" dt="2019-11-02T15:02:25.272" v="1061" actId="20577"/>
+          <ac:spMkLst>
+            <pc:docMk/>
+            <pc:sldMk cId="2668243192" sldId="3405"/>
+            <ac:spMk id="17" creationId="{00000000-0000-0000-0000-000000000000}"/>
+          </ac:spMkLst>
+        </pc:spChg>
+      </pc:sldChg>
+      <pc:sldChg chg="modSp add">
+        <pc:chgData name="Rodrigo Souza" userId="fdd20d9ea302e74f" providerId="LiveId" clId="{D67B6D95-CDFC-429E-B2C2-6C60F1609BB3}" dt="2019-11-02T15:02:20.850" v="1058" actId="20577"/>
+        <pc:sldMkLst>
+          <pc:docMk/>
+          <pc:sldMk cId="3938944791" sldId="3406"/>
+        </pc:sldMkLst>
+        <pc:spChg chg="mod">
+          <ac:chgData name="Rodrigo Souza" userId="fdd20d9ea302e74f" providerId="LiveId" clId="{D67B6D95-CDFC-429E-B2C2-6C60F1609BB3}" dt="2019-11-01T11:59:20.885" v="623" actId="20577"/>
+          <ac:spMkLst>
+            <pc:docMk/>
+            <pc:sldMk cId="3938944791" sldId="3406"/>
+            <ac:spMk id="6" creationId="{00000000-0000-0000-0000-000000000000}"/>
+          </ac:spMkLst>
+        </pc:spChg>
+        <pc:spChg chg="mod">
+          <ac:chgData name="Rodrigo Souza" userId="fdd20d9ea302e74f" providerId="LiveId" clId="{D67B6D95-CDFC-429E-B2C2-6C60F1609BB3}" dt="2019-11-02T15:02:20.850" v="1058" actId="20577"/>
+          <ac:spMkLst>
+            <pc:docMk/>
+            <pc:sldMk cId="3938944791" sldId="3406"/>
+            <ac:spMk id="17" creationId="{00000000-0000-0000-0000-000000000000}"/>
+          </ac:spMkLst>
+        </pc:spChg>
+      </pc:sldChg>
+      <pc:sldChg chg="addSp modSp add modAnim">
+        <pc:chgData name="Rodrigo Souza" userId="fdd20d9ea302e74f" providerId="LiveId" clId="{D67B6D95-CDFC-429E-B2C2-6C60F1609BB3}" dt="2019-11-03T12:54:50.339" v="1155" actId="1076"/>
+        <pc:sldMkLst>
+          <pc:docMk/>
+          <pc:sldMk cId="3606745871" sldId="3407"/>
+        </pc:sldMkLst>
+        <pc:spChg chg="mod">
+          <ac:chgData name="Rodrigo Souza" userId="fdd20d9ea302e74f" providerId="LiveId" clId="{D67B6D95-CDFC-429E-B2C2-6C60F1609BB3}" dt="2019-11-02T14:33:18.623" v="793" actId="1076"/>
+          <ac:spMkLst>
+            <pc:docMk/>
+            <pc:sldMk cId="3606745871" sldId="3407"/>
+            <ac:spMk id="5" creationId="{6F88C36C-D184-4AF5-92D2-A0DBD6B7A82C}"/>
+          </ac:spMkLst>
+        </pc:spChg>
+        <pc:spChg chg="add mod">
+          <ac:chgData name="Rodrigo Souza" userId="fdd20d9ea302e74f" providerId="LiveId" clId="{D67B6D95-CDFC-429E-B2C2-6C60F1609BB3}" dt="2019-11-02T14:33:12.749" v="791" actId="1076"/>
+          <ac:spMkLst>
+            <pc:docMk/>
+            <pc:sldMk cId="3606745871" sldId="3407"/>
+            <ac:spMk id="6" creationId="{DFE79F38-30B9-4BC1-943F-B3C0FFEB3557}"/>
+          </ac:spMkLst>
+        </pc:spChg>
+        <pc:spChg chg="add mod">
+          <ac:chgData name="Rodrigo Souza" userId="fdd20d9ea302e74f" providerId="LiveId" clId="{D67B6D95-CDFC-429E-B2C2-6C60F1609BB3}" dt="2019-11-02T14:34:04.206" v="822" actId="20577"/>
+          <ac:spMkLst>
+            <pc:docMk/>
+            <pc:sldMk cId="3606745871" sldId="3407"/>
+            <ac:spMk id="7" creationId="{4812361A-A304-4016-A66A-A0011C6BCF62}"/>
+          </ac:spMkLst>
+        </pc:spChg>
+        <pc:spChg chg="add mod">
+          <ac:chgData name="Rodrigo Souza" userId="fdd20d9ea302e74f" providerId="LiveId" clId="{D67B6D95-CDFC-429E-B2C2-6C60F1609BB3}" dt="2019-11-03T12:54:50.339" v="1155" actId="1076"/>
+          <ac:spMkLst>
+            <pc:docMk/>
+            <pc:sldMk cId="3606745871" sldId="3407"/>
+            <ac:spMk id="8" creationId="{7167E58E-7A37-4116-8BF6-1E6BD7BA96A6}"/>
+          </ac:spMkLst>
+        </pc:spChg>
+      </pc:sldChg>
+      <pc:sldChg chg="modSp add del">
+        <pc:chgData name="Rodrigo Souza" userId="fdd20d9ea302e74f" providerId="LiveId" clId="{D67B6D95-CDFC-429E-B2C2-6C60F1609BB3}" dt="2019-11-03T12:50:44.491" v="1129" actId="47"/>
+        <pc:sldMkLst>
+          <pc:docMk/>
+          <pc:sldMk cId="3437799599" sldId="3408"/>
+        </pc:sldMkLst>
+        <pc:spChg chg="mod">
+          <ac:chgData name="Rodrigo Souza" userId="fdd20d9ea302e74f" providerId="LiveId" clId="{D67B6D95-CDFC-429E-B2C2-6C60F1609BB3}" dt="2019-11-02T15:02:06.865" v="1052" actId="5793"/>
+          <ac:spMkLst>
+            <pc:docMk/>
+            <pc:sldMk cId="3437799599" sldId="3408"/>
+            <ac:spMk id="6" creationId="{00000000-0000-0000-0000-000000000000}"/>
+          </ac:spMkLst>
+        </pc:spChg>
+      </pc:sldChg>
+      <pc:sldChg chg="modSp add ord">
+        <pc:chgData name="Rodrigo Souza" userId="fdd20d9ea302e74f" providerId="LiveId" clId="{D67B6D95-CDFC-429E-B2C2-6C60F1609BB3}" dt="2019-11-03T12:49:50.922" v="1081"/>
+        <pc:sldMkLst>
+          <pc:docMk/>
+          <pc:sldMk cId="1446513963" sldId="3409"/>
+        </pc:sldMkLst>
+        <pc:spChg chg="mod">
+          <ac:chgData name="Rodrigo Souza" userId="fdd20d9ea302e74f" providerId="LiveId" clId="{D67B6D95-CDFC-429E-B2C2-6C60F1609BB3}" dt="2019-11-03T12:49:43.194" v="1079" actId="20577"/>
+          <ac:spMkLst>
+            <pc:docMk/>
+            <pc:sldMk cId="1446513963" sldId="3409"/>
+            <ac:spMk id="17" creationId="{00000000-0000-0000-0000-000000000000}"/>
+          </ac:spMkLst>
+        </pc:spChg>
+      </pc:sldChg>
+    </pc:docChg>
+  </pc:docChgLst>
   <pc:docChgLst>
     <pc:chgData name="Rodrigo Souza" userId="fdd20d9ea302e74f" providerId="LiveId" clId="{CA88DC7D-9619-4339-8E02-F91AB97B8E45}"/>
     <pc:docChg chg="undo custSel addSld delSld modSld sldOrd delSection modSection">
@@ -1023,107 +1257,6 @@
       </pc:sldChg>
     </pc:docChg>
   </pc:docChgLst>
-  <pc:docChgLst>
-    <pc:chgData name="Rodrigo Souza" userId="fdd20d9ea302e74f" providerId="LiveId" clId="{D67B6D95-CDFC-429E-B2C2-6C60F1609BB3}"/>
-    <pc:docChg chg="custSel addSld modSld">
-      <pc:chgData name="Rodrigo Souza" userId="fdd20d9ea302e74f" providerId="LiveId" clId="{D67B6D95-CDFC-429E-B2C2-6C60F1609BB3}" dt="2019-11-01T11:47:28.996" v="539" actId="20577"/>
-      <pc:docMkLst>
-        <pc:docMk/>
-      </pc:docMkLst>
-      <pc:sldChg chg="modSp">
-        <pc:chgData name="Rodrigo Souza" userId="fdd20d9ea302e74f" providerId="LiveId" clId="{D67B6D95-CDFC-429E-B2C2-6C60F1609BB3}" dt="2019-11-01T11:34:48.315" v="67" actId="404"/>
-        <pc:sldMkLst>
-          <pc:docMk/>
-          <pc:sldMk cId="3957722359" sldId="1660"/>
-        </pc:sldMkLst>
-        <pc:spChg chg="mod">
-          <ac:chgData name="Rodrigo Souza" userId="fdd20d9ea302e74f" providerId="LiveId" clId="{D67B6D95-CDFC-429E-B2C2-6C60F1609BB3}" dt="2019-11-01T11:34:48.315" v="67" actId="404"/>
-          <ac:spMkLst>
-            <pc:docMk/>
-            <pc:sldMk cId="3957722359" sldId="1660"/>
-            <ac:spMk id="6" creationId="{00000000-0000-0000-0000-000000000000}"/>
-          </ac:spMkLst>
-        </pc:spChg>
-      </pc:sldChg>
-      <pc:sldChg chg="modSp">
-        <pc:chgData name="Rodrigo Souza" userId="fdd20d9ea302e74f" providerId="LiveId" clId="{D67B6D95-CDFC-429E-B2C2-6C60F1609BB3}" dt="2019-11-01T11:47:28.996" v="539" actId="20577"/>
-        <pc:sldMkLst>
-          <pc:docMk/>
-          <pc:sldMk cId="1793706927" sldId="1670"/>
-        </pc:sldMkLst>
-        <pc:spChg chg="mod">
-          <ac:chgData name="Rodrigo Souza" userId="fdd20d9ea302e74f" providerId="LiveId" clId="{D67B6D95-CDFC-429E-B2C2-6C60F1609BB3}" dt="2019-11-01T11:47:28.996" v="539" actId="20577"/>
-          <ac:spMkLst>
-            <pc:docMk/>
-            <pc:sldMk cId="1793706927" sldId="1670"/>
-            <ac:spMk id="17" creationId="{00000000-0000-0000-0000-000000000000}"/>
-          </ac:spMkLst>
-        </pc:spChg>
-      </pc:sldChg>
-      <pc:sldChg chg="modSp add">
-        <pc:chgData name="Rodrigo Souza" userId="fdd20d9ea302e74f" providerId="LiveId" clId="{D67B6D95-CDFC-429E-B2C2-6C60F1609BB3}" dt="2019-11-01T11:38:01.288" v="180" actId="20577"/>
-        <pc:sldMkLst>
-          <pc:docMk/>
-          <pc:sldMk cId="2979398037" sldId="3404"/>
-        </pc:sldMkLst>
-        <pc:spChg chg="mod">
-          <ac:chgData name="Rodrigo Souza" userId="fdd20d9ea302e74f" providerId="LiveId" clId="{D67B6D95-CDFC-429E-B2C2-6C60F1609BB3}" dt="2019-11-01T11:38:01.288" v="180" actId="20577"/>
-          <ac:spMkLst>
-            <pc:docMk/>
-            <pc:sldMk cId="2979398037" sldId="3404"/>
-            <ac:spMk id="6" creationId="{00000000-0000-0000-0000-000000000000}"/>
-          </ac:spMkLst>
-        </pc:spChg>
-        <pc:spChg chg="mod">
-          <ac:chgData name="Rodrigo Souza" userId="fdd20d9ea302e74f" providerId="LiveId" clId="{D67B6D95-CDFC-429E-B2C2-6C60F1609BB3}" dt="2019-11-01T11:35:15.214" v="85" actId="20577"/>
-          <ac:spMkLst>
-            <pc:docMk/>
-            <pc:sldMk cId="2979398037" sldId="3404"/>
-            <ac:spMk id="17" creationId="{00000000-0000-0000-0000-000000000000}"/>
-          </ac:spMkLst>
-        </pc:spChg>
-      </pc:sldChg>
-      <pc:sldChg chg="addSp modSp add modAnim">
-        <pc:chgData name="Rodrigo Souza" userId="fdd20d9ea302e74f" providerId="LiveId" clId="{D67B6D95-CDFC-429E-B2C2-6C60F1609BB3}" dt="2019-11-01T11:46:56.506" v="513" actId="14100"/>
-        <pc:sldMkLst>
-          <pc:docMk/>
-          <pc:sldMk cId="2668243192" sldId="3405"/>
-        </pc:sldMkLst>
-        <pc:spChg chg="add mod">
-          <ac:chgData name="Rodrigo Souza" userId="fdd20d9ea302e74f" providerId="LiveId" clId="{D67B6D95-CDFC-429E-B2C2-6C60F1609BB3}" dt="2019-11-01T11:46:56.506" v="513" actId="14100"/>
-          <ac:spMkLst>
-            <pc:docMk/>
-            <pc:sldMk cId="2668243192" sldId="3405"/>
-            <ac:spMk id="2" creationId="{4E9F0AAC-559A-4150-9A95-A51572AC9EF0}"/>
-          </ac:spMkLst>
-        </pc:spChg>
-        <pc:spChg chg="add mod">
-          <ac:chgData name="Rodrigo Souza" userId="fdd20d9ea302e74f" providerId="LiveId" clId="{D67B6D95-CDFC-429E-B2C2-6C60F1609BB3}" dt="2019-11-01T11:45:49.481" v="485" actId="20577"/>
-          <ac:spMkLst>
-            <pc:docMk/>
-            <pc:sldMk cId="2668243192" sldId="3405"/>
-            <ac:spMk id="4" creationId="{4B8833AF-50B3-44E7-83FB-F47603830D71}"/>
-          </ac:spMkLst>
-        </pc:spChg>
-        <pc:spChg chg="mod">
-          <ac:chgData name="Rodrigo Souza" userId="fdd20d9ea302e74f" providerId="LiveId" clId="{D67B6D95-CDFC-429E-B2C2-6C60F1609BB3}" dt="2019-11-01T11:44:04.685" v="411" actId="313"/>
-          <ac:spMkLst>
-            <pc:docMk/>
-            <pc:sldMk cId="2668243192" sldId="3405"/>
-            <ac:spMk id="6" creationId="{00000000-0000-0000-0000-000000000000}"/>
-          </ac:spMkLst>
-        </pc:spChg>
-        <pc:spChg chg="mod">
-          <ac:chgData name="Rodrigo Souza" userId="fdd20d9ea302e74f" providerId="LiveId" clId="{D67B6D95-CDFC-429E-B2C2-6C60F1609BB3}" dt="2019-11-01T11:39:45.243" v="266" actId="20577"/>
-          <ac:spMkLst>
-            <pc:docMk/>
-            <pc:sldMk cId="2668243192" sldId="3405"/>
-            <ac:spMk id="17" creationId="{00000000-0000-0000-0000-000000000000}"/>
-          </ac:spMkLst>
-        </pc:spChg>
-      </pc:sldChg>
-    </pc:docChg>
-  </pc:docChgLst>
 </pc:chgInfo>
 </file>
 
@@ -1213,7 +1346,7 @@
               <a:rPr lang="en-US" smtClean="0">
                 <a:latin typeface="Segoe UI" pitchFamily="34" charset="0"/>
               </a:rPr>
-              <a:t>11/1/2019 4:33 AM</a:t>
+              <a:t>11/3/2019 8:14 AM</a:t>
             </a:fld>
             <a:endParaRPr lang="en-US" dirty="0">
               <a:latin typeface="Segoe UI" pitchFamily="34" charset="0"/>
@@ -1491,7 +1624,7 @@
           <a:p>
             <a:fld id="{386CE63F-9E7F-4C04-9D0D-FCA25A8E9E86}" type="datetime8">
               <a:rPr lang="en-US" smtClean="0"/>
-              <a:t>11/1/2019 4:33 AM</a:t>
+              <a:t>11/3/2019 8:00 AM</a:t>
             </a:fld>
             <a:endParaRPr lang="en-US" dirty="0"/>
           </a:p>
@@ -1858,7 +1991,7 @@
           <a:p>
             <a:fld id="{62072DC8-D49D-432C-9D46-A7718B5F5490}" type="datetime8">
               <a:rPr lang="en-US" smtClean="0"/>
-              <a:t>11/1/2019 4:33 AM</a:t>
+              <a:t>11/3/2019 8:00 AM</a:t>
             </a:fld>
             <a:endParaRPr lang="en-US" dirty="0"/>
           </a:p>
@@ -1951,59 +2084,12 @@
       </p:sp>
       <p:sp>
         <p:nvSpPr>
-          <p:cNvPr id="6" name="Slide Number Placeholder 5"/>
+          <p:cNvPr id="4" name="Header Placeholder 3"/>
           <p:cNvSpPr>
             <a:spLocks noGrp="1"/>
           </p:cNvSpPr>
           <p:nvPr>
-            <p:ph type="sldNum" sz="quarter" idx="12"/>
-          </p:nvPr>
-        </p:nvSpPr>
-        <p:spPr/>
-        <p:txBody>
-          <a:bodyPr/>
-          <a:lstStyle/>
-          <a:p>
-            <a:fld id="{B4008EB6-D09E-4580-8CD6-DDB14511944F}" type="slidenum">
-              <a:rPr lang="en-US" smtClean="0"/>
-              <a:pPr/>
-              <a:t>11</a:t>
-            </a:fld>
-            <a:endParaRPr lang="en-US" dirty="0"/>
-          </a:p>
-        </p:txBody>
-      </p:sp>
-      <p:sp>
-        <p:nvSpPr>
-          <p:cNvPr id="10" name="Date Placeholder 9"/>
-          <p:cNvSpPr>
-            <a:spLocks noGrp="1"/>
-          </p:cNvSpPr>
-          <p:nvPr>
-            <p:ph type="dt" idx="13"/>
-          </p:nvPr>
-        </p:nvSpPr>
-        <p:spPr/>
-        <p:txBody>
-          <a:bodyPr/>
-          <a:lstStyle/>
-          <a:p>
-            <a:fld id="{1D9BFF88-B9B5-4B68-BAE1-09ACB5D03C54}" type="datetime8">
-              <a:rPr lang="en-US" smtClean="0"/>
-              <a:t>11/1/2019 4:33 AM</a:t>
-            </a:fld>
-            <a:endParaRPr lang="en-US" dirty="0"/>
-          </a:p>
-        </p:txBody>
-      </p:sp>
-      <p:sp>
-        <p:nvSpPr>
-          <p:cNvPr id="12" name="Header Placeholder 11"/>
-          <p:cNvSpPr>
-            <a:spLocks noGrp="1"/>
-          </p:cNvSpPr>
-          <p:nvPr>
-            <p:ph type="hdr" sz="quarter" idx="15"/>
+            <p:ph type="hdr" sz="quarter" idx="10"/>
           </p:nvPr>
         </p:nvSpPr>
         <p:spPr/>
@@ -2022,7 +2108,7 @@
             <a:spLocks noGrp="1"/>
           </p:cNvSpPr>
           <p:nvPr>
-            <p:ph type="ftr" sz="quarter" idx="16"/>
+            <p:ph type="ftr" sz="quarter" idx="11"/>
           </p:nvPr>
         </p:nvSpPr>
         <p:spPr/>
@@ -2053,10 +2139,57 @@
           </a:p>
         </p:txBody>
       </p:sp>
+      <p:sp>
+        <p:nvSpPr>
+          <p:cNvPr id="6" name="Date Placeholder 5"/>
+          <p:cNvSpPr>
+            <a:spLocks noGrp="1"/>
+          </p:cNvSpPr>
+          <p:nvPr>
+            <p:ph type="dt" idx="12"/>
+          </p:nvPr>
+        </p:nvSpPr>
+        <p:spPr/>
+        <p:txBody>
+          <a:bodyPr/>
+          <a:lstStyle/>
+          <a:p>
+            <a:fld id="{2D0AF0B6-AF0D-4EDB-B60E-27694EB68262}" type="datetime8">
+              <a:rPr lang="en-US" smtClean="0"/>
+              <a:t>11/3/2019 8:00 AM</a:t>
+            </a:fld>
+            <a:endParaRPr lang="en-US" dirty="0"/>
+          </a:p>
+        </p:txBody>
+      </p:sp>
+      <p:sp>
+        <p:nvSpPr>
+          <p:cNvPr id="7" name="Slide Number Placeholder 6"/>
+          <p:cNvSpPr>
+            <a:spLocks noGrp="1"/>
+          </p:cNvSpPr>
+          <p:nvPr>
+            <p:ph type="sldNum" sz="quarter" idx="13"/>
+          </p:nvPr>
+        </p:nvSpPr>
+        <p:spPr/>
+        <p:txBody>
+          <a:bodyPr/>
+          <a:lstStyle/>
+          <a:p>
+            <a:fld id="{B4008EB6-D09E-4580-8CD6-DDB14511944F}" type="slidenum">
+              <a:rPr lang="en-US" smtClean="0"/>
+              <a:pPr/>
+              <a:t>11</a:t>
+            </a:fld>
+            <a:endParaRPr lang="en-US" dirty="0"/>
+          </a:p>
+        </p:txBody>
+      </p:sp>
     </p:spTree>
     <p:extLst>
       <p:ext uri="{BB962C8B-B14F-4D97-AF65-F5344CB8AC3E}">
-        <p14:creationId xmlns:p14="http://schemas.microsoft.com/office/powerpoint/2010/main" val="1843639342"/>
+        <p14:creationId xmlns:p14="http://schemas.microsoft.com/office/powerpoint/2010/main" val="2942578556"/>
       </p:ext>
     </p:extLst>
   </p:cSld>
@@ -2155,7 +2288,7 @@
           <a:p>
             <a:fld id="{1D9BFF88-B9B5-4B68-BAE1-09ACB5D03C54}" type="datetime8">
               <a:rPr lang="en-US" smtClean="0"/>
-              <a:t>11/1/2019 4:33 AM</a:t>
+              <a:t>11/3/2019 8:00 AM</a:t>
             </a:fld>
             <a:endParaRPr lang="en-US" dirty="0"/>
           </a:p>
@@ -2221,7 +2354,7 @@
     </p:spTree>
     <p:extLst>
       <p:ext uri="{BB962C8B-B14F-4D97-AF65-F5344CB8AC3E}">
-        <p14:creationId xmlns:p14="http://schemas.microsoft.com/office/powerpoint/2010/main" val="4174890608"/>
+        <p14:creationId xmlns:p14="http://schemas.microsoft.com/office/powerpoint/2010/main" val="3460838768"/>
       </p:ext>
     </p:extLst>
   </p:cSld>
@@ -2320,7 +2453,502 @@
           <a:p>
             <a:fld id="{1D9BFF88-B9B5-4B68-BAE1-09ACB5D03C54}" type="datetime8">
               <a:rPr lang="en-US" smtClean="0"/>
-              <a:t>11/1/2019 4:33 AM</a:t>
+              <a:t>11/3/2019 8:00 AM</a:t>
+            </a:fld>
+            <a:endParaRPr lang="en-US" dirty="0"/>
+          </a:p>
+        </p:txBody>
+      </p:sp>
+      <p:sp>
+        <p:nvSpPr>
+          <p:cNvPr id="12" name="Header Placeholder 11"/>
+          <p:cNvSpPr>
+            <a:spLocks noGrp="1"/>
+          </p:cNvSpPr>
+          <p:nvPr>
+            <p:ph type="hdr" sz="quarter" idx="15"/>
+          </p:nvPr>
+        </p:nvSpPr>
+        <p:spPr/>
+        <p:txBody>
+          <a:bodyPr/>
+          <a:lstStyle/>
+          <a:p>
+            <a:endParaRPr lang="en-US" dirty="0"/>
+          </a:p>
+        </p:txBody>
+      </p:sp>
+      <p:sp>
+        <p:nvSpPr>
+          <p:cNvPr id="5" name="Footer Placeholder 4"/>
+          <p:cNvSpPr>
+            <a:spLocks noGrp="1"/>
+          </p:cNvSpPr>
+          <p:nvPr>
+            <p:ph type="ftr" sz="quarter" idx="16"/>
+          </p:nvPr>
+        </p:nvSpPr>
+        <p:spPr/>
+        <p:txBody>
+          <a:bodyPr/>
+          <a:lstStyle/>
+          <a:p>
+            <a:pPr defTabSz="914099" eaLnBrk="0" hangingPunct="0"/>
+            <a:r>
+              <a:rPr lang="en-US" sz="400" dirty="0">
+                <a:gradFill>
+                  <a:gsLst>
+                    <a:gs pos="0">
+                      <a:prstClr val="black"/>
+                    </a:gs>
+                    <a:gs pos="100000">
+                      <a:prstClr val="black"/>
+                    </a:gs>
+                  </a:gsLst>
+                  <a:lin ang="5400000" scaled="0"/>
+                </a:gradFill>
+                <a:latin typeface="Segoe UI" pitchFamily="34" charset="0"/>
+                <a:ea typeface="Segoe UI" pitchFamily="34" charset="0"/>
+                <a:cs typeface="Segoe UI" pitchFamily="34" charset="0"/>
+              </a:rPr>
+              <a:t>© Microsoft Corporation. All rights reserved. MICROSOFT MAKES NO WARRANTIES, EXPRESS, IMPLIED OR STATUTORY, AS TO THE INFORMATION IN THIS PRESENTATION.</a:t>
+            </a:r>
+          </a:p>
+        </p:txBody>
+      </p:sp>
+    </p:spTree>
+    <p:extLst>
+      <p:ext uri="{BB962C8B-B14F-4D97-AF65-F5344CB8AC3E}">
+        <p14:creationId xmlns:p14="http://schemas.microsoft.com/office/powerpoint/2010/main" val="596262077"/>
+      </p:ext>
+    </p:extLst>
+  </p:cSld>
+  <p:clrMapOvr>
+    <a:masterClrMapping/>
+  </p:clrMapOvr>
+</p:notes>
+</file>
+
+<file path=ppt/notesSlides/notesSlide13.xml><?xml version="1.0" encoding="utf-8"?>
+<p:notes xmlns:a="http://schemas.openxmlformats.org/drawingml/2006/main" xmlns:r="http://schemas.openxmlformats.org/officeDocument/2006/relationships" xmlns:p="http://schemas.openxmlformats.org/presentationml/2006/main">
+  <p:cSld>
+    <p:spTree>
+      <p:nvGrpSpPr>
+        <p:cNvPr id="1" name=""/>
+        <p:cNvGrpSpPr/>
+        <p:nvPr/>
+      </p:nvGrpSpPr>
+      <p:grpSpPr>
+        <a:xfrm>
+          <a:off x="0" y="0"/>
+          <a:ext cx="0" cy="0"/>
+          <a:chOff x="0" y="0"/>
+          <a:chExt cx="0" cy="0"/>
+        </a:xfrm>
+      </p:grpSpPr>
+      <p:sp>
+        <p:nvSpPr>
+          <p:cNvPr id="2" name="Slide Image Placeholder 1"/>
+          <p:cNvSpPr>
+            <a:spLocks noGrp="1" noRot="1" noChangeAspect="1"/>
+          </p:cNvSpPr>
+          <p:nvPr>
+            <p:ph type="sldImg"/>
+          </p:nvPr>
+        </p:nvSpPr>
+        <p:spPr/>
+      </p:sp>
+      <p:sp>
+        <p:nvSpPr>
+          <p:cNvPr id="3" name="Notes Placeholder 2"/>
+          <p:cNvSpPr>
+            <a:spLocks noGrp="1"/>
+          </p:cNvSpPr>
+          <p:nvPr>
+            <p:ph type="body" idx="1"/>
+          </p:nvPr>
+        </p:nvSpPr>
+        <p:spPr/>
+        <p:txBody>
+          <a:bodyPr/>
+          <a:lstStyle/>
+          <a:p>
+            <a:endParaRPr lang="en-US" dirty="0"/>
+          </a:p>
+        </p:txBody>
+      </p:sp>
+      <p:sp>
+        <p:nvSpPr>
+          <p:cNvPr id="6" name="Slide Number Placeholder 5"/>
+          <p:cNvSpPr>
+            <a:spLocks noGrp="1"/>
+          </p:cNvSpPr>
+          <p:nvPr>
+            <p:ph type="sldNum" sz="quarter" idx="12"/>
+          </p:nvPr>
+        </p:nvSpPr>
+        <p:spPr/>
+        <p:txBody>
+          <a:bodyPr/>
+          <a:lstStyle/>
+          <a:p>
+            <a:fld id="{B4008EB6-D09E-4580-8CD6-DDB14511944F}" type="slidenum">
+              <a:rPr lang="en-US" smtClean="0"/>
+              <a:pPr/>
+              <a:t>14</a:t>
+            </a:fld>
+            <a:endParaRPr lang="en-US" dirty="0"/>
+          </a:p>
+        </p:txBody>
+      </p:sp>
+      <p:sp>
+        <p:nvSpPr>
+          <p:cNvPr id="10" name="Date Placeholder 9"/>
+          <p:cNvSpPr>
+            <a:spLocks noGrp="1"/>
+          </p:cNvSpPr>
+          <p:nvPr>
+            <p:ph type="dt" idx="13"/>
+          </p:nvPr>
+        </p:nvSpPr>
+        <p:spPr/>
+        <p:txBody>
+          <a:bodyPr/>
+          <a:lstStyle/>
+          <a:p>
+            <a:fld id="{1D9BFF88-B9B5-4B68-BAE1-09ACB5D03C54}" type="datetime8">
+              <a:rPr lang="en-US" smtClean="0"/>
+              <a:t>11/3/2019 8:00 AM</a:t>
+            </a:fld>
+            <a:endParaRPr lang="en-US" dirty="0"/>
+          </a:p>
+        </p:txBody>
+      </p:sp>
+      <p:sp>
+        <p:nvSpPr>
+          <p:cNvPr id="12" name="Header Placeholder 11"/>
+          <p:cNvSpPr>
+            <a:spLocks noGrp="1"/>
+          </p:cNvSpPr>
+          <p:nvPr>
+            <p:ph type="hdr" sz="quarter" idx="15"/>
+          </p:nvPr>
+        </p:nvSpPr>
+        <p:spPr/>
+        <p:txBody>
+          <a:bodyPr/>
+          <a:lstStyle/>
+          <a:p>
+            <a:endParaRPr lang="en-US" dirty="0"/>
+          </a:p>
+        </p:txBody>
+      </p:sp>
+      <p:sp>
+        <p:nvSpPr>
+          <p:cNvPr id="5" name="Footer Placeholder 4"/>
+          <p:cNvSpPr>
+            <a:spLocks noGrp="1"/>
+          </p:cNvSpPr>
+          <p:nvPr>
+            <p:ph type="ftr" sz="quarter" idx="16"/>
+          </p:nvPr>
+        </p:nvSpPr>
+        <p:spPr/>
+        <p:txBody>
+          <a:bodyPr/>
+          <a:lstStyle/>
+          <a:p>
+            <a:pPr defTabSz="914099" eaLnBrk="0" hangingPunct="0"/>
+            <a:r>
+              <a:rPr lang="en-US" sz="400" dirty="0">
+                <a:gradFill>
+                  <a:gsLst>
+                    <a:gs pos="0">
+                      <a:prstClr val="black"/>
+                    </a:gs>
+                    <a:gs pos="100000">
+                      <a:prstClr val="black"/>
+                    </a:gs>
+                  </a:gsLst>
+                  <a:lin ang="5400000" scaled="0"/>
+                </a:gradFill>
+                <a:latin typeface="Segoe UI" pitchFamily="34" charset="0"/>
+                <a:ea typeface="Segoe UI" pitchFamily="34" charset="0"/>
+                <a:cs typeface="Segoe UI" pitchFamily="34" charset="0"/>
+              </a:rPr>
+              <a:t>© Microsoft Corporation. All rights reserved. MICROSOFT MAKES NO WARRANTIES, EXPRESS, IMPLIED OR STATUTORY, AS TO THE INFORMATION IN THIS PRESENTATION.</a:t>
+            </a:r>
+          </a:p>
+        </p:txBody>
+      </p:sp>
+    </p:spTree>
+    <p:extLst>
+      <p:ext uri="{BB962C8B-B14F-4D97-AF65-F5344CB8AC3E}">
+        <p14:creationId xmlns:p14="http://schemas.microsoft.com/office/powerpoint/2010/main" val="1843639342"/>
+      </p:ext>
+    </p:extLst>
+  </p:cSld>
+  <p:clrMapOvr>
+    <a:masterClrMapping/>
+  </p:clrMapOvr>
+</p:notes>
+</file>
+
+<file path=ppt/notesSlides/notesSlide14.xml><?xml version="1.0" encoding="utf-8"?>
+<p:notes xmlns:a="http://schemas.openxmlformats.org/drawingml/2006/main" xmlns:r="http://schemas.openxmlformats.org/officeDocument/2006/relationships" xmlns:p="http://schemas.openxmlformats.org/presentationml/2006/main">
+  <p:cSld>
+    <p:spTree>
+      <p:nvGrpSpPr>
+        <p:cNvPr id="1" name=""/>
+        <p:cNvGrpSpPr/>
+        <p:nvPr/>
+      </p:nvGrpSpPr>
+      <p:grpSpPr>
+        <a:xfrm>
+          <a:off x="0" y="0"/>
+          <a:ext cx="0" cy="0"/>
+          <a:chOff x="0" y="0"/>
+          <a:chExt cx="0" cy="0"/>
+        </a:xfrm>
+      </p:grpSpPr>
+      <p:sp>
+        <p:nvSpPr>
+          <p:cNvPr id="2" name="Slide Image Placeholder 1"/>
+          <p:cNvSpPr>
+            <a:spLocks noGrp="1" noRot="1" noChangeAspect="1"/>
+          </p:cNvSpPr>
+          <p:nvPr>
+            <p:ph type="sldImg"/>
+          </p:nvPr>
+        </p:nvSpPr>
+        <p:spPr/>
+      </p:sp>
+      <p:sp>
+        <p:nvSpPr>
+          <p:cNvPr id="3" name="Notes Placeholder 2"/>
+          <p:cNvSpPr>
+            <a:spLocks noGrp="1"/>
+          </p:cNvSpPr>
+          <p:nvPr>
+            <p:ph type="body" idx="1"/>
+          </p:nvPr>
+        </p:nvSpPr>
+        <p:spPr/>
+        <p:txBody>
+          <a:bodyPr/>
+          <a:lstStyle/>
+          <a:p>
+            <a:endParaRPr lang="en-US" dirty="0"/>
+          </a:p>
+        </p:txBody>
+      </p:sp>
+      <p:sp>
+        <p:nvSpPr>
+          <p:cNvPr id="6" name="Slide Number Placeholder 5"/>
+          <p:cNvSpPr>
+            <a:spLocks noGrp="1"/>
+          </p:cNvSpPr>
+          <p:nvPr>
+            <p:ph type="sldNum" sz="quarter" idx="12"/>
+          </p:nvPr>
+        </p:nvSpPr>
+        <p:spPr/>
+        <p:txBody>
+          <a:bodyPr/>
+          <a:lstStyle/>
+          <a:p>
+            <a:fld id="{B4008EB6-D09E-4580-8CD6-DDB14511944F}" type="slidenum">
+              <a:rPr lang="en-US" smtClean="0"/>
+              <a:pPr/>
+              <a:t>15</a:t>
+            </a:fld>
+            <a:endParaRPr lang="en-US" dirty="0"/>
+          </a:p>
+        </p:txBody>
+      </p:sp>
+      <p:sp>
+        <p:nvSpPr>
+          <p:cNvPr id="10" name="Date Placeholder 9"/>
+          <p:cNvSpPr>
+            <a:spLocks noGrp="1"/>
+          </p:cNvSpPr>
+          <p:nvPr>
+            <p:ph type="dt" idx="13"/>
+          </p:nvPr>
+        </p:nvSpPr>
+        <p:spPr/>
+        <p:txBody>
+          <a:bodyPr/>
+          <a:lstStyle/>
+          <a:p>
+            <a:fld id="{1D9BFF88-B9B5-4B68-BAE1-09ACB5D03C54}" type="datetime8">
+              <a:rPr lang="en-US" smtClean="0"/>
+              <a:t>11/3/2019 8:00 AM</a:t>
+            </a:fld>
+            <a:endParaRPr lang="en-US" dirty="0"/>
+          </a:p>
+        </p:txBody>
+      </p:sp>
+      <p:sp>
+        <p:nvSpPr>
+          <p:cNvPr id="12" name="Header Placeholder 11"/>
+          <p:cNvSpPr>
+            <a:spLocks noGrp="1"/>
+          </p:cNvSpPr>
+          <p:nvPr>
+            <p:ph type="hdr" sz="quarter" idx="15"/>
+          </p:nvPr>
+        </p:nvSpPr>
+        <p:spPr/>
+        <p:txBody>
+          <a:bodyPr/>
+          <a:lstStyle/>
+          <a:p>
+            <a:endParaRPr lang="en-US" dirty="0"/>
+          </a:p>
+        </p:txBody>
+      </p:sp>
+      <p:sp>
+        <p:nvSpPr>
+          <p:cNvPr id="5" name="Footer Placeholder 4"/>
+          <p:cNvSpPr>
+            <a:spLocks noGrp="1"/>
+          </p:cNvSpPr>
+          <p:nvPr>
+            <p:ph type="ftr" sz="quarter" idx="16"/>
+          </p:nvPr>
+        </p:nvSpPr>
+        <p:spPr/>
+        <p:txBody>
+          <a:bodyPr/>
+          <a:lstStyle/>
+          <a:p>
+            <a:pPr defTabSz="914099" eaLnBrk="0" hangingPunct="0"/>
+            <a:r>
+              <a:rPr lang="en-US" sz="400" dirty="0">
+                <a:gradFill>
+                  <a:gsLst>
+                    <a:gs pos="0">
+                      <a:prstClr val="black"/>
+                    </a:gs>
+                    <a:gs pos="100000">
+                      <a:prstClr val="black"/>
+                    </a:gs>
+                  </a:gsLst>
+                  <a:lin ang="5400000" scaled="0"/>
+                </a:gradFill>
+                <a:latin typeface="Segoe UI" pitchFamily="34" charset="0"/>
+                <a:ea typeface="Segoe UI" pitchFamily="34" charset="0"/>
+                <a:cs typeface="Segoe UI" pitchFamily="34" charset="0"/>
+              </a:rPr>
+              <a:t>© Microsoft Corporation. All rights reserved. MICROSOFT MAKES NO WARRANTIES, EXPRESS, IMPLIED OR STATUTORY, AS TO THE INFORMATION IN THIS PRESENTATION.</a:t>
+            </a:r>
+          </a:p>
+        </p:txBody>
+      </p:sp>
+    </p:spTree>
+    <p:extLst>
+      <p:ext uri="{BB962C8B-B14F-4D97-AF65-F5344CB8AC3E}">
+        <p14:creationId xmlns:p14="http://schemas.microsoft.com/office/powerpoint/2010/main" val="4174890608"/>
+      </p:ext>
+    </p:extLst>
+  </p:cSld>
+  <p:clrMapOvr>
+    <a:masterClrMapping/>
+  </p:clrMapOvr>
+</p:notes>
+</file>
+
+<file path=ppt/notesSlides/notesSlide15.xml><?xml version="1.0" encoding="utf-8"?>
+<p:notes xmlns:a="http://schemas.openxmlformats.org/drawingml/2006/main" xmlns:r="http://schemas.openxmlformats.org/officeDocument/2006/relationships" xmlns:p="http://schemas.openxmlformats.org/presentationml/2006/main">
+  <p:cSld>
+    <p:spTree>
+      <p:nvGrpSpPr>
+        <p:cNvPr id="1" name=""/>
+        <p:cNvGrpSpPr/>
+        <p:nvPr/>
+      </p:nvGrpSpPr>
+      <p:grpSpPr>
+        <a:xfrm>
+          <a:off x="0" y="0"/>
+          <a:ext cx="0" cy="0"/>
+          <a:chOff x="0" y="0"/>
+          <a:chExt cx="0" cy="0"/>
+        </a:xfrm>
+      </p:grpSpPr>
+      <p:sp>
+        <p:nvSpPr>
+          <p:cNvPr id="2" name="Slide Image Placeholder 1"/>
+          <p:cNvSpPr>
+            <a:spLocks noGrp="1" noRot="1" noChangeAspect="1"/>
+          </p:cNvSpPr>
+          <p:nvPr>
+            <p:ph type="sldImg"/>
+          </p:nvPr>
+        </p:nvSpPr>
+        <p:spPr/>
+      </p:sp>
+      <p:sp>
+        <p:nvSpPr>
+          <p:cNvPr id="3" name="Notes Placeholder 2"/>
+          <p:cNvSpPr>
+            <a:spLocks noGrp="1"/>
+          </p:cNvSpPr>
+          <p:nvPr>
+            <p:ph type="body" idx="1"/>
+          </p:nvPr>
+        </p:nvSpPr>
+        <p:spPr/>
+        <p:txBody>
+          <a:bodyPr/>
+          <a:lstStyle/>
+          <a:p>
+            <a:endParaRPr lang="en-US" dirty="0"/>
+          </a:p>
+        </p:txBody>
+      </p:sp>
+      <p:sp>
+        <p:nvSpPr>
+          <p:cNvPr id="6" name="Slide Number Placeholder 5"/>
+          <p:cNvSpPr>
+            <a:spLocks noGrp="1"/>
+          </p:cNvSpPr>
+          <p:nvPr>
+            <p:ph type="sldNum" sz="quarter" idx="12"/>
+          </p:nvPr>
+        </p:nvSpPr>
+        <p:spPr/>
+        <p:txBody>
+          <a:bodyPr/>
+          <a:lstStyle/>
+          <a:p>
+            <a:fld id="{B4008EB6-D09E-4580-8CD6-DDB14511944F}" type="slidenum">
+              <a:rPr lang="en-US" smtClean="0"/>
+              <a:pPr/>
+              <a:t>16</a:t>
+            </a:fld>
+            <a:endParaRPr lang="en-US" dirty="0"/>
+          </a:p>
+        </p:txBody>
+      </p:sp>
+      <p:sp>
+        <p:nvSpPr>
+          <p:cNvPr id="10" name="Date Placeholder 9"/>
+          <p:cNvSpPr>
+            <a:spLocks noGrp="1"/>
+          </p:cNvSpPr>
+          <p:nvPr>
+            <p:ph type="dt" idx="13"/>
+          </p:nvPr>
+        </p:nvSpPr>
+        <p:spPr/>
+        <p:txBody>
+          <a:bodyPr/>
+          <a:lstStyle/>
+          <a:p>
+            <a:fld id="{1D9BFF88-B9B5-4B68-BAE1-09ACB5D03C54}" type="datetime8">
+              <a:rPr lang="en-US" smtClean="0"/>
+              <a:t>11/3/2019 8:00 AM</a:t>
             </a:fld>
             <a:endParaRPr lang="en-US" dirty="0"/>
           </a:p>
@@ -2518,7 +3146,7 @@
           <a:p>
             <a:fld id="{72E0C910-0166-48E0-B8EF-5071277A02A8}" type="datetime8">
               <a:rPr lang="en-US" smtClean="0"/>
-              <a:t>11/1/2019 4:33 AM</a:t>
+              <a:t>11/3/2019 8:00 AM</a:t>
             </a:fld>
             <a:endParaRPr lang="en-US" dirty="0"/>
           </a:p>
@@ -2683,7 +3311,7 @@
           <a:p>
             <a:fld id="{72E0C910-0166-48E0-B8EF-5071277A02A8}" type="datetime8">
               <a:rPr lang="en-US" smtClean="0"/>
-              <a:t>11/1/2019 4:36 AM</a:t>
+              <a:t>11/3/2019 8:14 AM</a:t>
             </a:fld>
             <a:endParaRPr lang="en-US" dirty="0"/>
           </a:p>
@@ -2716,7 +3344,7 @@
     </p:spTree>
     <p:extLst>
       <p:ext uri="{BB962C8B-B14F-4D97-AF65-F5344CB8AC3E}">
-        <p14:creationId xmlns:p14="http://schemas.microsoft.com/office/powerpoint/2010/main" val="678900528"/>
+        <p14:creationId xmlns:p14="http://schemas.microsoft.com/office/powerpoint/2010/main" val="583004884"/>
       </p:ext>
     </p:extLst>
   </p:cSld>
@@ -2848,7 +3476,7 @@
           <a:p>
             <a:fld id="{72E0C910-0166-48E0-B8EF-5071277A02A8}" type="datetime8">
               <a:rPr lang="en-US" smtClean="0"/>
-              <a:t>11/1/2019 4:42 AM</a:t>
+              <a:t>11/3/2019 8:00 AM</a:t>
             </a:fld>
             <a:endParaRPr lang="en-US" dirty="0"/>
           </a:p>
@@ -2881,7 +3509,7 @@
     </p:spTree>
     <p:extLst>
       <p:ext uri="{BB962C8B-B14F-4D97-AF65-F5344CB8AC3E}">
-        <p14:creationId xmlns:p14="http://schemas.microsoft.com/office/powerpoint/2010/main" val="3350675604"/>
+        <p14:creationId xmlns:p14="http://schemas.microsoft.com/office/powerpoint/2010/main" val="3589669673"/>
       </p:ext>
     </p:extLst>
   </p:cSld>
@@ -3011,9 +3639,9 @@
           <a:bodyPr/>
           <a:lstStyle/>
           <a:p>
-            <a:fld id="{9427A7F7-BB1E-479D-AFAA-B52F4D0C99F2}" type="datetime8">
+            <a:fld id="{72E0C910-0166-48E0-B8EF-5071277A02A8}" type="datetime8">
               <a:rPr lang="en-US" smtClean="0"/>
-              <a:t>11/1/2019 4:33 AM</a:t>
+              <a:t>11/3/2019 8:00 AM</a:t>
             </a:fld>
             <a:endParaRPr lang="en-US" dirty="0"/>
           </a:p>
@@ -3046,7 +3674,7 @@
     </p:spTree>
     <p:extLst>
       <p:ext uri="{BB962C8B-B14F-4D97-AF65-F5344CB8AC3E}">
-        <p14:creationId xmlns:p14="http://schemas.microsoft.com/office/powerpoint/2010/main" val="1958519690"/>
+        <p14:creationId xmlns:p14="http://schemas.microsoft.com/office/powerpoint/2010/main" val="678900528"/>
       </p:ext>
     </p:extLst>
   </p:cSld>
@@ -3176,9 +3804,9 @@
           <a:bodyPr/>
           <a:lstStyle/>
           <a:p>
-            <a:fld id="{9427A7F7-BB1E-479D-AFAA-B52F4D0C99F2}" type="datetime8">
+            <a:fld id="{72E0C910-0166-48E0-B8EF-5071277A02A8}" type="datetime8">
               <a:rPr lang="en-US" smtClean="0"/>
-              <a:t>11/1/2019 4:33 AM</a:t>
+              <a:t>11/3/2019 8:00 AM</a:t>
             </a:fld>
             <a:endParaRPr lang="en-US" dirty="0"/>
           </a:p>
@@ -3211,7 +3839,7 @@
     </p:spTree>
     <p:extLst>
       <p:ext uri="{BB962C8B-B14F-4D97-AF65-F5344CB8AC3E}">
-        <p14:creationId xmlns:p14="http://schemas.microsoft.com/office/powerpoint/2010/main" val="1071861760"/>
+        <p14:creationId xmlns:p14="http://schemas.microsoft.com/office/powerpoint/2010/main" val="3281267287"/>
       </p:ext>
     </p:extLst>
   </p:cSld>
@@ -3341,9 +3969,9 @@
           <a:bodyPr/>
           <a:lstStyle/>
           <a:p>
-            <a:fld id="{2D0AF0B6-AF0D-4EDB-B60E-27694EB68262}" type="datetime8">
+            <a:fld id="{72E0C910-0166-48E0-B8EF-5071277A02A8}" type="datetime8">
               <a:rPr lang="en-US" smtClean="0"/>
-              <a:t>11/1/2019 4:33 AM</a:t>
+              <a:t>11/3/2019 8:00 AM</a:t>
             </a:fld>
             <a:endParaRPr lang="en-US" dirty="0"/>
           </a:p>
@@ -3376,7 +4004,7 @@
     </p:spTree>
     <p:extLst>
       <p:ext uri="{BB962C8B-B14F-4D97-AF65-F5344CB8AC3E}">
-        <p14:creationId xmlns:p14="http://schemas.microsoft.com/office/powerpoint/2010/main" val="2942578556"/>
+        <p14:creationId xmlns:p14="http://schemas.microsoft.com/office/powerpoint/2010/main" val="3350675604"/>
       </p:ext>
     </p:extLst>
   </p:cSld>
@@ -3436,59 +4064,12 @@
       </p:sp>
       <p:sp>
         <p:nvSpPr>
-          <p:cNvPr id="6" name="Slide Number Placeholder 5"/>
+          <p:cNvPr id="4" name="Header Placeholder 3"/>
           <p:cNvSpPr>
             <a:spLocks noGrp="1"/>
           </p:cNvSpPr>
           <p:nvPr>
-            <p:ph type="sldNum" sz="quarter" idx="12"/>
-          </p:nvPr>
-        </p:nvSpPr>
-        <p:spPr/>
-        <p:txBody>
-          <a:bodyPr/>
-          <a:lstStyle/>
-          <a:p>
-            <a:fld id="{B4008EB6-D09E-4580-8CD6-DDB14511944F}" type="slidenum">
-              <a:rPr lang="en-US" smtClean="0"/>
-              <a:pPr/>
-              <a:t>9</a:t>
-            </a:fld>
-            <a:endParaRPr lang="en-US" dirty="0"/>
-          </a:p>
-        </p:txBody>
-      </p:sp>
-      <p:sp>
-        <p:nvSpPr>
-          <p:cNvPr id="10" name="Date Placeholder 9"/>
-          <p:cNvSpPr>
-            <a:spLocks noGrp="1"/>
-          </p:cNvSpPr>
-          <p:nvPr>
-            <p:ph type="dt" idx="13"/>
-          </p:nvPr>
-        </p:nvSpPr>
-        <p:spPr/>
-        <p:txBody>
-          <a:bodyPr/>
-          <a:lstStyle/>
-          <a:p>
-            <a:fld id="{1D9BFF88-B9B5-4B68-BAE1-09ACB5D03C54}" type="datetime8">
-              <a:rPr lang="en-US" smtClean="0"/>
-              <a:t>11/1/2019 4:33 AM</a:t>
-            </a:fld>
-            <a:endParaRPr lang="en-US" dirty="0"/>
-          </a:p>
-        </p:txBody>
-      </p:sp>
-      <p:sp>
-        <p:nvSpPr>
-          <p:cNvPr id="12" name="Header Placeholder 11"/>
-          <p:cNvSpPr>
-            <a:spLocks noGrp="1"/>
-          </p:cNvSpPr>
-          <p:nvPr>
-            <p:ph type="hdr" sz="quarter" idx="15"/>
+            <p:ph type="hdr" sz="quarter" idx="10"/>
           </p:nvPr>
         </p:nvSpPr>
         <p:spPr/>
@@ -3507,7 +4088,7 @@
             <a:spLocks noGrp="1"/>
           </p:cNvSpPr>
           <p:nvPr>
-            <p:ph type="ftr" sz="quarter" idx="16"/>
+            <p:ph type="ftr" sz="quarter" idx="11"/>
           </p:nvPr>
         </p:nvSpPr>
         <p:spPr/>
@@ -3538,10 +4119,57 @@
           </a:p>
         </p:txBody>
       </p:sp>
+      <p:sp>
+        <p:nvSpPr>
+          <p:cNvPr id="6" name="Date Placeholder 5"/>
+          <p:cNvSpPr>
+            <a:spLocks noGrp="1"/>
+          </p:cNvSpPr>
+          <p:nvPr>
+            <p:ph type="dt" idx="12"/>
+          </p:nvPr>
+        </p:nvSpPr>
+        <p:spPr/>
+        <p:txBody>
+          <a:bodyPr/>
+          <a:lstStyle/>
+          <a:p>
+            <a:fld id="{9427A7F7-BB1E-479D-AFAA-B52F4D0C99F2}" type="datetime8">
+              <a:rPr lang="en-US" smtClean="0"/>
+              <a:t>11/3/2019 8:00 AM</a:t>
+            </a:fld>
+            <a:endParaRPr lang="en-US" dirty="0"/>
+          </a:p>
+        </p:txBody>
+      </p:sp>
+      <p:sp>
+        <p:nvSpPr>
+          <p:cNvPr id="7" name="Slide Number Placeholder 6"/>
+          <p:cNvSpPr>
+            <a:spLocks noGrp="1"/>
+          </p:cNvSpPr>
+          <p:nvPr>
+            <p:ph type="sldNum" sz="quarter" idx="13"/>
+          </p:nvPr>
+        </p:nvSpPr>
+        <p:spPr/>
+        <p:txBody>
+          <a:bodyPr/>
+          <a:lstStyle/>
+          <a:p>
+            <a:fld id="{B4008EB6-D09E-4580-8CD6-DDB14511944F}" type="slidenum">
+              <a:rPr lang="en-US" smtClean="0"/>
+              <a:pPr/>
+              <a:t>9</a:t>
+            </a:fld>
+            <a:endParaRPr lang="en-US" dirty="0"/>
+          </a:p>
+        </p:txBody>
+      </p:sp>
     </p:spTree>
     <p:extLst>
       <p:ext uri="{BB962C8B-B14F-4D97-AF65-F5344CB8AC3E}">
-        <p14:creationId xmlns:p14="http://schemas.microsoft.com/office/powerpoint/2010/main" val="3460838768"/>
+        <p14:creationId xmlns:p14="http://schemas.microsoft.com/office/powerpoint/2010/main" val="1958519690"/>
       </p:ext>
     </p:extLst>
   </p:cSld>
@@ -3601,59 +4229,12 @@
       </p:sp>
       <p:sp>
         <p:nvSpPr>
-          <p:cNvPr id="6" name="Slide Number Placeholder 5"/>
+          <p:cNvPr id="4" name="Header Placeholder 3"/>
           <p:cNvSpPr>
             <a:spLocks noGrp="1"/>
           </p:cNvSpPr>
           <p:nvPr>
-            <p:ph type="sldNum" sz="quarter" idx="12"/>
-          </p:nvPr>
-        </p:nvSpPr>
-        <p:spPr/>
-        <p:txBody>
-          <a:bodyPr/>
-          <a:lstStyle/>
-          <a:p>
-            <a:fld id="{B4008EB6-D09E-4580-8CD6-DDB14511944F}" type="slidenum">
-              <a:rPr lang="en-US" smtClean="0"/>
-              <a:pPr/>
-              <a:t>10</a:t>
-            </a:fld>
-            <a:endParaRPr lang="en-US" dirty="0"/>
-          </a:p>
-        </p:txBody>
-      </p:sp>
-      <p:sp>
-        <p:nvSpPr>
-          <p:cNvPr id="10" name="Date Placeholder 9"/>
-          <p:cNvSpPr>
-            <a:spLocks noGrp="1"/>
-          </p:cNvSpPr>
-          <p:nvPr>
-            <p:ph type="dt" idx="13"/>
-          </p:nvPr>
-        </p:nvSpPr>
-        <p:spPr/>
-        <p:txBody>
-          <a:bodyPr/>
-          <a:lstStyle/>
-          <a:p>
-            <a:fld id="{1D9BFF88-B9B5-4B68-BAE1-09ACB5D03C54}" type="datetime8">
-              <a:rPr lang="en-US" smtClean="0"/>
-              <a:t>11/1/2019 4:33 AM</a:t>
-            </a:fld>
-            <a:endParaRPr lang="en-US" dirty="0"/>
-          </a:p>
-        </p:txBody>
-      </p:sp>
-      <p:sp>
-        <p:nvSpPr>
-          <p:cNvPr id="12" name="Header Placeholder 11"/>
-          <p:cNvSpPr>
-            <a:spLocks noGrp="1"/>
-          </p:cNvSpPr>
-          <p:nvPr>
-            <p:ph type="hdr" sz="quarter" idx="15"/>
+            <p:ph type="hdr" sz="quarter" idx="10"/>
           </p:nvPr>
         </p:nvSpPr>
         <p:spPr/>
@@ -3672,7 +4253,7 @@
             <a:spLocks noGrp="1"/>
           </p:cNvSpPr>
           <p:nvPr>
-            <p:ph type="ftr" sz="quarter" idx="16"/>
+            <p:ph type="ftr" sz="quarter" idx="11"/>
           </p:nvPr>
         </p:nvSpPr>
         <p:spPr/>
@@ -3703,10 +4284,57 @@
           </a:p>
         </p:txBody>
       </p:sp>
+      <p:sp>
+        <p:nvSpPr>
+          <p:cNvPr id="6" name="Date Placeholder 5"/>
+          <p:cNvSpPr>
+            <a:spLocks noGrp="1"/>
+          </p:cNvSpPr>
+          <p:nvPr>
+            <p:ph type="dt" idx="12"/>
+          </p:nvPr>
+        </p:nvSpPr>
+        <p:spPr/>
+        <p:txBody>
+          <a:bodyPr/>
+          <a:lstStyle/>
+          <a:p>
+            <a:fld id="{9427A7F7-BB1E-479D-AFAA-B52F4D0C99F2}" type="datetime8">
+              <a:rPr lang="en-US" smtClean="0"/>
+              <a:t>11/3/2019 8:00 AM</a:t>
+            </a:fld>
+            <a:endParaRPr lang="en-US" dirty="0"/>
+          </a:p>
+        </p:txBody>
+      </p:sp>
+      <p:sp>
+        <p:nvSpPr>
+          <p:cNvPr id="7" name="Slide Number Placeholder 6"/>
+          <p:cNvSpPr>
+            <a:spLocks noGrp="1"/>
+          </p:cNvSpPr>
+          <p:nvPr>
+            <p:ph type="sldNum" sz="quarter" idx="13"/>
+          </p:nvPr>
+        </p:nvSpPr>
+        <p:spPr/>
+        <p:txBody>
+          <a:bodyPr/>
+          <a:lstStyle/>
+          <a:p>
+            <a:fld id="{B4008EB6-D09E-4580-8CD6-DDB14511944F}" type="slidenum">
+              <a:rPr lang="en-US" smtClean="0"/>
+              <a:pPr/>
+              <a:t>10</a:t>
+            </a:fld>
+            <a:endParaRPr lang="en-US" dirty="0"/>
+          </a:p>
+        </p:txBody>
+      </p:sp>
     </p:spTree>
     <p:extLst>
       <p:ext uri="{BB962C8B-B14F-4D97-AF65-F5344CB8AC3E}">
-        <p14:creationId xmlns:p14="http://schemas.microsoft.com/office/powerpoint/2010/main" val="596262077"/>
+        <p14:creationId xmlns:p14="http://schemas.microsoft.com/office/powerpoint/2010/main" val="1071861760"/>
       </p:ext>
     </p:extLst>
   </p:cSld>
@@ -35960,6 +36588,602 @@
           <a:p>
             <a:r>
               <a:rPr lang="en-US" dirty="0"/>
+              <a:t>Architecture</a:t>
+            </a:r>
+          </a:p>
+        </p:txBody>
+      </p:sp>
+      <p:pic>
+        <p:nvPicPr>
+          <p:cNvPr id="7" name="Picture 6">
+            <a:extLst>
+              <a:ext uri="{FF2B5EF4-FFF2-40B4-BE49-F238E27FC236}">
+                <a16:creationId xmlns:a16="http://schemas.microsoft.com/office/drawing/2014/main" id="{5B23A7A7-5880-4EEC-90F4-590C9DFC16AA}"/>
+              </a:ext>
+            </a:extLst>
+          </p:cNvPr>
+          <p:cNvPicPr>
+            <a:picLocks noChangeAspect="1"/>
+          </p:cNvPicPr>
+          <p:nvPr/>
+        </p:nvPicPr>
+        <p:blipFill>
+          <a:blip r:embed="rId3"/>
+          <a:stretch>
+            <a:fillRect/>
+          </a:stretch>
+        </p:blipFill>
+        <p:spPr>
+          <a:xfrm>
+            <a:off x="1813586" y="1231228"/>
+            <a:ext cx="7962010" cy="5398621"/>
+          </a:xfrm>
+          <a:prstGeom prst="rect">
+            <a:avLst/>
+          </a:prstGeom>
+        </p:spPr>
+      </p:pic>
+      <p:sp>
+        <p:nvSpPr>
+          <p:cNvPr id="8" name="Explosion: 14 Points 7">
+            <a:extLst>
+              <a:ext uri="{FF2B5EF4-FFF2-40B4-BE49-F238E27FC236}">
+                <a16:creationId xmlns:a16="http://schemas.microsoft.com/office/drawing/2014/main" id="{03758CD8-3E1D-46A1-8D62-3F4E57D028FF}"/>
+              </a:ext>
+            </a:extLst>
+          </p:cNvPr>
+          <p:cNvSpPr/>
+          <p:nvPr/>
+        </p:nvSpPr>
+        <p:spPr bwMode="auto">
+          <a:xfrm>
+            <a:off x="7698317" y="1011198"/>
+            <a:ext cx="4154557" cy="2411895"/>
+          </a:xfrm>
+          <a:prstGeom prst="irregularSeal2">
+            <a:avLst/>
+          </a:prstGeom>
+          <a:solidFill>
+            <a:schemeClr val="accent3"/>
+          </a:solidFill>
+          <a:ln>
+            <a:noFill/>
+          </a:ln>
+        </p:spPr>
+        <p:style>
+          <a:lnRef idx="0">
+            <a:scrgbClr r="0" g="0" b="0"/>
+          </a:lnRef>
+          <a:fillRef idx="0">
+            <a:scrgbClr r="0" g="0" b="0"/>
+          </a:fillRef>
+          <a:effectRef idx="0">
+            <a:scrgbClr r="0" g="0" b="0"/>
+          </a:effectRef>
+          <a:fontRef idx="minor">
+            <a:schemeClr val="lt1"/>
+          </a:fontRef>
+        </p:style>
+        <p:txBody>
+          <a:bodyPr rot="0" spcFirstLastPara="0" vert="horz" wrap="square" lIns="182880" tIns="146304" rIns="182880" bIns="146304" numCol="1" spcCol="0" rtlCol="0" fromWordArt="0" anchor="t" anchorCtr="0" forceAA="0" compatLnSpc="1">
+            <a:prstTxWarp prst="textNoShape">
+              <a:avLst/>
+            </a:prstTxWarp>
+            <a:noAutofit/>
+          </a:bodyPr>
+          <a:lstStyle/>
+          <a:p>
+            <a:pPr algn="l" defTabSz="932472" fontAlgn="base">
+              <a:spcBef>
+                <a:spcPct val="0"/>
+              </a:spcBef>
+              <a:spcAft>
+                <a:spcPct val="0"/>
+              </a:spcAft>
+            </a:pPr>
+            <a:r>
+              <a:rPr lang="en-US" sz="2000" dirty="0">
+                <a:gradFill>
+                  <a:gsLst>
+                    <a:gs pos="0">
+                      <a:srgbClr val="FFFFFF"/>
+                    </a:gs>
+                    <a:gs pos="100000">
+                      <a:srgbClr val="FFFFFF"/>
+                    </a:gs>
+                  </a:gsLst>
+                  <a:lin ang="5400000" scaled="0"/>
+                </a:gradFill>
+                <a:ea typeface="Segoe UI" pitchFamily="34" charset="0"/>
+                <a:cs typeface="Segoe UI" pitchFamily="34" charset="0"/>
+              </a:rPr>
+              <a:t>Demo!!</a:t>
+            </a:r>
+          </a:p>
+        </p:txBody>
+      </p:sp>
+    </p:spTree>
+    <p:extLst>
+      <p:ext uri="{BB962C8B-B14F-4D97-AF65-F5344CB8AC3E}">
+        <p14:creationId xmlns:p14="http://schemas.microsoft.com/office/powerpoint/2010/main" val="2878158329"/>
+      </p:ext>
+    </p:extLst>
+  </p:cSld>
+  <p:clrMapOvr>
+    <a:masterClrMapping/>
+  </p:clrMapOvr>
+  <mc:AlternateContent xmlns:mc="http://schemas.openxmlformats.org/markup-compatibility/2006" xmlns:p14="http://schemas.microsoft.com/office/powerpoint/2010/main">
+    <mc:Choice Requires="p14">
+      <p:transition spd="med" p14:dur="700">
+        <p:fade/>
+      </p:transition>
+    </mc:Choice>
+    <mc:Fallback xmlns="">
+      <p:transition spd="med">
+        <p:fade/>
+      </p:transition>
+    </mc:Fallback>
+  </mc:AlternateContent>
+  <p:timing>
+    <p:tnLst>
+      <p:par>
+        <p:cTn id="1" dur="indefinite" restart="never" nodeType="tmRoot">
+          <p:childTnLst>
+            <p:seq concurrent="1" nextAc="seek">
+              <p:cTn id="2" dur="indefinite" nodeType="mainSeq">
+                <p:childTnLst>
+                  <p:par>
+                    <p:cTn id="3" fill="hold">
+                      <p:stCondLst>
+                        <p:cond delay="indefinite"/>
+                      </p:stCondLst>
+                      <p:childTnLst>
+                        <p:par>
+                          <p:cTn id="4" fill="hold">
+                            <p:stCondLst>
+                              <p:cond delay="0"/>
+                            </p:stCondLst>
+                            <p:childTnLst>
+                              <p:par>
+                                <p:cTn id="5" presetID="1" presetClass="entr" presetSubtype="0" fill="hold" grpId="0" nodeType="clickEffect">
+                                  <p:stCondLst>
+                                    <p:cond delay="0"/>
+                                  </p:stCondLst>
+                                  <p:childTnLst>
+                                    <p:set>
+                                      <p:cBhvr>
+                                        <p:cTn id="6" dur="1" fill="hold">
+                                          <p:stCondLst>
+                                            <p:cond delay="0"/>
+                                          </p:stCondLst>
+                                        </p:cTn>
+                                        <p:tgtEl>
+                                          <p:spTgt spid="8"/>
+                                        </p:tgtEl>
+                                        <p:attrNameLst>
+                                          <p:attrName>style.visibility</p:attrName>
+                                        </p:attrNameLst>
+                                      </p:cBhvr>
+                                      <p:to>
+                                        <p:strVal val="visible"/>
+                                      </p:to>
+                                    </p:set>
+                                  </p:childTnLst>
+                                </p:cTn>
+                              </p:par>
+                            </p:childTnLst>
+                          </p:cTn>
+                        </p:par>
+                      </p:childTnLst>
+                    </p:cTn>
+                  </p:par>
+                </p:childTnLst>
+              </p:cTn>
+              <p:prevCondLst>
+                <p:cond evt="onPrev" delay="0">
+                  <p:tgtEl>
+                    <p:sldTgt/>
+                  </p:tgtEl>
+                </p:cond>
+              </p:prevCondLst>
+              <p:nextCondLst>
+                <p:cond evt="onNext" delay="0">
+                  <p:tgtEl>
+                    <p:sldTgt/>
+                  </p:tgtEl>
+                </p:cond>
+              </p:nextCondLst>
+            </p:seq>
+          </p:childTnLst>
+        </p:cTn>
+      </p:par>
+    </p:tnLst>
+    <p:bldLst>
+      <p:bldP spid="8" grpId="0" animBg="1"/>
+    </p:bldLst>
+  </p:timing>
+</p:sld>
+</file>
+
+<file path=ppt/slides/slide11.xml><?xml version="1.0" encoding="utf-8"?>
+<p:sld xmlns:a="http://schemas.openxmlformats.org/drawingml/2006/main" xmlns:r="http://schemas.openxmlformats.org/officeDocument/2006/relationships" xmlns:p="http://schemas.openxmlformats.org/presentationml/2006/main">
+  <p:cSld>
+    <p:spTree>
+      <p:nvGrpSpPr>
+        <p:cNvPr id="1" name=""/>
+        <p:cNvGrpSpPr/>
+        <p:nvPr/>
+      </p:nvGrpSpPr>
+      <p:grpSpPr>
+        <a:xfrm>
+          <a:off x="0" y="0"/>
+          <a:ext cx="0" cy="0"/>
+          <a:chOff x="0" y="0"/>
+          <a:chExt cx="0" cy="0"/>
+        </a:xfrm>
+      </p:grpSpPr>
+      <p:sp>
+        <p:nvSpPr>
+          <p:cNvPr id="17" name="Title 16"/>
+          <p:cNvSpPr>
+            <a:spLocks noGrp="1"/>
+          </p:cNvSpPr>
+          <p:nvPr>
+            <p:ph type="title"/>
+          </p:nvPr>
+        </p:nvSpPr>
+        <p:spPr>
+          <a:xfrm>
+            <a:off x="588263" y="457200"/>
+            <a:ext cx="11018520" cy="553998"/>
+          </a:xfrm>
+        </p:spPr>
+        <p:txBody>
+          <a:bodyPr/>
+          <a:lstStyle/>
+          <a:p>
+            <a:r>
+              <a:rPr lang="en-US" dirty="0"/>
+              <a:t>Breaking News</a:t>
+            </a:r>
+          </a:p>
+        </p:txBody>
+      </p:sp>
+      <p:sp>
+        <p:nvSpPr>
+          <p:cNvPr id="5" name="Freeform: Shape 4" descr="arrow pointing to the guideline referenced in the description">
+            <a:extLst>
+              <a:ext uri="{FF2B5EF4-FFF2-40B4-BE49-F238E27FC236}">
+                <a16:creationId xmlns:a16="http://schemas.microsoft.com/office/drawing/2014/main" id="{665B403C-D96F-49D2-A0FA-2D811AA4C0AB}"/>
+              </a:ext>
+            </a:extLst>
+          </p:cNvPr>
+          <p:cNvSpPr/>
+          <p:nvPr/>
+        </p:nvSpPr>
+        <p:spPr bwMode="auto">
+          <a:xfrm>
+            <a:off x="6801636" y="2019300"/>
+            <a:ext cx="2588543" cy="644899"/>
+          </a:xfrm>
+          <a:custGeom>
+            <a:avLst/>
+            <a:gdLst>
+              <a:gd name="connsiteX0" fmla="*/ 0 w 822960"/>
+              <a:gd name="connsiteY0" fmla="*/ 205740 h 205740"/>
+              <a:gd name="connsiteX1" fmla="*/ 822960 w 822960"/>
+              <a:gd name="connsiteY1" fmla="*/ 205740 h 205740"/>
+              <a:gd name="connsiteX2" fmla="*/ 822960 w 822960"/>
+              <a:gd name="connsiteY2" fmla="*/ 0 h 205740"/>
+              <a:gd name="connsiteX0" fmla="*/ 0 w 822960"/>
+              <a:gd name="connsiteY0" fmla="*/ 196007 h 196007"/>
+              <a:gd name="connsiteX1" fmla="*/ 822960 w 822960"/>
+              <a:gd name="connsiteY1" fmla="*/ 196007 h 196007"/>
+              <a:gd name="connsiteX2" fmla="*/ 822960 w 822960"/>
+              <a:gd name="connsiteY2" fmla="*/ 0 h 196007"/>
+              <a:gd name="connsiteX0" fmla="*/ 0 w 860823"/>
+              <a:gd name="connsiteY0" fmla="*/ 196007 h 196007"/>
+              <a:gd name="connsiteX1" fmla="*/ 860823 w 860823"/>
+              <a:gd name="connsiteY1" fmla="*/ 196007 h 196007"/>
+              <a:gd name="connsiteX2" fmla="*/ 860823 w 860823"/>
+              <a:gd name="connsiteY2" fmla="*/ 0 h 196007"/>
+            </a:gdLst>
+            <a:ahLst/>
+            <a:cxnLst>
+              <a:cxn ang="0">
+                <a:pos x="connsiteX0" y="connsiteY0"/>
+              </a:cxn>
+              <a:cxn ang="0">
+                <a:pos x="connsiteX1" y="connsiteY1"/>
+              </a:cxn>
+              <a:cxn ang="0">
+                <a:pos x="connsiteX2" y="connsiteY2"/>
+              </a:cxn>
+            </a:cxnLst>
+            <a:rect l="l" t="t" r="r" b="b"/>
+            <a:pathLst>
+              <a:path w="860823" h="196007">
+                <a:moveTo>
+                  <a:pt x="0" y="196007"/>
+                </a:moveTo>
+                <a:lnTo>
+                  <a:pt x="860823" y="196007"/>
+                </a:lnTo>
+                <a:lnTo>
+                  <a:pt x="860823" y="0"/>
+                </a:lnTo>
+              </a:path>
+            </a:pathLst>
+          </a:custGeom>
+          <a:noFill/>
+          <a:ln w="12700">
+            <a:solidFill>
+              <a:schemeClr val="tx1">
+                <a:alpha val="49000"/>
+              </a:schemeClr>
+            </a:solidFill>
+            <a:headEnd type="none" w="med" len="med"/>
+            <a:tailEnd type="arrow" w="lg" len="med"/>
+          </a:ln>
+          <a:effectLst/>
+        </p:spPr>
+        <p:style>
+          <a:lnRef idx="1">
+            <a:schemeClr val="accent2"/>
+          </a:lnRef>
+          <a:fillRef idx="3">
+            <a:schemeClr val="accent2"/>
+          </a:fillRef>
+          <a:effectRef idx="2">
+            <a:schemeClr val="accent2"/>
+          </a:effectRef>
+          <a:fontRef idx="minor">
+            <a:schemeClr val="lt1"/>
+          </a:fontRef>
+        </p:style>
+        <p:txBody>
+          <a:bodyPr rtlCol="0" anchor="ctr"/>
+          <a:lstStyle/>
+          <a:p>
+            <a:pPr algn="ctr"/>
+            <a:endParaRPr lang="en-US" dirty="0"/>
+          </a:p>
+        </p:txBody>
+      </p:sp>
+      <p:pic>
+        <p:nvPicPr>
+          <p:cNvPr id="8" name="Picture 7">
+            <a:extLst>
+              <a:ext uri="{FF2B5EF4-FFF2-40B4-BE49-F238E27FC236}">
+                <a16:creationId xmlns:a16="http://schemas.microsoft.com/office/drawing/2014/main" id="{63C2D41B-DEA3-4433-B967-F7BF418640E3}"/>
+              </a:ext>
+            </a:extLst>
+          </p:cNvPr>
+          <p:cNvPicPr>
+            <a:picLocks noChangeAspect="1"/>
+          </p:cNvPicPr>
+          <p:nvPr/>
+        </p:nvPicPr>
+        <p:blipFill>
+          <a:blip r:embed="rId3"/>
+          <a:stretch>
+            <a:fillRect/>
+          </a:stretch>
+        </p:blipFill>
+        <p:spPr>
+          <a:xfrm>
+            <a:off x="6616817" y="1981330"/>
+            <a:ext cx="5334000" cy="800100"/>
+          </a:xfrm>
+          <a:prstGeom prst="rect">
+            <a:avLst/>
+          </a:prstGeom>
+        </p:spPr>
+      </p:pic>
+      <p:pic>
+        <p:nvPicPr>
+          <p:cNvPr id="9" name="Picture 8">
+            <a:extLst>
+              <a:ext uri="{FF2B5EF4-FFF2-40B4-BE49-F238E27FC236}">
+                <a16:creationId xmlns:a16="http://schemas.microsoft.com/office/drawing/2014/main" id="{A4679851-2550-458B-BC1E-EB6E33D24C09}"/>
+              </a:ext>
+            </a:extLst>
+          </p:cNvPr>
+          <p:cNvPicPr>
+            <a:picLocks noChangeAspect="1"/>
+          </p:cNvPicPr>
+          <p:nvPr/>
+        </p:nvPicPr>
+        <p:blipFill>
+          <a:blip r:embed="rId4"/>
+          <a:stretch>
+            <a:fillRect/>
+          </a:stretch>
+        </p:blipFill>
+        <p:spPr>
+          <a:xfrm>
+            <a:off x="6616817" y="3501209"/>
+            <a:ext cx="5248275" cy="1019175"/>
+          </a:xfrm>
+          <a:prstGeom prst="rect">
+            <a:avLst/>
+          </a:prstGeom>
+        </p:spPr>
+      </p:pic>
+      <p:pic>
+        <p:nvPicPr>
+          <p:cNvPr id="4" name="Picture 3">
+            <a:extLst>
+              <a:ext uri="{FF2B5EF4-FFF2-40B4-BE49-F238E27FC236}">
+                <a16:creationId xmlns:a16="http://schemas.microsoft.com/office/drawing/2014/main" id="{1A94E223-443C-4A7C-8BB6-C1BA37114BF9}"/>
+              </a:ext>
+            </a:extLst>
+          </p:cNvPr>
+          <p:cNvPicPr>
+            <a:picLocks noChangeAspect="1"/>
+          </p:cNvPicPr>
+          <p:nvPr/>
+        </p:nvPicPr>
+        <p:blipFill>
+          <a:blip r:embed="rId5"/>
+          <a:stretch>
+            <a:fillRect/>
+          </a:stretch>
+        </p:blipFill>
+        <p:spPr>
+          <a:xfrm>
+            <a:off x="67011" y="1852477"/>
+            <a:ext cx="6307663" cy="3684764"/>
+          </a:xfrm>
+          <a:prstGeom prst="rect">
+            <a:avLst/>
+          </a:prstGeom>
+        </p:spPr>
+      </p:pic>
+    </p:spTree>
+    <p:extLst>
+      <p:ext uri="{BB962C8B-B14F-4D97-AF65-F5344CB8AC3E}">
+        <p14:creationId xmlns:p14="http://schemas.microsoft.com/office/powerpoint/2010/main" val="895908902"/>
+      </p:ext>
+    </p:extLst>
+  </p:cSld>
+  <p:clrMapOvr>
+    <a:masterClrMapping/>
+  </p:clrMapOvr>
+  <mc:AlternateContent xmlns:mc="http://schemas.openxmlformats.org/markup-compatibility/2006" xmlns:p14="http://schemas.microsoft.com/office/powerpoint/2010/main">
+    <mc:Choice Requires="p14">
+      <p:transition spd="med" p14:dur="700">
+        <p:fade/>
+      </p:transition>
+    </mc:Choice>
+    <mc:Fallback xmlns="">
+      <p:transition spd="med">
+        <p:fade/>
+      </p:transition>
+    </mc:Fallback>
+  </mc:AlternateContent>
+</p:sld>
+</file>
+
+<file path=ppt/slides/slide12.xml><?xml version="1.0" encoding="utf-8"?>
+<p:sld xmlns:a="http://schemas.openxmlformats.org/drawingml/2006/main" xmlns:r="http://schemas.openxmlformats.org/officeDocument/2006/relationships" xmlns:p="http://schemas.openxmlformats.org/presentationml/2006/main">
+  <p:cSld>
+    <p:spTree>
+      <p:nvGrpSpPr>
+        <p:cNvPr id="1" name=""/>
+        <p:cNvGrpSpPr/>
+        <p:nvPr/>
+      </p:nvGrpSpPr>
+      <p:grpSpPr>
+        <a:xfrm>
+          <a:off x="0" y="0"/>
+          <a:ext cx="0" cy="0"/>
+          <a:chOff x="0" y="0"/>
+          <a:chExt cx="0" cy="0"/>
+        </a:xfrm>
+      </p:grpSpPr>
+      <p:sp>
+        <p:nvSpPr>
+          <p:cNvPr id="17" name="Title 16"/>
+          <p:cNvSpPr>
+            <a:spLocks noGrp="1"/>
+          </p:cNvSpPr>
+          <p:nvPr>
+            <p:ph type="title"/>
+          </p:nvPr>
+        </p:nvSpPr>
+        <p:spPr/>
+        <p:txBody>
+          <a:bodyPr/>
+          <a:lstStyle/>
+          <a:p>
+            <a:r>
+              <a:rPr lang="en-US" dirty="0"/>
+              <a:t>Breaking News!</a:t>
+            </a:r>
+          </a:p>
+        </p:txBody>
+      </p:sp>
+      <p:pic>
+        <p:nvPicPr>
+          <p:cNvPr id="9" name="Picture 8">
+            <a:extLst>
+              <a:ext uri="{FF2B5EF4-FFF2-40B4-BE49-F238E27FC236}">
+                <a16:creationId xmlns:a16="http://schemas.microsoft.com/office/drawing/2014/main" id="{B269B858-8A2C-47D3-AFE6-F0FF7B9EE50A}"/>
+              </a:ext>
+            </a:extLst>
+          </p:cNvPr>
+          <p:cNvPicPr>
+            <a:picLocks noChangeAspect="1"/>
+          </p:cNvPicPr>
+          <p:nvPr/>
+        </p:nvPicPr>
+        <p:blipFill>
+          <a:blip r:embed="rId3"/>
+          <a:stretch>
+            <a:fillRect/>
+          </a:stretch>
+        </p:blipFill>
+        <p:spPr>
+          <a:xfrm>
+            <a:off x="588263" y="1522974"/>
+            <a:ext cx="8992261" cy="4072624"/>
+          </a:xfrm>
+          <a:prstGeom prst="rect">
+            <a:avLst/>
+          </a:prstGeom>
+        </p:spPr>
+      </p:pic>
+    </p:spTree>
+    <p:extLst>
+      <p:ext uri="{BB962C8B-B14F-4D97-AF65-F5344CB8AC3E}">
+        <p14:creationId xmlns:p14="http://schemas.microsoft.com/office/powerpoint/2010/main" val="3188989622"/>
+      </p:ext>
+    </p:extLst>
+  </p:cSld>
+  <p:clrMapOvr>
+    <a:masterClrMapping/>
+  </p:clrMapOvr>
+  <p:transition>
+    <p:fade/>
+  </p:transition>
+</p:sld>
+</file>
+
+<file path=ppt/slides/slide13.xml><?xml version="1.0" encoding="utf-8"?>
+<p:sld xmlns:a="http://schemas.openxmlformats.org/drawingml/2006/main" xmlns:r="http://schemas.openxmlformats.org/officeDocument/2006/relationships" xmlns:p="http://schemas.openxmlformats.org/presentationml/2006/main">
+  <p:cSld>
+    <p:spTree>
+      <p:nvGrpSpPr>
+        <p:cNvPr id="1" name=""/>
+        <p:cNvGrpSpPr/>
+        <p:nvPr/>
+      </p:nvGrpSpPr>
+      <p:grpSpPr>
+        <a:xfrm>
+          <a:off x="0" y="0"/>
+          <a:ext cx="0" cy="0"/>
+          <a:chOff x="0" y="0"/>
+          <a:chExt cx="0" cy="0"/>
+        </a:xfrm>
+      </p:grpSpPr>
+      <p:sp>
+        <p:nvSpPr>
+          <p:cNvPr id="17" name="Title 16"/>
+          <p:cNvSpPr>
+            <a:spLocks noGrp="1"/>
+          </p:cNvSpPr>
+          <p:nvPr>
+            <p:ph type="title"/>
+          </p:nvPr>
+        </p:nvSpPr>
+        <p:spPr/>
+        <p:txBody>
+          <a:bodyPr/>
+          <a:lstStyle/>
+          <a:p>
+            <a:r>
+              <a:rPr lang="en-US" dirty="0"/>
               <a:t>Breaking News!</a:t>
             </a:r>
           </a:p>
@@ -36075,7 +37299,7 @@
 </p:sld>
 </file>
 
-<file path=ppt/slides/slide11.xml><?xml version="1.0" encoding="utf-8"?>
+<file path=ppt/slides/slide14.xml><?xml version="1.0" encoding="utf-8"?>
 <p:sld xmlns:a="http://schemas.openxmlformats.org/drawingml/2006/main" xmlns:r="http://schemas.openxmlformats.org/officeDocument/2006/relationships" xmlns:p="http://schemas.openxmlformats.org/presentationml/2006/main">
   <p:cSld>
     <p:spTree>
@@ -36203,7 +37427,7 @@
 </p:sld>
 </file>
 
-<file path=ppt/slides/slide12.xml><?xml version="1.0" encoding="utf-8"?>
+<file path=ppt/slides/slide15.xml><?xml version="1.0" encoding="utf-8"?>
 <p:sld xmlns:a="http://schemas.openxmlformats.org/drawingml/2006/main" xmlns:r="http://schemas.openxmlformats.org/officeDocument/2006/relationships" xmlns:p="http://schemas.openxmlformats.org/presentationml/2006/main">
   <p:cSld>
     <p:spTree>
@@ -36367,7 +37591,7 @@
 </p:sld>
 </file>
 
-<file path=ppt/slides/slide13.xml><?xml version="1.0" encoding="utf-8"?>
+<file path=ppt/slides/slide16.xml><?xml version="1.0" encoding="utf-8"?>
 <p:sld xmlns:a="http://schemas.openxmlformats.org/drawingml/2006/main" xmlns:r="http://schemas.openxmlformats.org/officeDocument/2006/relationships" xmlns:p="http://schemas.openxmlformats.org/presentationml/2006/main">
   <p:cSld>
     <p:spTree>
@@ -36498,7 +37722,7 @@
 </p:sld>
 </file>
 
-<file path=ppt/slides/slide14.xml><?xml version="1.0" encoding="utf-8"?>
+<file path=ppt/slides/slide17.xml><?xml version="1.0" encoding="utf-8"?>
 <p:sld xmlns:a="http://schemas.openxmlformats.org/drawingml/2006/main" xmlns:r="http://schemas.openxmlformats.org/officeDocument/2006/relationships" xmlns:p="http://schemas.openxmlformats.org/presentationml/2006/main">
   <p:cSld>
     <p:spTree>
@@ -36712,7 +37936,7 @@
 </p:sld>
 </file>
 
-<file path=ppt/slides/slide15.xml><?xml version="1.0" encoding="utf-8"?>
+<file path=ppt/slides/slide18.xml><?xml version="1.0" encoding="utf-8"?>
 <p:sld xmlns:a="http://schemas.openxmlformats.org/drawingml/2006/main" xmlns:r="http://schemas.openxmlformats.org/officeDocument/2006/relationships" xmlns:p="http://schemas.openxmlformats.org/presentationml/2006/main">
   <p:cSld>
     <p:spTree>
@@ -36777,7 +38001,7 @@
         <p:spPr>
           <a:xfrm>
             <a:off x="501651" y="2165349"/>
-            <a:ext cx="10751368" cy="2708434"/>
+            <a:ext cx="10751368" cy="3447098"/>
           </a:xfrm>
           <a:prstGeom prst="rect">
             <a:avLst/>
@@ -36801,12 +38025,9 @@
               <a:rPr lang="en-US" sz="3200" dirty="0">
                 <a:hlinkClick r:id="rId2"/>
               </a:rPr>
-              <a:t>http://bit.ly/30twupy</a:t>
-            </a:r>
-            <a:r>
-              <a:rPr lang="en-US" sz="3200" dirty="0"/>
-              <a:t> </a:t>
-            </a:r>
+              <a:t>https://aka.ms/ignite-PRE09</a:t>
+            </a:r>
+            <a:endParaRPr lang="en-US" sz="3200" dirty="0"/>
           </a:p>
           <a:p>
             <a:pPr marL="342900" lvl="0" indent="-342900">
@@ -36818,7 +38039,21 @@
             </a:pPr>
             <a:r>
               <a:rPr lang="en-US" sz="3200" dirty="0"/>
-              <a:t>Activation Code =  ACTIVATE4208</a:t>
+              <a:t>Activation Code =  TBD</a:t>
+            </a:r>
+          </a:p>
+          <a:p>
+            <a:pPr marL="342900" lvl="0" indent="-342900">
+              <a:lnSpc>
+                <a:spcPct val="150000"/>
+              </a:lnSpc>
+              <a:buFont typeface="Arial" panose="020B0604020202020204" pitchFamily="34" charset="0"/>
+              <a:buChar char="•"/>
+              <a:defRPr/>
+            </a:pPr>
+            <a:r>
+              <a:rPr lang="en-US" sz="3200" dirty="0"/>
+              <a:t>Confirmation page</a:t>
             </a:r>
           </a:p>
           <a:p>
@@ -36884,7 +38119,7 @@
 </p:sld>
 </file>
 
-<file path=ppt/slides/slide16.xml><?xml version="1.0" encoding="utf-8"?>
+<file path=ppt/slides/slide19.xml><?xml version="1.0" encoding="utf-8"?>
 <p:sld xmlns:a="http://schemas.openxmlformats.org/drawingml/2006/main" xmlns:r="http://schemas.openxmlformats.org/officeDocument/2006/relationships" xmlns:p="http://schemas.openxmlformats.org/presentationml/2006/main">
   <p:cSld>
     <p:spTree>
@@ -37019,226 +38254,6 @@
 </p:sld>
 </file>
 
-<file path=ppt/slides/slide17.xml><?xml version="1.0" encoding="utf-8"?>
-<p:sld xmlns:a="http://schemas.openxmlformats.org/drawingml/2006/main" xmlns:r="http://schemas.openxmlformats.org/officeDocument/2006/relationships" xmlns:p="http://schemas.openxmlformats.org/presentationml/2006/main">
-  <p:cSld>
-    <p:spTree>
-      <p:nvGrpSpPr>
-        <p:cNvPr id="1" name=""/>
-        <p:cNvGrpSpPr/>
-        <p:nvPr/>
-      </p:nvGrpSpPr>
-      <p:grpSpPr>
-        <a:xfrm>
-          <a:off x="0" y="0"/>
-          <a:ext cx="0" cy="0"/>
-          <a:chOff x="0" y="0"/>
-          <a:chExt cx="0" cy="0"/>
-        </a:xfrm>
-      </p:grpSpPr>
-      <p:sp>
-        <p:nvSpPr>
-          <p:cNvPr id="4" name="Title 3">
-            <a:extLst>
-              <a:ext uri="{FF2B5EF4-FFF2-40B4-BE49-F238E27FC236}">
-                <a16:creationId xmlns:a16="http://schemas.microsoft.com/office/drawing/2014/main" id="{79850671-DC31-4204-BA79-C472F6478216}"/>
-              </a:ext>
-            </a:extLst>
-          </p:cNvPr>
-          <p:cNvSpPr>
-            <a:spLocks noGrp="1"/>
-          </p:cNvSpPr>
-          <p:nvPr>
-            <p:ph type="title"/>
-          </p:nvPr>
-        </p:nvSpPr>
-        <p:spPr>
-          <a:xfrm>
-            <a:off x="635000" y="1133554"/>
-            <a:ext cx="9144000" cy="3323987"/>
-          </a:xfrm>
-        </p:spPr>
-        <p:txBody>
-          <a:bodyPr/>
-          <a:lstStyle/>
-          <a:p>
-            <a:br>
-              <a:rPr lang="en-US" dirty="0"/>
-            </a:br>
-            <a:r>
-              <a:rPr lang="en-US" dirty="0"/>
-              <a:t>Let’s go!</a:t>
-            </a:r>
-            <a:br>
-              <a:rPr lang="en-US" dirty="0"/>
-            </a:br>
-            <a:br>
-              <a:rPr lang="en-US" dirty="0"/>
-            </a:br>
-            <a:r>
-              <a:rPr lang="en-US" dirty="0">
-                <a:hlinkClick r:id="rId2"/>
-              </a:rPr>
-              <a:t>aka.ms/</a:t>
-            </a:r>
-            <a:r>
-              <a:rPr lang="en-US" dirty="0" err="1">
-                <a:hlinkClick r:id="rId2"/>
-              </a:rPr>
-              <a:t>kmb</a:t>
-            </a:r>
-            <a:r>
-              <a:rPr lang="en-US" dirty="0">
-                <a:hlinkClick r:id="rId2"/>
-              </a:rPr>
-              <a:t> </a:t>
-            </a:r>
-            <a:br>
-              <a:rPr lang="en-US" dirty="0"/>
-            </a:br>
-            <a:br>
-              <a:rPr lang="en-US" dirty="0"/>
-            </a:br>
-            <a:r>
-              <a:rPr lang="en-US" dirty="0"/>
-              <a:t> </a:t>
-            </a:r>
-          </a:p>
-        </p:txBody>
-      </p:sp>
-    </p:spTree>
-    <p:extLst>
-      <p:ext uri="{BB962C8B-B14F-4D97-AF65-F5344CB8AC3E}">
-        <p14:creationId xmlns:p14="http://schemas.microsoft.com/office/powerpoint/2010/main" val="2628648499"/>
-      </p:ext>
-    </p:extLst>
-  </p:cSld>
-  <p:clrMapOvr>
-    <a:masterClrMapping/>
-  </p:clrMapOvr>
-  <mc:AlternateContent xmlns:mc="http://schemas.openxmlformats.org/markup-compatibility/2006" xmlns:p14="http://schemas.microsoft.com/office/powerpoint/2010/main">
-    <mc:Choice Requires="p14">
-      <p:transition spd="med" p14:dur="700">
-        <p:fade/>
-      </p:transition>
-    </mc:Choice>
-    <mc:Fallback xmlns="">
-      <p:transition spd="med">
-        <p:fade/>
-      </p:transition>
-    </mc:Fallback>
-  </mc:AlternateContent>
-</p:sld>
-</file>
-
-<file path=ppt/slides/slide18.xml><?xml version="1.0" encoding="utf-8"?>
-<p:sld xmlns:a="http://schemas.openxmlformats.org/drawingml/2006/main" xmlns:r="http://schemas.openxmlformats.org/officeDocument/2006/relationships" xmlns:p="http://schemas.openxmlformats.org/presentationml/2006/main">
-  <p:cSld>
-    <p:spTree>
-      <p:nvGrpSpPr>
-        <p:cNvPr id="1" name=""/>
-        <p:cNvGrpSpPr/>
-        <p:nvPr/>
-      </p:nvGrpSpPr>
-      <p:grpSpPr>
-        <a:xfrm>
-          <a:off x="0" y="0"/>
-          <a:ext cx="0" cy="0"/>
-          <a:chOff x="0" y="0"/>
-          <a:chExt cx="0" cy="0"/>
-        </a:xfrm>
-      </p:grpSpPr>
-      <p:sp>
-        <p:nvSpPr>
-          <p:cNvPr id="4" name="Title 3">
-            <a:extLst>
-              <a:ext uri="{FF2B5EF4-FFF2-40B4-BE49-F238E27FC236}">
-                <a16:creationId xmlns:a16="http://schemas.microsoft.com/office/drawing/2014/main" id="{79850671-DC31-4204-BA79-C472F6478216}"/>
-              </a:ext>
-            </a:extLst>
-          </p:cNvPr>
-          <p:cNvSpPr>
-            <a:spLocks noGrp="1"/>
-          </p:cNvSpPr>
-          <p:nvPr>
-            <p:ph type="title"/>
-          </p:nvPr>
-        </p:nvSpPr>
-        <p:spPr>
-          <a:xfrm>
-            <a:off x="650942" y="1738908"/>
-            <a:ext cx="9144000" cy="3877985"/>
-          </a:xfrm>
-        </p:spPr>
-        <p:txBody>
-          <a:bodyPr/>
-          <a:lstStyle/>
-          <a:p>
-            <a:r>
-              <a:rPr lang="en-US" dirty="0"/>
-              <a:t>Thank you!</a:t>
-            </a:r>
-            <a:br>
-              <a:rPr lang="en-US" dirty="0"/>
-            </a:br>
-            <a:br>
-              <a:rPr lang="en-US" dirty="0"/>
-            </a:br>
-            <a:br>
-              <a:rPr lang="en-US" dirty="0"/>
-            </a:br>
-            <a:br>
-              <a:rPr lang="en-US" dirty="0"/>
-            </a:br>
-            <a:r>
-              <a:rPr lang="en-US" dirty="0"/>
-              <a:t>Rodrigo Souza</a:t>
-            </a:r>
-            <a:br>
-              <a:rPr lang="en-US" dirty="0"/>
-            </a:br>
-            <a:r>
-              <a:rPr lang="en-US" dirty="0">
-                <a:hlinkClick r:id="rId2"/>
-              </a:rPr>
-              <a:t>rosouz@microsoft.com</a:t>
-            </a:r>
-            <a:r>
-              <a:rPr lang="en-US" dirty="0"/>
-              <a:t> </a:t>
-            </a:r>
-            <a:br>
-              <a:rPr lang="en-US" dirty="0"/>
-            </a:br>
-            <a:endParaRPr lang="en-US" dirty="0"/>
-          </a:p>
-        </p:txBody>
-      </p:sp>
-    </p:spTree>
-    <p:extLst>
-      <p:ext uri="{BB962C8B-B14F-4D97-AF65-F5344CB8AC3E}">
-        <p14:creationId xmlns:p14="http://schemas.microsoft.com/office/powerpoint/2010/main" val="3760874456"/>
-      </p:ext>
-    </p:extLst>
-  </p:cSld>
-  <p:clrMapOvr>
-    <a:masterClrMapping/>
-  </p:clrMapOvr>
-  <mc:AlternateContent xmlns:mc="http://schemas.openxmlformats.org/markup-compatibility/2006" xmlns:p14="http://schemas.microsoft.com/office/powerpoint/2010/main">
-    <mc:Choice Requires="p14">
-      <p:transition spd="med" p14:dur="700">
-        <p:fade/>
-      </p:transition>
-    </mc:Choice>
-    <mc:Fallback xmlns="">
-      <p:transition spd="med">
-        <p:fade/>
-      </p:transition>
-    </mc:Fallback>
-  </mc:AlternateContent>
-</p:sld>
-</file>
-
 <file path=ppt/slides/slide2.xml><?xml version="1.0" encoding="utf-8"?>
 <p:sld xmlns:a="http://schemas.openxmlformats.org/drawingml/2006/main" xmlns:r="http://schemas.openxmlformats.org/officeDocument/2006/relationships" xmlns:p="http://schemas.openxmlformats.org/presentationml/2006/main">
   <p:cSld>
@@ -37308,7 +38323,7 @@
         <p:spPr>
           <a:xfrm>
             <a:off x="584200" y="3962400"/>
-            <a:ext cx="9144000" cy="1015663"/>
+            <a:ext cx="5693383" cy="2031325"/>
           </a:xfrm>
         </p:spPr>
         <p:txBody>
@@ -37317,19 +38332,34 @@
           <a:p>
             <a:r>
               <a:rPr lang="en-US" dirty="0"/>
-              <a:t>Rodrigo Souza</a:t>
+              <a:t>Daniel Coelho – SR Data Scientist</a:t>
             </a:r>
           </a:p>
           <a:p>
             <a:r>
               <a:rPr lang="en-US" dirty="0"/>
-              <a:t>Daniel Coelho</a:t>
+              <a:t>Rodrigo Souza – SR Data Scientist</a:t>
             </a:r>
           </a:p>
           <a:p>
             <a:r>
               <a:rPr lang="en-US" dirty="0"/>
-              <a:t>Sr Applied Data Scientists</a:t>
+              <a:t>Xiaochen Wu – SR Program Manager</a:t>
+            </a:r>
+          </a:p>
+          <a:p>
+            <a:endParaRPr lang="en-US" dirty="0"/>
+          </a:p>
+          <a:p>
+            <a:r>
+              <a:rPr lang="en-US" dirty="0"/>
+              <a:t>Cloud &amp; AI </a:t>
+            </a:r>
+          </a:p>
+          <a:p>
+            <a:r>
+              <a:rPr lang="en-US" dirty="0"/>
+              <a:t>ACE Team</a:t>
             </a:r>
           </a:p>
         </p:txBody>
@@ -37338,6 +38368,226 @@
     <p:extLst>
       <p:ext uri="{BB962C8B-B14F-4D97-AF65-F5344CB8AC3E}">
         <p14:creationId xmlns:p14="http://schemas.microsoft.com/office/powerpoint/2010/main" val="3117013438"/>
+      </p:ext>
+    </p:extLst>
+  </p:cSld>
+  <p:clrMapOvr>
+    <a:masterClrMapping/>
+  </p:clrMapOvr>
+  <mc:AlternateContent xmlns:mc="http://schemas.openxmlformats.org/markup-compatibility/2006" xmlns:p14="http://schemas.microsoft.com/office/powerpoint/2010/main">
+    <mc:Choice Requires="p14">
+      <p:transition spd="med" p14:dur="700">
+        <p:fade/>
+      </p:transition>
+    </mc:Choice>
+    <mc:Fallback xmlns="">
+      <p:transition spd="med">
+        <p:fade/>
+      </p:transition>
+    </mc:Fallback>
+  </mc:AlternateContent>
+</p:sld>
+</file>
+
+<file path=ppt/slides/slide20.xml><?xml version="1.0" encoding="utf-8"?>
+<p:sld xmlns:a="http://schemas.openxmlformats.org/drawingml/2006/main" xmlns:r="http://schemas.openxmlformats.org/officeDocument/2006/relationships" xmlns:p="http://schemas.openxmlformats.org/presentationml/2006/main">
+  <p:cSld>
+    <p:spTree>
+      <p:nvGrpSpPr>
+        <p:cNvPr id="1" name=""/>
+        <p:cNvGrpSpPr/>
+        <p:nvPr/>
+      </p:nvGrpSpPr>
+      <p:grpSpPr>
+        <a:xfrm>
+          <a:off x="0" y="0"/>
+          <a:ext cx="0" cy="0"/>
+          <a:chOff x="0" y="0"/>
+          <a:chExt cx="0" cy="0"/>
+        </a:xfrm>
+      </p:grpSpPr>
+      <p:sp>
+        <p:nvSpPr>
+          <p:cNvPr id="4" name="Title 3">
+            <a:extLst>
+              <a:ext uri="{FF2B5EF4-FFF2-40B4-BE49-F238E27FC236}">
+                <a16:creationId xmlns:a16="http://schemas.microsoft.com/office/drawing/2014/main" id="{79850671-DC31-4204-BA79-C472F6478216}"/>
+              </a:ext>
+            </a:extLst>
+          </p:cNvPr>
+          <p:cNvSpPr>
+            <a:spLocks noGrp="1"/>
+          </p:cNvSpPr>
+          <p:nvPr>
+            <p:ph type="title"/>
+          </p:nvPr>
+        </p:nvSpPr>
+        <p:spPr>
+          <a:xfrm>
+            <a:off x="635000" y="1133554"/>
+            <a:ext cx="9144000" cy="3323987"/>
+          </a:xfrm>
+        </p:spPr>
+        <p:txBody>
+          <a:bodyPr/>
+          <a:lstStyle/>
+          <a:p>
+            <a:br>
+              <a:rPr lang="en-US" dirty="0"/>
+            </a:br>
+            <a:r>
+              <a:rPr lang="en-US" dirty="0"/>
+              <a:t>Let’s go!</a:t>
+            </a:r>
+            <a:br>
+              <a:rPr lang="en-US" dirty="0"/>
+            </a:br>
+            <a:br>
+              <a:rPr lang="en-US" dirty="0"/>
+            </a:br>
+            <a:r>
+              <a:rPr lang="en-US" dirty="0">
+                <a:hlinkClick r:id="rId2"/>
+              </a:rPr>
+              <a:t>aka.ms/</a:t>
+            </a:r>
+            <a:r>
+              <a:rPr lang="en-US" dirty="0" err="1">
+                <a:hlinkClick r:id="rId2"/>
+              </a:rPr>
+              <a:t>kmb</a:t>
+            </a:r>
+            <a:r>
+              <a:rPr lang="en-US" dirty="0">
+                <a:hlinkClick r:id="rId2"/>
+              </a:rPr>
+              <a:t> </a:t>
+            </a:r>
+            <a:br>
+              <a:rPr lang="en-US" dirty="0"/>
+            </a:br>
+            <a:br>
+              <a:rPr lang="en-US" dirty="0"/>
+            </a:br>
+            <a:r>
+              <a:rPr lang="en-US" dirty="0"/>
+              <a:t> </a:t>
+            </a:r>
+          </a:p>
+        </p:txBody>
+      </p:sp>
+    </p:spTree>
+    <p:extLst>
+      <p:ext uri="{BB962C8B-B14F-4D97-AF65-F5344CB8AC3E}">
+        <p14:creationId xmlns:p14="http://schemas.microsoft.com/office/powerpoint/2010/main" val="2628648499"/>
+      </p:ext>
+    </p:extLst>
+  </p:cSld>
+  <p:clrMapOvr>
+    <a:masterClrMapping/>
+  </p:clrMapOvr>
+  <mc:AlternateContent xmlns:mc="http://schemas.openxmlformats.org/markup-compatibility/2006" xmlns:p14="http://schemas.microsoft.com/office/powerpoint/2010/main">
+    <mc:Choice Requires="p14">
+      <p:transition spd="med" p14:dur="700">
+        <p:fade/>
+      </p:transition>
+    </mc:Choice>
+    <mc:Fallback xmlns="">
+      <p:transition spd="med">
+        <p:fade/>
+      </p:transition>
+    </mc:Fallback>
+  </mc:AlternateContent>
+</p:sld>
+</file>
+
+<file path=ppt/slides/slide21.xml><?xml version="1.0" encoding="utf-8"?>
+<p:sld xmlns:a="http://schemas.openxmlformats.org/drawingml/2006/main" xmlns:r="http://schemas.openxmlformats.org/officeDocument/2006/relationships" xmlns:p="http://schemas.openxmlformats.org/presentationml/2006/main">
+  <p:cSld>
+    <p:spTree>
+      <p:nvGrpSpPr>
+        <p:cNvPr id="1" name=""/>
+        <p:cNvGrpSpPr/>
+        <p:nvPr/>
+      </p:nvGrpSpPr>
+      <p:grpSpPr>
+        <a:xfrm>
+          <a:off x="0" y="0"/>
+          <a:ext cx="0" cy="0"/>
+          <a:chOff x="0" y="0"/>
+          <a:chExt cx="0" cy="0"/>
+        </a:xfrm>
+      </p:grpSpPr>
+      <p:sp>
+        <p:nvSpPr>
+          <p:cNvPr id="4" name="Title 3">
+            <a:extLst>
+              <a:ext uri="{FF2B5EF4-FFF2-40B4-BE49-F238E27FC236}">
+                <a16:creationId xmlns:a16="http://schemas.microsoft.com/office/drawing/2014/main" id="{79850671-DC31-4204-BA79-C472F6478216}"/>
+              </a:ext>
+            </a:extLst>
+          </p:cNvPr>
+          <p:cNvSpPr>
+            <a:spLocks noGrp="1"/>
+          </p:cNvSpPr>
+          <p:nvPr>
+            <p:ph type="title"/>
+          </p:nvPr>
+        </p:nvSpPr>
+        <p:spPr>
+          <a:xfrm>
+            <a:off x="650942" y="1738908"/>
+            <a:ext cx="9144000" cy="3877985"/>
+          </a:xfrm>
+        </p:spPr>
+        <p:txBody>
+          <a:bodyPr/>
+          <a:lstStyle/>
+          <a:p>
+            <a:r>
+              <a:rPr lang="en-US" dirty="0"/>
+              <a:t>Thank you!</a:t>
+            </a:r>
+            <a:br>
+              <a:rPr lang="en-US" dirty="0"/>
+            </a:br>
+            <a:br>
+              <a:rPr lang="en-US" dirty="0"/>
+            </a:br>
+            <a:br>
+              <a:rPr lang="en-US" dirty="0"/>
+            </a:br>
+            <a:br>
+              <a:rPr lang="en-US" dirty="0"/>
+            </a:br>
+            <a:r>
+              <a:rPr lang="en-US" dirty="0"/>
+              <a:t>Rodrigo Souza</a:t>
+            </a:r>
+            <a:br>
+              <a:rPr lang="en-US" dirty="0"/>
+            </a:br>
+            <a:r>
+              <a:rPr lang="en-US" dirty="0">
+                <a:hlinkClick r:id="rId2"/>
+              </a:rPr>
+              <a:t>rosouz@microsoft.com</a:t>
+            </a:r>
+            <a:r>
+              <a:rPr lang="en-US" dirty="0"/>
+              <a:t> </a:t>
+            </a:r>
+            <a:br>
+              <a:rPr lang="en-US" dirty="0"/>
+            </a:br>
+            <a:endParaRPr lang="en-US" dirty="0"/>
+          </a:p>
+        </p:txBody>
+      </p:sp>
+    </p:spTree>
+    <p:extLst>
+      <p:ext uri="{BB962C8B-B14F-4D97-AF65-F5344CB8AC3E}">
+        <p14:creationId xmlns:p14="http://schemas.microsoft.com/office/powerpoint/2010/main" val="3760874456"/>
       </p:ext>
     </p:extLst>
   </p:cSld>
@@ -37392,9 +38642,10 @@
           <a:lstStyle/>
           <a:p>
             <a:r>
-              <a:rPr lang="en-US" dirty="0"/>
-              <a:t>This Training</a:t>
-            </a:r>
+              <a:rPr lang="en-US"/>
+              <a:t>Agenda </a:t>
+            </a:r>
+            <a:endParaRPr lang="en-US" dirty="0"/>
           </a:p>
         </p:txBody>
       </p:sp>
@@ -37411,38 +38662,20 @@
         <p:spPr>
           <a:xfrm>
             <a:off x="586390" y="1434370"/>
-            <a:ext cx="11018520" cy="3213187"/>
+            <a:ext cx="11018520" cy="3877985"/>
           </a:xfrm>
         </p:spPr>
         <p:txBody>
           <a:bodyPr/>
           <a:lstStyle/>
           <a:p>
-            <a:r>
-              <a:rPr lang="en-US" sz="3600" dirty="0"/>
-              <a:t>Knowledge Mining Bootcamp</a:t>
-            </a:r>
-          </a:p>
-          <a:p>
             <a:pPr marL="571500" indent="-571500">
               <a:buFont typeface="Arial" panose="020B0604020202020204" pitchFamily="34" charset="0"/>
               <a:buChar char="•"/>
             </a:pPr>
             <a:r>
-              <a:rPr lang="en-US" sz="3600" dirty="0">
-                <a:hlinkClick r:id="rId3"/>
-              </a:rPr>
-              <a:t>aka.ms/</a:t>
-            </a:r>
-            <a:r>
-              <a:rPr lang="en-US" sz="3600" dirty="0" err="1">
-                <a:hlinkClick r:id="rId3"/>
-              </a:rPr>
-              <a:t>kmb</a:t>
-            </a:r>
-            <a:r>
               <a:rPr lang="en-US" sz="3600" dirty="0"/>
-              <a:t> </a:t>
+              <a:t>8 AM – 5 PM</a:t>
             </a:r>
           </a:p>
           <a:p>
@@ -37452,7 +38685,7 @@
             </a:pPr>
             <a:r>
               <a:rPr lang="en-US" sz="3600" dirty="0"/>
-              <a:t>2 Days</a:t>
+              <a:t>Environment</a:t>
             </a:r>
           </a:p>
           <a:p>
@@ -37462,7 +38695,7 @@
             </a:pPr>
             <a:r>
               <a:rPr lang="en-US" sz="3600" dirty="0"/>
-              <a:t>Bot</a:t>
+              <a:t>Introduction</a:t>
             </a:r>
           </a:p>
           <a:p>
@@ -37472,7 +38705,27 @@
             </a:pPr>
             <a:r>
               <a:rPr lang="en-US" sz="3600" dirty="0"/>
-              <a:t>Content Moderator</a:t>
+              <a:t>Demos</a:t>
+            </a:r>
+          </a:p>
+          <a:p>
+            <a:pPr marL="571500" indent="-571500">
+              <a:buFont typeface="Arial" panose="020B0604020202020204" pitchFamily="34" charset="0"/>
+              <a:buChar char="•"/>
+            </a:pPr>
+            <a:r>
+              <a:rPr lang="en-US" sz="3600" dirty="0"/>
+              <a:t>Labs</a:t>
+            </a:r>
+          </a:p>
+          <a:p>
+            <a:pPr marL="571500" indent="-571500">
+              <a:buFont typeface="Arial" panose="020B0604020202020204" pitchFamily="34" charset="0"/>
+              <a:buChar char="•"/>
+            </a:pPr>
+            <a:r>
+              <a:rPr lang="en-US" sz="3600" dirty="0"/>
+              <a:t>Surface Giveaway </a:t>
             </a:r>
           </a:p>
         </p:txBody>
@@ -37536,7 +38789,7 @@
           <a:p>
             <a:r>
               <a:rPr lang="en-US" dirty="0"/>
-              <a:t>Other Resources</a:t>
+              <a:t>Logistics</a:t>
             </a:r>
           </a:p>
         </p:txBody>
@@ -37554,30 +38807,21 @@
         <p:spPr>
           <a:xfrm>
             <a:off x="586390" y="1434370"/>
-            <a:ext cx="11018520" cy="3213187"/>
+            <a:ext cx="11018520" cy="2548390"/>
           </a:xfrm>
         </p:spPr>
         <p:txBody>
           <a:bodyPr/>
           <a:lstStyle/>
           <a:p>
-            <a:r>
-              <a:rPr lang="en-US" sz="3600" dirty="0"/>
-              <a:t>Knowledge Mining Workshop</a:t>
-            </a:r>
-          </a:p>
-          <a:p>
             <a:pPr marL="571500" indent="-571500">
               <a:buFont typeface="Arial" panose="020B0604020202020204" pitchFamily="34" charset="0"/>
               <a:buChar char="•"/>
             </a:pPr>
             <a:r>
-              <a:rPr lang="en-US" sz="3600" dirty="0">
-                <a:hlinkClick r:id="rId3"/>
-              </a:rPr>
-              <a:t>aka.ms/kmw1 </a:t>
-            </a:r>
-            <a:endParaRPr lang="en-US" sz="3600" dirty="0"/>
+              <a:rPr lang="en-US" sz="3600" dirty="0"/>
+              <a:t>Restrooms – hallway, to the right</a:t>
+            </a:r>
           </a:p>
           <a:p>
             <a:pPr marL="571500" indent="-571500">
@@ -37586,7 +38830,7 @@
             </a:pPr>
             <a:r>
               <a:rPr lang="en-US" sz="3600" dirty="0"/>
-              <a:t>4 hours</a:t>
+              <a:t>Wi-fi: On the back of your badge</a:t>
             </a:r>
           </a:p>
           <a:p>
@@ -37596,7 +38840,7 @@
             </a:pPr>
             <a:r>
               <a:rPr lang="en-US" sz="3600" dirty="0"/>
-              <a:t>Web Interface</a:t>
+              <a:t>Lunch: 12 – 1 PM - To go boxes</a:t>
             </a:r>
           </a:p>
           <a:p>
@@ -37606,7 +38850,7 @@
             </a:pPr>
             <a:r>
               <a:rPr lang="en-US" sz="3600" dirty="0"/>
-              <a:t>Will be delivered on Thursday at 10:45 AM</a:t>
+              <a:t>Breaks: Anytime!!</a:t>
             </a:r>
           </a:p>
         </p:txBody>
@@ -37614,7 +38858,7 @@
     </p:spTree>
     <p:extLst>
       <p:ext uri="{BB962C8B-B14F-4D97-AF65-F5344CB8AC3E}">
-        <p14:creationId xmlns:p14="http://schemas.microsoft.com/office/powerpoint/2010/main" val="2979398037"/>
+        <p14:creationId xmlns:p14="http://schemas.microsoft.com/office/powerpoint/2010/main" val="3751849696"/>
       </p:ext>
     </p:extLst>
   </p:cSld>
@@ -37670,8 +38914,427 @@
           <a:p>
             <a:r>
               <a:rPr lang="en-US" dirty="0"/>
-              <a:t>Other Resources</a:t>
-            </a:r>
+              <a:t>This Training</a:t>
+            </a:r>
+          </a:p>
+        </p:txBody>
+      </p:sp>
+      <p:sp>
+        <p:nvSpPr>
+          <p:cNvPr id="6" name="Text Placeholder 5"/>
+          <p:cNvSpPr>
+            <a:spLocks noGrp="1"/>
+          </p:cNvSpPr>
+          <p:nvPr>
+            <p:ph type="body" sz="quarter" idx="10"/>
+          </p:nvPr>
+        </p:nvSpPr>
+        <p:spPr>
+          <a:xfrm>
+            <a:off x="586390" y="1434370"/>
+            <a:ext cx="11018520" cy="3213187"/>
+          </a:xfrm>
+        </p:spPr>
+        <p:txBody>
+          <a:bodyPr/>
+          <a:lstStyle/>
+          <a:p>
+            <a:r>
+              <a:rPr lang="en-US" sz="3600" dirty="0"/>
+              <a:t>Knowledge Mining Bootcamp</a:t>
+            </a:r>
+          </a:p>
+          <a:p>
+            <a:pPr marL="571500" indent="-571500">
+              <a:buFont typeface="Arial" panose="020B0604020202020204" pitchFamily="34" charset="0"/>
+              <a:buChar char="•"/>
+            </a:pPr>
+            <a:r>
+              <a:rPr lang="en-US" sz="3600" dirty="0">
+                <a:hlinkClick r:id="rId3"/>
+              </a:rPr>
+              <a:t>aka.ms/</a:t>
+            </a:r>
+            <a:r>
+              <a:rPr lang="en-US" sz="3600" dirty="0" err="1">
+                <a:hlinkClick r:id="rId3"/>
+              </a:rPr>
+              <a:t>kmb</a:t>
+            </a:r>
+            <a:r>
+              <a:rPr lang="en-US" sz="3600" dirty="0"/>
+              <a:t> </a:t>
+            </a:r>
+          </a:p>
+          <a:p>
+            <a:pPr marL="571500" indent="-571500">
+              <a:buFont typeface="Arial" panose="020B0604020202020204" pitchFamily="34" charset="0"/>
+              <a:buChar char="•"/>
+            </a:pPr>
+            <a:r>
+              <a:rPr lang="en-US" sz="3600" dirty="0"/>
+              <a:t>2 Days</a:t>
+            </a:r>
+          </a:p>
+          <a:p>
+            <a:pPr marL="571500" indent="-571500">
+              <a:buFont typeface="Arial" panose="020B0604020202020204" pitchFamily="34" charset="0"/>
+              <a:buChar char="•"/>
+            </a:pPr>
+            <a:r>
+              <a:rPr lang="en-US" sz="3600" dirty="0"/>
+              <a:t>Bot</a:t>
+            </a:r>
+          </a:p>
+          <a:p>
+            <a:pPr marL="571500" indent="-571500">
+              <a:buFont typeface="Arial" panose="020B0604020202020204" pitchFamily="34" charset="0"/>
+              <a:buChar char="•"/>
+            </a:pPr>
+            <a:r>
+              <a:rPr lang="en-US" sz="3600" dirty="0"/>
+              <a:t>Content Moderator as a Custom Skill</a:t>
+            </a:r>
+          </a:p>
+        </p:txBody>
+      </p:sp>
+    </p:spTree>
+    <p:extLst>
+      <p:ext uri="{BB962C8B-B14F-4D97-AF65-F5344CB8AC3E}">
+        <p14:creationId xmlns:p14="http://schemas.microsoft.com/office/powerpoint/2010/main" val="1446513963"/>
+      </p:ext>
+    </p:extLst>
+  </p:cSld>
+  <p:clrMapOvr>
+    <a:masterClrMapping/>
+  </p:clrMapOvr>
+  <mc:AlternateContent xmlns:mc="http://schemas.openxmlformats.org/markup-compatibility/2006" xmlns:p14="http://schemas.microsoft.com/office/powerpoint/2010/main">
+    <mc:Choice Requires="p14">
+      <p:transition spd="med" p14:dur="700">
+        <p:fade/>
+      </p:transition>
+    </mc:Choice>
+    <mc:Fallback xmlns="">
+      <p:transition spd="med">
+        <p:fade/>
+      </p:transition>
+    </mc:Fallback>
+  </mc:AlternateContent>
+</p:sld>
+</file>
+
+<file path=ppt/slides/slide6.xml><?xml version="1.0" encoding="utf-8"?>
+<p:sld xmlns:a="http://schemas.openxmlformats.org/drawingml/2006/main" xmlns:r="http://schemas.openxmlformats.org/officeDocument/2006/relationships" xmlns:p="http://schemas.openxmlformats.org/presentationml/2006/main">
+  <p:cSld>
+    <p:spTree>
+      <p:nvGrpSpPr>
+        <p:cNvPr id="1" name=""/>
+        <p:cNvGrpSpPr/>
+        <p:nvPr/>
+      </p:nvGrpSpPr>
+      <p:grpSpPr>
+        <a:xfrm>
+          <a:off x="0" y="0"/>
+          <a:ext cx="0" cy="0"/>
+          <a:chOff x="0" y="0"/>
+          <a:chExt cx="0" cy="0"/>
+        </a:xfrm>
+      </p:grpSpPr>
+      <p:sp>
+        <p:nvSpPr>
+          <p:cNvPr id="17" name="Title 16"/>
+          <p:cNvSpPr>
+            <a:spLocks noGrp="1"/>
+          </p:cNvSpPr>
+          <p:nvPr>
+            <p:ph type="title"/>
+          </p:nvPr>
+        </p:nvSpPr>
+        <p:spPr/>
+        <p:txBody>
+          <a:bodyPr/>
+          <a:lstStyle/>
+          <a:p>
+            <a:r>
+              <a:rPr lang="en-US" dirty="0"/>
+              <a:t>Other KM Resources</a:t>
+            </a:r>
+          </a:p>
+        </p:txBody>
+      </p:sp>
+      <p:sp>
+        <p:nvSpPr>
+          <p:cNvPr id="6" name="Text Placeholder 5"/>
+          <p:cNvSpPr>
+            <a:spLocks noGrp="1"/>
+          </p:cNvSpPr>
+          <p:nvPr>
+            <p:ph type="body" sz="quarter" idx="10"/>
+          </p:nvPr>
+        </p:nvSpPr>
+        <p:spPr>
+          <a:xfrm>
+            <a:off x="586390" y="1434370"/>
+            <a:ext cx="11018520" cy="3213187"/>
+          </a:xfrm>
+        </p:spPr>
+        <p:txBody>
+          <a:bodyPr/>
+          <a:lstStyle/>
+          <a:p>
+            <a:r>
+              <a:rPr lang="en-US" sz="3600" dirty="0"/>
+              <a:t>Knowledge Mining Workshop</a:t>
+            </a:r>
+          </a:p>
+          <a:p>
+            <a:pPr marL="571500" indent="-571500">
+              <a:buFont typeface="Arial" panose="020B0604020202020204" pitchFamily="34" charset="0"/>
+              <a:buChar char="•"/>
+            </a:pPr>
+            <a:r>
+              <a:rPr lang="en-US" sz="3600" dirty="0">
+                <a:hlinkClick r:id="rId3"/>
+              </a:rPr>
+              <a:t>aka.ms/kmw1 </a:t>
+            </a:r>
+            <a:endParaRPr lang="en-US" sz="3600" dirty="0"/>
+          </a:p>
+          <a:p>
+            <a:pPr marL="571500" indent="-571500">
+              <a:buFont typeface="Arial" panose="020B0604020202020204" pitchFamily="34" charset="0"/>
+              <a:buChar char="•"/>
+            </a:pPr>
+            <a:r>
+              <a:rPr lang="en-US" sz="3600" dirty="0"/>
+              <a:t>6 hours</a:t>
+            </a:r>
+          </a:p>
+          <a:p>
+            <a:pPr marL="571500" indent="-571500">
+              <a:buFont typeface="Arial" panose="020B0604020202020204" pitchFamily="34" charset="0"/>
+              <a:buChar char="•"/>
+            </a:pPr>
+            <a:r>
+              <a:rPr lang="en-US" sz="3600" dirty="0"/>
+              <a:t>Web Interface</a:t>
+            </a:r>
+          </a:p>
+          <a:p>
+            <a:pPr marL="571500" indent="-571500">
+              <a:buFont typeface="Arial" panose="020B0604020202020204" pitchFamily="34" charset="0"/>
+              <a:buChar char="•"/>
+            </a:pPr>
+            <a:r>
+              <a:rPr lang="en-US" sz="3600" dirty="0"/>
+              <a:t>Will be delivered on Thursday at 10:45 AM</a:t>
+            </a:r>
+          </a:p>
+        </p:txBody>
+      </p:sp>
+    </p:spTree>
+    <p:extLst>
+      <p:ext uri="{BB962C8B-B14F-4D97-AF65-F5344CB8AC3E}">
+        <p14:creationId xmlns:p14="http://schemas.microsoft.com/office/powerpoint/2010/main" val="2979398037"/>
+      </p:ext>
+    </p:extLst>
+  </p:cSld>
+  <p:clrMapOvr>
+    <a:masterClrMapping/>
+  </p:clrMapOvr>
+  <mc:AlternateContent xmlns:mc="http://schemas.openxmlformats.org/markup-compatibility/2006" xmlns:p14="http://schemas.microsoft.com/office/powerpoint/2010/main">
+    <mc:Choice Requires="p14">
+      <p:transition spd="med" p14:dur="700">
+        <p:fade/>
+      </p:transition>
+    </mc:Choice>
+    <mc:Fallback xmlns="">
+      <p:transition spd="med">
+        <p:fade/>
+      </p:transition>
+    </mc:Fallback>
+  </mc:AlternateContent>
+</p:sld>
+</file>
+
+<file path=ppt/slides/slide7.xml><?xml version="1.0" encoding="utf-8"?>
+<p:sld xmlns:a="http://schemas.openxmlformats.org/drawingml/2006/main" xmlns:r="http://schemas.openxmlformats.org/officeDocument/2006/relationships" xmlns:p="http://schemas.openxmlformats.org/presentationml/2006/main">
+  <p:cSld>
+    <p:spTree>
+      <p:nvGrpSpPr>
+        <p:cNvPr id="1" name=""/>
+        <p:cNvGrpSpPr/>
+        <p:nvPr/>
+      </p:nvGrpSpPr>
+      <p:grpSpPr>
+        <a:xfrm>
+          <a:off x="0" y="0"/>
+          <a:ext cx="0" cy="0"/>
+          <a:chOff x="0" y="0"/>
+          <a:chExt cx="0" cy="0"/>
+        </a:xfrm>
+      </p:grpSpPr>
+      <p:sp>
+        <p:nvSpPr>
+          <p:cNvPr id="17" name="Title 16"/>
+          <p:cNvSpPr>
+            <a:spLocks noGrp="1"/>
+          </p:cNvSpPr>
+          <p:nvPr>
+            <p:ph type="title"/>
+          </p:nvPr>
+        </p:nvSpPr>
+        <p:spPr/>
+        <p:txBody>
+          <a:bodyPr/>
+          <a:lstStyle/>
+          <a:p>
+            <a:r>
+              <a:rPr lang="en-US" dirty="0"/>
+              <a:t>Other KM Resources</a:t>
+            </a:r>
+          </a:p>
+        </p:txBody>
+      </p:sp>
+      <p:sp>
+        <p:nvSpPr>
+          <p:cNvPr id="6" name="Text Placeholder 5"/>
+          <p:cNvSpPr>
+            <a:spLocks noGrp="1"/>
+          </p:cNvSpPr>
+          <p:nvPr>
+            <p:ph type="body" sz="quarter" idx="10"/>
+          </p:nvPr>
+        </p:nvSpPr>
+        <p:spPr>
+          <a:xfrm>
+            <a:off x="586390" y="1434370"/>
+            <a:ext cx="11018520" cy="3213187"/>
+          </a:xfrm>
+        </p:spPr>
+        <p:txBody>
+          <a:bodyPr/>
+          <a:lstStyle/>
+          <a:p>
+            <a:r>
+              <a:rPr lang="en-US" sz="3600" dirty="0"/>
+              <a:t>ACE Team Blog</a:t>
+            </a:r>
+          </a:p>
+          <a:p>
+            <a:pPr marL="571500" indent="-571500">
+              <a:buFont typeface="Arial" panose="020B0604020202020204" pitchFamily="34" charset="0"/>
+              <a:buChar char="•"/>
+            </a:pPr>
+            <a:r>
+              <a:rPr lang="en-US" sz="3600" dirty="0">
+                <a:hlinkClick r:id="rId3"/>
+              </a:rPr>
+              <a:t>aka.ms/ACE-Blog</a:t>
+            </a:r>
+            <a:r>
+              <a:rPr lang="en-US" sz="3600" dirty="0">
+                <a:hlinkClick r:id="rId4"/>
+              </a:rPr>
+              <a:t> </a:t>
+            </a:r>
+            <a:endParaRPr lang="en-US" sz="3600" dirty="0"/>
+          </a:p>
+          <a:p>
+            <a:pPr marL="571500" indent="-571500">
+              <a:buFont typeface="Arial" panose="020B0604020202020204" pitchFamily="34" charset="0"/>
+              <a:buChar char="•"/>
+            </a:pPr>
+            <a:r>
+              <a:rPr lang="en-US" sz="3600" dirty="0"/>
+              <a:t>Lessons Learned</a:t>
+            </a:r>
+          </a:p>
+          <a:p>
+            <a:pPr marL="571500" indent="-571500">
+              <a:buFont typeface="Arial" panose="020B0604020202020204" pitchFamily="34" charset="0"/>
+              <a:buChar char="•"/>
+            </a:pPr>
+            <a:r>
+              <a:rPr lang="en-US" sz="3600" dirty="0"/>
+              <a:t>Best Practices</a:t>
+            </a:r>
+          </a:p>
+          <a:p>
+            <a:pPr marL="571500" indent="-571500">
+              <a:buFont typeface="Arial" panose="020B0604020202020204" pitchFamily="34" charset="0"/>
+              <a:buChar char="•"/>
+            </a:pPr>
+            <a:r>
+              <a:rPr lang="en-US" sz="3600" dirty="0" err="1"/>
+              <a:t>Inovations</a:t>
+            </a:r>
+            <a:endParaRPr lang="en-US" sz="3600" dirty="0"/>
+          </a:p>
+        </p:txBody>
+      </p:sp>
+    </p:spTree>
+    <p:extLst>
+      <p:ext uri="{BB962C8B-B14F-4D97-AF65-F5344CB8AC3E}">
+        <p14:creationId xmlns:p14="http://schemas.microsoft.com/office/powerpoint/2010/main" val="3938944791"/>
+      </p:ext>
+    </p:extLst>
+  </p:cSld>
+  <p:clrMapOvr>
+    <a:masterClrMapping/>
+  </p:clrMapOvr>
+  <mc:AlternateContent xmlns:mc="http://schemas.openxmlformats.org/markup-compatibility/2006" xmlns:p14="http://schemas.microsoft.com/office/powerpoint/2010/main">
+    <mc:Choice Requires="p14">
+      <p:transition spd="med" p14:dur="700">
+        <p:fade/>
+      </p:transition>
+    </mc:Choice>
+    <mc:Fallback xmlns="">
+      <p:transition spd="med">
+        <p:fade/>
+      </p:transition>
+    </mc:Fallback>
+  </mc:AlternateContent>
+</p:sld>
+</file>
+
+<file path=ppt/slides/slide8.xml><?xml version="1.0" encoding="utf-8"?>
+<p:sld xmlns:a="http://schemas.openxmlformats.org/drawingml/2006/main" xmlns:r="http://schemas.openxmlformats.org/officeDocument/2006/relationships" xmlns:p="http://schemas.openxmlformats.org/presentationml/2006/main">
+  <p:cSld>
+    <p:spTree>
+      <p:nvGrpSpPr>
+        <p:cNvPr id="1" name=""/>
+        <p:cNvGrpSpPr/>
+        <p:nvPr/>
+      </p:nvGrpSpPr>
+      <p:grpSpPr>
+        <a:xfrm>
+          <a:off x="0" y="0"/>
+          <a:ext cx="0" cy="0"/>
+          <a:chOff x="0" y="0"/>
+          <a:chExt cx="0" cy="0"/>
+        </a:xfrm>
+      </p:grpSpPr>
+      <p:sp>
+        <p:nvSpPr>
+          <p:cNvPr id="17" name="Title 16"/>
+          <p:cNvSpPr>
+            <a:spLocks noGrp="1"/>
+          </p:cNvSpPr>
+          <p:nvPr>
+            <p:ph type="title"/>
+          </p:nvPr>
+        </p:nvSpPr>
+        <p:spPr/>
+        <p:txBody>
+          <a:bodyPr/>
+          <a:lstStyle/>
+          <a:p>
+            <a:r>
+              <a:rPr lang="en-US"/>
+              <a:t>Other KM Resources</a:t>
+            </a:r>
+            <a:endParaRPr lang="en-US" dirty="0"/>
           </a:p>
         </p:txBody>
       </p:sp>
@@ -38067,85 +39730,6 @@
           </a:p>
         </p:txBody>
       </p:sp>
-      <p:sp>
-        <p:nvSpPr>
-          <p:cNvPr id="2" name="Explosion: 14 Points 1">
-            <a:extLst>
-              <a:ext uri="{FF2B5EF4-FFF2-40B4-BE49-F238E27FC236}">
-                <a16:creationId xmlns:a16="http://schemas.microsoft.com/office/drawing/2014/main" id="{4E9F0AAC-559A-4150-9A95-A51572AC9EF0}"/>
-              </a:ext>
-            </a:extLst>
-          </p:cNvPr>
-          <p:cNvSpPr/>
-          <p:nvPr/>
-        </p:nvSpPr>
-        <p:spPr bwMode="auto">
-          <a:xfrm>
-            <a:off x="2802965" y="2502645"/>
-            <a:ext cx="5390776" cy="3659095"/>
-          </a:xfrm>
-          <a:prstGeom prst="irregularSeal2">
-            <a:avLst/>
-          </a:prstGeom>
-          <a:solidFill>
-            <a:schemeClr val="accent3"/>
-          </a:solidFill>
-          <a:ln>
-            <a:noFill/>
-          </a:ln>
-        </p:spPr>
-        <p:style>
-          <a:lnRef idx="0">
-            <a:scrgbClr r="0" g="0" b="0"/>
-          </a:lnRef>
-          <a:fillRef idx="0">
-            <a:scrgbClr r="0" g="0" b="0"/>
-          </a:fillRef>
-          <a:effectRef idx="0">
-            <a:scrgbClr r="0" g="0" b="0"/>
-          </a:effectRef>
-          <a:fontRef idx="minor">
-            <a:schemeClr val="lt1"/>
-          </a:fontRef>
-        </p:style>
-        <p:txBody>
-          <a:bodyPr rot="0" spcFirstLastPara="0" vertOverflow="overflow" horzOverflow="overflow" vert="horz" wrap="square" lIns="182880" tIns="146304" rIns="182880" bIns="146304" numCol="1" spcCol="0" rtlCol="0" fromWordArt="0" anchor="t" anchorCtr="0" forceAA="0" compatLnSpc="1">
-            <a:prstTxWarp prst="textNoShape">
-              <a:avLst/>
-            </a:prstTxWarp>
-            <a:noAutofit/>
-          </a:bodyPr>
-          <a:lstStyle/>
-          <a:p>
-            <a:pPr algn="l" defTabSz="932472" fontAlgn="base">
-              <a:spcBef>
-                <a:spcPct val="0"/>
-              </a:spcBef>
-              <a:spcAft>
-                <a:spcPct val="0"/>
-              </a:spcAft>
-            </a:pPr>
-            <a:r>
-              <a:rPr lang="en-US" sz="2800" b="1" dirty="0">
-                <a:gradFill>
-                  <a:gsLst>
-                    <a:gs pos="0">
-                      <a:srgbClr val="FFFFFF"/>
-                    </a:gs>
-                    <a:gs pos="100000">
-                      <a:srgbClr val="FFFFFF"/>
-                    </a:gs>
-                  </a:gsLst>
-                  <a:lin ang="5400000" scaled="0"/>
-                </a:gradFill>
-                <a:ea typeface="Segoe UI" pitchFamily="34" charset="0"/>
-                <a:cs typeface="Segoe UI" pitchFamily="34" charset="0"/>
-              </a:rPr>
-              <a:t>To be merged!</a:t>
-            </a:r>
-          </a:p>
-        </p:txBody>
-      </p:sp>
     </p:spTree>
     <p:extLst>
       <p:ext uri="{BB962C8B-B14F-4D97-AF65-F5344CB8AC3E}">
@@ -38168,89 +39752,10 @@
       </p:transition>
     </mc:Fallback>
   </mc:AlternateContent>
-  <p:timing>
-    <p:tnLst>
-      <p:par>
-        <p:cTn id="1" dur="indefinite" restart="never" nodeType="tmRoot">
-          <p:childTnLst>
-            <p:seq concurrent="1" nextAc="seek">
-              <p:cTn id="2" dur="indefinite" nodeType="mainSeq">
-                <p:childTnLst>
-                  <p:par>
-                    <p:cTn id="3" fill="hold">
-                      <p:stCondLst>
-                        <p:cond delay="indefinite"/>
-                      </p:stCondLst>
-                      <p:childTnLst>
-                        <p:par>
-                          <p:cTn id="4" fill="hold">
-                            <p:stCondLst>
-                              <p:cond delay="0"/>
-                            </p:stCondLst>
-                            <p:childTnLst>
-                              <p:par>
-                                <p:cTn id="5" presetID="1" presetClass="entr" presetSubtype="0" fill="hold" nodeType="clickEffect">
-                                  <p:stCondLst>
-                                    <p:cond delay="0"/>
-                                  </p:stCondLst>
-                                  <p:childTnLst>
-                                    <p:set>
-                                      <p:cBhvr>
-                                        <p:cTn id="6" dur="1" fill="hold">
-                                          <p:stCondLst>
-                                            <p:cond delay="0"/>
-                                          </p:stCondLst>
-                                        </p:cTn>
-                                        <p:tgtEl>
-                                          <p:spTgt spid="2">
-                                            <p:txEl>
-                                              <p:pRg st="0" end="0"/>
-                                            </p:txEl>
-                                          </p:spTgt>
-                                        </p:tgtEl>
-                                        <p:attrNameLst>
-                                          <p:attrName>style.visibility</p:attrName>
-                                        </p:attrNameLst>
-                                      </p:cBhvr>
-                                      <p:to>
-                                        <p:strVal val="visible"/>
-                                      </p:to>
-                                    </p:set>
-                                  </p:childTnLst>
-                                </p:cTn>
-                              </p:par>
-                            </p:childTnLst>
-                          </p:cTn>
-                        </p:par>
-                      </p:childTnLst>
-                    </p:cTn>
-                  </p:par>
-                </p:childTnLst>
-              </p:cTn>
-              <p:prevCondLst>
-                <p:cond evt="onPrev" delay="0">
-                  <p:tgtEl>
-                    <p:sldTgt/>
-                  </p:tgtEl>
-                </p:cond>
-              </p:prevCondLst>
-              <p:nextCondLst>
-                <p:cond evt="onNext" delay="0">
-                  <p:tgtEl>
-                    <p:sldTgt/>
-                  </p:tgtEl>
-                </p:cond>
-              </p:nextCondLst>
-            </p:seq>
-          </p:childTnLst>
-        </p:cTn>
-      </p:par>
-    </p:tnLst>
-  </p:timing>
 </p:sld>
 </file>
 
-<file path=ppt/slides/slide6.xml><?xml version="1.0" encoding="utf-8"?>
+<file path=ppt/slides/slide9.xml><?xml version="1.0" encoding="utf-8"?>
 <p:sld xmlns:a="http://schemas.openxmlformats.org/drawingml/2006/main" xmlns:r="http://schemas.openxmlformats.org/officeDocument/2006/relationships" xmlns:p="http://schemas.openxmlformats.org/presentationml/2006/main">
   <p:cSld>
     <p:spTree>
@@ -38677,602 +40182,6 @@
       </p:transition>
     </mc:Fallback>
   </mc:AlternateContent>
-</p:sld>
-</file>
-
-<file path=ppt/slides/slide7.xml><?xml version="1.0" encoding="utf-8"?>
-<p:sld xmlns:a="http://schemas.openxmlformats.org/drawingml/2006/main" xmlns:r="http://schemas.openxmlformats.org/officeDocument/2006/relationships" xmlns:p="http://schemas.openxmlformats.org/presentationml/2006/main">
-  <p:cSld>
-    <p:spTree>
-      <p:nvGrpSpPr>
-        <p:cNvPr id="1" name=""/>
-        <p:cNvGrpSpPr/>
-        <p:nvPr/>
-      </p:nvGrpSpPr>
-      <p:grpSpPr>
-        <a:xfrm>
-          <a:off x="0" y="0"/>
-          <a:ext cx="0" cy="0"/>
-          <a:chOff x="0" y="0"/>
-          <a:chExt cx="0" cy="0"/>
-        </a:xfrm>
-      </p:grpSpPr>
-      <p:sp>
-        <p:nvSpPr>
-          <p:cNvPr id="17" name="Title 16"/>
-          <p:cNvSpPr>
-            <a:spLocks noGrp="1"/>
-          </p:cNvSpPr>
-          <p:nvPr>
-            <p:ph type="title"/>
-          </p:nvPr>
-        </p:nvSpPr>
-        <p:spPr/>
-        <p:txBody>
-          <a:bodyPr/>
-          <a:lstStyle/>
-          <a:p>
-            <a:r>
-              <a:rPr lang="en-US" dirty="0"/>
-              <a:t>Architecture</a:t>
-            </a:r>
-          </a:p>
-        </p:txBody>
-      </p:sp>
-      <p:pic>
-        <p:nvPicPr>
-          <p:cNvPr id="7" name="Picture 6">
-            <a:extLst>
-              <a:ext uri="{FF2B5EF4-FFF2-40B4-BE49-F238E27FC236}">
-                <a16:creationId xmlns:a16="http://schemas.microsoft.com/office/drawing/2014/main" id="{5B23A7A7-5880-4EEC-90F4-590C9DFC16AA}"/>
-              </a:ext>
-            </a:extLst>
-          </p:cNvPr>
-          <p:cNvPicPr>
-            <a:picLocks noChangeAspect="1"/>
-          </p:cNvPicPr>
-          <p:nvPr/>
-        </p:nvPicPr>
-        <p:blipFill>
-          <a:blip r:embed="rId3"/>
-          <a:stretch>
-            <a:fillRect/>
-          </a:stretch>
-        </p:blipFill>
-        <p:spPr>
-          <a:xfrm>
-            <a:off x="1813586" y="1231228"/>
-            <a:ext cx="7962010" cy="5398621"/>
-          </a:xfrm>
-          <a:prstGeom prst="rect">
-            <a:avLst/>
-          </a:prstGeom>
-        </p:spPr>
-      </p:pic>
-      <p:sp>
-        <p:nvSpPr>
-          <p:cNvPr id="8" name="Explosion: 14 Points 7">
-            <a:extLst>
-              <a:ext uri="{FF2B5EF4-FFF2-40B4-BE49-F238E27FC236}">
-                <a16:creationId xmlns:a16="http://schemas.microsoft.com/office/drawing/2014/main" id="{03758CD8-3E1D-46A1-8D62-3F4E57D028FF}"/>
-              </a:ext>
-            </a:extLst>
-          </p:cNvPr>
-          <p:cNvSpPr/>
-          <p:nvPr/>
-        </p:nvSpPr>
-        <p:spPr bwMode="auto">
-          <a:xfrm>
-            <a:off x="7698317" y="1011198"/>
-            <a:ext cx="4154557" cy="2411895"/>
-          </a:xfrm>
-          <a:prstGeom prst="irregularSeal2">
-            <a:avLst/>
-          </a:prstGeom>
-          <a:solidFill>
-            <a:schemeClr val="accent3"/>
-          </a:solidFill>
-          <a:ln>
-            <a:noFill/>
-          </a:ln>
-        </p:spPr>
-        <p:style>
-          <a:lnRef idx="0">
-            <a:scrgbClr r="0" g="0" b="0"/>
-          </a:lnRef>
-          <a:fillRef idx="0">
-            <a:scrgbClr r="0" g="0" b="0"/>
-          </a:fillRef>
-          <a:effectRef idx="0">
-            <a:scrgbClr r="0" g="0" b="0"/>
-          </a:effectRef>
-          <a:fontRef idx="minor">
-            <a:schemeClr val="lt1"/>
-          </a:fontRef>
-        </p:style>
-        <p:txBody>
-          <a:bodyPr rot="0" spcFirstLastPara="0" vert="horz" wrap="square" lIns="182880" tIns="146304" rIns="182880" bIns="146304" numCol="1" spcCol="0" rtlCol="0" fromWordArt="0" anchor="t" anchorCtr="0" forceAA="0" compatLnSpc="1">
-            <a:prstTxWarp prst="textNoShape">
-              <a:avLst/>
-            </a:prstTxWarp>
-            <a:noAutofit/>
-          </a:bodyPr>
-          <a:lstStyle/>
-          <a:p>
-            <a:pPr algn="l" defTabSz="932472" fontAlgn="base">
-              <a:spcBef>
-                <a:spcPct val="0"/>
-              </a:spcBef>
-              <a:spcAft>
-                <a:spcPct val="0"/>
-              </a:spcAft>
-            </a:pPr>
-            <a:r>
-              <a:rPr lang="en-US" sz="2000" dirty="0">
-                <a:gradFill>
-                  <a:gsLst>
-                    <a:gs pos="0">
-                      <a:srgbClr val="FFFFFF"/>
-                    </a:gs>
-                    <a:gs pos="100000">
-                      <a:srgbClr val="FFFFFF"/>
-                    </a:gs>
-                  </a:gsLst>
-                  <a:lin ang="5400000" scaled="0"/>
-                </a:gradFill>
-                <a:ea typeface="Segoe UI" pitchFamily="34" charset="0"/>
-                <a:cs typeface="Segoe UI" pitchFamily="34" charset="0"/>
-              </a:rPr>
-              <a:t>Demo!!</a:t>
-            </a:r>
-          </a:p>
-        </p:txBody>
-      </p:sp>
-    </p:spTree>
-    <p:extLst>
-      <p:ext uri="{BB962C8B-B14F-4D97-AF65-F5344CB8AC3E}">
-        <p14:creationId xmlns:p14="http://schemas.microsoft.com/office/powerpoint/2010/main" val="2878158329"/>
-      </p:ext>
-    </p:extLst>
-  </p:cSld>
-  <p:clrMapOvr>
-    <a:masterClrMapping/>
-  </p:clrMapOvr>
-  <mc:AlternateContent xmlns:mc="http://schemas.openxmlformats.org/markup-compatibility/2006" xmlns:p14="http://schemas.microsoft.com/office/powerpoint/2010/main">
-    <mc:Choice Requires="p14">
-      <p:transition spd="med" p14:dur="700">
-        <p:fade/>
-      </p:transition>
-    </mc:Choice>
-    <mc:Fallback xmlns="">
-      <p:transition spd="med">
-        <p:fade/>
-      </p:transition>
-    </mc:Fallback>
-  </mc:AlternateContent>
-  <p:timing>
-    <p:tnLst>
-      <p:par>
-        <p:cTn id="1" dur="indefinite" restart="never" nodeType="tmRoot">
-          <p:childTnLst>
-            <p:seq concurrent="1" nextAc="seek">
-              <p:cTn id="2" dur="indefinite" nodeType="mainSeq">
-                <p:childTnLst>
-                  <p:par>
-                    <p:cTn id="3" fill="hold">
-                      <p:stCondLst>
-                        <p:cond delay="indefinite"/>
-                      </p:stCondLst>
-                      <p:childTnLst>
-                        <p:par>
-                          <p:cTn id="4" fill="hold">
-                            <p:stCondLst>
-                              <p:cond delay="0"/>
-                            </p:stCondLst>
-                            <p:childTnLst>
-                              <p:par>
-                                <p:cTn id="5" presetID="1" presetClass="entr" presetSubtype="0" fill="hold" grpId="0" nodeType="clickEffect">
-                                  <p:stCondLst>
-                                    <p:cond delay="0"/>
-                                  </p:stCondLst>
-                                  <p:childTnLst>
-                                    <p:set>
-                                      <p:cBhvr>
-                                        <p:cTn id="6" dur="1" fill="hold">
-                                          <p:stCondLst>
-                                            <p:cond delay="0"/>
-                                          </p:stCondLst>
-                                        </p:cTn>
-                                        <p:tgtEl>
-                                          <p:spTgt spid="8"/>
-                                        </p:tgtEl>
-                                        <p:attrNameLst>
-                                          <p:attrName>style.visibility</p:attrName>
-                                        </p:attrNameLst>
-                                      </p:cBhvr>
-                                      <p:to>
-                                        <p:strVal val="visible"/>
-                                      </p:to>
-                                    </p:set>
-                                  </p:childTnLst>
-                                </p:cTn>
-                              </p:par>
-                            </p:childTnLst>
-                          </p:cTn>
-                        </p:par>
-                      </p:childTnLst>
-                    </p:cTn>
-                  </p:par>
-                </p:childTnLst>
-              </p:cTn>
-              <p:prevCondLst>
-                <p:cond evt="onPrev" delay="0">
-                  <p:tgtEl>
-                    <p:sldTgt/>
-                  </p:tgtEl>
-                </p:cond>
-              </p:prevCondLst>
-              <p:nextCondLst>
-                <p:cond evt="onNext" delay="0">
-                  <p:tgtEl>
-                    <p:sldTgt/>
-                  </p:tgtEl>
-                </p:cond>
-              </p:nextCondLst>
-            </p:seq>
-          </p:childTnLst>
-        </p:cTn>
-      </p:par>
-    </p:tnLst>
-    <p:bldLst>
-      <p:bldP spid="8" grpId="0" animBg="1"/>
-    </p:bldLst>
-  </p:timing>
-</p:sld>
-</file>
-
-<file path=ppt/slides/slide8.xml><?xml version="1.0" encoding="utf-8"?>
-<p:sld xmlns:a="http://schemas.openxmlformats.org/drawingml/2006/main" xmlns:r="http://schemas.openxmlformats.org/officeDocument/2006/relationships" xmlns:p="http://schemas.openxmlformats.org/presentationml/2006/main">
-  <p:cSld>
-    <p:spTree>
-      <p:nvGrpSpPr>
-        <p:cNvPr id="1" name=""/>
-        <p:cNvGrpSpPr/>
-        <p:nvPr/>
-      </p:nvGrpSpPr>
-      <p:grpSpPr>
-        <a:xfrm>
-          <a:off x="0" y="0"/>
-          <a:ext cx="0" cy="0"/>
-          <a:chOff x="0" y="0"/>
-          <a:chExt cx="0" cy="0"/>
-        </a:xfrm>
-      </p:grpSpPr>
-      <p:sp>
-        <p:nvSpPr>
-          <p:cNvPr id="17" name="Title 16"/>
-          <p:cNvSpPr>
-            <a:spLocks noGrp="1"/>
-          </p:cNvSpPr>
-          <p:nvPr>
-            <p:ph type="title"/>
-          </p:nvPr>
-        </p:nvSpPr>
-        <p:spPr>
-          <a:xfrm>
-            <a:off x="588263" y="457200"/>
-            <a:ext cx="11018520" cy="553998"/>
-          </a:xfrm>
-        </p:spPr>
-        <p:txBody>
-          <a:bodyPr/>
-          <a:lstStyle/>
-          <a:p>
-            <a:r>
-              <a:rPr lang="en-US" dirty="0"/>
-              <a:t>Breaking News</a:t>
-            </a:r>
-          </a:p>
-        </p:txBody>
-      </p:sp>
-      <p:sp>
-        <p:nvSpPr>
-          <p:cNvPr id="5" name="Freeform: Shape 4" descr="arrow pointing to the guideline referenced in the description">
-            <a:extLst>
-              <a:ext uri="{FF2B5EF4-FFF2-40B4-BE49-F238E27FC236}">
-                <a16:creationId xmlns:a16="http://schemas.microsoft.com/office/drawing/2014/main" id="{665B403C-D96F-49D2-A0FA-2D811AA4C0AB}"/>
-              </a:ext>
-            </a:extLst>
-          </p:cNvPr>
-          <p:cNvSpPr/>
-          <p:nvPr/>
-        </p:nvSpPr>
-        <p:spPr bwMode="auto">
-          <a:xfrm>
-            <a:off x="6801636" y="2019300"/>
-            <a:ext cx="2588543" cy="644899"/>
-          </a:xfrm>
-          <a:custGeom>
-            <a:avLst/>
-            <a:gdLst>
-              <a:gd name="connsiteX0" fmla="*/ 0 w 822960"/>
-              <a:gd name="connsiteY0" fmla="*/ 205740 h 205740"/>
-              <a:gd name="connsiteX1" fmla="*/ 822960 w 822960"/>
-              <a:gd name="connsiteY1" fmla="*/ 205740 h 205740"/>
-              <a:gd name="connsiteX2" fmla="*/ 822960 w 822960"/>
-              <a:gd name="connsiteY2" fmla="*/ 0 h 205740"/>
-              <a:gd name="connsiteX0" fmla="*/ 0 w 822960"/>
-              <a:gd name="connsiteY0" fmla="*/ 196007 h 196007"/>
-              <a:gd name="connsiteX1" fmla="*/ 822960 w 822960"/>
-              <a:gd name="connsiteY1" fmla="*/ 196007 h 196007"/>
-              <a:gd name="connsiteX2" fmla="*/ 822960 w 822960"/>
-              <a:gd name="connsiteY2" fmla="*/ 0 h 196007"/>
-              <a:gd name="connsiteX0" fmla="*/ 0 w 860823"/>
-              <a:gd name="connsiteY0" fmla="*/ 196007 h 196007"/>
-              <a:gd name="connsiteX1" fmla="*/ 860823 w 860823"/>
-              <a:gd name="connsiteY1" fmla="*/ 196007 h 196007"/>
-              <a:gd name="connsiteX2" fmla="*/ 860823 w 860823"/>
-              <a:gd name="connsiteY2" fmla="*/ 0 h 196007"/>
-            </a:gdLst>
-            <a:ahLst/>
-            <a:cxnLst>
-              <a:cxn ang="0">
-                <a:pos x="connsiteX0" y="connsiteY0"/>
-              </a:cxn>
-              <a:cxn ang="0">
-                <a:pos x="connsiteX1" y="connsiteY1"/>
-              </a:cxn>
-              <a:cxn ang="0">
-                <a:pos x="connsiteX2" y="connsiteY2"/>
-              </a:cxn>
-            </a:cxnLst>
-            <a:rect l="l" t="t" r="r" b="b"/>
-            <a:pathLst>
-              <a:path w="860823" h="196007">
-                <a:moveTo>
-                  <a:pt x="0" y="196007"/>
-                </a:moveTo>
-                <a:lnTo>
-                  <a:pt x="860823" y="196007"/>
-                </a:lnTo>
-                <a:lnTo>
-                  <a:pt x="860823" y="0"/>
-                </a:lnTo>
-              </a:path>
-            </a:pathLst>
-          </a:custGeom>
-          <a:noFill/>
-          <a:ln w="12700">
-            <a:solidFill>
-              <a:schemeClr val="tx1">
-                <a:alpha val="49000"/>
-              </a:schemeClr>
-            </a:solidFill>
-            <a:headEnd type="none" w="med" len="med"/>
-            <a:tailEnd type="arrow" w="lg" len="med"/>
-          </a:ln>
-          <a:effectLst/>
-        </p:spPr>
-        <p:style>
-          <a:lnRef idx="1">
-            <a:schemeClr val="accent2"/>
-          </a:lnRef>
-          <a:fillRef idx="3">
-            <a:schemeClr val="accent2"/>
-          </a:fillRef>
-          <a:effectRef idx="2">
-            <a:schemeClr val="accent2"/>
-          </a:effectRef>
-          <a:fontRef idx="minor">
-            <a:schemeClr val="lt1"/>
-          </a:fontRef>
-        </p:style>
-        <p:txBody>
-          <a:bodyPr rtlCol="0" anchor="ctr"/>
-          <a:lstStyle/>
-          <a:p>
-            <a:pPr algn="ctr"/>
-            <a:endParaRPr lang="en-US" dirty="0"/>
-          </a:p>
-        </p:txBody>
-      </p:sp>
-      <p:pic>
-        <p:nvPicPr>
-          <p:cNvPr id="8" name="Picture 7">
-            <a:extLst>
-              <a:ext uri="{FF2B5EF4-FFF2-40B4-BE49-F238E27FC236}">
-                <a16:creationId xmlns:a16="http://schemas.microsoft.com/office/drawing/2014/main" id="{63C2D41B-DEA3-4433-B967-F7BF418640E3}"/>
-              </a:ext>
-            </a:extLst>
-          </p:cNvPr>
-          <p:cNvPicPr>
-            <a:picLocks noChangeAspect="1"/>
-          </p:cNvPicPr>
-          <p:nvPr/>
-        </p:nvPicPr>
-        <p:blipFill>
-          <a:blip r:embed="rId3"/>
-          <a:stretch>
-            <a:fillRect/>
-          </a:stretch>
-        </p:blipFill>
-        <p:spPr>
-          <a:xfrm>
-            <a:off x="6616817" y="1981330"/>
-            <a:ext cx="5334000" cy="800100"/>
-          </a:xfrm>
-          <a:prstGeom prst="rect">
-            <a:avLst/>
-          </a:prstGeom>
-        </p:spPr>
-      </p:pic>
-      <p:pic>
-        <p:nvPicPr>
-          <p:cNvPr id="9" name="Picture 8">
-            <a:extLst>
-              <a:ext uri="{FF2B5EF4-FFF2-40B4-BE49-F238E27FC236}">
-                <a16:creationId xmlns:a16="http://schemas.microsoft.com/office/drawing/2014/main" id="{A4679851-2550-458B-BC1E-EB6E33D24C09}"/>
-              </a:ext>
-            </a:extLst>
-          </p:cNvPr>
-          <p:cNvPicPr>
-            <a:picLocks noChangeAspect="1"/>
-          </p:cNvPicPr>
-          <p:nvPr/>
-        </p:nvPicPr>
-        <p:blipFill>
-          <a:blip r:embed="rId4"/>
-          <a:stretch>
-            <a:fillRect/>
-          </a:stretch>
-        </p:blipFill>
-        <p:spPr>
-          <a:xfrm>
-            <a:off x="6616817" y="3501209"/>
-            <a:ext cx="5248275" cy="1019175"/>
-          </a:xfrm>
-          <a:prstGeom prst="rect">
-            <a:avLst/>
-          </a:prstGeom>
-        </p:spPr>
-      </p:pic>
-      <p:pic>
-        <p:nvPicPr>
-          <p:cNvPr id="4" name="Picture 3">
-            <a:extLst>
-              <a:ext uri="{FF2B5EF4-FFF2-40B4-BE49-F238E27FC236}">
-                <a16:creationId xmlns:a16="http://schemas.microsoft.com/office/drawing/2014/main" id="{1A94E223-443C-4A7C-8BB6-C1BA37114BF9}"/>
-              </a:ext>
-            </a:extLst>
-          </p:cNvPr>
-          <p:cNvPicPr>
-            <a:picLocks noChangeAspect="1"/>
-          </p:cNvPicPr>
-          <p:nvPr/>
-        </p:nvPicPr>
-        <p:blipFill>
-          <a:blip r:embed="rId5"/>
-          <a:stretch>
-            <a:fillRect/>
-          </a:stretch>
-        </p:blipFill>
-        <p:spPr>
-          <a:xfrm>
-            <a:off x="67011" y="1852477"/>
-            <a:ext cx="6307663" cy="3684764"/>
-          </a:xfrm>
-          <a:prstGeom prst="rect">
-            <a:avLst/>
-          </a:prstGeom>
-        </p:spPr>
-      </p:pic>
-    </p:spTree>
-    <p:extLst>
-      <p:ext uri="{BB962C8B-B14F-4D97-AF65-F5344CB8AC3E}">
-        <p14:creationId xmlns:p14="http://schemas.microsoft.com/office/powerpoint/2010/main" val="895908902"/>
-      </p:ext>
-    </p:extLst>
-  </p:cSld>
-  <p:clrMapOvr>
-    <a:masterClrMapping/>
-  </p:clrMapOvr>
-  <mc:AlternateContent xmlns:mc="http://schemas.openxmlformats.org/markup-compatibility/2006" xmlns:p14="http://schemas.microsoft.com/office/powerpoint/2010/main">
-    <mc:Choice Requires="p14">
-      <p:transition spd="med" p14:dur="700">
-        <p:fade/>
-      </p:transition>
-    </mc:Choice>
-    <mc:Fallback xmlns="">
-      <p:transition spd="med">
-        <p:fade/>
-      </p:transition>
-    </mc:Fallback>
-  </mc:AlternateContent>
-</p:sld>
-</file>
-
-<file path=ppt/slides/slide9.xml><?xml version="1.0" encoding="utf-8"?>
-<p:sld xmlns:a="http://schemas.openxmlformats.org/drawingml/2006/main" xmlns:r="http://schemas.openxmlformats.org/officeDocument/2006/relationships" xmlns:p="http://schemas.openxmlformats.org/presentationml/2006/main">
-  <p:cSld>
-    <p:spTree>
-      <p:nvGrpSpPr>
-        <p:cNvPr id="1" name=""/>
-        <p:cNvGrpSpPr/>
-        <p:nvPr/>
-      </p:nvGrpSpPr>
-      <p:grpSpPr>
-        <a:xfrm>
-          <a:off x="0" y="0"/>
-          <a:ext cx="0" cy="0"/>
-          <a:chOff x="0" y="0"/>
-          <a:chExt cx="0" cy="0"/>
-        </a:xfrm>
-      </p:grpSpPr>
-      <p:sp>
-        <p:nvSpPr>
-          <p:cNvPr id="17" name="Title 16"/>
-          <p:cNvSpPr>
-            <a:spLocks noGrp="1"/>
-          </p:cNvSpPr>
-          <p:nvPr>
-            <p:ph type="title"/>
-          </p:nvPr>
-        </p:nvSpPr>
-        <p:spPr/>
-        <p:txBody>
-          <a:bodyPr/>
-          <a:lstStyle/>
-          <a:p>
-            <a:r>
-              <a:rPr lang="en-US" dirty="0"/>
-              <a:t>Breaking News!</a:t>
-            </a:r>
-          </a:p>
-        </p:txBody>
-      </p:sp>
-      <p:pic>
-        <p:nvPicPr>
-          <p:cNvPr id="9" name="Picture 8">
-            <a:extLst>
-              <a:ext uri="{FF2B5EF4-FFF2-40B4-BE49-F238E27FC236}">
-                <a16:creationId xmlns:a16="http://schemas.microsoft.com/office/drawing/2014/main" id="{B269B858-8A2C-47D3-AFE6-F0FF7B9EE50A}"/>
-              </a:ext>
-            </a:extLst>
-          </p:cNvPr>
-          <p:cNvPicPr>
-            <a:picLocks noChangeAspect="1"/>
-          </p:cNvPicPr>
-          <p:nvPr/>
-        </p:nvPicPr>
-        <p:blipFill>
-          <a:blip r:embed="rId3"/>
-          <a:stretch>
-            <a:fillRect/>
-          </a:stretch>
-        </p:blipFill>
-        <p:spPr>
-          <a:xfrm>
-            <a:off x="588263" y="1522974"/>
-            <a:ext cx="8992261" cy="4072624"/>
-          </a:xfrm>
-          <a:prstGeom prst="rect">
-            <a:avLst/>
-          </a:prstGeom>
-        </p:spPr>
-      </p:pic>
-    </p:spTree>
-    <p:extLst>
-      <p:ext uri="{BB962C8B-B14F-4D97-AF65-F5344CB8AC3E}">
-        <p14:creationId xmlns:p14="http://schemas.microsoft.com/office/powerpoint/2010/main" val="3188989622"/>
-      </p:ext>
-    </p:extLst>
-  </p:cSld>
-  <p:clrMapOvr>
-    <a:masterClrMapping/>
-  </p:clrMapOvr>
-  <p:transition>
-    <p:fade/>
-  </p:transition>
 </p:sld>
 </file>
 
@@ -40722,6 +41631,25 @@
 </file>
 
 <file path=customXml/item1.xml><?xml version="1.0" encoding="utf-8"?>
+<?mso-contentType ?>
+<FormTemplates xmlns="http://schemas.microsoft.com/sharepoint/v3/contenttype/forms">
+  <Display>DocumentLibraryForm</Display>
+  <Edit>DocumentLibraryForm</Edit>
+  <New>DocumentLibraryForm</New>
+</FormTemplates>
+</file>
+
+<file path=customXml/item2.xml><?xml version="1.0" encoding="utf-8"?>
+<p:properties xmlns:p="http://schemas.microsoft.com/office/2006/metadata/properties" xmlns:xsi="http://www.w3.org/2001/XMLSchema-instance" xmlns:pc="http://schemas.microsoft.com/office/infopath/2007/PartnerControls">
+  <documentManagement>
+    <_ip_UnifiedCompliancePolicyUIAction xmlns="http://schemas.microsoft.com/sharepoint/v3" xsi:nil="true"/>
+    <_ip_UnifiedCompliancePolicyProperties xmlns="http://schemas.microsoft.com/sharepoint/v3" xsi:nil="true"/>
+    <MediaServiceKeyPoints xmlns="e4aa919a-b200-49cb-beca-4c7e0810321e" xsi:nil="true"/>
+  </documentManagement>
+</p:properties>
+</file>
+
+<file path=customXml/item3.xml><?xml version="1.0" encoding="utf-8"?>
 <ct:contentTypeSchema xmlns:ct="http://schemas.microsoft.com/office/2006/metadata/contentType" xmlns:ma="http://schemas.microsoft.com/office/2006/metadata/properties/metaAttributes" ct:_="" ma:_="" ma:contentTypeName="Document" ma:contentTypeID="0x010100778A2EBC6E34694C80F43E94FCA993B5" ma:contentTypeVersion="14" ma:contentTypeDescription="Create a new document." ma:contentTypeScope="" ma:versionID="1a7ced39ac191f9ec8deffde533b0c1c">
   <xsd:schema xmlns:xsd="http://www.w3.org/2001/XMLSchema" xmlns:xs="http://www.w3.org/2001/XMLSchema" xmlns:p="http://schemas.microsoft.com/office/2006/metadata/properties" xmlns:ns1="http://schemas.microsoft.com/sharepoint/v3" xmlns:ns2="e4aa919a-b200-49cb-beca-4c7e0810321e" xmlns:ns3="06670dda-0291-4061-b6e0-f6c0cb392c51" targetNamespace="http://schemas.microsoft.com/office/2006/metadata/properties" ma:root="true" ma:fieldsID="bedea8c8816a4e5934c808becd103583" ns1:_="" ns2:_="" ns3:_="">
     <xsd:import namespace="http://schemas.microsoft.com/sharepoint/v3"/>
@@ -40955,26 +41883,26 @@
 </ct:contentTypeSchema>
 </file>
 
-<file path=customXml/item2.xml><?xml version="1.0" encoding="utf-8"?>
-<p:properties xmlns:p="http://schemas.microsoft.com/office/2006/metadata/properties" xmlns:xsi="http://www.w3.org/2001/XMLSchema-instance" xmlns:pc="http://schemas.microsoft.com/office/infopath/2007/PartnerControls">
-  <documentManagement>
-    <_ip_UnifiedCompliancePolicyUIAction xmlns="http://schemas.microsoft.com/sharepoint/v3" xsi:nil="true"/>
-    <_ip_UnifiedCompliancePolicyProperties xmlns="http://schemas.microsoft.com/sharepoint/v3" xsi:nil="true"/>
-    <MediaServiceKeyPoints xmlns="e4aa919a-b200-49cb-beca-4c7e0810321e" xsi:nil="true"/>
-  </documentManagement>
-</p:properties>
+<file path=customXml/itemProps1.xml><?xml version="1.0" encoding="utf-8"?>
+<ds:datastoreItem xmlns:ds="http://schemas.openxmlformats.org/officeDocument/2006/customXml" ds:itemID="{758FDAC0-319D-4A54-8D8E-1D42CB1F8004}">
+  <ds:schemaRefs>
+    <ds:schemaRef ds:uri="http://schemas.microsoft.com/sharepoint/v3/contenttype/forms"/>
+  </ds:schemaRefs>
+</ds:datastoreItem>
 </file>
 
-<file path=customXml/item3.xml><?xml version="1.0" encoding="utf-8"?>
-<?mso-contentType ?>
-<FormTemplates xmlns="http://schemas.microsoft.com/sharepoint/v3/contenttype/forms">
-  <Display>DocumentLibraryForm</Display>
-  <Edit>DocumentLibraryForm</Edit>
-  <New>DocumentLibraryForm</New>
-</FormTemplates>
+<file path=customXml/itemProps2.xml><?xml version="1.0" encoding="utf-8"?>
+<ds:datastoreItem xmlns:ds="http://schemas.openxmlformats.org/officeDocument/2006/customXml" ds:itemID="{F990F116-B58F-4255-B05B-DA3808E0E5C6}">
+  <ds:schemaRefs>
+    <ds:schemaRef ds:uri="http://schemas.microsoft.com/office/2006/metadata/properties"/>
+    <ds:schemaRef ds:uri="http://schemas.microsoft.com/office/infopath/2007/PartnerControls"/>
+    <ds:schemaRef ds:uri="http://schemas.microsoft.com/sharepoint/v3"/>
+    <ds:schemaRef ds:uri="e4aa919a-b200-49cb-beca-4c7e0810321e"/>
+  </ds:schemaRefs>
+</ds:datastoreItem>
 </file>
 
-<file path=customXml/itemProps1.xml><?xml version="1.0" encoding="utf-8"?>
+<file path=customXml/itemProps3.xml><?xml version="1.0" encoding="utf-8"?>
 <ds:datastoreItem xmlns:ds="http://schemas.openxmlformats.org/officeDocument/2006/customXml" ds:itemID="{0BB3C309-8520-4616-80FC-2CB10D5B83A0}">
   <ds:schemaRefs>
     <ds:schemaRef ds:uri="http://schemas.microsoft.com/office/2006/metadata/contentType"/>
@@ -40992,23 +41920,4 @@
     <ds:schemaRef ds:uri="http://schemas.microsoft.com/internal/obd"/>
   </ds:schemaRefs>
 </ds:datastoreItem>
-</file>
-
-<file path=customXml/itemProps2.xml><?xml version="1.0" encoding="utf-8"?>
-<ds:datastoreItem xmlns:ds="http://schemas.openxmlformats.org/officeDocument/2006/customXml" ds:itemID="{F990F116-B58F-4255-B05B-DA3808E0E5C6}">
-  <ds:schemaRefs>
-    <ds:schemaRef ds:uri="http://schemas.microsoft.com/office/2006/metadata/properties"/>
-    <ds:schemaRef ds:uri="http://schemas.microsoft.com/office/infopath/2007/PartnerControls"/>
-    <ds:schemaRef ds:uri="http://schemas.microsoft.com/sharepoint/v3"/>
-    <ds:schemaRef ds:uri="e4aa919a-b200-49cb-beca-4c7e0810321e"/>
-  </ds:schemaRefs>
-</ds:datastoreItem>
-</file>
-
-<file path=customXml/itemProps3.xml><?xml version="1.0" encoding="utf-8"?>
-<ds:datastoreItem xmlns:ds="http://schemas.openxmlformats.org/officeDocument/2006/customXml" ds:itemID="{758FDAC0-319D-4A54-8D8E-1D42CB1F8004}">
-  <ds:schemaRefs>
-    <ds:schemaRef ds:uri="http://schemas.microsoft.com/sharepoint/v3/contenttype/forms"/>
-  </ds:schemaRefs>
-</ds:datastoreItem>
 </file>
--- a/resources/slides/Opening.pptx
+++ b/resources/slides/Opening.pptx
@@ -7,33 +7,29 @@
     <p:sldMasterId id="2147484872" r:id="rId6"/>
   </p:sldMasterIdLst>
   <p:notesMasterIdLst>
-    <p:notesMasterId r:id="rId28"/>
+    <p:notesMasterId r:id="rId24"/>
   </p:notesMasterIdLst>
   <p:handoutMasterIdLst>
-    <p:handoutMasterId r:id="rId29"/>
+    <p:handoutMasterId r:id="rId25"/>
   </p:handoutMasterIdLst>
   <p:sldIdLst>
-    <p:sldId id="1720" r:id="rId7"/>
-    <p:sldId id="1994" r:id="rId8"/>
-    <p:sldId id="1660" r:id="rId9"/>
-    <p:sldId id="3410" r:id="rId10"/>
-    <p:sldId id="3409" r:id="rId11"/>
-    <p:sldId id="3404" r:id="rId12"/>
-    <p:sldId id="3406" r:id="rId13"/>
-    <p:sldId id="3405" r:id="rId14"/>
-    <p:sldId id="1670" r:id="rId15"/>
-    <p:sldId id="2042" r:id="rId16"/>
-    <p:sldId id="1548" r:id="rId17"/>
-    <p:sldId id="1635" r:id="rId18"/>
-    <p:sldId id="2043" r:id="rId19"/>
-    <p:sldId id="2044" r:id="rId20"/>
-    <p:sldId id="2045" r:id="rId21"/>
-    <p:sldId id="2046" r:id="rId22"/>
-    <p:sldId id="3394" r:id="rId23"/>
-    <p:sldId id="3395" r:id="rId24"/>
-    <p:sldId id="3403" r:id="rId25"/>
-    <p:sldId id="3384" r:id="rId26"/>
-    <p:sldId id="3393" r:id="rId27"/>
+    <p:sldId id="1994" r:id="rId7"/>
+    <p:sldId id="1660" r:id="rId8"/>
+    <p:sldId id="3410" r:id="rId9"/>
+    <p:sldId id="3409" r:id="rId10"/>
+    <p:sldId id="3404" r:id="rId11"/>
+    <p:sldId id="3406" r:id="rId12"/>
+    <p:sldId id="3405" r:id="rId13"/>
+    <p:sldId id="1670" r:id="rId14"/>
+    <p:sldId id="2042" r:id="rId15"/>
+    <p:sldId id="2044" r:id="rId16"/>
+    <p:sldId id="2045" r:id="rId17"/>
+    <p:sldId id="2046" r:id="rId18"/>
+    <p:sldId id="3394" r:id="rId19"/>
+    <p:sldId id="3395" r:id="rId20"/>
+    <p:sldId id="3403" r:id="rId21"/>
+    <p:sldId id="3384" r:id="rId22"/>
+    <p:sldId id="3393" r:id="rId23"/>
   </p:sldIdLst>
   <p:sldSz cx="12192000" cy="6858000"/>
   <p:notesSz cx="6858000" cy="9144000"/>
@@ -1346,7 +1342,7 @@
               <a:rPr lang="en-US" smtClean="0">
                 <a:latin typeface="Segoe UI" pitchFamily="34" charset="0"/>
               </a:rPr>
-              <a:t>11/3/2019 8:14 AM</a:t>
+              <a:t>11/11/2019 10:04 AM</a:t>
             </a:fld>
             <a:endParaRPr lang="en-US" dirty="0">
               <a:latin typeface="Segoe UI" pitchFamily="34" charset="0"/>
@@ -1624,7 +1620,7 @@
           <a:p>
             <a:fld id="{386CE63F-9E7F-4C04-9D0D-FCA25A8E9E86}" type="datetime8">
               <a:rPr lang="en-US" smtClean="0"/>
-              <a:t>11/3/2019 8:00 AM</a:t>
+              <a:t>11/11/2019 10:04 AM</a:t>
             </a:fld>
             <a:endParaRPr lang="en-US" dirty="0"/>
           </a:p>
@@ -1989,9 +1985,9 @@
           <a:bodyPr/>
           <a:lstStyle/>
           <a:p>
-            <a:fld id="{62072DC8-D49D-432C-9D46-A7718B5F5490}" type="datetime8">
+            <a:fld id="{72E0C910-0166-48E0-B8EF-5071277A02A8}" type="datetime8">
               <a:rPr lang="en-US" smtClean="0"/>
-              <a:t>11/3/2019 8:00 AM</a:t>
+              <a:t>11/11/2019 10:04 AM</a:t>
             </a:fld>
             <a:endParaRPr lang="en-US" dirty="0"/>
           </a:p>
@@ -2015,7 +2011,7 @@
             <a:fld id="{B4008EB6-D09E-4580-8CD6-DDB14511944F}" type="slidenum">
               <a:rPr lang="en-US" smtClean="0"/>
               <a:pPr/>
-              <a:t>1</a:t>
+              <a:t>2</a:t>
             </a:fld>
             <a:endParaRPr lang="en-US" dirty="0"/>
           </a:p>
@@ -2024,7 +2020,7 @@
     </p:spTree>
     <p:extLst>
       <p:ext uri="{BB962C8B-B14F-4D97-AF65-F5344CB8AC3E}">
-        <p14:creationId xmlns:p14="http://schemas.microsoft.com/office/powerpoint/2010/main" val="1946009672"/>
+        <p14:creationId xmlns:p14="http://schemas.microsoft.com/office/powerpoint/2010/main" val="1601089676"/>
       </p:ext>
     </p:extLst>
   </p:cSld>
@@ -2084,12 +2080,59 @@
       </p:sp>
       <p:sp>
         <p:nvSpPr>
-          <p:cNvPr id="4" name="Header Placeholder 3"/>
+          <p:cNvPr id="6" name="Slide Number Placeholder 5"/>
           <p:cNvSpPr>
             <a:spLocks noGrp="1"/>
           </p:cNvSpPr>
           <p:nvPr>
-            <p:ph type="hdr" sz="quarter" idx="10"/>
+            <p:ph type="sldNum" sz="quarter" idx="12"/>
+          </p:nvPr>
+        </p:nvSpPr>
+        <p:spPr/>
+        <p:txBody>
+          <a:bodyPr/>
+          <a:lstStyle/>
+          <a:p>
+            <a:fld id="{B4008EB6-D09E-4580-8CD6-DDB14511944F}" type="slidenum">
+              <a:rPr lang="en-US" smtClean="0"/>
+              <a:pPr/>
+              <a:t>11</a:t>
+            </a:fld>
+            <a:endParaRPr lang="en-US" dirty="0"/>
+          </a:p>
+        </p:txBody>
+      </p:sp>
+      <p:sp>
+        <p:nvSpPr>
+          <p:cNvPr id="10" name="Date Placeholder 9"/>
+          <p:cNvSpPr>
+            <a:spLocks noGrp="1"/>
+          </p:cNvSpPr>
+          <p:nvPr>
+            <p:ph type="dt" idx="13"/>
+          </p:nvPr>
+        </p:nvSpPr>
+        <p:spPr/>
+        <p:txBody>
+          <a:bodyPr/>
+          <a:lstStyle/>
+          <a:p>
+            <a:fld id="{1D9BFF88-B9B5-4B68-BAE1-09ACB5D03C54}" type="datetime8">
+              <a:rPr lang="en-US" smtClean="0"/>
+              <a:t>11/11/2019 10:04 AM</a:t>
+            </a:fld>
+            <a:endParaRPr lang="en-US" dirty="0"/>
+          </a:p>
+        </p:txBody>
+      </p:sp>
+      <p:sp>
+        <p:nvSpPr>
+          <p:cNvPr id="12" name="Header Placeholder 11"/>
+          <p:cNvSpPr>
+            <a:spLocks noGrp="1"/>
+          </p:cNvSpPr>
+          <p:nvPr>
+            <p:ph type="hdr" sz="quarter" idx="15"/>
           </p:nvPr>
         </p:nvSpPr>
         <p:spPr/>
@@ -2108,7 +2151,7 @@
             <a:spLocks noGrp="1"/>
           </p:cNvSpPr>
           <p:nvPr>
-            <p:ph type="ftr" sz="quarter" idx="11"/>
+            <p:ph type="ftr" sz="quarter" idx="16"/>
           </p:nvPr>
         </p:nvSpPr>
         <p:spPr/>
@@ -2139,57 +2182,10 @@
           </a:p>
         </p:txBody>
       </p:sp>
-      <p:sp>
-        <p:nvSpPr>
-          <p:cNvPr id="6" name="Date Placeholder 5"/>
-          <p:cNvSpPr>
-            <a:spLocks noGrp="1"/>
-          </p:cNvSpPr>
-          <p:nvPr>
-            <p:ph type="dt" idx="12"/>
-          </p:nvPr>
-        </p:nvSpPr>
-        <p:spPr/>
-        <p:txBody>
-          <a:bodyPr/>
-          <a:lstStyle/>
-          <a:p>
-            <a:fld id="{2D0AF0B6-AF0D-4EDB-B60E-27694EB68262}" type="datetime8">
-              <a:rPr lang="en-US" smtClean="0"/>
-              <a:t>11/3/2019 8:00 AM</a:t>
-            </a:fld>
-            <a:endParaRPr lang="en-US" dirty="0"/>
-          </a:p>
-        </p:txBody>
-      </p:sp>
-      <p:sp>
-        <p:nvSpPr>
-          <p:cNvPr id="7" name="Slide Number Placeholder 6"/>
-          <p:cNvSpPr>
-            <a:spLocks noGrp="1"/>
-          </p:cNvSpPr>
-          <p:nvPr>
-            <p:ph type="sldNum" sz="quarter" idx="13"/>
-          </p:nvPr>
-        </p:nvSpPr>
-        <p:spPr/>
-        <p:txBody>
-          <a:bodyPr/>
-          <a:lstStyle/>
-          <a:p>
-            <a:fld id="{B4008EB6-D09E-4580-8CD6-DDB14511944F}" type="slidenum">
-              <a:rPr lang="en-US" smtClean="0"/>
-              <a:pPr/>
-              <a:t>11</a:t>
-            </a:fld>
-            <a:endParaRPr lang="en-US" dirty="0"/>
-          </a:p>
-        </p:txBody>
-      </p:sp>
     </p:spTree>
     <p:extLst>
       <p:ext uri="{BB962C8B-B14F-4D97-AF65-F5344CB8AC3E}">
-        <p14:creationId xmlns:p14="http://schemas.microsoft.com/office/powerpoint/2010/main" val="2942578556"/>
+        <p14:creationId xmlns:p14="http://schemas.microsoft.com/office/powerpoint/2010/main" val="4174890608"/>
       </p:ext>
     </p:extLst>
   </p:cSld>
@@ -2288,667 +2284,7 @@
           <a:p>
             <a:fld id="{1D9BFF88-B9B5-4B68-BAE1-09ACB5D03C54}" type="datetime8">
               <a:rPr lang="en-US" smtClean="0"/>
-              <a:t>11/3/2019 8:00 AM</a:t>
-            </a:fld>
-            <a:endParaRPr lang="en-US" dirty="0"/>
-          </a:p>
-        </p:txBody>
-      </p:sp>
-      <p:sp>
-        <p:nvSpPr>
-          <p:cNvPr id="12" name="Header Placeholder 11"/>
-          <p:cNvSpPr>
-            <a:spLocks noGrp="1"/>
-          </p:cNvSpPr>
-          <p:nvPr>
-            <p:ph type="hdr" sz="quarter" idx="15"/>
-          </p:nvPr>
-        </p:nvSpPr>
-        <p:spPr/>
-        <p:txBody>
-          <a:bodyPr/>
-          <a:lstStyle/>
-          <a:p>
-            <a:endParaRPr lang="en-US" dirty="0"/>
-          </a:p>
-        </p:txBody>
-      </p:sp>
-      <p:sp>
-        <p:nvSpPr>
-          <p:cNvPr id="5" name="Footer Placeholder 4"/>
-          <p:cNvSpPr>
-            <a:spLocks noGrp="1"/>
-          </p:cNvSpPr>
-          <p:nvPr>
-            <p:ph type="ftr" sz="quarter" idx="16"/>
-          </p:nvPr>
-        </p:nvSpPr>
-        <p:spPr/>
-        <p:txBody>
-          <a:bodyPr/>
-          <a:lstStyle/>
-          <a:p>
-            <a:pPr defTabSz="914099" eaLnBrk="0" hangingPunct="0"/>
-            <a:r>
-              <a:rPr lang="en-US" sz="400" dirty="0">
-                <a:gradFill>
-                  <a:gsLst>
-                    <a:gs pos="0">
-                      <a:prstClr val="black"/>
-                    </a:gs>
-                    <a:gs pos="100000">
-                      <a:prstClr val="black"/>
-                    </a:gs>
-                  </a:gsLst>
-                  <a:lin ang="5400000" scaled="0"/>
-                </a:gradFill>
-                <a:latin typeface="Segoe UI" pitchFamily="34" charset="0"/>
-                <a:ea typeface="Segoe UI" pitchFamily="34" charset="0"/>
-                <a:cs typeface="Segoe UI" pitchFamily="34" charset="0"/>
-              </a:rPr>
-              <a:t>© Microsoft Corporation. All rights reserved. MICROSOFT MAKES NO WARRANTIES, EXPRESS, IMPLIED OR STATUTORY, AS TO THE INFORMATION IN THIS PRESENTATION.</a:t>
-            </a:r>
-          </a:p>
-        </p:txBody>
-      </p:sp>
-    </p:spTree>
-    <p:extLst>
-      <p:ext uri="{BB962C8B-B14F-4D97-AF65-F5344CB8AC3E}">
-        <p14:creationId xmlns:p14="http://schemas.microsoft.com/office/powerpoint/2010/main" val="3460838768"/>
-      </p:ext>
-    </p:extLst>
-  </p:cSld>
-  <p:clrMapOvr>
-    <a:masterClrMapping/>
-  </p:clrMapOvr>
-</p:notes>
-</file>
-
-<file path=ppt/notesSlides/notesSlide12.xml><?xml version="1.0" encoding="utf-8"?>
-<p:notes xmlns:a="http://schemas.openxmlformats.org/drawingml/2006/main" xmlns:r="http://schemas.openxmlformats.org/officeDocument/2006/relationships" xmlns:p="http://schemas.openxmlformats.org/presentationml/2006/main">
-  <p:cSld>
-    <p:spTree>
-      <p:nvGrpSpPr>
-        <p:cNvPr id="1" name=""/>
-        <p:cNvGrpSpPr/>
-        <p:nvPr/>
-      </p:nvGrpSpPr>
-      <p:grpSpPr>
-        <a:xfrm>
-          <a:off x="0" y="0"/>
-          <a:ext cx="0" cy="0"/>
-          <a:chOff x="0" y="0"/>
-          <a:chExt cx="0" cy="0"/>
-        </a:xfrm>
-      </p:grpSpPr>
-      <p:sp>
-        <p:nvSpPr>
-          <p:cNvPr id="2" name="Slide Image Placeholder 1"/>
-          <p:cNvSpPr>
-            <a:spLocks noGrp="1" noRot="1" noChangeAspect="1"/>
-          </p:cNvSpPr>
-          <p:nvPr>
-            <p:ph type="sldImg"/>
-          </p:nvPr>
-        </p:nvSpPr>
-        <p:spPr/>
-      </p:sp>
-      <p:sp>
-        <p:nvSpPr>
-          <p:cNvPr id="3" name="Notes Placeholder 2"/>
-          <p:cNvSpPr>
-            <a:spLocks noGrp="1"/>
-          </p:cNvSpPr>
-          <p:nvPr>
-            <p:ph type="body" idx="1"/>
-          </p:nvPr>
-        </p:nvSpPr>
-        <p:spPr/>
-        <p:txBody>
-          <a:bodyPr/>
-          <a:lstStyle/>
-          <a:p>
-            <a:endParaRPr lang="en-US" dirty="0"/>
-          </a:p>
-        </p:txBody>
-      </p:sp>
-      <p:sp>
-        <p:nvSpPr>
-          <p:cNvPr id="6" name="Slide Number Placeholder 5"/>
-          <p:cNvSpPr>
-            <a:spLocks noGrp="1"/>
-          </p:cNvSpPr>
-          <p:nvPr>
-            <p:ph type="sldNum" sz="quarter" idx="12"/>
-          </p:nvPr>
-        </p:nvSpPr>
-        <p:spPr/>
-        <p:txBody>
-          <a:bodyPr/>
-          <a:lstStyle/>
-          <a:p>
-            <a:fld id="{B4008EB6-D09E-4580-8CD6-DDB14511944F}" type="slidenum">
-              <a:rPr lang="en-US" smtClean="0"/>
-              <a:pPr/>
-              <a:t>13</a:t>
-            </a:fld>
-            <a:endParaRPr lang="en-US" dirty="0"/>
-          </a:p>
-        </p:txBody>
-      </p:sp>
-      <p:sp>
-        <p:nvSpPr>
-          <p:cNvPr id="10" name="Date Placeholder 9"/>
-          <p:cNvSpPr>
-            <a:spLocks noGrp="1"/>
-          </p:cNvSpPr>
-          <p:nvPr>
-            <p:ph type="dt" idx="13"/>
-          </p:nvPr>
-        </p:nvSpPr>
-        <p:spPr/>
-        <p:txBody>
-          <a:bodyPr/>
-          <a:lstStyle/>
-          <a:p>
-            <a:fld id="{1D9BFF88-B9B5-4B68-BAE1-09ACB5D03C54}" type="datetime8">
-              <a:rPr lang="en-US" smtClean="0"/>
-              <a:t>11/3/2019 8:00 AM</a:t>
-            </a:fld>
-            <a:endParaRPr lang="en-US" dirty="0"/>
-          </a:p>
-        </p:txBody>
-      </p:sp>
-      <p:sp>
-        <p:nvSpPr>
-          <p:cNvPr id="12" name="Header Placeholder 11"/>
-          <p:cNvSpPr>
-            <a:spLocks noGrp="1"/>
-          </p:cNvSpPr>
-          <p:nvPr>
-            <p:ph type="hdr" sz="quarter" idx="15"/>
-          </p:nvPr>
-        </p:nvSpPr>
-        <p:spPr/>
-        <p:txBody>
-          <a:bodyPr/>
-          <a:lstStyle/>
-          <a:p>
-            <a:endParaRPr lang="en-US" dirty="0"/>
-          </a:p>
-        </p:txBody>
-      </p:sp>
-      <p:sp>
-        <p:nvSpPr>
-          <p:cNvPr id="5" name="Footer Placeholder 4"/>
-          <p:cNvSpPr>
-            <a:spLocks noGrp="1"/>
-          </p:cNvSpPr>
-          <p:nvPr>
-            <p:ph type="ftr" sz="quarter" idx="16"/>
-          </p:nvPr>
-        </p:nvSpPr>
-        <p:spPr/>
-        <p:txBody>
-          <a:bodyPr/>
-          <a:lstStyle/>
-          <a:p>
-            <a:pPr defTabSz="914099" eaLnBrk="0" hangingPunct="0"/>
-            <a:r>
-              <a:rPr lang="en-US" sz="400" dirty="0">
-                <a:gradFill>
-                  <a:gsLst>
-                    <a:gs pos="0">
-                      <a:prstClr val="black"/>
-                    </a:gs>
-                    <a:gs pos="100000">
-                      <a:prstClr val="black"/>
-                    </a:gs>
-                  </a:gsLst>
-                  <a:lin ang="5400000" scaled="0"/>
-                </a:gradFill>
-                <a:latin typeface="Segoe UI" pitchFamily="34" charset="0"/>
-                <a:ea typeface="Segoe UI" pitchFamily="34" charset="0"/>
-                <a:cs typeface="Segoe UI" pitchFamily="34" charset="0"/>
-              </a:rPr>
-              <a:t>© Microsoft Corporation. All rights reserved. MICROSOFT MAKES NO WARRANTIES, EXPRESS, IMPLIED OR STATUTORY, AS TO THE INFORMATION IN THIS PRESENTATION.</a:t>
-            </a:r>
-          </a:p>
-        </p:txBody>
-      </p:sp>
-    </p:spTree>
-    <p:extLst>
-      <p:ext uri="{BB962C8B-B14F-4D97-AF65-F5344CB8AC3E}">
-        <p14:creationId xmlns:p14="http://schemas.microsoft.com/office/powerpoint/2010/main" val="596262077"/>
-      </p:ext>
-    </p:extLst>
-  </p:cSld>
-  <p:clrMapOvr>
-    <a:masterClrMapping/>
-  </p:clrMapOvr>
-</p:notes>
-</file>
-
-<file path=ppt/notesSlides/notesSlide13.xml><?xml version="1.0" encoding="utf-8"?>
-<p:notes xmlns:a="http://schemas.openxmlformats.org/drawingml/2006/main" xmlns:r="http://schemas.openxmlformats.org/officeDocument/2006/relationships" xmlns:p="http://schemas.openxmlformats.org/presentationml/2006/main">
-  <p:cSld>
-    <p:spTree>
-      <p:nvGrpSpPr>
-        <p:cNvPr id="1" name=""/>
-        <p:cNvGrpSpPr/>
-        <p:nvPr/>
-      </p:nvGrpSpPr>
-      <p:grpSpPr>
-        <a:xfrm>
-          <a:off x="0" y="0"/>
-          <a:ext cx="0" cy="0"/>
-          <a:chOff x="0" y="0"/>
-          <a:chExt cx="0" cy="0"/>
-        </a:xfrm>
-      </p:grpSpPr>
-      <p:sp>
-        <p:nvSpPr>
-          <p:cNvPr id="2" name="Slide Image Placeholder 1"/>
-          <p:cNvSpPr>
-            <a:spLocks noGrp="1" noRot="1" noChangeAspect="1"/>
-          </p:cNvSpPr>
-          <p:nvPr>
-            <p:ph type="sldImg"/>
-          </p:nvPr>
-        </p:nvSpPr>
-        <p:spPr/>
-      </p:sp>
-      <p:sp>
-        <p:nvSpPr>
-          <p:cNvPr id="3" name="Notes Placeholder 2"/>
-          <p:cNvSpPr>
-            <a:spLocks noGrp="1"/>
-          </p:cNvSpPr>
-          <p:nvPr>
-            <p:ph type="body" idx="1"/>
-          </p:nvPr>
-        </p:nvSpPr>
-        <p:spPr/>
-        <p:txBody>
-          <a:bodyPr/>
-          <a:lstStyle/>
-          <a:p>
-            <a:endParaRPr lang="en-US" dirty="0"/>
-          </a:p>
-        </p:txBody>
-      </p:sp>
-      <p:sp>
-        <p:nvSpPr>
-          <p:cNvPr id="6" name="Slide Number Placeholder 5"/>
-          <p:cNvSpPr>
-            <a:spLocks noGrp="1"/>
-          </p:cNvSpPr>
-          <p:nvPr>
-            <p:ph type="sldNum" sz="quarter" idx="12"/>
-          </p:nvPr>
-        </p:nvSpPr>
-        <p:spPr/>
-        <p:txBody>
-          <a:bodyPr/>
-          <a:lstStyle/>
-          <a:p>
-            <a:fld id="{B4008EB6-D09E-4580-8CD6-DDB14511944F}" type="slidenum">
-              <a:rPr lang="en-US" smtClean="0"/>
-              <a:pPr/>
-              <a:t>14</a:t>
-            </a:fld>
-            <a:endParaRPr lang="en-US" dirty="0"/>
-          </a:p>
-        </p:txBody>
-      </p:sp>
-      <p:sp>
-        <p:nvSpPr>
-          <p:cNvPr id="10" name="Date Placeholder 9"/>
-          <p:cNvSpPr>
-            <a:spLocks noGrp="1"/>
-          </p:cNvSpPr>
-          <p:nvPr>
-            <p:ph type="dt" idx="13"/>
-          </p:nvPr>
-        </p:nvSpPr>
-        <p:spPr/>
-        <p:txBody>
-          <a:bodyPr/>
-          <a:lstStyle/>
-          <a:p>
-            <a:fld id="{1D9BFF88-B9B5-4B68-BAE1-09ACB5D03C54}" type="datetime8">
-              <a:rPr lang="en-US" smtClean="0"/>
-              <a:t>11/3/2019 8:00 AM</a:t>
-            </a:fld>
-            <a:endParaRPr lang="en-US" dirty="0"/>
-          </a:p>
-        </p:txBody>
-      </p:sp>
-      <p:sp>
-        <p:nvSpPr>
-          <p:cNvPr id="12" name="Header Placeholder 11"/>
-          <p:cNvSpPr>
-            <a:spLocks noGrp="1"/>
-          </p:cNvSpPr>
-          <p:nvPr>
-            <p:ph type="hdr" sz="quarter" idx="15"/>
-          </p:nvPr>
-        </p:nvSpPr>
-        <p:spPr/>
-        <p:txBody>
-          <a:bodyPr/>
-          <a:lstStyle/>
-          <a:p>
-            <a:endParaRPr lang="en-US" dirty="0"/>
-          </a:p>
-        </p:txBody>
-      </p:sp>
-      <p:sp>
-        <p:nvSpPr>
-          <p:cNvPr id="5" name="Footer Placeholder 4"/>
-          <p:cNvSpPr>
-            <a:spLocks noGrp="1"/>
-          </p:cNvSpPr>
-          <p:nvPr>
-            <p:ph type="ftr" sz="quarter" idx="16"/>
-          </p:nvPr>
-        </p:nvSpPr>
-        <p:spPr/>
-        <p:txBody>
-          <a:bodyPr/>
-          <a:lstStyle/>
-          <a:p>
-            <a:pPr defTabSz="914099" eaLnBrk="0" hangingPunct="0"/>
-            <a:r>
-              <a:rPr lang="en-US" sz="400" dirty="0">
-                <a:gradFill>
-                  <a:gsLst>
-                    <a:gs pos="0">
-                      <a:prstClr val="black"/>
-                    </a:gs>
-                    <a:gs pos="100000">
-                      <a:prstClr val="black"/>
-                    </a:gs>
-                  </a:gsLst>
-                  <a:lin ang="5400000" scaled="0"/>
-                </a:gradFill>
-                <a:latin typeface="Segoe UI" pitchFamily="34" charset="0"/>
-                <a:ea typeface="Segoe UI" pitchFamily="34" charset="0"/>
-                <a:cs typeface="Segoe UI" pitchFamily="34" charset="0"/>
-              </a:rPr>
-              <a:t>© Microsoft Corporation. All rights reserved. MICROSOFT MAKES NO WARRANTIES, EXPRESS, IMPLIED OR STATUTORY, AS TO THE INFORMATION IN THIS PRESENTATION.</a:t>
-            </a:r>
-          </a:p>
-        </p:txBody>
-      </p:sp>
-    </p:spTree>
-    <p:extLst>
-      <p:ext uri="{BB962C8B-B14F-4D97-AF65-F5344CB8AC3E}">
-        <p14:creationId xmlns:p14="http://schemas.microsoft.com/office/powerpoint/2010/main" val="1843639342"/>
-      </p:ext>
-    </p:extLst>
-  </p:cSld>
-  <p:clrMapOvr>
-    <a:masterClrMapping/>
-  </p:clrMapOvr>
-</p:notes>
-</file>
-
-<file path=ppt/notesSlides/notesSlide14.xml><?xml version="1.0" encoding="utf-8"?>
-<p:notes xmlns:a="http://schemas.openxmlformats.org/drawingml/2006/main" xmlns:r="http://schemas.openxmlformats.org/officeDocument/2006/relationships" xmlns:p="http://schemas.openxmlformats.org/presentationml/2006/main">
-  <p:cSld>
-    <p:spTree>
-      <p:nvGrpSpPr>
-        <p:cNvPr id="1" name=""/>
-        <p:cNvGrpSpPr/>
-        <p:nvPr/>
-      </p:nvGrpSpPr>
-      <p:grpSpPr>
-        <a:xfrm>
-          <a:off x="0" y="0"/>
-          <a:ext cx="0" cy="0"/>
-          <a:chOff x="0" y="0"/>
-          <a:chExt cx="0" cy="0"/>
-        </a:xfrm>
-      </p:grpSpPr>
-      <p:sp>
-        <p:nvSpPr>
-          <p:cNvPr id="2" name="Slide Image Placeholder 1"/>
-          <p:cNvSpPr>
-            <a:spLocks noGrp="1" noRot="1" noChangeAspect="1"/>
-          </p:cNvSpPr>
-          <p:nvPr>
-            <p:ph type="sldImg"/>
-          </p:nvPr>
-        </p:nvSpPr>
-        <p:spPr/>
-      </p:sp>
-      <p:sp>
-        <p:nvSpPr>
-          <p:cNvPr id="3" name="Notes Placeholder 2"/>
-          <p:cNvSpPr>
-            <a:spLocks noGrp="1"/>
-          </p:cNvSpPr>
-          <p:nvPr>
-            <p:ph type="body" idx="1"/>
-          </p:nvPr>
-        </p:nvSpPr>
-        <p:spPr/>
-        <p:txBody>
-          <a:bodyPr/>
-          <a:lstStyle/>
-          <a:p>
-            <a:endParaRPr lang="en-US" dirty="0"/>
-          </a:p>
-        </p:txBody>
-      </p:sp>
-      <p:sp>
-        <p:nvSpPr>
-          <p:cNvPr id="6" name="Slide Number Placeholder 5"/>
-          <p:cNvSpPr>
-            <a:spLocks noGrp="1"/>
-          </p:cNvSpPr>
-          <p:nvPr>
-            <p:ph type="sldNum" sz="quarter" idx="12"/>
-          </p:nvPr>
-        </p:nvSpPr>
-        <p:spPr/>
-        <p:txBody>
-          <a:bodyPr/>
-          <a:lstStyle/>
-          <a:p>
-            <a:fld id="{B4008EB6-D09E-4580-8CD6-DDB14511944F}" type="slidenum">
-              <a:rPr lang="en-US" smtClean="0"/>
-              <a:pPr/>
-              <a:t>15</a:t>
-            </a:fld>
-            <a:endParaRPr lang="en-US" dirty="0"/>
-          </a:p>
-        </p:txBody>
-      </p:sp>
-      <p:sp>
-        <p:nvSpPr>
-          <p:cNvPr id="10" name="Date Placeholder 9"/>
-          <p:cNvSpPr>
-            <a:spLocks noGrp="1"/>
-          </p:cNvSpPr>
-          <p:nvPr>
-            <p:ph type="dt" idx="13"/>
-          </p:nvPr>
-        </p:nvSpPr>
-        <p:spPr/>
-        <p:txBody>
-          <a:bodyPr/>
-          <a:lstStyle/>
-          <a:p>
-            <a:fld id="{1D9BFF88-B9B5-4B68-BAE1-09ACB5D03C54}" type="datetime8">
-              <a:rPr lang="en-US" smtClean="0"/>
-              <a:t>11/3/2019 8:00 AM</a:t>
-            </a:fld>
-            <a:endParaRPr lang="en-US" dirty="0"/>
-          </a:p>
-        </p:txBody>
-      </p:sp>
-      <p:sp>
-        <p:nvSpPr>
-          <p:cNvPr id="12" name="Header Placeholder 11"/>
-          <p:cNvSpPr>
-            <a:spLocks noGrp="1"/>
-          </p:cNvSpPr>
-          <p:nvPr>
-            <p:ph type="hdr" sz="quarter" idx="15"/>
-          </p:nvPr>
-        </p:nvSpPr>
-        <p:spPr/>
-        <p:txBody>
-          <a:bodyPr/>
-          <a:lstStyle/>
-          <a:p>
-            <a:endParaRPr lang="en-US" dirty="0"/>
-          </a:p>
-        </p:txBody>
-      </p:sp>
-      <p:sp>
-        <p:nvSpPr>
-          <p:cNvPr id="5" name="Footer Placeholder 4"/>
-          <p:cNvSpPr>
-            <a:spLocks noGrp="1"/>
-          </p:cNvSpPr>
-          <p:nvPr>
-            <p:ph type="ftr" sz="quarter" idx="16"/>
-          </p:nvPr>
-        </p:nvSpPr>
-        <p:spPr/>
-        <p:txBody>
-          <a:bodyPr/>
-          <a:lstStyle/>
-          <a:p>
-            <a:pPr defTabSz="914099" eaLnBrk="0" hangingPunct="0"/>
-            <a:r>
-              <a:rPr lang="en-US" sz="400" dirty="0">
-                <a:gradFill>
-                  <a:gsLst>
-                    <a:gs pos="0">
-                      <a:prstClr val="black"/>
-                    </a:gs>
-                    <a:gs pos="100000">
-                      <a:prstClr val="black"/>
-                    </a:gs>
-                  </a:gsLst>
-                  <a:lin ang="5400000" scaled="0"/>
-                </a:gradFill>
-                <a:latin typeface="Segoe UI" pitchFamily="34" charset="0"/>
-                <a:ea typeface="Segoe UI" pitchFamily="34" charset="0"/>
-                <a:cs typeface="Segoe UI" pitchFamily="34" charset="0"/>
-              </a:rPr>
-              <a:t>© Microsoft Corporation. All rights reserved. MICROSOFT MAKES NO WARRANTIES, EXPRESS, IMPLIED OR STATUTORY, AS TO THE INFORMATION IN THIS PRESENTATION.</a:t>
-            </a:r>
-          </a:p>
-        </p:txBody>
-      </p:sp>
-    </p:spTree>
-    <p:extLst>
-      <p:ext uri="{BB962C8B-B14F-4D97-AF65-F5344CB8AC3E}">
-        <p14:creationId xmlns:p14="http://schemas.microsoft.com/office/powerpoint/2010/main" val="4174890608"/>
-      </p:ext>
-    </p:extLst>
-  </p:cSld>
-  <p:clrMapOvr>
-    <a:masterClrMapping/>
-  </p:clrMapOvr>
-</p:notes>
-</file>
-
-<file path=ppt/notesSlides/notesSlide15.xml><?xml version="1.0" encoding="utf-8"?>
-<p:notes xmlns:a="http://schemas.openxmlformats.org/drawingml/2006/main" xmlns:r="http://schemas.openxmlformats.org/officeDocument/2006/relationships" xmlns:p="http://schemas.openxmlformats.org/presentationml/2006/main">
-  <p:cSld>
-    <p:spTree>
-      <p:nvGrpSpPr>
-        <p:cNvPr id="1" name=""/>
-        <p:cNvGrpSpPr/>
-        <p:nvPr/>
-      </p:nvGrpSpPr>
-      <p:grpSpPr>
-        <a:xfrm>
-          <a:off x="0" y="0"/>
-          <a:ext cx="0" cy="0"/>
-          <a:chOff x="0" y="0"/>
-          <a:chExt cx="0" cy="0"/>
-        </a:xfrm>
-      </p:grpSpPr>
-      <p:sp>
-        <p:nvSpPr>
-          <p:cNvPr id="2" name="Slide Image Placeholder 1"/>
-          <p:cNvSpPr>
-            <a:spLocks noGrp="1" noRot="1" noChangeAspect="1"/>
-          </p:cNvSpPr>
-          <p:nvPr>
-            <p:ph type="sldImg"/>
-          </p:nvPr>
-        </p:nvSpPr>
-        <p:spPr/>
-      </p:sp>
-      <p:sp>
-        <p:nvSpPr>
-          <p:cNvPr id="3" name="Notes Placeholder 2"/>
-          <p:cNvSpPr>
-            <a:spLocks noGrp="1"/>
-          </p:cNvSpPr>
-          <p:nvPr>
-            <p:ph type="body" idx="1"/>
-          </p:nvPr>
-        </p:nvSpPr>
-        <p:spPr/>
-        <p:txBody>
-          <a:bodyPr/>
-          <a:lstStyle/>
-          <a:p>
-            <a:endParaRPr lang="en-US" dirty="0"/>
-          </a:p>
-        </p:txBody>
-      </p:sp>
-      <p:sp>
-        <p:nvSpPr>
-          <p:cNvPr id="6" name="Slide Number Placeholder 5"/>
-          <p:cNvSpPr>
-            <a:spLocks noGrp="1"/>
-          </p:cNvSpPr>
-          <p:nvPr>
-            <p:ph type="sldNum" sz="quarter" idx="12"/>
-          </p:nvPr>
-        </p:nvSpPr>
-        <p:spPr/>
-        <p:txBody>
-          <a:bodyPr/>
-          <a:lstStyle/>
-          <a:p>
-            <a:fld id="{B4008EB6-D09E-4580-8CD6-DDB14511944F}" type="slidenum">
-              <a:rPr lang="en-US" smtClean="0"/>
-              <a:pPr/>
-              <a:t>16</a:t>
-            </a:fld>
-            <a:endParaRPr lang="en-US" dirty="0"/>
-          </a:p>
-        </p:txBody>
-      </p:sp>
-      <p:sp>
-        <p:nvSpPr>
-          <p:cNvPr id="10" name="Date Placeholder 9"/>
-          <p:cNvSpPr>
-            <a:spLocks noGrp="1"/>
-          </p:cNvSpPr>
-          <p:nvPr>
-            <p:ph type="dt" idx="13"/>
-          </p:nvPr>
-        </p:nvSpPr>
-        <p:spPr/>
-        <p:txBody>
-          <a:bodyPr/>
-          <a:lstStyle/>
-          <a:p>
-            <a:fld id="{1D9BFF88-B9B5-4B68-BAE1-09ACB5D03C54}" type="datetime8">
-              <a:rPr lang="en-US" smtClean="0"/>
-              <a:t>11/3/2019 8:00 AM</a:t>
+              <a:t>11/11/2019 10:04 AM</a:t>
             </a:fld>
             <a:endParaRPr lang="en-US" dirty="0"/>
           </a:p>
@@ -3146,7 +2482,7 @@
           <a:p>
             <a:fld id="{72E0C910-0166-48E0-B8EF-5071277A02A8}" type="datetime8">
               <a:rPr lang="en-US" smtClean="0"/>
-              <a:t>11/3/2019 8:00 AM</a:t>
+              <a:t>11/11/2019 10:04 AM</a:t>
             </a:fld>
             <a:endParaRPr lang="en-US" dirty="0"/>
           </a:p>
@@ -3179,7 +2515,7 @@
     </p:spTree>
     <p:extLst>
       <p:ext uri="{BB962C8B-B14F-4D97-AF65-F5344CB8AC3E}">
-        <p14:creationId xmlns:p14="http://schemas.microsoft.com/office/powerpoint/2010/main" val="1601089676"/>
+        <p14:creationId xmlns:p14="http://schemas.microsoft.com/office/powerpoint/2010/main" val="583004884"/>
       </p:ext>
     </p:extLst>
   </p:cSld>
@@ -3311,7 +2647,7 @@
           <a:p>
             <a:fld id="{72E0C910-0166-48E0-B8EF-5071277A02A8}" type="datetime8">
               <a:rPr lang="en-US" smtClean="0"/>
-              <a:t>11/3/2019 8:14 AM</a:t>
+              <a:t>11/11/2019 10:04 AM</a:t>
             </a:fld>
             <a:endParaRPr lang="en-US" dirty="0"/>
           </a:p>
@@ -3344,7 +2680,7 @@
     </p:spTree>
     <p:extLst>
       <p:ext uri="{BB962C8B-B14F-4D97-AF65-F5344CB8AC3E}">
-        <p14:creationId xmlns:p14="http://schemas.microsoft.com/office/powerpoint/2010/main" val="583004884"/>
+        <p14:creationId xmlns:p14="http://schemas.microsoft.com/office/powerpoint/2010/main" val="3589669673"/>
       </p:ext>
     </p:extLst>
   </p:cSld>
@@ -3476,7 +2812,7 @@
           <a:p>
             <a:fld id="{72E0C910-0166-48E0-B8EF-5071277A02A8}" type="datetime8">
               <a:rPr lang="en-US" smtClean="0"/>
-              <a:t>11/3/2019 8:00 AM</a:t>
+              <a:t>11/11/2019 10:04 AM</a:t>
             </a:fld>
             <a:endParaRPr lang="en-US" dirty="0"/>
           </a:p>
@@ -3509,7 +2845,7 @@
     </p:spTree>
     <p:extLst>
       <p:ext uri="{BB962C8B-B14F-4D97-AF65-F5344CB8AC3E}">
-        <p14:creationId xmlns:p14="http://schemas.microsoft.com/office/powerpoint/2010/main" val="3589669673"/>
+        <p14:creationId xmlns:p14="http://schemas.microsoft.com/office/powerpoint/2010/main" val="678900528"/>
       </p:ext>
     </p:extLst>
   </p:cSld>
@@ -3641,7 +2977,7 @@
           <a:p>
             <a:fld id="{72E0C910-0166-48E0-B8EF-5071277A02A8}" type="datetime8">
               <a:rPr lang="en-US" smtClean="0"/>
-              <a:t>11/3/2019 8:00 AM</a:t>
+              <a:t>11/11/2019 10:04 AM</a:t>
             </a:fld>
             <a:endParaRPr lang="en-US" dirty="0"/>
           </a:p>
@@ -3674,7 +3010,7 @@
     </p:spTree>
     <p:extLst>
       <p:ext uri="{BB962C8B-B14F-4D97-AF65-F5344CB8AC3E}">
-        <p14:creationId xmlns:p14="http://schemas.microsoft.com/office/powerpoint/2010/main" val="678900528"/>
+        <p14:creationId xmlns:p14="http://schemas.microsoft.com/office/powerpoint/2010/main" val="3281267287"/>
       </p:ext>
     </p:extLst>
   </p:cSld>
@@ -3806,7 +3142,7 @@
           <a:p>
             <a:fld id="{72E0C910-0166-48E0-B8EF-5071277A02A8}" type="datetime8">
               <a:rPr lang="en-US" smtClean="0"/>
-              <a:t>11/3/2019 8:00 AM</a:t>
+              <a:t>11/11/2019 10:04 AM</a:t>
             </a:fld>
             <a:endParaRPr lang="en-US" dirty="0"/>
           </a:p>
@@ -3839,7 +3175,7 @@
     </p:spTree>
     <p:extLst>
       <p:ext uri="{BB962C8B-B14F-4D97-AF65-F5344CB8AC3E}">
-        <p14:creationId xmlns:p14="http://schemas.microsoft.com/office/powerpoint/2010/main" val="3281267287"/>
+        <p14:creationId xmlns:p14="http://schemas.microsoft.com/office/powerpoint/2010/main" val="3350675604"/>
       </p:ext>
     </p:extLst>
   </p:cSld>
@@ -3969,9 +3305,9 @@
           <a:bodyPr/>
           <a:lstStyle/>
           <a:p>
-            <a:fld id="{72E0C910-0166-48E0-B8EF-5071277A02A8}" type="datetime8">
+            <a:fld id="{9427A7F7-BB1E-479D-AFAA-B52F4D0C99F2}" type="datetime8">
               <a:rPr lang="en-US" smtClean="0"/>
-              <a:t>11/3/2019 8:00 AM</a:t>
+              <a:t>11/11/2019 10:04 AM</a:t>
             </a:fld>
             <a:endParaRPr lang="en-US" dirty="0"/>
           </a:p>
@@ -4004,7 +3340,7 @@
     </p:spTree>
     <p:extLst>
       <p:ext uri="{BB962C8B-B14F-4D97-AF65-F5344CB8AC3E}">
-        <p14:creationId xmlns:p14="http://schemas.microsoft.com/office/powerpoint/2010/main" val="3350675604"/>
+        <p14:creationId xmlns:p14="http://schemas.microsoft.com/office/powerpoint/2010/main" val="1958519690"/>
       </p:ext>
     </p:extLst>
   </p:cSld>
@@ -4136,7 +3472,7 @@
           <a:p>
             <a:fld id="{9427A7F7-BB1E-479D-AFAA-B52F4D0C99F2}" type="datetime8">
               <a:rPr lang="en-US" smtClean="0"/>
-              <a:t>11/3/2019 8:00 AM</a:t>
+              <a:t>11/11/2019 10:04 AM</a:t>
             </a:fld>
             <a:endParaRPr lang="en-US" dirty="0"/>
           </a:p>
@@ -4169,7 +3505,7 @@
     </p:spTree>
     <p:extLst>
       <p:ext uri="{BB962C8B-B14F-4D97-AF65-F5344CB8AC3E}">
-        <p14:creationId xmlns:p14="http://schemas.microsoft.com/office/powerpoint/2010/main" val="1958519690"/>
+        <p14:creationId xmlns:p14="http://schemas.microsoft.com/office/powerpoint/2010/main" val="1071861760"/>
       </p:ext>
     </p:extLst>
   </p:cSld>
@@ -4229,12 +3565,59 @@
       </p:sp>
       <p:sp>
         <p:nvSpPr>
-          <p:cNvPr id="4" name="Header Placeholder 3"/>
+          <p:cNvPr id="6" name="Slide Number Placeholder 5"/>
           <p:cNvSpPr>
             <a:spLocks noGrp="1"/>
           </p:cNvSpPr>
           <p:nvPr>
-            <p:ph type="hdr" sz="quarter" idx="10"/>
+            <p:ph type="sldNum" sz="quarter" idx="12"/>
+          </p:nvPr>
+        </p:nvSpPr>
+        <p:spPr/>
+        <p:txBody>
+          <a:bodyPr/>
+          <a:lstStyle/>
+          <a:p>
+            <a:fld id="{B4008EB6-D09E-4580-8CD6-DDB14511944F}" type="slidenum">
+              <a:rPr lang="en-US" smtClean="0"/>
+              <a:pPr/>
+              <a:t>10</a:t>
+            </a:fld>
+            <a:endParaRPr lang="en-US" dirty="0"/>
+          </a:p>
+        </p:txBody>
+      </p:sp>
+      <p:sp>
+        <p:nvSpPr>
+          <p:cNvPr id="10" name="Date Placeholder 9"/>
+          <p:cNvSpPr>
+            <a:spLocks noGrp="1"/>
+          </p:cNvSpPr>
+          <p:nvPr>
+            <p:ph type="dt" idx="13"/>
+          </p:nvPr>
+        </p:nvSpPr>
+        <p:spPr/>
+        <p:txBody>
+          <a:bodyPr/>
+          <a:lstStyle/>
+          <a:p>
+            <a:fld id="{1D9BFF88-B9B5-4B68-BAE1-09ACB5D03C54}" type="datetime8">
+              <a:rPr lang="en-US" smtClean="0"/>
+              <a:t>11/11/2019 10:04 AM</a:t>
+            </a:fld>
+            <a:endParaRPr lang="en-US" dirty="0"/>
+          </a:p>
+        </p:txBody>
+      </p:sp>
+      <p:sp>
+        <p:nvSpPr>
+          <p:cNvPr id="12" name="Header Placeholder 11"/>
+          <p:cNvSpPr>
+            <a:spLocks noGrp="1"/>
+          </p:cNvSpPr>
+          <p:nvPr>
+            <p:ph type="hdr" sz="quarter" idx="15"/>
           </p:nvPr>
         </p:nvSpPr>
         <p:spPr/>
@@ -4253,7 +3636,7 @@
             <a:spLocks noGrp="1"/>
           </p:cNvSpPr>
           <p:nvPr>
-            <p:ph type="ftr" sz="quarter" idx="11"/>
+            <p:ph type="ftr" sz="quarter" idx="16"/>
           </p:nvPr>
         </p:nvSpPr>
         <p:spPr/>
@@ -4284,57 +3667,10 @@
           </a:p>
         </p:txBody>
       </p:sp>
-      <p:sp>
-        <p:nvSpPr>
-          <p:cNvPr id="6" name="Date Placeholder 5"/>
-          <p:cNvSpPr>
-            <a:spLocks noGrp="1"/>
-          </p:cNvSpPr>
-          <p:nvPr>
-            <p:ph type="dt" idx="12"/>
-          </p:nvPr>
-        </p:nvSpPr>
-        <p:spPr/>
-        <p:txBody>
-          <a:bodyPr/>
-          <a:lstStyle/>
-          <a:p>
-            <a:fld id="{9427A7F7-BB1E-479D-AFAA-B52F4D0C99F2}" type="datetime8">
-              <a:rPr lang="en-US" smtClean="0"/>
-              <a:t>11/3/2019 8:00 AM</a:t>
-            </a:fld>
-            <a:endParaRPr lang="en-US" dirty="0"/>
-          </a:p>
-        </p:txBody>
-      </p:sp>
-      <p:sp>
-        <p:nvSpPr>
-          <p:cNvPr id="7" name="Slide Number Placeholder 6"/>
-          <p:cNvSpPr>
-            <a:spLocks noGrp="1"/>
-          </p:cNvSpPr>
-          <p:nvPr>
-            <p:ph type="sldNum" sz="quarter" idx="13"/>
-          </p:nvPr>
-        </p:nvSpPr>
-        <p:spPr/>
-        <p:txBody>
-          <a:bodyPr/>
-          <a:lstStyle/>
-          <a:p>
-            <a:fld id="{B4008EB6-D09E-4580-8CD6-DDB14511944F}" type="slidenum">
-              <a:rPr lang="en-US" smtClean="0"/>
-              <a:pPr/>
-              <a:t>10</a:t>
-            </a:fld>
-            <a:endParaRPr lang="en-US" dirty="0"/>
-          </a:p>
-        </p:txBody>
-      </p:sp>
     </p:spTree>
     <p:extLst>
       <p:ext uri="{BB962C8B-B14F-4D97-AF65-F5344CB8AC3E}">
-        <p14:creationId xmlns:p14="http://schemas.microsoft.com/office/powerpoint/2010/main" val="1071861760"/>
+        <p14:creationId xmlns:p14="http://schemas.microsoft.com/office/powerpoint/2010/main" val="1843639342"/>
       </p:ext>
     </p:extLst>
   </p:cSld>
@@ -36529,10 +35865,103 @@
           <a:chExt cx="0" cy="0"/>
         </a:xfrm>
       </p:grpSpPr>
+      <p:sp>
+        <p:nvSpPr>
+          <p:cNvPr id="4" name="Title 3">
+            <a:extLst>
+              <a:ext uri="{FF2B5EF4-FFF2-40B4-BE49-F238E27FC236}">
+                <a16:creationId xmlns:a16="http://schemas.microsoft.com/office/drawing/2014/main" id="{57142998-EA94-4FA2-A6F3-9EB067C25E21}"/>
+              </a:ext>
+            </a:extLst>
+          </p:cNvPr>
+          <p:cNvSpPr>
+            <a:spLocks noGrp="1"/>
+          </p:cNvSpPr>
+          <p:nvPr>
+            <p:ph type="title"/>
+          </p:nvPr>
+        </p:nvSpPr>
+        <p:spPr>
+          <a:xfrm>
+            <a:off x="584200" y="2979778"/>
+            <a:ext cx="9144000" cy="553998"/>
+          </a:xfrm>
+        </p:spPr>
+        <p:txBody>
+          <a:bodyPr/>
+          <a:lstStyle/>
+          <a:p>
+            <a:r>
+              <a:rPr lang="en-US" dirty="0"/>
+              <a:t>Knowledge Mining Bootcamp</a:t>
+            </a:r>
+          </a:p>
+        </p:txBody>
+      </p:sp>
+      <p:sp>
+        <p:nvSpPr>
+          <p:cNvPr id="5" name="Text Placeholder 4">
+            <a:extLst>
+              <a:ext uri="{FF2B5EF4-FFF2-40B4-BE49-F238E27FC236}">
+                <a16:creationId xmlns:a16="http://schemas.microsoft.com/office/drawing/2014/main" id="{6F88C36C-D184-4AF5-92D2-A0DBD6B7A82C}"/>
+              </a:ext>
+            </a:extLst>
+          </p:cNvPr>
+          <p:cNvSpPr>
+            <a:spLocks noGrp="1"/>
+          </p:cNvSpPr>
+          <p:nvPr>
+            <p:ph type="body" sz="quarter" idx="12"/>
+          </p:nvPr>
+        </p:nvSpPr>
+        <p:spPr>
+          <a:xfrm>
+            <a:off x="584200" y="3962400"/>
+            <a:ext cx="5693383" cy="2031325"/>
+          </a:xfrm>
+        </p:spPr>
+        <p:txBody>
+          <a:bodyPr/>
+          <a:lstStyle/>
+          <a:p>
+            <a:r>
+              <a:rPr lang="en-US" dirty="0"/>
+              <a:t>Daniel Coelho – SR Data Scientist</a:t>
+            </a:r>
+          </a:p>
+          <a:p>
+            <a:r>
+              <a:rPr lang="en-US" dirty="0"/>
+              <a:t>Rodrigo Souza – SR Data Scientist</a:t>
+            </a:r>
+          </a:p>
+          <a:p>
+            <a:r>
+              <a:rPr lang="en-US" dirty="0"/>
+              <a:t>Xiaochen Wu – SR Program Manager</a:t>
+            </a:r>
+          </a:p>
+          <a:p>
+            <a:endParaRPr lang="en-US" dirty="0"/>
+          </a:p>
+          <a:p>
+            <a:r>
+              <a:rPr lang="en-US" dirty="0"/>
+              <a:t>Cloud &amp; AI </a:t>
+            </a:r>
+          </a:p>
+          <a:p>
+            <a:r>
+              <a:rPr lang="en-US" dirty="0"/>
+              <a:t>ACE Team</a:t>
+            </a:r>
+          </a:p>
+        </p:txBody>
+      </p:sp>
     </p:spTree>
     <p:extLst>
       <p:ext uri="{BB962C8B-B14F-4D97-AF65-F5344CB8AC3E}">
-        <p14:creationId xmlns:p14="http://schemas.microsoft.com/office/powerpoint/2010/main" val="2639379867"/>
+        <p14:creationId xmlns:p14="http://schemas.microsoft.com/office/powerpoint/2010/main" val="3117013438"/>
       </p:ext>
     </p:extLst>
   </p:cSld>
@@ -36555,751 +35984,6 @@
 </file>
 
 <file path=ppt/slides/slide10.xml><?xml version="1.0" encoding="utf-8"?>
-<p:sld xmlns:a="http://schemas.openxmlformats.org/drawingml/2006/main" xmlns:r="http://schemas.openxmlformats.org/officeDocument/2006/relationships" xmlns:p="http://schemas.openxmlformats.org/presentationml/2006/main">
-  <p:cSld>
-    <p:spTree>
-      <p:nvGrpSpPr>
-        <p:cNvPr id="1" name=""/>
-        <p:cNvGrpSpPr/>
-        <p:nvPr/>
-      </p:nvGrpSpPr>
-      <p:grpSpPr>
-        <a:xfrm>
-          <a:off x="0" y="0"/>
-          <a:ext cx="0" cy="0"/>
-          <a:chOff x="0" y="0"/>
-          <a:chExt cx="0" cy="0"/>
-        </a:xfrm>
-      </p:grpSpPr>
-      <p:sp>
-        <p:nvSpPr>
-          <p:cNvPr id="17" name="Title 16"/>
-          <p:cNvSpPr>
-            <a:spLocks noGrp="1"/>
-          </p:cNvSpPr>
-          <p:nvPr>
-            <p:ph type="title"/>
-          </p:nvPr>
-        </p:nvSpPr>
-        <p:spPr/>
-        <p:txBody>
-          <a:bodyPr/>
-          <a:lstStyle/>
-          <a:p>
-            <a:r>
-              <a:rPr lang="en-US" dirty="0"/>
-              <a:t>Architecture</a:t>
-            </a:r>
-          </a:p>
-        </p:txBody>
-      </p:sp>
-      <p:pic>
-        <p:nvPicPr>
-          <p:cNvPr id="7" name="Picture 6">
-            <a:extLst>
-              <a:ext uri="{FF2B5EF4-FFF2-40B4-BE49-F238E27FC236}">
-                <a16:creationId xmlns:a16="http://schemas.microsoft.com/office/drawing/2014/main" id="{5B23A7A7-5880-4EEC-90F4-590C9DFC16AA}"/>
-              </a:ext>
-            </a:extLst>
-          </p:cNvPr>
-          <p:cNvPicPr>
-            <a:picLocks noChangeAspect="1"/>
-          </p:cNvPicPr>
-          <p:nvPr/>
-        </p:nvPicPr>
-        <p:blipFill>
-          <a:blip r:embed="rId3"/>
-          <a:stretch>
-            <a:fillRect/>
-          </a:stretch>
-        </p:blipFill>
-        <p:spPr>
-          <a:xfrm>
-            <a:off x="1813586" y="1231228"/>
-            <a:ext cx="7962010" cy="5398621"/>
-          </a:xfrm>
-          <a:prstGeom prst="rect">
-            <a:avLst/>
-          </a:prstGeom>
-        </p:spPr>
-      </p:pic>
-      <p:sp>
-        <p:nvSpPr>
-          <p:cNvPr id="8" name="Explosion: 14 Points 7">
-            <a:extLst>
-              <a:ext uri="{FF2B5EF4-FFF2-40B4-BE49-F238E27FC236}">
-                <a16:creationId xmlns:a16="http://schemas.microsoft.com/office/drawing/2014/main" id="{03758CD8-3E1D-46A1-8D62-3F4E57D028FF}"/>
-              </a:ext>
-            </a:extLst>
-          </p:cNvPr>
-          <p:cNvSpPr/>
-          <p:nvPr/>
-        </p:nvSpPr>
-        <p:spPr bwMode="auto">
-          <a:xfrm>
-            <a:off x="7698317" y="1011198"/>
-            <a:ext cx="4154557" cy="2411895"/>
-          </a:xfrm>
-          <a:prstGeom prst="irregularSeal2">
-            <a:avLst/>
-          </a:prstGeom>
-          <a:solidFill>
-            <a:schemeClr val="accent3"/>
-          </a:solidFill>
-          <a:ln>
-            <a:noFill/>
-          </a:ln>
-        </p:spPr>
-        <p:style>
-          <a:lnRef idx="0">
-            <a:scrgbClr r="0" g="0" b="0"/>
-          </a:lnRef>
-          <a:fillRef idx="0">
-            <a:scrgbClr r="0" g="0" b="0"/>
-          </a:fillRef>
-          <a:effectRef idx="0">
-            <a:scrgbClr r="0" g="0" b="0"/>
-          </a:effectRef>
-          <a:fontRef idx="minor">
-            <a:schemeClr val="lt1"/>
-          </a:fontRef>
-        </p:style>
-        <p:txBody>
-          <a:bodyPr rot="0" spcFirstLastPara="0" vert="horz" wrap="square" lIns="182880" tIns="146304" rIns="182880" bIns="146304" numCol="1" spcCol="0" rtlCol="0" fromWordArt="0" anchor="t" anchorCtr="0" forceAA="0" compatLnSpc="1">
-            <a:prstTxWarp prst="textNoShape">
-              <a:avLst/>
-            </a:prstTxWarp>
-            <a:noAutofit/>
-          </a:bodyPr>
-          <a:lstStyle/>
-          <a:p>
-            <a:pPr algn="l" defTabSz="932472" fontAlgn="base">
-              <a:spcBef>
-                <a:spcPct val="0"/>
-              </a:spcBef>
-              <a:spcAft>
-                <a:spcPct val="0"/>
-              </a:spcAft>
-            </a:pPr>
-            <a:r>
-              <a:rPr lang="en-US" sz="2000" dirty="0">
-                <a:gradFill>
-                  <a:gsLst>
-                    <a:gs pos="0">
-                      <a:srgbClr val="FFFFFF"/>
-                    </a:gs>
-                    <a:gs pos="100000">
-                      <a:srgbClr val="FFFFFF"/>
-                    </a:gs>
-                  </a:gsLst>
-                  <a:lin ang="5400000" scaled="0"/>
-                </a:gradFill>
-                <a:ea typeface="Segoe UI" pitchFamily="34" charset="0"/>
-                <a:cs typeface="Segoe UI" pitchFamily="34" charset="0"/>
-              </a:rPr>
-              <a:t>Demo!!</a:t>
-            </a:r>
-          </a:p>
-        </p:txBody>
-      </p:sp>
-    </p:spTree>
-    <p:extLst>
-      <p:ext uri="{BB962C8B-B14F-4D97-AF65-F5344CB8AC3E}">
-        <p14:creationId xmlns:p14="http://schemas.microsoft.com/office/powerpoint/2010/main" val="2878158329"/>
-      </p:ext>
-    </p:extLst>
-  </p:cSld>
-  <p:clrMapOvr>
-    <a:masterClrMapping/>
-  </p:clrMapOvr>
-  <mc:AlternateContent xmlns:mc="http://schemas.openxmlformats.org/markup-compatibility/2006" xmlns:p14="http://schemas.microsoft.com/office/powerpoint/2010/main">
-    <mc:Choice Requires="p14">
-      <p:transition spd="med" p14:dur="700">
-        <p:fade/>
-      </p:transition>
-    </mc:Choice>
-    <mc:Fallback xmlns="">
-      <p:transition spd="med">
-        <p:fade/>
-      </p:transition>
-    </mc:Fallback>
-  </mc:AlternateContent>
-  <p:timing>
-    <p:tnLst>
-      <p:par>
-        <p:cTn id="1" dur="indefinite" restart="never" nodeType="tmRoot">
-          <p:childTnLst>
-            <p:seq concurrent="1" nextAc="seek">
-              <p:cTn id="2" dur="indefinite" nodeType="mainSeq">
-                <p:childTnLst>
-                  <p:par>
-                    <p:cTn id="3" fill="hold">
-                      <p:stCondLst>
-                        <p:cond delay="indefinite"/>
-                      </p:stCondLst>
-                      <p:childTnLst>
-                        <p:par>
-                          <p:cTn id="4" fill="hold">
-                            <p:stCondLst>
-                              <p:cond delay="0"/>
-                            </p:stCondLst>
-                            <p:childTnLst>
-                              <p:par>
-                                <p:cTn id="5" presetID="1" presetClass="entr" presetSubtype="0" fill="hold" grpId="0" nodeType="clickEffect">
-                                  <p:stCondLst>
-                                    <p:cond delay="0"/>
-                                  </p:stCondLst>
-                                  <p:childTnLst>
-                                    <p:set>
-                                      <p:cBhvr>
-                                        <p:cTn id="6" dur="1" fill="hold">
-                                          <p:stCondLst>
-                                            <p:cond delay="0"/>
-                                          </p:stCondLst>
-                                        </p:cTn>
-                                        <p:tgtEl>
-                                          <p:spTgt spid="8"/>
-                                        </p:tgtEl>
-                                        <p:attrNameLst>
-                                          <p:attrName>style.visibility</p:attrName>
-                                        </p:attrNameLst>
-                                      </p:cBhvr>
-                                      <p:to>
-                                        <p:strVal val="visible"/>
-                                      </p:to>
-                                    </p:set>
-                                  </p:childTnLst>
-                                </p:cTn>
-                              </p:par>
-                            </p:childTnLst>
-                          </p:cTn>
-                        </p:par>
-                      </p:childTnLst>
-                    </p:cTn>
-                  </p:par>
-                </p:childTnLst>
-              </p:cTn>
-              <p:prevCondLst>
-                <p:cond evt="onPrev" delay="0">
-                  <p:tgtEl>
-                    <p:sldTgt/>
-                  </p:tgtEl>
-                </p:cond>
-              </p:prevCondLst>
-              <p:nextCondLst>
-                <p:cond evt="onNext" delay="0">
-                  <p:tgtEl>
-                    <p:sldTgt/>
-                  </p:tgtEl>
-                </p:cond>
-              </p:nextCondLst>
-            </p:seq>
-          </p:childTnLst>
-        </p:cTn>
-      </p:par>
-    </p:tnLst>
-    <p:bldLst>
-      <p:bldP spid="8" grpId="0" animBg="1"/>
-    </p:bldLst>
-  </p:timing>
-</p:sld>
-</file>
-
-<file path=ppt/slides/slide11.xml><?xml version="1.0" encoding="utf-8"?>
-<p:sld xmlns:a="http://schemas.openxmlformats.org/drawingml/2006/main" xmlns:r="http://schemas.openxmlformats.org/officeDocument/2006/relationships" xmlns:p="http://schemas.openxmlformats.org/presentationml/2006/main">
-  <p:cSld>
-    <p:spTree>
-      <p:nvGrpSpPr>
-        <p:cNvPr id="1" name=""/>
-        <p:cNvGrpSpPr/>
-        <p:nvPr/>
-      </p:nvGrpSpPr>
-      <p:grpSpPr>
-        <a:xfrm>
-          <a:off x="0" y="0"/>
-          <a:ext cx="0" cy="0"/>
-          <a:chOff x="0" y="0"/>
-          <a:chExt cx="0" cy="0"/>
-        </a:xfrm>
-      </p:grpSpPr>
-      <p:sp>
-        <p:nvSpPr>
-          <p:cNvPr id="17" name="Title 16"/>
-          <p:cNvSpPr>
-            <a:spLocks noGrp="1"/>
-          </p:cNvSpPr>
-          <p:nvPr>
-            <p:ph type="title"/>
-          </p:nvPr>
-        </p:nvSpPr>
-        <p:spPr>
-          <a:xfrm>
-            <a:off x="588263" y="457200"/>
-            <a:ext cx="11018520" cy="553998"/>
-          </a:xfrm>
-        </p:spPr>
-        <p:txBody>
-          <a:bodyPr/>
-          <a:lstStyle/>
-          <a:p>
-            <a:r>
-              <a:rPr lang="en-US" dirty="0"/>
-              <a:t>Breaking News</a:t>
-            </a:r>
-          </a:p>
-        </p:txBody>
-      </p:sp>
-      <p:sp>
-        <p:nvSpPr>
-          <p:cNvPr id="5" name="Freeform: Shape 4" descr="arrow pointing to the guideline referenced in the description">
-            <a:extLst>
-              <a:ext uri="{FF2B5EF4-FFF2-40B4-BE49-F238E27FC236}">
-                <a16:creationId xmlns:a16="http://schemas.microsoft.com/office/drawing/2014/main" id="{665B403C-D96F-49D2-A0FA-2D811AA4C0AB}"/>
-              </a:ext>
-            </a:extLst>
-          </p:cNvPr>
-          <p:cNvSpPr/>
-          <p:nvPr/>
-        </p:nvSpPr>
-        <p:spPr bwMode="auto">
-          <a:xfrm>
-            <a:off x="6801636" y="2019300"/>
-            <a:ext cx="2588543" cy="644899"/>
-          </a:xfrm>
-          <a:custGeom>
-            <a:avLst/>
-            <a:gdLst>
-              <a:gd name="connsiteX0" fmla="*/ 0 w 822960"/>
-              <a:gd name="connsiteY0" fmla="*/ 205740 h 205740"/>
-              <a:gd name="connsiteX1" fmla="*/ 822960 w 822960"/>
-              <a:gd name="connsiteY1" fmla="*/ 205740 h 205740"/>
-              <a:gd name="connsiteX2" fmla="*/ 822960 w 822960"/>
-              <a:gd name="connsiteY2" fmla="*/ 0 h 205740"/>
-              <a:gd name="connsiteX0" fmla="*/ 0 w 822960"/>
-              <a:gd name="connsiteY0" fmla="*/ 196007 h 196007"/>
-              <a:gd name="connsiteX1" fmla="*/ 822960 w 822960"/>
-              <a:gd name="connsiteY1" fmla="*/ 196007 h 196007"/>
-              <a:gd name="connsiteX2" fmla="*/ 822960 w 822960"/>
-              <a:gd name="connsiteY2" fmla="*/ 0 h 196007"/>
-              <a:gd name="connsiteX0" fmla="*/ 0 w 860823"/>
-              <a:gd name="connsiteY0" fmla="*/ 196007 h 196007"/>
-              <a:gd name="connsiteX1" fmla="*/ 860823 w 860823"/>
-              <a:gd name="connsiteY1" fmla="*/ 196007 h 196007"/>
-              <a:gd name="connsiteX2" fmla="*/ 860823 w 860823"/>
-              <a:gd name="connsiteY2" fmla="*/ 0 h 196007"/>
-            </a:gdLst>
-            <a:ahLst/>
-            <a:cxnLst>
-              <a:cxn ang="0">
-                <a:pos x="connsiteX0" y="connsiteY0"/>
-              </a:cxn>
-              <a:cxn ang="0">
-                <a:pos x="connsiteX1" y="connsiteY1"/>
-              </a:cxn>
-              <a:cxn ang="0">
-                <a:pos x="connsiteX2" y="connsiteY2"/>
-              </a:cxn>
-            </a:cxnLst>
-            <a:rect l="l" t="t" r="r" b="b"/>
-            <a:pathLst>
-              <a:path w="860823" h="196007">
-                <a:moveTo>
-                  <a:pt x="0" y="196007"/>
-                </a:moveTo>
-                <a:lnTo>
-                  <a:pt x="860823" y="196007"/>
-                </a:lnTo>
-                <a:lnTo>
-                  <a:pt x="860823" y="0"/>
-                </a:lnTo>
-              </a:path>
-            </a:pathLst>
-          </a:custGeom>
-          <a:noFill/>
-          <a:ln w="12700">
-            <a:solidFill>
-              <a:schemeClr val="tx1">
-                <a:alpha val="49000"/>
-              </a:schemeClr>
-            </a:solidFill>
-            <a:headEnd type="none" w="med" len="med"/>
-            <a:tailEnd type="arrow" w="lg" len="med"/>
-          </a:ln>
-          <a:effectLst/>
-        </p:spPr>
-        <p:style>
-          <a:lnRef idx="1">
-            <a:schemeClr val="accent2"/>
-          </a:lnRef>
-          <a:fillRef idx="3">
-            <a:schemeClr val="accent2"/>
-          </a:fillRef>
-          <a:effectRef idx="2">
-            <a:schemeClr val="accent2"/>
-          </a:effectRef>
-          <a:fontRef idx="minor">
-            <a:schemeClr val="lt1"/>
-          </a:fontRef>
-        </p:style>
-        <p:txBody>
-          <a:bodyPr rtlCol="0" anchor="ctr"/>
-          <a:lstStyle/>
-          <a:p>
-            <a:pPr algn="ctr"/>
-            <a:endParaRPr lang="en-US" dirty="0"/>
-          </a:p>
-        </p:txBody>
-      </p:sp>
-      <p:pic>
-        <p:nvPicPr>
-          <p:cNvPr id="8" name="Picture 7">
-            <a:extLst>
-              <a:ext uri="{FF2B5EF4-FFF2-40B4-BE49-F238E27FC236}">
-                <a16:creationId xmlns:a16="http://schemas.microsoft.com/office/drawing/2014/main" id="{63C2D41B-DEA3-4433-B967-F7BF418640E3}"/>
-              </a:ext>
-            </a:extLst>
-          </p:cNvPr>
-          <p:cNvPicPr>
-            <a:picLocks noChangeAspect="1"/>
-          </p:cNvPicPr>
-          <p:nvPr/>
-        </p:nvPicPr>
-        <p:blipFill>
-          <a:blip r:embed="rId3"/>
-          <a:stretch>
-            <a:fillRect/>
-          </a:stretch>
-        </p:blipFill>
-        <p:spPr>
-          <a:xfrm>
-            <a:off x="6616817" y="1981330"/>
-            <a:ext cx="5334000" cy="800100"/>
-          </a:xfrm>
-          <a:prstGeom prst="rect">
-            <a:avLst/>
-          </a:prstGeom>
-        </p:spPr>
-      </p:pic>
-      <p:pic>
-        <p:nvPicPr>
-          <p:cNvPr id="9" name="Picture 8">
-            <a:extLst>
-              <a:ext uri="{FF2B5EF4-FFF2-40B4-BE49-F238E27FC236}">
-                <a16:creationId xmlns:a16="http://schemas.microsoft.com/office/drawing/2014/main" id="{A4679851-2550-458B-BC1E-EB6E33D24C09}"/>
-              </a:ext>
-            </a:extLst>
-          </p:cNvPr>
-          <p:cNvPicPr>
-            <a:picLocks noChangeAspect="1"/>
-          </p:cNvPicPr>
-          <p:nvPr/>
-        </p:nvPicPr>
-        <p:blipFill>
-          <a:blip r:embed="rId4"/>
-          <a:stretch>
-            <a:fillRect/>
-          </a:stretch>
-        </p:blipFill>
-        <p:spPr>
-          <a:xfrm>
-            <a:off x="6616817" y="3501209"/>
-            <a:ext cx="5248275" cy="1019175"/>
-          </a:xfrm>
-          <a:prstGeom prst="rect">
-            <a:avLst/>
-          </a:prstGeom>
-        </p:spPr>
-      </p:pic>
-      <p:pic>
-        <p:nvPicPr>
-          <p:cNvPr id="4" name="Picture 3">
-            <a:extLst>
-              <a:ext uri="{FF2B5EF4-FFF2-40B4-BE49-F238E27FC236}">
-                <a16:creationId xmlns:a16="http://schemas.microsoft.com/office/drawing/2014/main" id="{1A94E223-443C-4A7C-8BB6-C1BA37114BF9}"/>
-              </a:ext>
-            </a:extLst>
-          </p:cNvPr>
-          <p:cNvPicPr>
-            <a:picLocks noChangeAspect="1"/>
-          </p:cNvPicPr>
-          <p:nvPr/>
-        </p:nvPicPr>
-        <p:blipFill>
-          <a:blip r:embed="rId5"/>
-          <a:stretch>
-            <a:fillRect/>
-          </a:stretch>
-        </p:blipFill>
-        <p:spPr>
-          <a:xfrm>
-            <a:off x="67011" y="1852477"/>
-            <a:ext cx="6307663" cy="3684764"/>
-          </a:xfrm>
-          <a:prstGeom prst="rect">
-            <a:avLst/>
-          </a:prstGeom>
-        </p:spPr>
-      </p:pic>
-    </p:spTree>
-    <p:extLst>
-      <p:ext uri="{BB962C8B-B14F-4D97-AF65-F5344CB8AC3E}">
-        <p14:creationId xmlns:p14="http://schemas.microsoft.com/office/powerpoint/2010/main" val="895908902"/>
-      </p:ext>
-    </p:extLst>
-  </p:cSld>
-  <p:clrMapOvr>
-    <a:masterClrMapping/>
-  </p:clrMapOvr>
-  <mc:AlternateContent xmlns:mc="http://schemas.openxmlformats.org/markup-compatibility/2006" xmlns:p14="http://schemas.microsoft.com/office/powerpoint/2010/main">
-    <mc:Choice Requires="p14">
-      <p:transition spd="med" p14:dur="700">
-        <p:fade/>
-      </p:transition>
-    </mc:Choice>
-    <mc:Fallback xmlns="">
-      <p:transition spd="med">
-        <p:fade/>
-      </p:transition>
-    </mc:Fallback>
-  </mc:AlternateContent>
-</p:sld>
-</file>
-
-<file path=ppt/slides/slide12.xml><?xml version="1.0" encoding="utf-8"?>
-<p:sld xmlns:a="http://schemas.openxmlformats.org/drawingml/2006/main" xmlns:r="http://schemas.openxmlformats.org/officeDocument/2006/relationships" xmlns:p="http://schemas.openxmlformats.org/presentationml/2006/main">
-  <p:cSld>
-    <p:spTree>
-      <p:nvGrpSpPr>
-        <p:cNvPr id="1" name=""/>
-        <p:cNvGrpSpPr/>
-        <p:nvPr/>
-      </p:nvGrpSpPr>
-      <p:grpSpPr>
-        <a:xfrm>
-          <a:off x="0" y="0"/>
-          <a:ext cx="0" cy="0"/>
-          <a:chOff x="0" y="0"/>
-          <a:chExt cx="0" cy="0"/>
-        </a:xfrm>
-      </p:grpSpPr>
-      <p:sp>
-        <p:nvSpPr>
-          <p:cNvPr id="17" name="Title 16"/>
-          <p:cNvSpPr>
-            <a:spLocks noGrp="1"/>
-          </p:cNvSpPr>
-          <p:nvPr>
-            <p:ph type="title"/>
-          </p:nvPr>
-        </p:nvSpPr>
-        <p:spPr/>
-        <p:txBody>
-          <a:bodyPr/>
-          <a:lstStyle/>
-          <a:p>
-            <a:r>
-              <a:rPr lang="en-US" dirty="0"/>
-              <a:t>Breaking News!</a:t>
-            </a:r>
-          </a:p>
-        </p:txBody>
-      </p:sp>
-      <p:pic>
-        <p:nvPicPr>
-          <p:cNvPr id="9" name="Picture 8">
-            <a:extLst>
-              <a:ext uri="{FF2B5EF4-FFF2-40B4-BE49-F238E27FC236}">
-                <a16:creationId xmlns:a16="http://schemas.microsoft.com/office/drawing/2014/main" id="{B269B858-8A2C-47D3-AFE6-F0FF7B9EE50A}"/>
-              </a:ext>
-            </a:extLst>
-          </p:cNvPr>
-          <p:cNvPicPr>
-            <a:picLocks noChangeAspect="1"/>
-          </p:cNvPicPr>
-          <p:nvPr/>
-        </p:nvPicPr>
-        <p:blipFill>
-          <a:blip r:embed="rId3"/>
-          <a:stretch>
-            <a:fillRect/>
-          </a:stretch>
-        </p:blipFill>
-        <p:spPr>
-          <a:xfrm>
-            <a:off x="588263" y="1522974"/>
-            <a:ext cx="8992261" cy="4072624"/>
-          </a:xfrm>
-          <a:prstGeom prst="rect">
-            <a:avLst/>
-          </a:prstGeom>
-        </p:spPr>
-      </p:pic>
-    </p:spTree>
-    <p:extLst>
-      <p:ext uri="{BB962C8B-B14F-4D97-AF65-F5344CB8AC3E}">
-        <p14:creationId xmlns:p14="http://schemas.microsoft.com/office/powerpoint/2010/main" val="3188989622"/>
-      </p:ext>
-    </p:extLst>
-  </p:cSld>
-  <p:clrMapOvr>
-    <a:masterClrMapping/>
-  </p:clrMapOvr>
-  <p:transition>
-    <p:fade/>
-  </p:transition>
-</p:sld>
-</file>
-
-<file path=ppt/slides/slide13.xml><?xml version="1.0" encoding="utf-8"?>
-<p:sld xmlns:a="http://schemas.openxmlformats.org/drawingml/2006/main" xmlns:r="http://schemas.openxmlformats.org/officeDocument/2006/relationships" xmlns:p="http://schemas.openxmlformats.org/presentationml/2006/main">
-  <p:cSld>
-    <p:spTree>
-      <p:nvGrpSpPr>
-        <p:cNvPr id="1" name=""/>
-        <p:cNvGrpSpPr/>
-        <p:nvPr/>
-      </p:nvGrpSpPr>
-      <p:grpSpPr>
-        <a:xfrm>
-          <a:off x="0" y="0"/>
-          <a:ext cx="0" cy="0"/>
-          <a:chOff x="0" y="0"/>
-          <a:chExt cx="0" cy="0"/>
-        </a:xfrm>
-      </p:grpSpPr>
-      <p:sp>
-        <p:nvSpPr>
-          <p:cNvPr id="17" name="Title 16"/>
-          <p:cNvSpPr>
-            <a:spLocks noGrp="1"/>
-          </p:cNvSpPr>
-          <p:nvPr>
-            <p:ph type="title"/>
-          </p:nvPr>
-        </p:nvSpPr>
-        <p:spPr/>
-        <p:txBody>
-          <a:bodyPr/>
-          <a:lstStyle/>
-          <a:p>
-            <a:r>
-              <a:rPr lang="en-US" dirty="0"/>
-              <a:t>Breaking News!</a:t>
-            </a:r>
-          </a:p>
-        </p:txBody>
-      </p:sp>
-      <p:pic>
-        <p:nvPicPr>
-          <p:cNvPr id="4" name="Picture 1" descr="A screenshot of a computer&#10;&#10;Description automatically generated">
-            <a:extLst>
-              <a:ext uri="{FF2B5EF4-FFF2-40B4-BE49-F238E27FC236}">
-                <a16:creationId xmlns:a16="http://schemas.microsoft.com/office/drawing/2014/main" id="{86A8BCFA-119A-4EDB-AA5E-430D67A1F6E4}"/>
-              </a:ext>
-            </a:extLst>
-          </p:cNvPr>
-          <p:cNvPicPr>
-            <a:picLocks noChangeAspect="1" noChangeArrowheads="1"/>
-          </p:cNvPicPr>
-          <p:nvPr/>
-        </p:nvPicPr>
-        <p:blipFill>
-          <a:blip r:embed="rId3">
-            <a:extLst>
-              <a:ext uri="{28A0092B-C50C-407E-A947-70E740481C1C}">
-                <a14:useLocalDpi xmlns:a14="http://schemas.microsoft.com/office/drawing/2010/main" val="0"/>
-              </a:ext>
-            </a:extLst>
-          </a:blip>
-          <a:srcRect/>
-          <a:stretch>
-            <a:fillRect/>
-          </a:stretch>
-        </p:blipFill>
-        <p:spPr bwMode="auto">
-          <a:xfrm>
-            <a:off x="3663285" y="1412307"/>
-            <a:ext cx="7882205" cy="4840447"/>
-          </a:xfrm>
-          <a:prstGeom prst="rect">
-            <a:avLst/>
-          </a:prstGeom>
-          <a:noFill/>
-          <a:ln>
-            <a:noFill/>
-          </a:ln>
-          <a:extLst>
-            <a:ext uri="{909E8E84-426E-40DD-AFC4-6F175D3DCCD1}">
-              <a14:hiddenFill xmlns:a14="http://schemas.microsoft.com/office/drawing/2010/main">
-                <a:solidFill>
-                  <a:srgbClr val="FFFFFF"/>
-                </a:solidFill>
-              </a14:hiddenFill>
-            </a:ext>
-            <a:ext uri="{91240B29-F687-4F45-9708-019B960494DF}">
-              <a14:hiddenLine xmlns:a14="http://schemas.microsoft.com/office/drawing/2010/main" w="9525">
-                <a:solidFill>
-                  <a:srgbClr val="000000"/>
-                </a:solidFill>
-                <a:miter lim="800000"/>
-                <a:headEnd/>
-                <a:tailEnd/>
-              </a14:hiddenLine>
-            </a:ext>
-          </a:extLst>
-        </p:spPr>
-      </p:pic>
-      <p:sp>
-        <p:nvSpPr>
-          <p:cNvPr id="2" name="Rectangle 1">
-            <a:extLst>
-              <a:ext uri="{FF2B5EF4-FFF2-40B4-BE49-F238E27FC236}">
-                <a16:creationId xmlns:a16="http://schemas.microsoft.com/office/drawing/2014/main" id="{48111D8A-B97B-4831-85BD-164B281413B5}"/>
-              </a:ext>
-            </a:extLst>
-          </p:cNvPr>
-          <p:cNvSpPr/>
-          <p:nvPr/>
-        </p:nvSpPr>
-        <p:spPr>
-          <a:xfrm>
-            <a:off x="444138" y="1831061"/>
-            <a:ext cx="2760617" cy="2677656"/>
-          </a:xfrm>
-          <a:prstGeom prst="rect">
-            <a:avLst/>
-          </a:prstGeom>
-        </p:spPr>
-        <p:txBody>
-          <a:bodyPr wrap="square">
-            <a:spAutoFit/>
-          </a:bodyPr>
-          <a:lstStyle/>
-          <a:p>
-            <a:r>
-              <a:rPr lang="en-US" sz="2800" dirty="0"/>
-              <a:t>Announcing the Public Preview of the new Azure Machine Learning Web Experience</a:t>
-            </a:r>
-          </a:p>
-        </p:txBody>
-      </p:sp>
-    </p:spTree>
-    <p:extLst>
-      <p:ext uri="{BB962C8B-B14F-4D97-AF65-F5344CB8AC3E}">
-        <p14:creationId xmlns:p14="http://schemas.microsoft.com/office/powerpoint/2010/main" val="4198738277"/>
-      </p:ext>
-    </p:extLst>
-  </p:cSld>
-  <p:clrMapOvr>
-    <a:masterClrMapping/>
-  </p:clrMapOvr>
-  <p:transition>
-    <p:fade/>
-  </p:transition>
-</p:sld>
-</file>
-
-<file path=ppt/slides/slide14.xml><?xml version="1.0" encoding="utf-8"?>
 <p:sld xmlns:a="http://schemas.openxmlformats.org/drawingml/2006/main" xmlns:r="http://schemas.openxmlformats.org/officeDocument/2006/relationships" xmlns:p="http://schemas.openxmlformats.org/presentationml/2006/main">
   <p:cSld>
     <p:spTree>
@@ -37427,7 +36111,7 @@
 </p:sld>
 </file>
 
-<file path=ppt/slides/slide15.xml><?xml version="1.0" encoding="utf-8"?>
+<file path=ppt/slides/slide11.xml><?xml version="1.0" encoding="utf-8"?>
 <p:sld xmlns:a="http://schemas.openxmlformats.org/drawingml/2006/main" xmlns:r="http://schemas.openxmlformats.org/officeDocument/2006/relationships" xmlns:p="http://schemas.openxmlformats.org/presentationml/2006/main">
   <p:cSld>
     <p:spTree>
@@ -37591,7 +36275,7 @@
 </p:sld>
 </file>
 
-<file path=ppt/slides/slide16.xml><?xml version="1.0" encoding="utf-8"?>
+<file path=ppt/slides/slide12.xml><?xml version="1.0" encoding="utf-8"?>
 <p:sld xmlns:a="http://schemas.openxmlformats.org/drawingml/2006/main" xmlns:r="http://schemas.openxmlformats.org/officeDocument/2006/relationships" xmlns:p="http://schemas.openxmlformats.org/presentationml/2006/main">
   <p:cSld>
     <p:spTree>
@@ -37722,7 +36406,7 @@
 </p:sld>
 </file>
 
-<file path=ppt/slides/slide17.xml><?xml version="1.0" encoding="utf-8"?>
+<file path=ppt/slides/slide13.xml><?xml version="1.0" encoding="utf-8"?>
 <p:sld xmlns:a="http://schemas.openxmlformats.org/drawingml/2006/main" xmlns:r="http://schemas.openxmlformats.org/officeDocument/2006/relationships" xmlns:p="http://schemas.openxmlformats.org/presentationml/2006/main">
   <p:cSld>
     <p:spTree>
@@ -37936,7 +36620,7 @@
 </p:sld>
 </file>
 
-<file path=ppt/slides/slide18.xml><?xml version="1.0" encoding="utf-8"?>
+<file path=ppt/slides/slide14.xml><?xml version="1.0" encoding="utf-8"?>
 <p:sld xmlns:a="http://schemas.openxmlformats.org/drawingml/2006/main" xmlns:r="http://schemas.openxmlformats.org/officeDocument/2006/relationships" xmlns:p="http://schemas.openxmlformats.org/presentationml/2006/main">
   <p:cSld>
     <p:spTree>
@@ -38119,7 +36803,7 @@
 </p:sld>
 </file>
 
-<file path=ppt/slides/slide19.xml><?xml version="1.0" encoding="utf-8"?>
+<file path=ppt/slides/slide15.xml><?xml version="1.0" encoding="utf-8"?>
 <p:sld xmlns:a="http://schemas.openxmlformats.org/drawingml/2006/main" xmlns:r="http://schemas.openxmlformats.org/officeDocument/2006/relationships" xmlns:p="http://schemas.openxmlformats.org/presentationml/2006/main">
   <p:cSld>
     <p:spTree>
@@ -38254,142 +36938,7 @@
 </p:sld>
 </file>
 
-<file path=ppt/slides/slide2.xml><?xml version="1.0" encoding="utf-8"?>
-<p:sld xmlns:a="http://schemas.openxmlformats.org/drawingml/2006/main" xmlns:r="http://schemas.openxmlformats.org/officeDocument/2006/relationships" xmlns:p="http://schemas.openxmlformats.org/presentationml/2006/main">
-  <p:cSld>
-    <p:spTree>
-      <p:nvGrpSpPr>
-        <p:cNvPr id="1" name=""/>
-        <p:cNvGrpSpPr/>
-        <p:nvPr/>
-      </p:nvGrpSpPr>
-      <p:grpSpPr>
-        <a:xfrm>
-          <a:off x="0" y="0"/>
-          <a:ext cx="0" cy="0"/>
-          <a:chOff x="0" y="0"/>
-          <a:chExt cx="0" cy="0"/>
-        </a:xfrm>
-      </p:grpSpPr>
-      <p:sp>
-        <p:nvSpPr>
-          <p:cNvPr id="4" name="Title 3">
-            <a:extLst>
-              <a:ext uri="{FF2B5EF4-FFF2-40B4-BE49-F238E27FC236}">
-                <a16:creationId xmlns:a16="http://schemas.microsoft.com/office/drawing/2014/main" id="{57142998-EA94-4FA2-A6F3-9EB067C25E21}"/>
-              </a:ext>
-            </a:extLst>
-          </p:cNvPr>
-          <p:cNvSpPr>
-            <a:spLocks noGrp="1"/>
-          </p:cNvSpPr>
-          <p:nvPr>
-            <p:ph type="title"/>
-          </p:nvPr>
-        </p:nvSpPr>
-        <p:spPr>
-          <a:xfrm>
-            <a:off x="584200" y="2425780"/>
-            <a:ext cx="9144000" cy="1107996"/>
-          </a:xfrm>
-        </p:spPr>
-        <p:txBody>
-          <a:bodyPr/>
-          <a:lstStyle/>
-          <a:p>
-            <a:r>
-              <a:rPr lang="en-US" dirty="0"/>
-              <a:t>Build your first knowledge mining solution in a day using Azure AI services</a:t>
-            </a:r>
-          </a:p>
-        </p:txBody>
-      </p:sp>
-      <p:sp>
-        <p:nvSpPr>
-          <p:cNvPr id="5" name="Text Placeholder 4">
-            <a:extLst>
-              <a:ext uri="{FF2B5EF4-FFF2-40B4-BE49-F238E27FC236}">
-                <a16:creationId xmlns:a16="http://schemas.microsoft.com/office/drawing/2014/main" id="{6F88C36C-D184-4AF5-92D2-A0DBD6B7A82C}"/>
-              </a:ext>
-            </a:extLst>
-          </p:cNvPr>
-          <p:cNvSpPr>
-            <a:spLocks noGrp="1"/>
-          </p:cNvSpPr>
-          <p:nvPr>
-            <p:ph type="body" sz="quarter" idx="12"/>
-          </p:nvPr>
-        </p:nvSpPr>
-        <p:spPr>
-          <a:xfrm>
-            <a:off x="584200" y="3962400"/>
-            <a:ext cx="5693383" cy="2031325"/>
-          </a:xfrm>
-        </p:spPr>
-        <p:txBody>
-          <a:bodyPr/>
-          <a:lstStyle/>
-          <a:p>
-            <a:r>
-              <a:rPr lang="en-US" dirty="0"/>
-              <a:t>Daniel Coelho – SR Data Scientist</a:t>
-            </a:r>
-          </a:p>
-          <a:p>
-            <a:r>
-              <a:rPr lang="en-US" dirty="0"/>
-              <a:t>Rodrigo Souza – SR Data Scientist</a:t>
-            </a:r>
-          </a:p>
-          <a:p>
-            <a:r>
-              <a:rPr lang="en-US" dirty="0"/>
-              <a:t>Xiaochen Wu – SR Program Manager</a:t>
-            </a:r>
-          </a:p>
-          <a:p>
-            <a:endParaRPr lang="en-US" dirty="0"/>
-          </a:p>
-          <a:p>
-            <a:r>
-              <a:rPr lang="en-US" dirty="0"/>
-              <a:t>Cloud &amp; AI </a:t>
-            </a:r>
-          </a:p>
-          <a:p>
-            <a:r>
-              <a:rPr lang="en-US" dirty="0"/>
-              <a:t>ACE Team</a:t>
-            </a:r>
-          </a:p>
-        </p:txBody>
-      </p:sp>
-    </p:spTree>
-    <p:extLst>
-      <p:ext uri="{BB962C8B-B14F-4D97-AF65-F5344CB8AC3E}">
-        <p14:creationId xmlns:p14="http://schemas.microsoft.com/office/powerpoint/2010/main" val="3117013438"/>
-      </p:ext>
-    </p:extLst>
-  </p:cSld>
-  <p:clrMapOvr>
-    <a:masterClrMapping/>
-  </p:clrMapOvr>
-  <mc:AlternateContent xmlns:mc="http://schemas.openxmlformats.org/markup-compatibility/2006" xmlns:p14="http://schemas.microsoft.com/office/powerpoint/2010/main">
-    <mc:Choice Requires="p14">
-      <p:transition spd="med" p14:dur="700">
-        <p:fade/>
-      </p:transition>
-    </mc:Choice>
-    <mc:Fallback xmlns="">
-      <p:transition spd="med">
-        <p:fade/>
-      </p:transition>
-    </mc:Fallback>
-  </mc:AlternateContent>
-</p:sld>
-</file>
-
-<file path=ppt/slides/slide20.xml><?xml version="1.0" encoding="utf-8"?>
+<file path=ppt/slides/slide16.xml><?xml version="1.0" encoding="utf-8"?>
 <p:sld xmlns:a="http://schemas.openxmlformats.org/drawingml/2006/main" xmlns:r="http://schemas.openxmlformats.org/officeDocument/2006/relationships" xmlns:p="http://schemas.openxmlformats.org/presentationml/2006/main">
   <p:cSld>
     <p:spTree>
@@ -38501,7 +37050,7 @@
 </p:sld>
 </file>
 
-<file path=ppt/slides/slide21.xml><?xml version="1.0" encoding="utf-8"?>
+<file path=ppt/slides/slide17.xml><?xml version="1.0" encoding="utf-8"?>
 <p:sld xmlns:a="http://schemas.openxmlformats.org/drawingml/2006/main" xmlns:r="http://schemas.openxmlformats.org/officeDocument/2006/relationships" xmlns:p="http://schemas.openxmlformats.org/presentationml/2006/main">
   <p:cSld>
     <p:spTree>
@@ -38588,6 +37137,142 @@
     <p:extLst>
       <p:ext uri="{BB962C8B-B14F-4D97-AF65-F5344CB8AC3E}">
         <p14:creationId xmlns:p14="http://schemas.microsoft.com/office/powerpoint/2010/main" val="3760874456"/>
+      </p:ext>
+    </p:extLst>
+  </p:cSld>
+  <p:clrMapOvr>
+    <a:masterClrMapping/>
+  </p:clrMapOvr>
+  <mc:AlternateContent xmlns:mc="http://schemas.openxmlformats.org/markup-compatibility/2006" xmlns:p14="http://schemas.microsoft.com/office/powerpoint/2010/main">
+    <mc:Choice Requires="p14">
+      <p:transition spd="med" p14:dur="700">
+        <p:fade/>
+      </p:transition>
+    </mc:Choice>
+    <mc:Fallback xmlns="">
+      <p:transition spd="med">
+        <p:fade/>
+      </p:transition>
+    </mc:Fallback>
+  </mc:AlternateContent>
+</p:sld>
+</file>
+
+<file path=ppt/slides/slide2.xml><?xml version="1.0" encoding="utf-8"?>
+<p:sld xmlns:a="http://schemas.openxmlformats.org/drawingml/2006/main" xmlns:r="http://schemas.openxmlformats.org/officeDocument/2006/relationships" xmlns:p="http://schemas.openxmlformats.org/presentationml/2006/main">
+  <p:cSld>
+    <p:spTree>
+      <p:nvGrpSpPr>
+        <p:cNvPr id="1" name=""/>
+        <p:cNvGrpSpPr/>
+        <p:nvPr/>
+      </p:nvGrpSpPr>
+      <p:grpSpPr>
+        <a:xfrm>
+          <a:off x="0" y="0"/>
+          <a:ext cx="0" cy="0"/>
+          <a:chOff x="0" y="0"/>
+          <a:chExt cx="0" cy="0"/>
+        </a:xfrm>
+      </p:grpSpPr>
+      <p:sp>
+        <p:nvSpPr>
+          <p:cNvPr id="17" name="Title 16"/>
+          <p:cNvSpPr>
+            <a:spLocks noGrp="1"/>
+          </p:cNvSpPr>
+          <p:nvPr>
+            <p:ph type="title"/>
+          </p:nvPr>
+        </p:nvSpPr>
+        <p:spPr/>
+        <p:txBody>
+          <a:bodyPr/>
+          <a:lstStyle/>
+          <a:p>
+            <a:r>
+              <a:rPr lang="en-US"/>
+              <a:t>Agenda </a:t>
+            </a:r>
+            <a:endParaRPr lang="en-US" dirty="0"/>
+          </a:p>
+        </p:txBody>
+      </p:sp>
+      <p:sp>
+        <p:nvSpPr>
+          <p:cNvPr id="6" name="Text Placeholder 5"/>
+          <p:cNvSpPr>
+            <a:spLocks noGrp="1"/>
+          </p:cNvSpPr>
+          <p:nvPr>
+            <p:ph type="body" sz="quarter" idx="10"/>
+          </p:nvPr>
+        </p:nvSpPr>
+        <p:spPr>
+          <a:xfrm>
+            <a:off x="586390" y="1434370"/>
+            <a:ext cx="11018520" cy="3213187"/>
+          </a:xfrm>
+        </p:spPr>
+        <p:txBody>
+          <a:bodyPr/>
+          <a:lstStyle/>
+          <a:p>
+            <a:pPr marL="571500" indent="-571500">
+              <a:buFont typeface="Arial" panose="020B0604020202020204" pitchFamily="34" charset="0"/>
+              <a:buChar char="•"/>
+            </a:pPr>
+            <a:r>
+              <a:rPr lang="en-US" sz="3600" dirty="0"/>
+              <a:t>8 AM – 5 PM</a:t>
+            </a:r>
+          </a:p>
+          <a:p>
+            <a:pPr marL="571500" indent="-571500">
+              <a:buFont typeface="Arial" panose="020B0604020202020204" pitchFamily="34" charset="0"/>
+              <a:buChar char="•"/>
+            </a:pPr>
+            <a:r>
+              <a:rPr lang="en-US" sz="3600" dirty="0"/>
+              <a:t>Environment</a:t>
+            </a:r>
+          </a:p>
+          <a:p>
+            <a:pPr marL="571500" indent="-571500">
+              <a:buFont typeface="Arial" panose="020B0604020202020204" pitchFamily="34" charset="0"/>
+              <a:buChar char="•"/>
+            </a:pPr>
+            <a:r>
+              <a:rPr lang="en-US" sz="3600" dirty="0"/>
+              <a:t>Introduction</a:t>
+            </a:r>
+          </a:p>
+          <a:p>
+            <a:pPr marL="571500" indent="-571500">
+              <a:buFont typeface="Arial" panose="020B0604020202020204" pitchFamily="34" charset="0"/>
+              <a:buChar char="•"/>
+            </a:pPr>
+            <a:r>
+              <a:rPr lang="en-US" sz="3600" dirty="0"/>
+              <a:t>Demos</a:t>
+            </a:r>
+          </a:p>
+          <a:p>
+            <a:pPr marL="571500" indent="-571500">
+              <a:buFont typeface="Arial" panose="020B0604020202020204" pitchFamily="34" charset="0"/>
+              <a:buChar char="•"/>
+            </a:pPr>
+            <a:r>
+              <a:rPr lang="en-US" sz="3600" dirty="0"/>
+              <a:t>Labs</a:t>
+            </a:r>
+          </a:p>
+        </p:txBody>
+      </p:sp>
+    </p:spTree>
+    <p:extLst>
+      <p:ext uri="{BB962C8B-B14F-4D97-AF65-F5344CB8AC3E}">
+        <p14:creationId xmlns:p14="http://schemas.microsoft.com/office/powerpoint/2010/main" val="3957722359"/>
       </p:ext>
     </p:extLst>
   </p:cSld>
@@ -38642,10 +37327,9 @@
           <a:lstStyle/>
           <a:p>
             <a:r>
-              <a:rPr lang="en-US"/>
-              <a:t>Agenda </a:t>
-            </a:r>
-            <a:endParaRPr lang="en-US" dirty="0"/>
+              <a:rPr lang="en-US" dirty="0"/>
+              <a:t>Logistics</a:t>
+            </a:r>
           </a:p>
         </p:txBody>
       </p:sp>
@@ -38662,7 +37346,7 @@
         <p:spPr>
           <a:xfrm>
             <a:off x="586390" y="1434370"/>
-            <a:ext cx="11018520" cy="3877985"/>
+            <a:ext cx="11018520" cy="2548390"/>
           </a:xfrm>
         </p:spPr>
         <p:txBody>
@@ -38675,7 +37359,7 @@
             </a:pPr>
             <a:r>
               <a:rPr lang="en-US" sz="3600" dirty="0"/>
-              <a:t>8 AM – 5 PM</a:t>
+              <a:t>Restrooms – hallway, to the right</a:t>
             </a:r>
           </a:p>
           <a:p>
@@ -38685,7 +37369,7 @@
             </a:pPr>
             <a:r>
               <a:rPr lang="en-US" sz="3600" dirty="0"/>
-              <a:t>Environment</a:t>
+              <a:t>Wi-fi: On the back of your badge</a:t>
             </a:r>
           </a:p>
           <a:p>
@@ -38695,7 +37379,7 @@
             </a:pPr>
             <a:r>
               <a:rPr lang="en-US" sz="3600" dirty="0"/>
-              <a:t>Introduction</a:t>
+              <a:t>Lunch: 12 – 1 PM - To go boxes</a:t>
             </a:r>
           </a:p>
           <a:p>
@@ -38705,27 +37389,7 @@
             </a:pPr>
             <a:r>
               <a:rPr lang="en-US" sz="3600" dirty="0"/>
-              <a:t>Demos</a:t>
-            </a:r>
-          </a:p>
-          <a:p>
-            <a:pPr marL="571500" indent="-571500">
-              <a:buFont typeface="Arial" panose="020B0604020202020204" pitchFamily="34" charset="0"/>
-              <a:buChar char="•"/>
-            </a:pPr>
-            <a:r>
-              <a:rPr lang="en-US" sz="3600" dirty="0"/>
-              <a:t>Labs</a:t>
-            </a:r>
-          </a:p>
-          <a:p>
-            <a:pPr marL="571500" indent="-571500">
-              <a:buFont typeface="Arial" panose="020B0604020202020204" pitchFamily="34" charset="0"/>
-              <a:buChar char="•"/>
-            </a:pPr>
-            <a:r>
-              <a:rPr lang="en-US" sz="3600" dirty="0"/>
-              <a:t>Surface Giveaway </a:t>
+              <a:t>Breaks: Anytime!!</a:t>
             </a:r>
           </a:p>
         </p:txBody>
@@ -38733,7 +37397,7 @@
     </p:spTree>
     <p:extLst>
       <p:ext uri="{BB962C8B-B14F-4D97-AF65-F5344CB8AC3E}">
-        <p14:creationId xmlns:p14="http://schemas.microsoft.com/office/powerpoint/2010/main" val="3957722359"/>
+        <p14:creationId xmlns:p14="http://schemas.microsoft.com/office/powerpoint/2010/main" val="3751849696"/>
       </p:ext>
     </p:extLst>
   </p:cSld>
@@ -38789,7 +37453,7 @@
           <a:p>
             <a:r>
               <a:rPr lang="en-US" dirty="0"/>
-              <a:t>Logistics</a:t>
+              <a:t>This Training</a:t>
             </a:r>
           </a:p>
         </p:txBody>
@@ -38807,20 +37471,38 @@
         <p:spPr>
           <a:xfrm>
             <a:off x="586390" y="1434370"/>
-            <a:ext cx="11018520" cy="2548390"/>
+            <a:ext cx="11018520" cy="3213187"/>
           </a:xfrm>
         </p:spPr>
         <p:txBody>
           <a:bodyPr/>
           <a:lstStyle/>
           <a:p>
+            <a:r>
+              <a:rPr lang="en-US" sz="3600" dirty="0"/>
+              <a:t>Knowledge Mining Bootcamp</a:t>
+            </a:r>
+          </a:p>
+          <a:p>
             <a:pPr marL="571500" indent="-571500">
               <a:buFont typeface="Arial" panose="020B0604020202020204" pitchFamily="34" charset="0"/>
               <a:buChar char="•"/>
             </a:pPr>
             <a:r>
+              <a:rPr lang="en-US" sz="3600" dirty="0">
+                <a:hlinkClick r:id="rId3"/>
+              </a:rPr>
+              <a:t>aka.ms/</a:t>
+            </a:r>
+            <a:r>
+              <a:rPr lang="en-US" sz="3600" dirty="0" err="1">
+                <a:hlinkClick r:id="rId3"/>
+              </a:rPr>
+              <a:t>kmb</a:t>
+            </a:r>
+            <a:r>
               <a:rPr lang="en-US" sz="3600" dirty="0"/>
-              <a:t>Restrooms – hallway, to the right</a:t>
+              <a:t> </a:t>
             </a:r>
           </a:p>
           <a:p>
@@ -38830,7 +37512,7 @@
             </a:pPr>
             <a:r>
               <a:rPr lang="en-US" sz="3600" dirty="0"/>
-              <a:t>Wi-fi: On the back of your badge</a:t>
+              <a:t>2 Days</a:t>
             </a:r>
           </a:p>
           <a:p>
@@ -38840,7 +37522,7 @@
             </a:pPr>
             <a:r>
               <a:rPr lang="en-US" sz="3600" dirty="0"/>
-              <a:t>Lunch: 12 – 1 PM - To go boxes</a:t>
+              <a:t>Bot</a:t>
             </a:r>
           </a:p>
           <a:p>
@@ -38850,7 +37532,7 @@
             </a:pPr>
             <a:r>
               <a:rPr lang="en-US" sz="3600" dirty="0"/>
-              <a:t>Breaks: Anytime!!</a:t>
+              <a:t>Content Moderator as a Custom Skill</a:t>
             </a:r>
           </a:p>
         </p:txBody>
@@ -38858,7 +37540,7 @@
     </p:spTree>
     <p:extLst>
       <p:ext uri="{BB962C8B-B14F-4D97-AF65-F5344CB8AC3E}">
-        <p14:creationId xmlns:p14="http://schemas.microsoft.com/office/powerpoint/2010/main" val="3751849696"/>
+        <p14:creationId xmlns:p14="http://schemas.microsoft.com/office/powerpoint/2010/main" val="1446513963"/>
       </p:ext>
     </p:extLst>
   </p:cSld>
@@ -38914,7 +37596,7 @@
           <a:p>
             <a:r>
               <a:rPr lang="en-US" dirty="0"/>
-              <a:t>This Training</a:t>
+              <a:t>Other KM Resources</a:t>
             </a:r>
           </a:p>
         </p:txBody>
@@ -38941,7 +37623,7 @@
           <a:p>
             <a:r>
               <a:rPr lang="en-US" sz="3600" dirty="0"/>
-              <a:t>Knowledge Mining Bootcamp</a:t>
+              <a:t>Knowledge Mining Workshop</a:t>
             </a:r>
           </a:p>
           <a:p>
@@ -38953,18 +37635,9 @@
               <a:rPr lang="en-US" sz="3600" dirty="0">
                 <a:hlinkClick r:id="rId3"/>
               </a:rPr>
-              <a:t>aka.ms/</a:t>
-            </a:r>
-            <a:r>
-              <a:rPr lang="en-US" sz="3600" dirty="0" err="1">
-                <a:hlinkClick r:id="rId3"/>
-              </a:rPr>
-              <a:t>kmb</a:t>
-            </a:r>
-            <a:r>
-              <a:rPr lang="en-US" sz="3600" dirty="0"/>
-              <a:t> </a:t>
-            </a:r>
+              <a:t>aka.ms/kmw1 </a:t>
+            </a:r>
+            <a:endParaRPr lang="en-US" sz="3600" dirty="0"/>
           </a:p>
           <a:p>
             <a:pPr marL="571500" indent="-571500">
@@ -38973,7 +37646,7 @@
             </a:pPr>
             <a:r>
               <a:rPr lang="en-US" sz="3600" dirty="0"/>
-              <a:t>2 Days</a:t>
+              <a:t>6 hours</a:t>
             </a:r>
           </a:p>
           <a:p>
@@ -38983,7 +37656,7 @@
             </a:pPr>
             <a:r>
               <a:rPr lang="en-US" sz="3600" dirty="0"/>
-              <a:t>Bot</a:t>
+              <a:t>Web Interface</a:t>
             </a:r>
           </a:p>
           <a:p>
@@ -38993,7 +37666,7 @@
             </a:pPr>
             <a:r>
               <a:rPr lang="en-US" sz="3600" dirty="0"/>
-              <a:t>Content Moderator as a Custom Skill</a:t>
+              <a:t>Will be delivered on Thursday at 10:45 AM</a:t>
             </a:r>
           </a:p>
         </p:txBody>
@@ -39001,7 +37674,7 @@
     </p:spTree>
     <p:extLst>
       <p:ext uri="{BB962C8B-B14F-4D97-AF65-F5344CB8AC3E}">
-        <p14:creationId xmlns:p14="http://schemas.microsoft.com/office/powerpoint/2010/main" val="1446513963"/>
+        <p14:creationId xmlns:p14="http://schemas.microsoft.com/office/powerpoint/2010/main" val="2979398037"/>
       </p:ext>
     </p:extLst>
   </p:cSld>
@@ -39084,7 +37757,7 @@
           <a:p>
             <a:r>
               <a:rPr lang="en-US" sz="3600" dirty="0"/>
-              <a:t>Knowledge Mining Workshop</a:t>
+              <a:t>ACE Team Blog</a:t>
             </a:r>
           </a:p>
           <a:p>
@@ -39096,7 +37769,13 @@
               <a:rPr lang="en-US" sz="3600" dirty="0">
                 <a:hlinkClick r:id="rId3"/>
               </a:rPr>
-              <a:t>aka.ms/kmw1 </a:t>
+              <a:t>aka.ms/ACE-Blog</a:t>
+            </a:r>
+            <a:r>
+              <a:rPr lang="en-US" sz="3600" dirty="0">
+                <a:hlinkClick r:id="rId4"/>
+              </a:rPr>
+              <a:t> </a:t>
             </a:r>
             <a:endParaRPr lang="en-US" sz="3600" dirty="0"/>
           </a:p>
@@ -39107,7 +37786,7 @@
             </a:pPr>
             <a:r>
               <a:rPr lang="en-US" sz="3600" dirty="0"/>
-              <a:t>6 hours</a:t>
+              <a:t>Lessons Learned</a:t>
             </a:r>
           </a:p>
           <a:p>
@@ -39117,7 +37796,7 @@
             </a:pPr>
             <a:r>
               <a:rPr lang="en-US" sz="3600" dirty="0"/>
-              <a:t>Web Interface</a:t>
+              <a:t>Best Practices</a:t>
             </a:r>
           </a:p>
           <a:p>
@@ -39127,149 +37806,8 @@
             </a:pPr>
             <a:r>
               <a:rPr lang="en-US" sz="3600" dirty="0"/>
-              <a:t>Will be delivered on Thursday at 10:45 AM</a:t>
-            </a:r>
-          </a:p>
-        </p:txBody>
-      </p:sp>
-    </p:spTree>
-    <p:extLst>
-      <p:ext uri="{BB962C8B-B14F-4D97-AF65-F5344CB8AC3E}">
-        <p14:creationId xmlns:p14="http://schemas.microsoft.com/office/powerpoint/2010/main" val="2979398037"/>
-      </p:ext>
-    </p:extLst>
-  </p:cSld>
-  <p:clrMapOvr>
-    <a:masterClrMapping/>
-  </p:clrMapOvr>
-  <mc:AlternateContent xmlns:mc="http://schemas.openxmlformats.org/markup-compatibility/2006" xmlns:p14="http://schemas.microsoft.com/office/powerpoint/2010/main">
-    <mc:Choice Requires="p14">
-      <p:transition spd="med" p14:dur="700">
-        <p:fade/>
-      </p:transition>
-    </mc:Choice>
-    <mc:Fallback xmlns="">
-      <p:transition spd="med">
-        <p:fade/>
-      </p:transition>
-    </mc:Fallback>
-  </mc:AlternateContent>
-</p:sld>
-</file>
-
-<file path=ppt/slides/slide7.xml><?xml version="1.0" encoding="utf-8"?>
-<p:sld xmlns:a="http://schemas.openxmlformats.org/drawingml/2006/main" xmlns:r="http://schemas.openxmlformats.org/officeDocument/2006/relationships" xmlns:p="http://schemas.openxmlformats.org/presentationml/2006/main">
-  <p:cSld>
-    <p:spTree>
-      <p:nvGrpSpPr>
-        <p:cNvPr id="1" name=""/>
-        <p:cNvGrpSpPr/>
-        <p:nvPr/>
-      </p:nvGrpSpPr>
-      <p:grpSpPr>
-        <a:xfrm>
-          <a:off x="0" y="0"/>
-          <a:ext cx="0" cy="0"/>
-          <a:chOff x="0" y="0"/>
-          <a:chExt cx="0" cy="0"/>
-        </a:xfrm>
-      </p:grpSpPr>
-      <p:sp>
-        <p:nvSpPr>
-          <p:cNvPr id="17" name="Title 16"/>
-          <p:cNvSpPr>
-            <a:spLocks noGrp="1"/>
-          </p:cNvSpPr>
-          <p:nvPr>
-            <p:ph type="title"/>
-          </p:nvPr>
-        </p:nvSpPr>
-        <p:spPr/>
-        <p:txBody>
-          <a:bodyPr/>
-          <a:lstStyle/>
-          <a:p>
-            <a:r>
-              <a:rPr lang="en-US" dirty="0"/>
-              <a:t>Other KM Resources</a:t>
-            </a:r>
-          </a:p>
-        </p:txBody>
-      </p:sp>
-      <p:sp>
-        <p:nvSpPr>
-          <p:cNvPr id="6" name="Text Placeholder 5"/>
-          <p:cNvSpPr>
-            <a:spLocks noGrp="1"/>
-          </p:cNvSpPr>
-          <p:nvPr>
-            <p:ph type="body" sz="quarter" idx="10"/>
-          </p:nvPr>
-        </p:nvSpPr>
-        <p:spPr>
-          <a:xfrm>
-            <a:off x="586390" y="1434370"/>
-            <a:ext cx="11018520" cy="3213187"/>
-          </a:xfrm>
-        </p:spPr>
-        <p:txBody>
-          <a:bodyPr/>
-          <a:lstStyle/>
-          <a:p>
-            <a:r>
-              <a:rPr lang="en-US" sz="3600" dirty="0"/>
-              <a:t>ACE Team Blog</a:t>
-            </a:r>
-          </a:p>
-          <a:p>
-            <a:pPr marL="571500" indent="-571500">
-              <a:buFont typeface="Arial" panose="020B0604020202020204" pitchFamily="34" charset="0"/>
-              <a:buChar char="•"/>
-            </a:pPr>
-            <a:r>
-              <a:rPr lang="en-US" sz="3600" dirty="0">
-                <a:hlinkClick r:id="rId3"/>
-              </a:rPr>
-              <a:t>aka.ms/ACE-Blog</a:t>
-            </a:r>
-            <a:r>
-              <a:rPr lang="en-US" sz="3600" dirty="0">
-                <a:hlinkClick r:id="rId4"/>
-              </a:rPr>
-              <a:t> </a:t>
-            </a:r>
-            <a:endParaRPr lang="en-US" sz="3600" dirty="0"/>
-          </a:p>
-          <a:p>
-            <a:pPr marL="571500" indent="-571500">
-              <a:buFont typeface="Arial" panose="020B0604020202020204" pitchFamily="34" charset="0"/>
-              <a:buChar char="•"/>
-            </a:pPr>
-            <a:r>
-              <a:rPr lang="en-US" sz="3600" dirty="0"/>
-              <a:t>Lessons Learned</a:t>
-            </a:r>
-          </a:p>
-          <a:p>
-            <a:pPr marL="571500" indent="-571500">
-              <a:buFont typeface="Arial" panose="020B0604020202020204" pitchFamily="34" charset="0"/>
-              <a:buChar char="•"/>
-            </a:pPr>
-            <a:r>
-              <a:rPr lang="en-US" sz="3600" dirty="0"/>
-              <a:t>Best Practices</a:t>
-            </a:r>
-          </a:p>
-          <a:p>
-            <a:pPr marL="571500" indent="-571500">
-              <a:buFont typeface="Arial" panose="020B0604020202020204" pitchFamily="34" charset="0"/>
-              <a:buChar char="•"/>
-            </a:pPr>
-            <a:r>
-              <a:rPr lang="en-US" sz="3600" dirty="0" err="1"/>
-              <a:t>Inovations</a:t>
-            </a:r>
-            <a:endParaRPr lang="en-US" sz="3600" dirty="0"/>
+              <a:t>Innovations</a:t>
+            </a:r>
           </a:p>
         </p:txBody>
       </p:sp>
@@ -39298,7 +37836,7 @@
 </p:sld>
 </file>
 
-<file path=ppt/slides/slide8.xml><?xml version="1.0" encoding="utf-8"?>
+<file path=ppt/slides/slide7.xml><?xml version="1.0" encoding="utf-8"?>
 <p:sld xmlns:a="http://schemas.openxmlformats.org/drawingml/2006/main" xmlns:r="http://schemas.openxmlformats.org/officeDocument/2006/relationships" xmlns:p="http://schemas.openxmlformats.org/presentationml/2006/main">
   <p:cSld>
     <p:spTree>
@@ -39755,7 +38293,7 @@
 </p:sld>
 </file>
 
-<file path=ppt/slides/slide9.xml><?xml version="1.0" encoding="utf-8"?>
+<file path=ppt/slides/slide8.xml><?xml version="1.0" encoding="utf-8"?>
 <p:sld xmlns:a="http://schemas.openxmlformats.org/drawingml/2006/main" xmlns:r="http://schemas.openxmlformats.org/officeDocument/2006/relationships" xmlns:p="http://schemas.openxmlformats.org/presentationml/2006/main">
   <p:cSld>
     <p:spTree>
@@ -40182,6 +38720,257 @@
       </p:transition>
     </mc:Fallback>
   </mc:AlternateContent>
+</p:sld>
+</file>
+
+<file path=ppt/slides/slide9.xml><?xml version="1.0" encoding="utf-8"?>
+<p:sld xmlns:a="http://schemas.openxmlformats.org/drawingml/2006/main" xmlns:r="http://schemas.openxmlformats.org/officeDocument/2006/relationships" xmlns:p="http://schemas.openxmlformats.org/presentationml/2006/main">
+  <p:cSld>
+    <p:spTree>
+      <p:nvGrpSpPr>
+        <p:cNvPr id="1" name=""/>
+        <p:cNvGrpSpPr/>
+        <p:nvPr/>
+      </p:nvGrpSpPr>
+      <p:grpSpPr>
+        <a:xfrm>
+          <a:off x="0" y="0"/>
+          <a:ext cx="0" cy="0"/>
+          <a:chOff x="0" y="0"/>
+          <a:chExt cx="0" cy="0"/>
+        </a:xfrm>
+      </p:grpSpPr>
+      <p:sp>
+        <p:nvSpPr>
+          <p:cNvPr id="17" name="Title 16"/>
+          <p:cNvSpPr>
+            <a:spLocks noGrp="1"/>
+          </p:cNvSpPr>
+          <p:nvPr>
+            <p:ph type="title"/>
+          </p:nvPr>
+        </p:nvSpPr>
+        <p:spPr/>
+        <p:txBody>
+          <a:bodyPr/>
+          <a:lstStyle/>
+          <a:p>
+            <a:r>
+              <a:rPr lang="en-US" dirty="0"/>
+              <a:t>Architecture</a:t>
+            </a:r>
+          </a:p>
+        </p:txBody>
+      </p:sp>
+      <p:pic>
+        <p:nvPicPr>
+          <p:cNvPr id="7" name="Picture 6">
+            <a:extLst>
+              <a:ext uri="{FF2B5EF4-FFF2-40B4-BE49-F238E27FC236}">
+                <a16:creationId xmlns:a16="http://schemas.microsoft.com/office/drawing/2014/main" id="{5B23A7A7-5880-4EEC-90F4-590C9DFC16AA}"/>
+              </a:ext>
+            </a:extLst>
+          </p:cNvPr>
+          <p:cNvPicPr>
+            <a:picLocks noChangeAspect="1"/>
+          </p:cNvPicPr>
+          <p:nvPr/>
+        </p:nvPicPr>
+        <p:blipFill>
+          <a:blip r:embed="rId3"/>
+          <a:stretch>
+            <a:fillRect/>
+          </a:stretch>
+        </p:blipFill>
+        <p:spPr>
+          <a:xfrm>
+            <a:off x="1813586" y="1231228"/>
+            <a:ext cx="7962010" cy="5398621"/>
+          </a:xfrm>
+          <a:prstGeom prst="rect">
+            <a:avLst/>
+          </a:prstGeom>
+        </p:spPr>
+      </p:pic>
+      <p:sp>
+        <p:nvSpPr>
+          <p:cNvPr id="8" name="Explosion: 14 Points 7">
+            <a:extLst>
+              <a:ext uri="{FF2B5EF4-FFF2-40B4-BE49-F238E27FC236}">
+                <a16:creationId xmlns:a16="http://schemas.microsoft.com/office/drawing/2014/main" id="{03758CD8-3E1D-46A1-8D62-3F4E57D028FF}"/>
+              </a:ext>
+            </a:extLst>
+          </p:cNvPr>
+          <p:cNvSpPr/>
+          <p:nvPr/>
+        </p:nvSpPr>
+        <p:spPr bwMode="auto">
+          <a:xfrm>
+            <a:off x="7698317" y="1011198"/>
+            <a:ext cx="4154557" cy="2411895"/>
+          </a:xfrm>
+          <a:prstGeom prst="irregularSeal2">
+            <a:avLst/>
+          </a:prstGeom>
+          <a:solidFill>
+            <a:schemeClr val="accent3"/>
+          </a:solidFill>
+          <a:ln>
+            <a:noFill/>
+          </a:ln>
+        </p:spPr>
+        <p:style>
+          <a:lnRef idx="0">
+            <a:scrgbClr r="0" g="0" b="0"/>
+          </a:lnRef>
+          <a:fillRef idx="0">
+            <a:scrgbClr r="0" g="0" b="0"/>
+          </a:fillRef>
+          <a:effectRef idx="0">
+            <a:scrgbClr r="0" g="0" b="0"/>
+          </a:effectRef>
+          <a:fontRef idx="minor">
+            <a:schemeClr val="lt1"/>
+          </a:fontRef>
+        </p:style>
+        <p:txBody>
+          <a:bodyPr rot="0" spcFirstLastPara="0" vert="horz" wrap="square" lIns="182880" tIns="146304" rIns="182880" bIns="146304" numCol="1" spcCol="0" rtlCol="0" fromWordArt="0" anchor="t" anchorCtr="0" forceAA="0" compatLnSpc="1">
+            <a:prstTxWarp prst="textNoShape">
+              <a:avLst/>
+            </a:prstTxWarp>
+            <a:noAutofit/>
+          </a:bodyPr>
+          <a:lstStyle/>
+          <a:p>
+            <a:pPr algn="l" defTabSz="932472" fontAlgn="base">
+              <a:spcBef>
+                <a:spcPct val="0"/>
+              </a:spcBef>
+              <a:spcAft>
+                <a:spcPct val="0"/>
+              </a:spcAft>
+            </a:pPr>
+            <a:r>
+              <a:rPr lang="en-US" sz="2000" dirty="0">
+                <a:gradFill>
+                  <a:gsLst>
+                    <a:gs pos="0">
+                      <a:srgbClr val="FFFFFF"/>
+                    </a:gs>
+                    <a:gs pos="100000">
+                      <a:srgbClr val="FFFFFF"/>
+                    </a:gs>
+                  </a:gsLst>
+                  <a:lin ang="5400000" scaled="0"/>
+                </a:gradFill>
+                <a:ea typeface="Segoe UI" pitchFamily="34" charset="0"/>
+                <a:cs typeface="Segoe UI" pitchFamily="34" charset="0"/>
+              </a:rPr>
+              <a:t>Demo!!</a:t>
+            </a:r>
+          </a:p>
+        </p:txBody>
+      </p:sp>
+    </p:spTree>
+    <p:extLst>
+      <p:ext uri="{BB962C8B-B14F-4D97-AF65-F5344CB8AC3E}">
+        <p14:creationId xmlns:p14="http://schemas.microsoft.com/office/powerpoint/2010/main" val="2878158329"/>
+      </p:ext>
+    </p:extLst>
+  </p:cSld>
+  <p:clrMapOvr>
+    <a:masterClrMapping/>
+  </p:clrMapOvr>
+  <mc:AlternateContent xmlns:mc="http://schemas.openxmlformats.org/markup-compatibility/2006" xmlns:p14="http://schemas.microsoft.com/office/powerpoint/2010/main">
+    <mc:Choice Requires="p14">
+      <p:transition spd="med" p14:dur="700">
+        <p:fade/>
+      </p:transition>
+    </mc:Choice>
+    <mc:Fallback xmlns="">
+      <p:transition spd="med">
+        <p:fade/>
+      </p:transition>
+    </mc:Fallback>
+  </mc:AlternateContent>
+  <p:timing>
+    <p:tnLst>
+      <p:par>
+        <p:cTn id="1" dur="indefinite" restart="never" nodeType="tmRoot">
+          <p:childTnLst>
+            <p:seq concurrent="1" nextAc="seek">
+              <p:cTn id="2" dur="indefinite" nodeType="mainSeq">
+                <p:childTnLst>
+                  <p:par>
+                    <p:cTn id="3" fill="hold">
+                      <p:stCondLst>
+                        <p:cond delay="indefinite"/>
+                      </p:stCondLst>
+                      <p:childTnLst>
+                        <p:par>
+                          <p:cTn id="4" fill="hold">
+                            <p:stCondLst>
+                              <p:cond delay="0"/>
+                            </p:stCondLst>
+                            <p:childTnLst>
+                              <p:par>
+                                <p:cTn id="5" presetID="1" presetClass="entr" presetSubtype="0" fill="hold" grpId="0" nodeType="clickEffect">
+                                  <p:stCondLst>
+                                    <p:cond delay="0"/>
+                                  </p:stCondLst>
+                                  <p:childTnLst>
+                                    <p:set>
+                                      <p:cBhvr>
+                                        <p:cTn id="6" dur="1" fill="hold">
+                                          <p:stCondLst>
+                                            <p:cond delay="0"/>
+                                          </p:stCondLst>
+                                        </p:cTn>
+                                        <p:tgtEl>
+                                          <p:spTgt spid="8"/>
+                                        </p:tgtEl>
+                                        <p:attrNameLst>
+                                          <p:attrName>style.visibility</p:attrName>
+                                        </p:attrNameLst>
+                                      </p:cBhvr>
+                                      <p:to>
+                                        <p:strVal val="visible"/>
+                                      </p:to>
+                                    </p:set>
+                                  </p:childTnLst>
+                                </p:cTn>
+                              </p:par>
+                            </p:childTnLst>
+                          </p:cTn>
+                        </p:par>
+                      </p:childTnLst>
+                    </p:cTn>
+                  </p:par>
+                </p:childTnLst>
+              </p:cTn>
+              <p:prevCondLst>
+                <p:cond evt="onPrev" delay="0">
+                  <p:tgtEl>
+                    <p:sldTgt/>
+                  </p:tgtEl>
+                </p:cond>
+              </p:prevCondLst>
+              <p:nextCondLst>
+                <p:cond evt="onNext" delay="0">
+                  <p:tgtEl>
+                    <p:sldTgt/>
+                  </p:tgtEl>
+                </p:cond>
+              </p:nextCondLst>
+            </p:seq>
+          </p:childTnLst>
+        </p:cTn>
+      </p:par>
+    </p:tnLst>
+    <p:bldLst>
+      <p:bldP spid="8" grpId="0" animBg="1"/>
+    </p:bldLst>
+  </p:timing>
 </p:sld>
 </file>
 
@@ -41631,25 +40420,6 @@
 </file>
 
 <file path=customXml/item1.xml><?xml version="1.0" encoding="utf-8"?>
-<?mso-contentType ?>
-<FormTemplates xmlns="http://schemas.microsoft.com/sharepoint/v3/contenttype/forms">
-  <Display>DocumentLibraryForm</Display>
-  <Edit>DocumentLibraryForm</Edit>
-  <New>DocumentLibraryForm</New>
-</FormTemplates>
-</file>
-
-<file path=customXml/item2.xml><?xml version="1.0" encoding="utf-8"?>
-<p:properties xmlns:p="http://schemas.microsoft.com/office/2006/metadata/properties" xmlns:xsi="http://www.w3.org/2001/XMLSchema-instance" xmlns:pc="http://schemas.microsoft.com/office/infopath/2007/PartnerControls">
-  <documentManagement>
-    <_ip_UnifiedCompliancePolicyUIAction xmlns="http://schemas.microsoft.com/sharepoint/v3" xsi:nil="true"/>
-    <_ip_UnifiedCompliancePolicyProperties xmlns="http://schemas.microsoft.com/sharepoint/v3" xsi:nil="true"/>
-    <MediaServiceKeyPoints xmlns="e4aa919a-b200-49cb-beca-4c7e0810321e" xsi:nil="true"/>
-  </documentManagement>
-</p:properties>
-</file>
-
-<file path=customXml/item3.xml><?xml version="1.0" encoding="utf-8"?>
 <ct:contentTypeSchema xmlns:ct="http://schemas.microsoft.com/office/2006/metadata/contentType" xmlns:ma="http://schemas.microsoft.com/office/2006/metadata/properties/metaAttributes" ct:_="" ma:_="" ma:contentTypeName="Document" ma:contentTypeID="0x010100778A2EBC6E34694C80F43E94FCA993B5" ma:contentTypeVersion="14" ma:contentTypeDescription="Create a new document." ma:contentTypeScope="" ma:versionID="1a7ced39ac191f9ec8deffde533b0c1c">
   <xsd:schema xmlns:xsd="http://www.w3.org/2001/XMLSchema" xmlns:xs="http://www.w3.org/2001/XMLSchema" xmlns:p="http://schemas.microsoft.com/office/2006/metadata/properties" xmlns:ns1="http://schemas.microsoft.com/sharepoint/v3" xmlns:ns2="e4aa919a-b200-49cb-beca-4c7e0810321e" xmlns:ns3="06670dda-0291-4061-b6e0-f6c0cb392c51" targetNamespace="http://schemas.microsoft.com/office/2006/metadata/properties" ma:root="true" ma:fieldsID="bedea8c8816a4e5934c808becd103583" ns1:_="" ns2:_="" ns3:_="">
     <xsd:import namespace="http://schemas.microsoft.com/sharepoint/v3"/>
@@ -41883,26 +40653,26 @@
 </ct:contentTypeSchema>
 </file>
 
-<file path=customXml/itemProps1.xml><?xml version="1.0" encoding="utf-8"?>
-<ds:datastoreItem xmlns:ds="http://schemas.openxmlformats.org/officeDocument/2006/customXml" ds:itemID="{758FDAC0-319D-4A54-8D8E-1D42CB1F8004}">
-  <ds:schemaRefs>
-    <ds:schemaRef ds:uri="http://schemas.microsoft.com/sharepoint/v3/contenttype/forms"/>
-  </ds:schemaRefs>
-</ds:datastoreItem>
+<file path=customXml/item2.xml><?xml version="1.0" encoding="utf-8"?>
+<p:properties xmlns:p="http://schemas.microsoft.com/office/2006/metadata/properties" xmlns:xsi="http://www.w3.org/2001/XMLSchema-instance" xmlns:pc="http://schemas.microsoft.com/office/infopath/2007/PartnerControls">
+  <documentManagement>
+    <_ip_UnifiedCompliancePolicyUIAction xmlns="http://schemas.microsoft.com/sharepoint/v3" xsi:nil="true"/>
+    <_ip_UnifiedCompliancePolicyProperties xmlns="http://schemas.microsoft.com/sharepoint/v3" xsi:nil="true"/>
+    <MediaServiceKeyPoints xmlns="e4aa919a-b200-49cb-beca-4c7e0810321e" xsi:nil="true"/>
+  </documentManagement>
+</p:properties>
 </file>
 
-<file path=customXml/itemProps2.xml><?xml version="1.0" encoding="utf-8"?>
-<ds:datastoreItem xmlns:ds="http://schemas.openxmlformats.org/officeDocument/2006/customXml" ds:itemID="{F990F116-B58F-4255-B05B-DA3808E0E5C6}">
-  <ds:schemaRefs>
-    <ds:schemaRef ds:uri="http://schemas.microsoft.com/office/2006/metadata/properties"/>
-    <ds:schemaRef ds:uri="http://schemas.microsoft.com/office/infopath/2007/PartnerControls"/>
-    <ds:schemaRef ds:uri="http://schemas.microsoft.com/sharepoint/v3"/>
-    <ds:schemaRef ds:uri="e4aa919a-b200-49cb-beca-4c7e0810321e"/>
-  </ds:schemaRefs>
-</ds:datastoreItem>
+<file path=customXml/item3.xml><?xml version="1.0" encoding="utf-8"?>
+<?mso-contentType ?>
+<FormTemplates xmlns="http://schemas.microsoft.com/sharepoint/v3/contenttype/forms">
+  <Display>DocumentLibraryForm</Display>
+  <Edit>DocumentLibraryForm</Edit>
+  <New>DocumentLibraryForm</New>
+</FormTemplates>
 </file>
 
-<file path=customXml/itemProps3.xml><?xml version="1.0" encoding="utf-8"?>
+<file path=customXml/itemProps1.xml><?xml version="1.0" encoding="utf-8"?>
 <ds:datastoreItem xmlns:ds="http://schemas.openxmlformats.org/officeDocument/2006/customXml" ds:itemID="{0BB3C309-8520-4616-80FC-2CB10D5B83A0}">
   <ds:schemaRefs>
     <ds:schemaRef ds:uri="http://schemas.microsoft.com/office/2006/metadata/contentType"/>
@@ -41920,4 +40690,23 @@
     <ds:schemaRef ds:uri="http://schemas.microsoft.com/internal/obd"/>
   </ds:schemaRefs>
 </ds:datastoreItem>
+</file>
+
+<file path=customXml/itemProps2.xml><?xml version="1.0" encoding="utf-8"?>
+<ds:datastoreItem xmlns:ds="http://schemas.openxmlformats.org/officeDocument/2006/customXml" ds:itemID="{F990F116-B58F-4255-B05B-DA3808E0E5C6}">
+  <ds:schemaRefs>
+    <ds:schemaRef ds:uri="http://schemas.microsoft.com/office/2006/metadata/properties"/>
+    <ds:schemaRef ds:uri="http://schemas.microsoft.com/office/infopath/2007/PartnerControls"/>
+    <ds:schemaRef ds:uri="http://schemas.microsoft.com/sharepoint/v3"/>
+    <ds:schemaRef ds:uri="e4aa919a-b200-49cb-beca-4c7e0810321e"/>
+  </ds:schemaRefs>
+</ds:datastoreItem>
+</file>
+
+<file path=customXml/itemProps3.xml><?xml version="1.0" encoding="utf-8"?>
+<ds:datastoreItem xmlns:ds="http://schemas.openxmlformats.org/officeDocument/2006/customXml" ds:itemID="{758FDAC0-319D-4A54-8D8E-1D42CB1F8004}">
+  <ds:schemaRefs>
+    <ds:schemaRef ds:uri="http://schemas.microsoft.com/sharepoint/v3/contenttype/forms"/>
+  </ds:schemaRefs>
+</ds:datastoreItem>
 </file>
--- a/resources/slides/Opening.pptx
+++ b/resources/slides/Opening.pptx
@@ -7,10 +7,10 @@
     <p:sldMasterId id="2147484872" r:id="rId6"/>
   </p:sldMasterIdLst>
   <p:notesMasterIdLst>
-    <p:notesMasterId r:id="rId24"/>
+    <p:notesMasterId r:id="rId26"/>
   </p:notesMasterIdLst>
   <p:handoutMasterIdLst>
-    <p:handoutMasterId r:id="rId25"/>
+    <p:handoutMasterId r:id="rId27"/>
   </p:handoutMasterIdLst>
   <p:sldIdLst>
     <p:sldId id="1994" r:id="rId7"/>
@@ -19,17 +19,19 @@
     <p:sldId id="3409" r:id="rId10"/>
     <p:sldId id="3404" r:id="rId11"/>
     <p:sldId id="3406" r:id="rId12"/>
-    <p:sldId id="3405" r:id="rId13"/>
-    <p:sldId id="1670" r:id="rId14"/>
-    <p:sldId id="2042" r:id="rId15"/>
-    <p:sldId id="2044" r:id="rId16"/>
-    <p:sldId id="2045" r:id="rId17"/>
-    <p:sldId id="2046" r:id="rId18"/>
-    <p:sldId id="3394" r:id="rId19"/>
-    <p:sldId id="3395" r:id="rId20"/>
-    <p:sldId id="3403" r:id="rId21"/>
-    <p:sldId id="3384" r:id="rId22"/>
-    <p:sldId id="3393" r:id="rId23"/>
+    <p:sldId id="3411" r:id="rId13"/>
+    <p:sldId id="3412" r:id="rId14"/>
+    <p:sldId id="1670" r:id="rId15"/>
+    <p:sldId id="2042" r:id="rId16"/>
+    <p:sldId id="2044" r:id="rId17"/>
+    <p:sldId id="2045" r:id="rId18"/>
+    <p:sldId id="3413" r:id="rId19"/>
+    <p:sldId id="3394" r:id="rId20"/>
+    <p:sldId id="3395" r:id="rId21"/>
+    <p:sldId id="3414" r:id="rId22"/>
+    <p:sldId id="3415" r:id="rId23"/>
+    <p:sldId id="3384" r:id="rId24"/>
+    <p:sldId id="3393" r:id="rId25"/>
   </p:sldIdLst>
   <p:sldSz cx="12192000" cy="6858000"/>
   <p:notesSz cx="6858000" cy="9144000"/>
@@ -1256,6 +1258,3026 @@
 </pc:chgInfo>
 </file>
 
+<file path=ppt/diagrams/colors1.xml><?xml version="1.0" encoding="utf-8"?>
+<dgm:colorsDef xmlns:dgm="http://schemas.openxmlformats.org/drawingml/2006/diagram" xmlns:a="http://schemas.openxmlformats.org/drawingml/2006/main" uniqueId="urn:microsoft.com/office/officeart/2005/8/colors/accent2_2">
+  <dgm:title val=""/>
+  <dgm:desc val=""/>
+  <dgm:catLst>
+    <dgm:cat type="accent2" pri="11200"/>
+  </dgm:catLst>
+  <dgm:styleLbl name="node0">
+    <dgm:fillClrLst meth="repeat">
+      <a:schemeClr val="accent2"/>
+    </dgm:fillClrLst>
+    <dgm:linClrLst meth="repeat">
+      <a:schemeClr val="lt1"/>
+    </dgm:linClrLst>
+    <dgm:effectClrLst/>
+    <dgm:txLinClrLst/>
+    <dgm:txFillClrLst/>
+    <dgm:txEffectClrLst/>
+  </dgm:styleLbl>
+  <dgm:styleLbl name="node1">
+    <dgm:fillClrLst meth="repeat">
+      <a:schemeClr val="accent2"/>
+    </dgm:fillClrLst>
+    <dgm:linClrLst meth="repeat">
+      <a:schemeClr val="lt1"/>
+    </dgm:linClrLst>
+    <dgm:effectClrLst/>
+    <dgm:txLinClrLst/>
+    <dgm:txFillClrLst/>
+    <dgm:txEffectClrLst/>
+  </dgm:styleLbl>
+  <dgm:styleLbl name="alignNode1">
+    <dgm:fillClrLst meth="repeat">
+      <a:schemeClr val="accent2"/>
+    </dgm:fillClrLst>
+    <dgm:linClrLst meth="repeat">
+      <a:schemeClr val="accent2"/>
+    </dgm:linClrLst>
+    <dgm:effectClrLst/>
+    <dgm:txLinClrLst/>
+    <dgm:txFillClrLst/>
+    <dgm:txEffectClrLst/>
+  </dgm:styleLbl>
+  <dgm:styleLbl name="lnNode1">
+    <dgm:fillClrLst meth="repeat">
+      <a:schemeClr val="accent2"/>
+    </dgm:fillClrLst>
+    <dgm:linClrLst meth="repeat">
+      <a:schemeClr val="lt1"/>
+    </dgm:linClrLst>
+    <dgm:effectClrLst/>
+    <dgm:txLinClrLst/>
+    <dgm:txFillClrLst/>
+    <dgm:txEffectClrLst/>
+  </dgm:styleLbl>
+  <dgm:styleLbl name="vennNode1">
+    <dgm:fillClrLst meth="repeat">
+      <a:schemeClr val="accent2">
+        <a:alpha val="50000"/>
+      </a:schemeClr>
+    </dgm:fillClrLst>
+    <dgm:linClrLst meth="repeat">
+      <a:schemeClr val="lt1"/>
+    </dgm:linClrLst>
+    <dgm:effectClrLst/>
+    <dgm:txLinClrLst/>
+    <dgm:txFillClrLst/>
+    <dgm:txEffectClrLst/>
+  </dgm:styleLbl>
+  <dgm:styleLbl name="node2">
+    <dgm:fillClrLst meth="repeat">
+      <a:schemeClr val="accent2"/>
+    </dgm:fillClrLst>
+    <dgm:linClrLst meth="repeat">
+      <a:schemeClr val="lt1"/>
+    </dgm:linClrLst>
+    <dgm:effectClrLst/>
+    <dgm:txLinClrLst/>
+    <dgm:txFillClrLst/>
+    <dgm:txEffectClrLst/>
+  </dgm:styleLbl>
+  <dgm:styleLbl name="node3">
+    <dgm:fillClrLst meth="repeat">
+      <a:schemeClr val="accent2"/>
+    </dgm:fillClrLst>
+    <dgm:linClrLst meth="repeat">
+      <a:schemeClr val="lt1"/>
+    </dgm:linClrLst>
+    <dgm:effectClrLst/>
+    <dgm:txLinClrLst/>
+    <dgm:txFillClrLst/>
+    <dgm:txEffectClrLst/>
+  </dgm:styleLbl>
+  <dgm:styleLbl name="node4">
+    <dgm:fillClrLst meth="repeat">
+      <a:schemeClr val="accent2"/>
+    </dgm:fillClrLst>
+    <dgm:linClrLst meth="repeat">
+      <a:schemeClr val="lt1"/>
+    </dgm:linClrLst>
+    <dgm:effectClrLst/>
+    <dgm:txLinClrLst/>
+    <dgm:txFillClrLst/>
+    <dgm:txEffectClrLst/>
+  </dgm:styleLbl>
+  <dgm:styleLbl name="fgImgPlace1">
+    <dgm:fillClrLst meth="repeat">
+      <a:schemeClr val="accent2">
+        <a:tint val="50000"/>
+      </a:schemeClr>
+    </dgm:fillClrLst>
+    <dgm:linClrLst meth="repeat">
+      <a:schemeClr val="lt1"/>
+    </dgm:linClrLst>
+    <dgm:effectClrLst/>
+    <dgm:txLinClrLst/>
+    <dgm:txFillClrLst meth="repeat">
+      <a:schemeClr val="lt1"/>
+    </dgm:txFillClrLst>
+    <dgm:txEffectClrLst/>
+  </dgm:styleLbl>
+  <dgm:styleLbl name="alignImgPlace1">
+    <dgm:fillClrLst meth="repeat">
+      <a:schemeClr val="accent2">
+        <a:tint val="50000"/>
+      </a:schemeClr>
+    </dgm:fillClrLst>
+    <dgm:linClrLst meth="repeat">
+      <a:schemeClr val="lt1"/>
+    </dgm:linClrLst>
+    <dgm:effectClrLst/>
+    <dgm:txLinClrLst/>
+    <dgm:txFillClrLst meth="repeat">
+      <a:schemeClr val="lt1"/>
+    </dgm:txFillClrLst>
+    <dgm:txEffectClrLst/>
+  </dgm:styleLbl>
+  <dgm:styleLbl name="bgImgPlace1">
+    <dgm:fillClrLst meth="repeat">
+      <a:schemeClr val="accent2">
+        <a:tint val="50000"/>
+      </a:schemeClr>
+    </dgm:fillClrLst>
+    <dgm:linClrLst meth="repeat">
+      <a:schemeClr val="lt1"/>
+    </dgm:linClrLst>
+    <dgm:effectClrLst/>
+    <dgm:txLinClrLst/>
+    <dgm:txFillClrLst meth="repeat">
+      <a:schemeClr val="lt1"/>
+    </dgm:txFillClrLst>
+    <dgm:txEffectClrLst/>
+  </dgm:styleLbl>
+  <dgm:styleLbl name="sibTrans2D1">
+    <dgm:fillClrLst meth="repeat">
+      <a:schemeClr val="accent2">
+        <a:tint val="60000"/>
+      </a:schemeClr>
+    </dgm:fillClrLst>
+    <dgm:linClrLst meth="repeat">
+      <a:schemeClr val="accent2">
+        <a:tint val="60000"/>
+      </a:schemeClr>
+    </dgm:linClrLst>
+    <dgm:effectClrLst/>
+    <dgm:txLinClrLst/>
+    <dgm:txFillClrLst/>
+    <dgm:txEffectClrLst/>
+  </dgm:styleLbl>
+  <dgm:styleLbl name="fgSibTrans2D1">
+    <dgm:fillClrLst meth="repeat">
+      <a:schemeClr val="accent2">
+        <a:tint val="60000"/>
+      </a:schemeClr>
+    </dgm:fillClrLst>
+    <dgm:linClrLst meth="repeat">
+      <a:schemeClr val="accent2">
+        <a:tint val="60000"/>
+      </a:schemeClr>
+    </dgm:linClrLst>
+    <dgm:effectClrLst/>
+    <dgm:txLinClrLst/>
+    <dgm:txFillClrLst/>
+    <dgm:txEffectClrLst/>
+  </dgm:styleLbl>
+  <dgm:styleLbl name="bgSibTrans2D1">
+    <dgm:fillClrLst meth="repeat">
+      <a:schemeClr val="accent2">
+        <a:tint val="60000"/>
+      </a:schemeClr>
+    </dgm:fillClrLst>
+    <dgm:linClrLst meth="repeat">
+      <a:schemeClr val="accent2">
+        <a:tint val="60000"/>
+      </a:schemeClr>
+    </dgm:linClrLst>
+    <dgm:effectClrLst/>
+    <dgm:txLinClrLst/>
+    <dgm:txFillClrLst/>
+    <dgm:txEffectClrLst/>
+  </dgm:styleLbl>
+  <dgm:styleLbl name="sibTrans1D1">
+    <dgm:fillClrLst meth="repeat">
+      <a:schemeClr val="accent2"/>
+    </dgm:fillClrLst>
+    <dgm:linClrLst meth="repeat">
+      <a:schemeClr val="accent2"/>
+    </dgm:linClrLst>
+    <dgm:effectClrLst/>
+    <dgm:txLinClrLst/>
+    <dgm:txFillClrLst meth="repeat">
+      <a:schemeClr val="tx1"/>
+    </dgm:txFillClrLst>
+    <dgm:txEffectClrLst/>
+  </dgm:styleLbl>
+  <dgm:styleLbl name="callout">
+    <dgm:fillClrLst meth="repeat">
+      <a:schemeClr val="accent2"/>
+    </dgm:fillClrLst>
+    <dgm:linClrLst meth="repeat">
+      <a:schemeClr val="accent2">
+        <a:tint val="50000"/>
+      </a:schemeClr>
+    </dgm:linClrLst>
+    <dgm:effectClrLst/>
+    <dgm:txLinClrLst/>
+    <dgm:txFillClrLst meth="repeat">
+      <a:schemeClr val="tx1"/>
+    </dgm:txFillClrLst>
+    <dgm:txEffectClrLst/>
+  </dgm:styleLbl>
+  <dgm:styleLbl name="asst0">
+    <dgm:fillClrLst meth="repeat">
+      <a:schemeClr val="accent2"/>
+    </dgm:fillClrLst>
+    <dgm:linClrLst meth="repeat">
+      <a:schemeClr val="lt1"/>
+    </dgm:linClrLst>
+    <dgm:effectClrLst/>
+    <dgm:txLinClrLst/>
+    <dgm:txFillClrLst/>
+    <dgm:txEffectClrLst/>
+  </dgm:styleLbl>
+  <dgm:styleLbl name="asst1">
+    <dgm:fillClrLst meth="repeat">
+      <a:schemeClr val="accent2"/>
+    </dgm:fillClrLst>
+    <dgm:linClrLst meth="repeat">
+      <a:schemeClr val="lt1"/>
+    </dgm:linClrLst>
+    <dgm:effectClrLst/>
+    <dgm:txLinClrLst/>
+    <dgm:txFillClrLst/>
+    <dgm:txEffectClrLst/>
+  </dgm:styleLbl>
+  <dgm:styleLbl name="asst2">
+    <dgm:fillClrLst meth="repeat">
+      <a:schemeClr val="accent2"/>
+    </dgm:fillClrLst>
+    <dgm:linClrLst meth="repeat">
+      <a:schemeClr val="lt1"/>
+    </dgm:linClrLst>
+    <dgm:effectClrLst/>
+    <dgm:txLinClrLst/>
+    <dgm:txFillClrLst/>
+    <dgm:txEffectClrLst/>
+  </dgm:styleLbl>
+  <dgm:styleLbl name="asst3">
+    <dgm:fillClrLst meth="repeat">
+      <a:schemeClr val="accent2"/>
+    </dgm:fillClrLst>
+    <dgm:linClrLst meth="repeat">
+      <a:schemeClr val="lt1"/>
+    </dgm:linClrLst>
+    <dgm:effectClrLst/>
+    <dgm:txLinClrLst/>
+    <dgm:txFillClrLst/>
+    <dgm:txEffectClrLst/>
+  </dgm:styleLbl>
+  <dgm:styleLbl name="asst4">
+    <dgm:fillClrLst meth="repeat">
+      <a:schemeClr val="accent2"/>
+    </dgm:fillClrLst>
+    <dgm:linClrLst meth="repeat">
+      <a:schemeClr val="lt1"/>
+    </dgm:linClrLst>
+    <dgm:effectClrLst/>
+    <dgm:txLinClrLst/>
+    <dgm:txFillClrLst/>
+    <dgm:txEffectClrLst/>
+  </dgm:styleLbl>
+  <dgm:styleLbl name="parChTrans2D1">
+    <dgm:fillClrLst meth="repeat">
+      <a:schemeClr val="accent2">
+        <a:tint val="60000"/>
+      </a:schemeClr>
+    </dgm:fillClrLst>
+    <dgm:linClrLst meth="repeat">
+      <a:schemeClr val="accent2">
+        <a:tint val="60000"/>
+      </a:schemeClr>
+    </dgm:linClrLst>
+    <dgm:effectClrLst/>
+    <dgm:txLinClrLst/>
+    <dgm:txFillClrLst meth="repeat">
+      <a:schemeClr val="lt1"/>
+    </dgm:txFillClrLst>
+    <dgm:txEffectClrLst/>
+  </dgm:styleLbl>
+  <dgm:styleLbl name="parChTrans2D2">
+    <dgm:fillClrLst meth="repeat">
+      <a:schemeClr val="accent2"/>
+    </dgm:fillClrLst>
+    <dgm:linClrLst meth="repeat">
+      <a:schemeClr val="accent2"/>
+    </dgm:linClrLst>
+    <dgm:effectClrLst/>
+    <dgm:txLinClrLst/>
+    <dgm:txFillClrLst meth="repeat">
+      <a:schemeClr val="lt1"/>
+    </dgm:txFillClrLst>
+    <dgm:txEffectClrLst/>
+  </dgm:styleLbl>
+  <dgm:styleLbl name="parChTrans2D3">
+    <dgm:fillClrLst meth="repeat">
+      <a:schemeClr val="accent2"/>
+    </dgm:fillClrLst>
+    <dgm:linClrLst meth="repeat">
+      <a:schemeClr val="accent2"/>
+    </dgm:linClrLst>
+    <dgm:effectClrLst/>
+    <dgm:txLinClrLst/>
+    <dgm:txFillClrLst meth="repeat">
+      <a:schemeClr val="lt1"/>
+    </dgm:txFillClrLst>
+    <dgm:txEffectClrLst/>
+  </dgm:styleLbl>
+  <dgm:styleLbl name="parChTrans2D4">
+    <dgm:fillClrLst meth="repeat">
+      <a:schemeClr val="accent2"/>
+    </dgm:fillClrLst>
+    <dgm:linClrLst meth="repeat">
+      <a:schemeClr val="accent2"/>
+    </dgm:linClrLst>
+    <dgm:effectClrLst/>
+    <dgm:txLinClrLst/>
+    <dgm:txFillClrLst meth="repeat">
+      <a:schemeClr val="lt1"/>
+    </dgm:txFillClrLst>
+    <dgm:txEffectClrLst/>
+  </dgm:styleLbl>
+  <dgm:styleLbl name="parChTrans1D1">
+    <dgm:fillClrLst meth="repeat">
+      <a:schemeClr val="accent2"/>
+    </dgm:fillClrLst>
+    <dgm:linClrLst meth="repeat">
+      <a:schemeClr val="accent2">
+        <a:shade val="60000"/>
+      </a:schemeClr>
+    </dgm:linClrLst>
+    <dgm:effectClrLst/>
+    <dgm:txLinClrLst/>
+    <dgm:txFillClrLst meth="repeat">
+      <a:schemeClr val="tx1"/>
+    </dgm:txFillClrLst>
+    <dgm:txEffectClrLst/>
+  </dgm:styleLbl>
+  <dgm:styleLbl name="parChTrans1D2">
+    <dgm:fillClrLst meth="repeat">
+      <a:schemeClr val="accent2"/>
+    </dgm:fillClrLst>
+    <dgm:linClrLst meth="repeat">
+      <a:schemeClr val="accent2">
+        <a:shade val="60000"/>
+      </a:schemeClr>
+    </dgm:linClrLst>
+    <dgm:effectClrLst/>
+    <dgm:txLinClrLst/>
+    <dgm:txFillClrLst meth="repeat">
+      <a:schemeClr val="tx1"/>
+    </dgm:txFillClrLst>
+    <dgm:txEffectClrLst/>
+  </dgm:styleLbl>
+  <dgm:styleLbl name="parChTrans1D3">
+    <dgm:fillClrLst meth="repeat">
+      <a:schemeClr val="accent2"/>
+    </dgm:fillClrLst>
+    <dgm:linClrLst meth="repeat">
+      <a:schemeClr val="accent2">
+        <a:shade val="80000"/>
+      </a:schemeClr>
+    </dgm:linClrLst>
+    <dgm:effectClrLst/>
+    <dgm:txLinClrLst/>
+    <dgm:txFillClrLst meth="repeat">
+      <a:schemeClr val="tx1"/>
+    </dgm:txFillClrLst>
+    <dgm:txEffectClrLst/>
+  </dgm:styleLbl>
+  <dgm:styleLbl name="parChTrans1D4">
+    <dgm:fillClrLst meth="repeat">
+      <a:schemeClr val="accent2"/>
+    </dgm:fillClrLst>
+    <dgm:linClrLst meth="repeat">
+      <a:schemeClr val="accent2">
+        <a:shade val="80000"/>
+      </a:schemeClr>
+    </dgm:linClrLst>
+    <dgm:effectClrLst/>
+    <dgm:txLinClrLst/>
+    <dgm:txFillClrLst meth="repeat">
+      <a:schemeClr val="tx1"/>
+    </dgm:txFillClrLst>
+    <dgm:txEffectClrLst/>
+  </dgm:styleLbl>
+  <dgm:styleLbl name="fgAcc1">
+    <dgm:fillClrLst meth="repeat">
+      <a:schemeClr val="lt1">
+        <a:alpha val="90000"/>
+      </a:schemeClr>
+    </dgm:fillClrLst>
+    <dgm:linClrLst meth="repeat">
+      <a:schemeClr val="accent2"/>
+    </dgm:linClrLst>
+    <dgm:effectClrLst/>
+    <dgm:txLinClrLst/>
+    <dgm:txFillClrLst meth="repeat">
+      <a:schemeClr val="dk1"/>
+    </dgm:txFillClrLst>
+    <dgm:txEffectClrLst/>
+  </dgm:styleLbl>
+  <dgm:styleLbl name="conFgAcc1">
+    <dgm:fillClrLst meth="repeat">
+      <a:schemeClr val="lt1">
+        <a:alpha val="90000"/>
+      </a:schemeClr>
+    </dgm:fillClrLst>
+    <dgm:linClrLst meth="repeat">
+      <a:schemeClr val="accent2"/>
+    </dgm:linClrLst>
+    <dgm:effectClrLst/>
+    <dgm:txLinClrLst/>
+    <dgm:txFillClrLst meth="repeat">
+      <a:schemeClr val="dk1"/>
+    </dgm:txFillClrLst>
+    <dgm:txEffectClrLst/>
+  </dgm:styleLbl>
+  <dgm:styleLbl name="alignAcc1">
+    <dgm:fillClrLst meth="repeat">
+      <a:schemeClr val="lt1">
+        <a:alpha val="90000"/>
+      </a:schemeClr>
+    </dgm:fillClrLst>
+    <dgm:linClrLst meth="repeat">
+      <a:schemeClr val="accent2"/>
+    </dgm:linClrLst>
+    <dgm:effectClrLst/>
+    <dgm:txLinClrLst/>
+    <dgm:txFillClrLst meth="repeat">
+      <a:schemeClr val="dk1"/>
+    </dgm:txFillClrLst>
+    <dgm:txEffectClrLst/>
+  </dgm:styleLbl>
+  <dgm:styleLbl name="trAlignAcc1">
+    <dgm:fillClrLst meth="repeat">
+      <a:schemeClr val="lt1">
+        <a:alpha val="40000"/>
+      </a:schemeClr>
+    </dgm:fillClrLst>
+    <dgm:linClrLst meth="repeat">
+      <a:schemeClr val="accent2"/>
+    </dgm:linClrLst>
+    <dgm:effectClrLst/>
+    <dgm:txLinClrLst/>
+    <dgm:txFillClrLst meth="repeat">
+      <a:schemeClr val="dk1"/>
+    </dgm:txFillClrLst>
+    <dgm:txEffectClrLst/>
+  </dgm:styleLbl>
+  <dgm:styleLbl name="bgAcc1">
+    <dgm:fillClrLst meth="repeat">
+      <a:schemeClr val="lt1">
+        <a:alpha val="90000"/>
+      </a:schemeClr>
+    </dgm:fillClrLst>
+    <dgm:linClrLst meth="repeat">
+      <a:schemeClr val="accent2"/>
+    </dgm:linClrLst>
+    <dgm:effectClrLst/>
+    <dgm:txLinClrLst/>
+    <dgm:txFillClrLst meth="repeat">
+      <a:schemeClr val="dk1"/>
+    </dgm:txFillClrLst>
+    <dgm:txEffectClrLst/>
+  </dgm:styleLbl>
+  <dgm:styleLbl name="solidFgAcc1">
+    <dgm:fillClrLst meth="repeat">
+      <a:schemeClr val="lt1"/>
+    </dgm:fillClrLst>
+    <dgm:linClrLst meth="repeat">
+      <a:schemeClr val="accent2"/>
+    </dgm:linClrLst>
+    <dgm:effectClrLst/>
+    <dgm:txLinClrLst/>
+    <dgm:txFillClrLst meth="repeat">
+      <a:schemeClr val="dk1"/>
+    </dgm:txFillClrLst>
+    <dgm:txEffectClrLst/>
+  </dgm:styleLbl>
+  <dgm:styleLbl name="solidAlignAcc1">
+    <dgm:fillClrLst meth="repeat">
+      <a:schemeClr val="lt1"/>
+    </dgm:fillClrLst>
+    <dgm:linClrLst meth="repeat">
+      <a:schemeClr val="accent2"/>
+    </dgm:linClrLst>
+    <dgm:effectClrLst/>
+    <dgm:txLinClrLst/>
+    <dgm:txFillClrLst meth="repeat">
+      <a:schemeClr val="dk1"/>
+    </dgm:txFillClrLst>
+    <dgm:txEffectClrLst/>
+  </dgm:styleLbl>
+  <dgm:styleLbl name="solidBgAcc1">
+    <dgm:fillClrLst meth="repeat">
+      <a:schemeClr val="lt1"/>
+    </dgm:fillClrLst>
+    <dgm:linClrLst meth="repeat">
+      <a:schemeClr val="accent2"/>
+    </dgm:linClrLst>
+    <dgm:effectClrLst/>
+    <dgm:txLinClrLst/>
+    <dgm:txFillClrLst meth="repeat">
+      <a:schemeClr val="dk1"/>
+    </dgm:txFillClrLst>
+    <dgm:txEffectClrLst/>
+  </dgm:styleLbl>
+  <dgm:styleLbl name="fgAccFollowNode1">
+    <dgm:fillClrLst meth="repeat">
+      <a:schemeClr val="accent2">
+        <a:alpha val="90000"/>
+        <a:tint val="40000"/>
+      </a:schemeClr>
+    </dgm:fillClrLst>
+    <dgm:linClrLst meth="repeat">
+      <a:schemeClr val="accent2">
+        <a:alpha val="90000"/>
+        <a:tint val="40000"/>
+      </a:schemeClr>
+    </dgm:linClrLst>
+    <dgm:effectClrLst/>
+    <dgm:txLinClrLst/>
+    <dgm:txFillClrLst meth="repeat">
+      <a:schemeClr val="dk1"/>
+    </dgm:txFillClrLst>
+    <dgm:txEffectClrLst/>
+  </dgm:styleLbl>
+  <dgm:styleLbl name="alignAccFollowNode1">
+    <dgm:fillClrLst meth="repeat">
+      <a:schemeClr val="accent2">
+        <a:alpha val="90000"/>
+        <a:tint val="40000"/>
+      </a:schemeClr>
+    </dgm:fillClrLst>
+    <dgm:linClrLst meth="repeat">
+      <a:schemeClr val="accent2">
+        <a:alpha val="90000"/>
+        <a:tint val="40000"/>
+      </a:schemeClr>
+    </dgm:linClrLst>
+    <dgm:effectClrLst/>
+    <dgm:txLinClrLst/>
+    <dgm:txFillClrLst meth="repeat">
+      <a:schemeClr val="dk1"/>
+    </dgm:txFillClrLst>
+    <dgm:txEffectClrLst/>
+  </dgm:styleLbl>
+  <dgm:styleLbl name="bgAccFollowNode1">
+    <dgm:fillClrLst meth="repeat">
+      <a:schemeClr val="accent2">
+        <a:alpha val="90000"/>
+        <a:tint val="40000"/>
+      </a:schemeClr>
+    </dgm:fillClrLst>
+    <dgm:linClrLst meth="repeat">
+      <a:schemeClr val="accent2">
+        <a:alpha val="90000"/>
+        <a:tint val="40000"/>
+      </a:schemeClr>
+    </dgm:linClrLst>
+    <dgm:effectClrLst/>
+    <dgm:txLinClrLst/>
+    <dgm:txFillClrLst meth="repeat">
+      <a:schemeClr val="dk1"/>
+    </dgm:txFillClrLst>
+    <dgm:txEffectClrLst/>
+  </dgm:styleLbl>
+  <dgm:styleLbl name="fgAcc0">
+    <dgm:fillClrLst meth="repeat">
+      <a:schemeClr val="lt1">
+        <a:alpha val="90000"/>
+      </a:schemeClr>
+    </dgm:fillClrLst>
+    <dgm:linClrLst meth="repeat">
+      <a:schemeClr val="accent2"/>
+    </dgm:linClrLst>
+    <dgm:effectClrLst/>
+    <dgm:txLinClrLst/>
+    <dgm:txFillClrLst meth="repeat">
+      <a:schemeClr val="dk1"/>
+    </dgm:txFillClrLst>
+    <dgm:txEffectClrLst/>
+  </dgm:styleLbl>
+  <dgm:styleLbl name="fgAcc2">
+    <dgm:fillClrLst meth="repeat">
+      <a:schemeClr val="lt1">
+        <a:alpha val="90000"/>
+      </a:schemeClr>
+    </dgm:fillClrLst>
+    <dgm:linClrLst meth="repeat">
+      <a:schemeClr val="accent2"/>
+    </dgm:linClrLst>
+    <dgm:effectClrLst/>
+    <dgm:txLinClrLst/>
+    <dgm:txFillClrLst meth="repeat">
+      <a:schemeClr val="dk1"/>
+    </dgm:txFillClrLst>
+    <dgm:txEffectClrLst/>
+  </dgm:styleLbl>
+  <dgm:styleLbl name="fgAcc3">
+    <dgm:fillClrLst meth="repeat">
+      <a:schemeClr val="lt1">
+        <a:alpha val="90000"/>
+      </a:schemeClr>
+    </dgm:fillClrLst>
+    <dgm:linClrLst meth="repeat">
+      <a:schemeClr val="accent2"/>
+    </dgm:linClrLst>
+    <dgm:effectClrLst/>
+    <dgm:txLinClrLst/>
+    <dgm:txFillClrLst meth="repeat">
+      <a:schemeClr val="dk1"/>
+    </dgm:txFillClrLst>
+    <dgm:txEffectClrLst/>
+  </dgm:styleLbl>
+  <dgm:styleLbl name="fgAcc4">
+    <dgm:fillClrLst meth="repeat">
+      <a:schemeClr val="lt1">
+        <a:alpha val="90000"/>
+      </a:schemeClr>
+    </dgm:fillClrLst>
+    <dgm:linClrLst meth="repeat">
+      <a:schemeClr val="accent2"/>
+    </dgm:linClrLst>
+    <dgm:effectClrLst/>
+    <dgm:txLinClrLst/>
+    <dgm:txFillClrLst meth="repeat">
+      <a:schemeClr val="dk1"/>
+    </dgm:txFillClrLst>
+    <dgm:txEffectClrLst/>
+  </dgm:styleLbl>
+  <dgm:styleLbl name="bgShp">
+    <dgm:fillClrLst meth="repeat">
+      <a:schemeClr val="accent2">
+        <a:tint val="40000"/>
+      </a:schemeClr>
+    </dgm:fillClrLst>
+    <dgm:linClrLst meth="repeat">
+      <a:schemeClr val="accent2"/>
+    </dgm:linClrLst>
+    <dgm:effectClrLst/>
+    <dgm:txLinClrLst/>
+    <dgm:txFillClrLst meth="repeat">
+      <a:schemeClr val="dk1"/>
+    </dgm:txFillClrLst>
+    <dgm:txEffectClrLst/>
+  </dgm:styleLbl>
+  <dgm:styleLbl name="dkBgShp">
+    <dgm:fillClrLst meth="repeat">
+      <a:schemeClr val="accent2">
+        <a:shade val="80000"/>
+      </a:schemeClr>
+    </dgm:fillClrLst>
+    <dgm:linClrLst meth="repeat">
+      <a:schemeClr val="accent2"/>
+    </dgm:linClrLst>
+    <dgm:effectClrLst/>
+    <dgm:txLinClrLst/>
+    <dgm:txFillClrLst meth="repeat">
+      <a:schemeClr val="lt1"/>
+    </dgm:txFillClrLst>
+    <dgm:txEffectClrLst/>
+  </dgm:styleLbl>
+  <dgm:styleLbl name="trBgShp">
+    <dgm:fillClrLst meth="repeat">
+      <a:schemeClr val="accent2">
+        <a:tint val="50000"/>
+        <a:alpha val="40000"/>
+      </a:schemeClr>
+    </dgm:fillClrLst>
+    <dgm:linClrLst meth="repeat">
+      <a:schemeClr val="accent2"/>
+    </dgm:linClrLst>
+    <dgm:effectClrLst/>
+    <dgm:txLinClrLst/>
+    <dgm:txFillClrLst meth="repeat">
+      <a:schemeClr val="lt1"/>
+    </dgm:txFillClrLst>
+    <dgm:txEffectClrLst/>
+  </dgm:styleLbl>
+  <dgm:styleLbl name="fgShp">
+    <dgm:fillClrLst meth="repeat">
+      <a:schemeClr val="accent2">
+        <a:tint val="60000"/>
+      </a:schemeClr>
+    </dgm:fillClrLst>
+    <dgm:linClrLst meth="repeat">
+      <a:schemeClr val="lt1"/>
+    </dgm:linClrLst>
+    <dgm:effectClrLst/>
+    <dgm:txLinClrLst/>
+    <dgm:txFillClrLst meth="repeat">
+      <a:schemeClr val="dk1"/>
+    </dgm:txFillClrLst>
+    <dgm:txEffectClrLst/>
+  </dgm:styleLbl>
+  <dgm:styleLbl name="revTx">
+    <dgm:fillClrLst meth="repeat">
+      <a:schemeClr val="lt1">
+        <a:alpha val="0"/>
+      </a:schemeClr>
+    </dgm:fillClrLst>
+    <dgm:linClrLst meth="repeat">
+      <a:schemeClr val="dk1">
+        <a:alpha val="0"/>
+      </a:schemeClr>
+    </dgm:linClrLst>
+    <dgm:effectClrLst/>
+    <dgm:txLinClrLst/>
+    <dgm:txFillClrLst meth="repeat">
+      <a:schemeClr val="tx1"/>
+    </dgm:txFillClrLst>
+    <dgm:txEffectClrLst/>
+  </dgm:styleLbl>
+</dgm:colorsDef>
+</file>
+
+<file path=ppt/diagrams/data1.xml><?xml version="1.0" encoding="utf-8"?>
+<dgm:dataModel xmlns:dgm="http://schemas.openxmlformats.org/drawingml/2006/diagram" xmlns:a="http://schemas.openxmlformats.org/drawingml/2006/main">
+  <dgm:ptLst>
+    <dgm:pt modelId="{0E5D6816-6E01-468E-8B21-0D82DC78F9F8}" type="doc">
+      <dgm:prSet loTypeId="urn:microsoft.com/office/officeart/2018/2/layout/IconLabelList" loCatId="icon" qsTypeId="urn:microsoft.com/office/officeart/2005/8/quickstyle/simple1" qsCatId="simple" csTypeId="urn:microsoft.com/office/officeart/2005/8/colors/accent2_2" csCatId="accent2" phldr="1"/>
+      <dgm:spPr/>
+      <dgm:t>
+        <a:bodyPr/>
+        <a:lstStyle/>
+        <a:p>
+          <a:endParaRPr lang="en-US"/>
+        </a:p>
+      </dgm:t>
+    </dgm:pt>
+    <dgm:pt modelId="{5D5CE2F7-9FFC-436D-9984-62CD3CC4296E}">
+      <dgm:prSet/>
+      <dgm:spPr/>
+      <dgm:t>
+        <a:bodyPr/>
+        <a:lstStyle/>
+        <a:p>
+          <a:r>
+            <a:rPr lang="en-US"/>
+            <a:t>Azure Account</a:t>
+          </a:r>
+        </a:p>
+      </dgm:t>
+    </dgm:pt>
+    <dgm:pt modelId="{068B3481-BCF5-4C2B-B0B6-120C8CEA1469}" type="parTrans" cxnId="{762E6EE9-E85E-4FDE-928E-C4F8C14A789D}">
+      <dgm:prSet/>
+      <dgm:spPr/>
+      <dgm:t>
+        <a:bodyPr/>
+        <a:lstStyle/>
+        <a:p>
+          <a:endParaRPr lang="en-US"/>
+        </a:p>
+      </dgm:t>
+    </dgm:pt>
+    <dgm:pt modelId="{596D07CD-5EFE-44C6-95FA-F444CE427C34}" type="sibTrans" cxnId="{762E6EE9-E85E-4FDE-928E-C4F8C14A789D}">
+      <dgm:prSet/>
+      <dgm:spPr/>
+      <dgm:t>
+        <a:bodyPr/>
+        <a:lstStyle/>
+        <a:p>
+          <a:endParaRPr lang="en-US"/>
+        </a:p>
+      </dgm:t>
+    </dgm:pt>
+    <dgm:pt modelId="{B31BA69F-C75E-4EBE-80BD-2BD80B12BE23}">
+      <dgm:prSet/>
+      <dgm:spPr/>
+      <dgm:t>
+        <a:bodyPr/>
+        <a:lstStyle/>
+        <a:p>
+          <a:r>
+            <a:rPr lang="en-US"/>
+            <a:t>DSVM</a:t>
+          </a:r>
+        </a:p>
+      </dgm:t>
+    </dgm:pt>
+    <dgm:pt modelId="{9C066421-46F7-4DA2-A374-B4F4AC609F55}" type="parTrans" cxnId="{D9139049-E2BB-41F1-AE4F-68FD6F3416C2}">
+      <dgm:prSet/>
+      <dgm:spPr/>
+      <dgm:t>
+        <a:bodyPr/>
+        <a:lstStyle/>
+        <a:p>
+          <a:endParaRPr lang="en-US"/>
+        </a:p>
+      </dgm:t>
+    </dgm:pt>
+    <dgm:pt modelId="{609C66BD-D0B9-4E6B-A1C0-6ABCB02DAEBF}" type="sibTrans" cxnId="{D9139049-E2BB-41F1-AE4F-68FD6F3416C2}">
+      <dgm:prSet/>
+      <dgm:spPr/>
+      <dgm:t>
+        <a:bodyPr/>
+        <a:lstStyle/>
+        <a:p>
+          <a:endParaRPr lang="en-US"/>
+        </a:p>
+      </dgm:t>
+    </dgm:pt>
+    <dgm:pt modelId="{4D67C607-3BD6-4584-B004-605EEA047667}">
+      <dgm:prSet/>
+      <dgm:spPr/>
+      <dgm:t>
+        <a:bodyPr/>
+        <a:lstStyle/>
+        <a:p>
+          <a:r>
+            <a:rPr lang="en-US"/>
+            <a:t>Storage Account</a:t>
+          </a:r>
+        </a:p>
+      </dgm:t>
+    </dgm:pt>
+    <dgm:pt modelId="{C92200BB-1724-405F-BBE3-B971E3455475}" type="parTrans" cxnId="{3D98994B-9429-401A-919A-DDCFC3B9B057}">
+      <dgm:prSet/>
+      <dgm:spPr/>
+      <dgm:t>
+        <a:bodyPr/>
+        <a:lstStyle/>
+        <a:p>
+          <a:endParaRPr lang="en-US"/>
+        </a:p>
+      </dgm:t>
+    </dgm:pt>
+    <dgm:pt modelId="{0A4F2B5F-9735-4311-9AC8-BAF58A92210A}" type="sibTrans" cxnId="{3D98994B-9429-401A-919A-DDCFC3B9B057}">
+      <dgm:prSet/>
+      <dgm:spPr/>
+      <dgm:t>
+        <a:bodyPr/>
+        <a:lstStyle/>
+        <a:p>
+          <a:endParaRPr lang="en-US"/>
+        </a:p>
+      </dgm:t>
+    </dgm:pt>
+    <dgm:pt modelId="{9CA8EB12-3059-41A7-B7F0-9CDA0968AD8A}">
+      <dgm:prSet/>
+      <dgm:spPr/>
+      <dgm:t>
+        <a:bodyPr/>
+        <a:lstStyle/>
+        <a:p>
+          <a:r>
+            <a:rPr lang="en-US"/>
+            <a:t>Azure Search</a:t>
+          </a:r>
+        </a:p>
+      </dgm:t>
+    </dgm:pt>
+    <dgm:pt modelId="{FA44C40B-DD54-468F-8B2A-F195BD114517}" type="parTrans" cxnId="{FD080941-018B-48A3-849A-C1B36C104127}">
+      <dgm:prSet/>
+      <dgm:spPr/>
+      <dgm:t>
+        <a:bodyPr/>
+        <a:lstStyle/>
+        <a:p>
+          <a:endParaRPr lang="en-US"/>
+        </a:p>
+      </dgm:t>
+    </dgm:pt>
+    <dgm:pt modelId="{92C3CCFA-C843-432D-8FDE-D9314BAB12A4}" type="sibTrans" cxnId="{FD080941-018B-48A3-849A-C1B36C104127}">
+      <dgm:prSet/>
+      <dgm:spPr/>
+      <dgm:t>
+        <a:bodyPr/>
+        <a:lstStyle/>
+        <a:p>
+          <a:endParaRPr lang="en-US"/>
+        </a:p>
+      </dgm:t>
+    </dgm:pt>
+    <dgm:pt modelId="{667EBDA8-8F8E-4205-A7C6-0931794E0D77}">
+      <dgm:prSet/>
+      <dgm:spPr/>
+      <dgm:t>
+        <a:bodyPr/>
+        <a:lstStyle/>
+        <a:p>
+          <a:r>
+            <a:rPr lang="en-US"/>
+            <a:t>Cognitive Services</a:t>
+          </a:r>
+        </a:p>
+      </dgm:t>
+    </dgm:pt>
+    <dgm:pt modelId="{26844E06-61B3-4AAC-A172-ECA98C92E4E0}" type="parTrans" cxnId="{8E68CBB1-A2DB-450D-8635-D5C56DC69F01}">
+      <dgm:prSet/>
+      <dgm:spPr/>
+      <dgm:t>
+        <a:bodyPr/>
+        <a:lstStyle/>
+        <a:p>
+          <a:endParaRPr lang="en-US"/>
+        </a:p>
+      </dgm:t>
+    </dgm:pt>
+    <dgm:pt modelId="{B1ACF720-9804-4C0C-A2E1-4FC6B679615C}" type="sibTrans" cxnId="{8E68CBB1-A2DB-450D-8635-D5C56DC69F01}">
+      <dgm:prSet/>
+      <dgm:spPr/>
+      <dgm:t>
+        <a:bodyPr/>
+        <a:lstStyle/>
+        <a:p>
+          <a:endParaRPr lang="en-US"/>
+        </a:p>
+      </dgm:t>
+    </dgm:pt>
+    <dgm:pt modelId="{34529023-2501-45C8-BEAE-52E9D27A175A}" type="pres">
+      <dgm:prSet presAssocID="{0E5D6816-6E01-468E-8B21-0D82DC78F9F8}" presName="root" presStyleCnt="0">
+        <dgm:presLayoutVars>
+          <dgm:dir/>
+          <dgm:resizeHandles val="exact"/>
+        </dgm:presLayoutVars>
+      </dgm:prSet>
+      <dgm:spPr/>
+    </dgm:pt>
+    <dgm:pt modelId="{D457BBB3-ABB5-4C84-946C-CB9BE074201C}" type="pres">
+      <dgm:prSet presAssocID="{5D5CE2F7-9FFC-436D-9984-62CD3CC4296E}" presName="compNode" presStyleCnt="0"/>
+      <dgm:spPr/>
+    </dgm:pt>
+    <dgm:pt modelId="{88BD95AA-9A00-4182-A21D-81EC2E58F884}" type="pres">
+      <dgm:prSet presAssocID="{5D5CE2F7-9FFC-436D-9984-62CD3CC4296E}" presName="iconRect" presStyleLbl="node1" presStyleIdx="0" presStyleCnt="5"/>
+      <dgm:spPr>
+        <a:blipFill>
+          <a:blip xmlns:r="http://schemas.openxmlformats.org/officeDocument/2006/relationships" r:embed="rId1">
+            <a:extLst>
+              <a:ext uri="{28A0092B-C50C-407E-A947-70E740481C1C}">
+                <a14:useLocalDpi xmlns:a14="http://schemas.microsoft.com/office/drawing/2010/main" val="0"/>
+              </a:ext>
+              <a:ext uri="{96DAC541-7B7A-43D3-8B79-37D633B846F1}">
+                <asvg:svgBlip xmlns:asvg="http://schemas.microsoft.com/office/drawing/2016/SVG/main" r:embed="rId2"/>
+              </a:ext>
+            </a:extLst>
+          </a:blip>
+          <a:stretch>
+            <a:fillRect/>
+          </a:stretch>
+        </a:blipFill>
+        <a:ln>
+          <a:noFill/>
+        </a:ln>
+      </dgm:spPr>
+      <dgm:extLst>
+        <a:ext uri="{E40237B7-FDA0-4F09-8148-C483321AD2D9}">
+          <dgm14:cNvPr xmlns:dgm14="http://schemas.microsoft.com/office/drawing/2010/diagram" id="0" name="" descr="User"/>
+        </a:ext>
+      </dgm:extLst>
+    </dgm:pt>
+    <dgm:pt modelId="{673BA68E-E1EA-4F8E-B813-35635291C2D8}" type="pres">
+      <dgm:prSet presAssocID="{5D5CE2F7-9FFC-436D-9984-62CD3CC4296E}" presName="spaceRect" presStyleCnt="0"/>
+      <dgm:spPr/>
+    </dgm:pt>
+    <dgm:pt modelId="{F35776F2-E0EB-4329-86F8-C30B0FF75F5A}" type="pres">
+      <dgm:prSet presAssocID="{5D5CE2F7-9FFC-436D-9984-62CD3CC4296E}" presName="textRect" presStyleLbl="revTx" presStyleIdx="0" presStyleCnt="5">
+        <dgm:presLayoutVars>
+          <dgm:chMax val="1"/>
+          <dgm:chPref val="1"/>
+        </dgm:presLayoutVars>
+      </dgm:prSet>
+      <dgm:spPr/>
+    </dgm:pt>
+    <dgm:pt modelId="{3C1B8E41-3577-4445-AF8F-2940101D6F8E}" type="pres">
+      <dgm:prSet presAssocID="{596D07CD-5EFE-44C6-95FA-F444CE427C34}" presName="sibTrans" presStyleCnt="0"/>
+      <dgm:spPr/>
+    </dgm:pt>
+    <dgm:pt modelId="{72E138EE-92E6-4B14-8F07-C1C794E4F98C}" type="pres">
+      <dgm:prSet presAssocID="{B31BA69F-C75E-4EBE-80BD-2BD80B12BE23}" presName="compNode" presStyleCnt="0"/>
+      <dgm:spPr/>
+    </dgm:pt>
+    <dgm:pt modelId="{A933C9EC-B125-4923-B2F0-ABB94D4D3B28}" type="pres">
+      <dgm:prSet presAssocID="{B31BA69F-C75E-4EBE-80BD-2BD80B12BE23}" presName="iconRect" presStyleLbl="node1" presStyleIdx="1" presStyleCnt="5"/>
+      <dgm:spPr>
+        <a:blipFill>
+          <a:blip xmlns:r="http://schemas.openxmlformats.org/officeDocument/2006/relationships" r:embed="rId3">
+            <a:extLst>
+              <a:ext uri="{28A0092B-C50C-407E-A947-70E740481C1C}">
+                <a14:useLocalDpi xmlns:a14="http://schemas.microsoft.com/office/drawing/2010/main" val="0"/>
+              </a:ext>
+              <a:ext uri="{96DAC541-7B7A-43D3-8B79-37D633B846F1}">
+                <asvg:svgBlip xmlns:asvg="http://schemas.microsoft.com/office/drawing/2016/SVG/main" r:embed="rId4"/>
+              </a:ext>
+            </a:extLst>
+          </a:blip>
+          <a:stretch>
+            <a:fillRect/>
+          </a:stretch>
+        </a:blipFill>
+        <a:ln>
+          <a:noFill/>
+        </a:ln>
+      </dgm:spPr>
+      <dgm:extLst>
+        <a:ext uri="{E40237B7-FDA0-4F09-8148-C483321AD2D9}">
+          <dgm14:cNvPr xmlns:dgm14="http://schemas.microsoft.com/office/drawing/2010/diagram" id="0" name="" descr="Wind Chime"/>
+        </a:ext>
+      </dgm:extLst>
+    </dgm:pt>
+    <dgm:pt modelId="{605C4CBF-7325-4391-AA32-63214DF272D5}" type="pres">
+      <dgm:prSet presAssocID="{B31BA69F-C75E-4EBE-80BD-2BD80B12BE23}" presName="spaceRect" presStyleCnt="0"/>
+      <dgm:spPr/>
+    </dgm:pt>
+    <dgm:pt modelId="{1175BE44-0246-4CEE-8001-CF27C8537817}" type="pres">
+      <dgm:prSet presAssocID="{B31BA69F-C75E-4EBE-80BD-2BD80B12BE23}" presName="textRect" presStyleLbl="revTx" presStyleIdx="1" presStyleCnt="5">
+        <dgm:presLayoutVars>
+          <dgm:chMax val="1"/>
+          <dgm:chPref val="1"/>
+        </dgm:presLayoutVars>
+      </dgm:prSet>
+      <dgm:spPr/>
+    </dgm:pt>
+    <dgm:pt modelId="{DDB47E5B-7715-4F55-AD22-75FC3ADF836A}" type="pres">
+      <dgm:prSet presAssocID="{609C66BD-D0B9-4E6B-A1C0-6ABCB02DAEBF}" presName="sibTrans" presStyleCnt="0"/>
+      <dgm:spPr/>
+    </dgm:pt>
+    <dgm:pt modelId="{AD97D1C7-F56F-47E0-993D-826914756C93}" type="pres">
+      <dgm:prSet presAssocID="{4D67C607-3BD6-4584-B004-605EEA047667}" presName="compNode" presStyleCnt="0"/>
+      <dgm:spPr/>
+    </dgm:pt>
+    <dgm:pt modelId="{11F8D876-8279-4FA7-8001-E8C962FDF5A3}" type="pres">
+      <dgm:prSet presAssocID="{4D67C607-3BD6-4584-B004-605EEA047667}" presName="iconRect" presStyleLbl="node1" presStyleIdx="2" presStyleCnt="5"/>
+      <dgm:spPr>
+        <a:blipFill>
+          <a:blip xmlns:r="http://schemas.openxmlformats.org/officeDocument/2006/relationships" r:embed="rId5">
+            <a:extLst>
+              <a:ext uri="{28A0092B-C50C-407E-A947-70E740481C1C}">
+                <a14:useLocalDpi xmlns:a14="http://schemas.microsoft.com/office/drawing/2010/main" val="0"/>
+              </a:ext>
+              <a:ext uri="{96DAC541-7B7A-43D3-8B79-37D633B846F1}">
+                <asvg:svgBlip xmlns:asvg="http://schemas.microsoft.com/office/drawing/2016/SVG/main" r:embed="rId6"/>
+              </a:ext>
+            </a:extLst>
+          </a:blip>
+          <a:stretch>
+            <a:fillRect/>
+          </a:stretch>
+        </a:blipFill>
+        <a:ln>
+          <a:noFill/>
+        </a:ln>
+      </dgm:spPr>
+      <dgm:extLst>
+        <a:ext uri="{E40237B7-FDA0-4F09-8148-C483321AD2D9}">
+          <dgm14:cNvPr xmlns:dgm14="http://schemas.microsoft.com/office/drawing/2010/diagram" id="0" name="" descr="Database"/>
+        </a:ext>
+      </dgm:extLst>
+    </dgm:pt>
+    <dgm:pt modelId="{01BD6F2E-0548-4FDD-AA44-BD6F049E2E8F}" type="pres">
+      <dgm:prSet presAssocID="{4D67C607-3BD6-4584-B004-605EEA047667}" presName="spaceRect" presStyleCnt="0"/>
+      <dgm:spPr/>
+    </dgm:pt>
+    <dgm:pt modelId="{6C107FF1-66D9-4869-83C3-04B314C24EFB}" type="pres">
+      <dgm:prSet presAssocID="{4D67C607-3BD6-4584-B004-605EEA047667}" presName="textRect" presStyleLbl="revTx" presStyleIdx="2" presStyleCnt="5">
+        <dgm:presLayoutVars>
+          <dgm:chMax val="1"/>
+          <dgm:chPref val="1"/>
+        </dgm:presLayoutVars>
+      </dgm:prSet>
+      <dgm:spPr/>
+    </dgm:pt>
+    <dgm:pt modelId="{9FA05118-6271-46C7-874B-CE345A79781A}" type="pres">
+      <dgm:prSet presAssocID="{0A4F2B5F-9735-4311-9AC8-BAF58A92210A}" presName="sibTrans" presStyleCnt="0"/>
+      <dgm:spPr/>
+    </dgm:pt>
+    <dgm:pt modelId="{6B29A8B4-4BC1-4518-A714-0BCFF13F5464}" type="pres">
+      <dgm:prSet presAssocID="{9CA8EB12-3059-41A7-B7F0-9CDA0968AD8A}" presName="compNode" presStyleCnt="0"/>
+      <dgm:spPr/>
+    </dgm:pt>
+    <dgm:pt modelId="{CE387DF0-9ABF-4829-8EA6-F9C4197811CF}" type="pres">
+      <dgm:prSet presAssocID="{9CA8EB12-3059-41A7-B7F0-9CDA0968AD8A}" presName="iconRect" presStyleLbl="node1" presStyleIdx="3" presStyleCnt="5"/>
+      <dgm:spPr>
+        <a:blipFill>
+          <a:blip xmlns:r="http://schemas.openxmlformats.org/officeDocument/2006/relationships" r:embed="rId7">
+            <a:extLst>
+              <a:ext uri="{28A0092B-C50C-407E-A947-70E740481C1C}">
+                <a14:useLocalDpi xmlns:a14="http://schemas.microsoft.com/office/drawing/2010/main" val="0"/>
+              </a:ext>
+              <a:ext uri="{96DAC541-7B7A-43D3-8B79-37D633B846F1}">
+                <asvg:svgBlip xmlns:asvg="http://schemas.microsoft.com/office/drawing/2016/SVG/main" r:embed="rId8"/>
+              </a:ext>
+            </a:extLst>
+          </a:blip>
+          <a:stretch>
+            <a:fillRect/>
+          </a:stretch>
+        </a:blipFill>
+        <a:ln>
+          <a:noFill/>
+        </a:ln>
+      </dgm:spPr>
+      <dgm:extLst>
+        <a:ext uri="{E40237B7-FDA0-4F09-8148-C483321AD2D9}">
+          <dgm14:cNvPr xmlns:dgm14="http://schemas.microsoft.com/office/drawing/2010/diagram" id="0" name="" descr="Magnifying glass"/>
+        </a:ext>
+      </dgm:extLst>
+    </dgm:pt>
+    <dgm:pt modelId="{9B539E87-F18B-4B5A-9A56-4210849E61F9}" type="pres">
+      <dgm:prSet presAssocID="{9CA8EB12-3059-41A7-B7F0-9CDA0968AD8A}" presName="spaceRect" presStyleCnt="0"/>
+      <dgm:spPr/>
+    </dgm:pt>
+    <dgm:pt modelId="{BE9789A8-F72C-49DB-A2D8-6E5D630FD32E}" type="pres">
+      <dgm:prSet presAssocID="{9CA8EB12-3059-41A7-B7F0-9CDA0968AD8A}" presName="textRect" presStyleLbl="revTx" presStyleIdx="3" presStyleCnt="5">
+        <dgm:presLayoutVars>
+          <dgm:chMax val="1"/>
+          <dgm:chPref val="1"/>
+        </dgm:presLayoutVars>
+      </dgm:prSet>
+      <dgm:spPr/>
+    </dgm:pt>
+    <dgm:pt modelId="{C58519CD-E15D-42AC-9C03-3D6710CD672B}" type="pres">
+      <dgm:prSet presAssocID="{92C3CCFA-C843-432D-8FDE-D9314BAB12A4}" presName="sibTrans" presStyleCnt="0"/>
+      <dgm:spPr/>
+    </dgm:pt>
+    <dgm:pt modelId="{75D5F8CE-3A0C-4ECE-B0E8-78FC92716CC5}" type="pres">
+      <dgm:prSet presAssocID="{667EBDA8-8F8E-4205-A7C6-0931794E0D77}" presName="compNode" presStyleCnt="0"/>
+      <dgm:spPr/>
+    </dgm:pt>
+    <dgm:pt modelId="{AC497796-181D-496C-A490-4DBE53DFE4A6}" type="pres">
+      <dgm:prSet presAssocID="{667EBDA8-8F8E-4205-A7C6-0931794E0D77}" presName="iconRect" presStyleLbl="node1" presStyleIdx="4" presStyleCnt="5"/>
+      <dgm:spPr>
+        <a:blipFill>
+          <a:blip xmlns:r="http://schemas.openxmlformats.org/officeDocument/2006/relationships" r:embed="rId9">
+            <a:extLst>
+              <a:ext uri="{28A0092B-C50C-407E-A947-70E740481C1C}">
+                <a14:useLocalDpi xmlns:a14="http://schemas.microsoft.com/office/drawing/2010/main" val="0"/>
+              </a:ext>
+              <a:ext uri="{96DAC541-7B7A-43D3-8B79-37D633B846F1}">
+                <asvg:svgBlip xmlns:asvg="http://schemas.microsoft.com/office/drawing/2016/SVG/main" r:embed="rId10"/>
+              </a:ext>
+            </a:extLst>
+          </a:blip>
+          <a:stretch>
+            <a:fillRect/>
+          </a:stretch>
+        </a:blipFill>
+        <a:ln>
+          <a:noFill/>
+        </a:ln>
+      </dgm:spPr>
+      <dgm:extLst>
+        <a:ext uri="{E40237B7-FDA0-4F09-8148-C483321AD2D9}">
+          <dgm14:cNvPr xmlns:dgm14="http://schemas.microsoft.com/office/drawing/2010/diagram" id="0" name="" descr="Head with Gears"/>
+        </a:ext>
+      </dgm:extLst>
+    </dgm:pt>
+    <dgm:pt modelId="{10FFC460-DC4A-4374-B3F7-6C5B0DEE85B7}" type="pres">
+      <dgm:prSet presAssocID="{667EBDA8-8F8E-4205-A7C6-0931794E0D77}" presName="spaceRect" presStyleCnt="0"/>
+      <dgm:spPr/>
+    </dgm:pt>
+    <dgm:pt modelId="{900AD956-3982-4D1F-A7A1-2762DF7B0DAC}" type="pres">
+      <dgm:prSet presAssocID="{667EBDA8-8F8E-4205-A7C6-0931794E0D77}" presName="textRect" presStyleLbl="revTx" presStyleIdx="4" presStyleCnt="5">
+        <dgm:presLayoutVars>
+          <dgm:chMax val="1"/>
+          <dgm:chPref val="1"/>
+        </dgm:presLayoutVars>
+      </dgm:prSet>
+      <dgm:spPr/>
+    </dgm:pt>
+  </dgm:ptLst>
+  <dgm:cxnLst>
+    <dgm:cxn modelId="{87816501-3CA3-4D57-A96F-E2227B554C5C}" type="presOf" srcId="{9CA8EB12-3059-41A7-B7F0-9CDA0968AD8A}" destId="{BE9789A8-F72C-49DB-A2D8-6E5D630FD32E}" srcOrd="0" destOrd="0" presId="urn:microsoft.com/office/officeart/2018/2/layout/IconLabelList"/>
+    <dgm:cxn modelId="{7CE52713-BEBD-4E3F-BDE6-80F2D3FC698E}" type="presOf" srcId="{5D5CE2F7-9FFC-436D-9984-62CD3CC4296E}" destId="{F35776F2-E0EB-4329-86F8-C30B0FF75F5A}" srcOrd="0" destOrd="0" presId="urn:microsoft.com/office/officeart/2018/2/layout/IconLabelList"/>
+    <dgm:cxn modelId="{FD080941-018B-48A3-849A-C1B36C104127}" srcId="{0E5D6816-6E01-468E-8B21-0D82DC78F9F8}" destId="{9CA8EB12-3059-41A7-B7F0-9CDA0968AD8A}" srcOrd="3" destOrd="0" parTransId="{FA44C40B-DD54-468F-8B2A-F195BD114517}" sibTransId="{92C3CCFA-C843-432D-8FDE-D9314BAB12A4}"/>
+    <dgm:cxn modelId="{C316BD47-7DE2-4018-92E7-3A6B014E02FF}" type="presOf" srcId="{0E5D6816-6E01-468E-8B21-0D82DC78F9F8}" destId="{34529023-2501-45C8-BEAE-52E9D27A175A}" srcOrd="0" destOrd="0" presId="urn:microsoft.com/office/officeart/2018/2/layout/IconLabelList"/>
+    <dgm:cxn modelId="{D9139049-E2BB-41F1-AE4F-68FD6F3416C2}" srcId="{0E5D6816-6E01-468E-8B21-0D82DC78F9F8}" destId="{B31BA69F-C75E-4EBE-80BD-2BD80B12BE23}" srcOrd="1" destOrd="0" parTransId="{9C066421-46F7-4DA2-A374-B4F4AC609F55}" sibTransId="{609C66BD-D0B9-4E6B-A1C0-6ABCB02DAEBF}"/>
+    <dgm:cxn modelId="{3D98994B-9429-401A-919A-DDCFC3B9B057}" srcId="{0E5D6816-6E01-468E-8B21-0D82DC78F9F8}" destId="{4D67C607-3BD6-4584-B004-605EEA047667}" srcOrd="2" destOrd="0" parTransId="{C92200BB-1724-405F-BBE3-B971E3455475}" sibTransId="{0A4F2B5F-9735-4311-9AC8-BAF58A92210A}"/>
+    <dgm:cxn modelId="{2510E98E-241D-4DEE-941D-DCE289699AF6}" type="presOf" srcId="{B31BA69F-C75E-4EBE-80BD-2BD80B12BE23}" destId="{1175BE44-0246-4CEE-8001-CF27C8537817}" srcOrd="0" destOrd="0" presId="urn:microsoft.com/office/officeart/2018/2/layout/IconLabelList"/>
+    <dgm:cxn modelId="{8E68CBB1-A2DB-450D-8635-D5C56DC69F01}" srcId="{0E5D6816-6E01-468E-8B21-0D82DC78F9F8}" destId="{667EBDA8-8F8E-4205-A7C6-0931794E0D77}" srcOrd="4" destOrd="0" parTransId="{26844E06-61B3-4AAC-A172-ECA98C92E4E0}" sibTransId="{B1ACF720-9804-4C0C-A2E1-4FC6B679615C}"/>
+    <dgm:cxn modelId="{27E956C2-DE01-4CC5-BED8-B5DC84701359}" type="presOf" srcId="{667EBDA8-8F8E-4205-A7C6-0931794E0D77}" destId="{900AD956-3982-4D1F-A7A1-2762DF7B0DAC}" srcOrd="0" destOrd="0" presId="urn:microsoft.com/office/officeart/2018/2/layout/IconLabelList"/>
+    <dgm:cxn modelId="{F42F01E7-D13F-4CE9-AD06-65CA6CB1BB46}" type="presOf" srcId="{4D67C607-3BD6-4584-B004-605EEA047667}" destId="{6C107FF1-66D9-4869-83C3-04B314C24EFB}" srcOrd="0" destOrd="0" presId="urn:microsoft.com/office/officeart/2018/2/layout/IconLabelList"/>
+    <dgm:cxn modelId="{762E6EE9-E85E-4FDE-928E-C4F8C14A789D}" srcId="{0E5D6816-6E01-468E-8B21-0D82DC78F9F8}" destId="{5D5CE2F7-9FFC-436D-9984-62CD3CC4296E}" srcOrd="0" destOrd="0" parTransId="{068B3481-BCF5-4C2B-B0B6-120C8CEA1469}" sibTransId="{596D07CD-5EFE-44C6-95FA-F444CE427C34}"/>
+    <dgm:cxn modelId="{26E1D971-F6FE-4192-A008-37A16BB335B7}" type="presParOf" srcId="{34529023-2501-45C8-BEAE-52E9D27A175A}" destId="{D457BBB3-ABB5-4C84-946C-CB9BE074201C}" srcOrd="0" destOrd="0" presId="urn:microsoft.com/office/officeart/2018/2/layout/IconLabelList"/>
+    <dgm:cxn modelId="{80E8B2DC-F69A-406B-8703-5E8865C2C61F}" type="presParOf" srcId="{D457BBB3-ABB5-4C84-946C-CB9BE074201C}" destId="{88BD95AA-9A00-4182-A21D-81EC2E58F884}" srcOrd="0" destOrd="0" presId="urn:microsoft.com/office/officeart/2018/2/layout/IconLabelList"/>
+    <dgm:cxn modelId="{8183072B-7343-4F7E-8D1B-ADE54DB9D139}" type="presParOf" srcId="{D457BBB3-ABB5-4C84-946C-CB9BE074201C}" destId="{673BA68E-E1EA-4F8E-B813-35635291C2D8}" srcOrd="1" destOrd="0" presId="urn:microsoft.com/office/officeart/2018/2/layout/IconLabelList"/>
+    <dgm:cxn modelId="{E1237937-9DA2-42CC-A700-56CF52AA3744}" type="presParOf" srcId="{D457BBB3-ABB5-4C84-946C-CB9BE074201C}" destId="{F35776F2-E0EB-4329-86F8-C30B0FF75F5A}" srcOrd="2" destOrd="0" presId="urn:microsoft.com/office/officeart/2018/2/layout/IconLabelList"/>
+    <dgm:cxn modelId="{9AB13478-2B64-4EC6-A96F-2B1215B640BD}" type="presParOf" srcId="{34529023-2501-45C8-BEAE-52E9D27A175A}" destId="{3C1B8E41-3577-4445-AF8F-2940101D6F8E}" srcOrd="1" destOrd="0" presId="urn:microsoft.com/office/officeart/2018/2/layout/IconLabelList"/>
+    <dgm:cxn modelId="{47FC76C4-28D8-45BD-AAD5-8A4C4446F79A}" type="presParOf" srcId="{34529023-2501-45C8-BEAE-52E9D27A175A}" destId="{72E138EE-92E6-4B14-8F07-C1C794E4F98C}" srcOrd="2" destOrd="0" presId="urn:microsoft.com/office/officeart/2018/2/layout/IconLabelList"/>
+    <dgm:cxn modelId="{9DA2051F-9254-4E56-8180-709EBDFD5A0F}" type="presParOf" srcId="{72E138EE-92E6-4B14-8F07-C1C794E4F98C}" destId="{A933C9EC-B125-4923-B2F0-ABB94D4D3B28}" srcOrd="0" destOrd="0" presId="urn:microsoft.com/office/officeart/2018/2/layout/IconLabelList"/>
+    <dgm:cxn modelId="{76F78915-5E9B-4A1A-9C66-BF4E5524DC02}" type="presParOf" srcId="{72E138EE-92E6-4B14-8F07-C1C794E4F98C}" destId="{605C4CBF-7325-4391-AA32-63214DF272D5}" srcOrd="1" destOrd="0" presId="urn:microsoft.com/office/officeart/2018/2/layout/IconLabelList"/>
+    <dgm:cxn modelId="{39C8AB7F-488A-485D-AEB7-F828110D2D1E}" type="presParOf" srcId="{72E138EE-92E6-4B14-8F07-C1C794E4F98C}" destId="{1175BE44-0246-4CEE-8001-CF27C8537817}" srcOrd="2" destOrd="0" presId="urn:microsoft.com/office/officeart/2018/2/layout/IconLabelList"/>
+    <dgm:cxn modelId="{7E5B2C54-7065-42F4-9C9D-847F4391AAB8}" type="presParOf" srcId="{34529023-2501-45C8-BEAE-52E9D27A175A}" destId="{DDB47E5B-7715-4F55-AD22-75FC3ADF836A}" srcOrd="3" destOrd="0" presId="urn:microsoft.com/office/officeart/2018/2/layout/IconLabelList"/>
+    <dgm:cxn modelId="{1AFD0AFF-8963-414E-9288-50C113868DA2}" type="presParOf" srcId="{34529023-2501-45C8-BEAE-52E9D27A175A}" destId="{AD97D1C7-F56F-47E0-993D-826914756C93}" srcOrd="4" destOrd="0" presId="urn:microsoft.com/office/officeart/2018/2/layout/IconLabelList"/>
+    <dgm:cxn modelId="{2B8BD05C-CD4E-404F-BAFE-D9BBCE0AE1A8}" type="presParOf" srcId="{AD97D1C7-F56F-47E0-993D-826914756C93}" destId="{11F8D876-8279-4FA7-8001-E8C962FDF5A3}" srcOrd="0" destOrd="0" presId="urn:microsoft.com/office/officeart/2018/2/layout/IconLabelList"/>
+    <dgm:cxn modelId="{97C9A902-80FD-475E-BF44-7C214DA7B9B8}" type="presParOf" srcId="{AD97D1C7-F56F-47E0-993D-826914756C93}" destId="{01BD6F2E-0548-4FDD-AA44-BD6F049E2E8F}" srcOrd="1" destOrd="0" presId="urn:microsoft.com/office/officeart/2018/2/layout/IconLabelList"/>
+    <dgm:cxn modelId="{E7EB2A23-4576-43A4-BCBE-464CB56B91A7}" type="presParOf" srcId="{AD97D1C7-F56F-47E0-993D-826914756C93}" destId="{6C107FF1-66D9-4869-83C3-04B314C24EFB}" srcOrd="2" destOrd="0" presId="urn:microsoft.com/office/officeart/2018/2/layout/IconLabelList"/>
+    <dgm:cxn modelId="{51B1C1AF-7330-4EC8-9171-4F4121005468}" type="presParOf" srcId="{34529023-2501-45C8-BEAE-52E9D27A175A}" destId="{9FA05118-6271-46C7-874B-CE345A79781A}" srcOrd="5" destOrd="0" presId="urn:microsoft.com/office/officeart/2018/2/layout/IconLabelList"/>
+    <dgm:cxn modelId="{425B544E-BBB9-4BE8-B780-4980A6ADACD5}" type="presParOf" srcId="{34529023-2501-45C8-BEAE-52E9D27A175A}" destId="{6B29A8B4-4BC1-4518-A714-0BCFF13F5464}" srcOrd="6" destOrd="0" presId="urn:microsoft.com/office/officeart/2018/2/layout/IconLabelList"/>
+    <dgm:cxn modelId="{5503AD44-3842-4846-9519-4278B087181A}" type="presParOf" srcId="{6B29A8B4-4BC1-4518-A714-0BCFF13F5464}" destId="{CE387DF0-9ABF-4829-8EA6-F9C4197811CF}" srcOrd="0" destOrd="0" presId="urn:microsoft.com/office/officeart/2018/2/layout/IconLabelList"/>
+    <dgm:cxn modelId="{B02AED4A-1B49-442F-BBF2-FDDD77E6C443}" type="presParOf" srcId="{6B29A8B4-4BC1-4518-A714-0BCFF13F5464}" destId="{9B539E87-F18B-4B5A-9A56-4210849E61F9}" srcOrd="1" destOrd="0" presId="urn:microsoft.com/office/officeart/2018/2/layout/IconLabelList"/>
+    <dgm:cxn modelId="{BB39EBAC-4705-4726-A077-67D319576B62}" type="presParOf" srcId="{6B29A8B4-4BC1-4518-A714-0BCFF13F5464}" destId="{BE9789A8-F72C-49DB-A2D8-6E5D630FD32E}" srcOrd="2" destOrd="0" presId="urn:microsoft.com/office/officeart/2018/2/layout/IconLabelList"/>
+    <dgm:cxn modelId="{3BA01B55-E48A-4B91-ACEA-61908097F963}" type="presParOf" srcId="{34529023-2501-45C8-BEAE-52E9D27A175A}" destId="{C58519CD-E15D-42AC-9C03-3D6710CD672B}" srcOrd="7" destOrd="0" presId="urn:microsoft.com/office/officeart/2018/2/layout/IconLabelList"/>
+    <dgm:cxn modelId="{C43E6924-D3E4-497D-94D3-C1EA13EC69F7}" type="presParOf" srcId="{34529023-2501-45C8-BEAE-52E9D27A175A}" destId="{75D5F8CE-3A0C-4ECE-B0E8-78FC92716CC5}" srcOrd="8" destOrd="0" presId="urn:microsoft.com/office/officeart/2018/2/layout/IconLabelList"/>
+    <dgm:cxn modelId="{583B3FA0-EF79-4D8D-A1D2-A26296AFD521}" type="presParOf" srcId="{75D5F8CE-3A0C-4ECE-B0E8-78FC92716CC5}" destId="{AC497796-181D-496C-A490-4DBE53DFE4A6}" srcOrd="0" destOrd="0" presId="urn:microsoft.com/office/officeart/2018/2/layout/IconLabelList"/>
+    <dgm:cxn modelId="{E99E6AAC-A710-4120-B0D5-A7894BFB42CC}" type="presParOf" srcId="{75D5F8CE-3A0C-4ECE-B0E8-78FC92716CC5}" destId="{10FFC460-DC4A-4374-B3F7-6C5B0DEE85B7}" srcOrd="1" destOrd="0" presId="urn:microsoft.com/office/officeart/2018/2/layout/IconLabelList"/>
+    <dgm:cxn modelId="{B755369C-D155-41A2-B1AF-6D9B973FD893}" type="presParOf" srcId="{75D5F8CE-3A0C-4ECE-B0E8-78FC92716CC5}" destId="{900AD956-3982-4D1F-A7A1-2762DF7B0DAC}" srcOrd="2" destOrd="0" presId="urn:microsoft.com/office/officeart/2018/2/layout/IconLabelList"/>
+  </dgm:cxnLst>
+  <dgm:bg/>
+  <dgm:whole/>
+  <dgm:extLst>
+    <a:ext uri="http://schemas.microsoft.com/office/drawing/2008/diagram">
+      <dsp:dataModelExt xmlns:dsp="http://schemas.microsoft.com/office/drawing/2008/diagram" relId="rId6" minVer="http://schemas.openxmlformats.org/drawingml/2006/diagram"/>
+    </a:ext>
+  </dgm:extLst>
+</dgm:dataModel>
+</file>
+
+<file path=ppt/diagrams/drawing1.xml><?xml version="1.0" encoding="utf-8"?>
+<dsp:drawing xmlns:dgm="http://schemas.openxmlformats.org/drawingml/2006/diagram" xmlns:dsp="http://schemas.microsoft.com/office/drawing/2008/diagram" xmlns:a="http://schemas.openxmlformats.org/drawingml/2006/main">
+  <dsp:spTree>
+    <dsp:nvGrpSpPr>
+      <dsp:cNvPr id="0" name=""/>
+      <dsp:cNvGrpSpPr/>
+    </dsp:nvGrpSpPr>
+    <dsp:grpSpPr/>
+    <dsp:sp modelId="{88BD95AA-9A00-4182-A21D-81EC2E58F884}">
+      <dsp:nvSpPr>
+        <dsp:cNvPr id="0" name=""/>
+        <dsp:cNvSpPr/>
+      </dsp:nvSpPr>
+      <dsp:spPr>
+        <a:xfrm>
+          <a:off x="874418" y="1506950"/>
+          <a:ext cx="810000" cy="810000"/>
+        </a:xfrm>
+        <a:prstGeom prst="rect">
+          <a:avLst/>
+        </a:prstGeom>
+        <a:blipFill>
+          <a:blip xmlns:r="http://schemas.openxmlformats.org/officeDocument/2006/relationships" r:embed="rId1">
+            <a:extLst>
+              <a:ext uri="{28A0092B-C50C-407E-A947-70E740481C1C}">
+                <a14:useLocalDpi xmlns:a14="http://schemas.microsoft.com/office/drawing/2010/main" val="0"/>
+              </a:ext>
+              <a:ext uri="{96DAC541-7B7A-43D3-8B79-37D633B846F1}">
+                <asvg:svgBlip xmlns:asvg="http://schemas.microsoft.com/office/drawing/2016/SVG/main" r:embed="rId2"/>
+              </a:ext>
+            </a:extLst>
+          </a:blip>
+          <a:stretch>
+            <a:fillRect/>
+          </a:stretch>
+        </a:blipFill>
+        <a:ln w="10795" cap="flat" cmpd="sng" algn="ctr">
+          <a:noFill/>
+          <a:prstDash val="solid"/>
+        </a:ln>
+        <a:effectLst/>
+      </dsp:spPr>
+      <dsp:style>
+        <a:lnRef idx="2">
+          <a:scrgbClr r="0" g="0" b="0"/>
+        </a:lnRef>
+        <a:fillRef idx="1">
+          <a:scrgbClr r="0" g="0" b="0"/>
+        </a:fillRef>
+        <a:effectRef idx="0">
+          <a:scrgbClr r="0" g="0" b="0"/>
+        </a:effectRef>
+        <a:fontRef idx="minor">
+          <a:schemeClr val="lt1"/>
+        </a:fontRef>
+      </dsp:style>
+    </dsp:sp>
+    <dsp:sp modelId="{F35776F2-E0EB-4329-86F8-C30B0FF75F5A}">
+      <dsp:nvSpPr>
+        <dsp:cNvPr id="0" name=""/>
+        <dsp:cNvSpPr/>
+      </dsp:nvSpPr>
+      <dsp:spPr>
+        <a:xfrm>
+          <a:off x="379418" y="2606987"/>
+          <a:ext cx="1800000" cy="720000"/>
+        </a:xfrm>
+        <a:prstGeom prst="rect">
+          <a:avLst/>
+        </a:prstGeom>
+        <a:noFill/>
+        <a:ln>
+          <a:noFill/>
+        </a:ln>
+        <a:effectLst/>
+      </dsp:spPr>
+      <dsp:style>
+        <a:lnRef idx="0">
+          <a:scrgbClr r="0" g="0" b="0"/>
+        </a:lnRef>
+        <a:fillRef idx="0">
+          <a:scrgbClr r="0" g="0" b="0"/>
+        </a:fillRef>
+        <a:effectRef idx="0">
+          <a:scrgbClr r="0" g="0" b="0"/>
+        </a:effectRef>
+        <a:fontRef idx="minor"/>
+      </dsp:style>
+      <dsp:txBody>
+        <a:bodyPr spcFirstLastPara="0" vert="horz" wrap="square" lIns="0" tIns="0" rIns="0" bIns="0" numCol="1" spcCol="1270" anchor="t" anchorCtr="0">
+          <a:noAutofit/>
+        </a:bodyPr>
+        <a:lstStyle/>
+        <a:p>
+          <a:pPr marL="0" lvl="0" indent="0" algn="ctr" defTabSz="1022350">
+            <a:lnSpc>
+              <a:spcPct val="90000"/>
+            </a:lnSpc>
+            <a:spcBef>
+              <a:spcPct val="0"/>
+            </a:spcBef>
+            <a:spcAft>
+              <a:spcPct val="35000"/>
+            </a:spcAft>
+            <a:buNone/>
+          </a:pPr>
+          <a:r>
+            <a:rPr lang="en-US" sz="2300" kern="1200"/>
+            <a:t>Azure Account</a:t>
+          </a:r>
+        </a:p>
+      </dsp:txBody>
+      <dsp:txXfrm>
+        <a:off x="379418" y="2606987"/>
+        <a:ext cx="1800000" cy="720000"/>
+      </dsp:txXfrm>
+    </dsp:sp>
+    <dsp:sp modelId="{A933C9EC-B125-4923-B2F0-ABB94D4D3B28}">
+      <dsp:nvSpPr>
+        <dsp:cNvPr id="0" name=""/>
+        <dsp:cNvSpPr/>
+      </dsp:nvSpPr>
+      <dsp:spPr>
+        <a:xfrm>
+          <a:off x="2989418" y="1506950"/>
+          <a:ext cx="810000" cy="810000"/>
+        </a:xfrm>
+        <a:prstGeom prst="rect">
+          <a:avLst/>
+        </a:prstGeom>
+        <a:blipFill>
+          <a:blip xmlns:r="http://schemas.openxmlformats.org/officeDocument/2006/relationships" r:embed="rId3">
+            <a:extLst>
+              <a:ext uri="{28A0092B-C50C-407E-A947-70E740481C1C}">
+                <a14:useLocalDpi xmlns:a14="http://schemas.microsoft.com/office/drawing/2010/main" val="0"/>
+              </a:ext>
+              <a:ext uri="{96DAC541-7B7A-43D3-8B79-37D633B846F1}">
+                <asvg:svgBlip xmlns:asvg="http://schemas.microsoft.com/office/drawing/2016/SVG/main" r:embed="rId4"/>
+              </a:ext>
+            </a:extLst>
+          </a:blip>
+          <a:stretch>
+            <a:fillRect/>
+          </a:stretch>
+        </a:blipFill>
+        <a:ln w="10795" cap="flat" cmpd="sng" algn="ctr">
+          <a:noFill/>
+          <a:prstDash val="solid"/>
+        </a:ln>
+        <a:effectLst/>
+      </dsp:spPr>
+      <dsp:style>
+        <a:lnRef idx="2">
+          <a:scrgbClr r="0" g="0" b="0"/>
+        </a:lnRef>
+        <a:fillRef idx="1">
+          <a:scrgbClr r="0" g="0" b="0"/>
+        </a:fillRef>
+        <a:effectRef idx="0">
+          <a:scrgbClr r="0" g="0" b="0"/>
+        </a:effectRef>
+        <a:fontRef idx="minor">
+          <a:schemeClr val="lt1"/>
+        </a:fontRef>
+      </dsp:style>
+    </dsp:sp>
+    <dsp:sp modelId="{1175BE44-0246-4CEE-8001-CF27C8537817}">
+      <dsp:nvSpPr>
+        <dsp:cNvPr id="0" name=""/>
+        <dsp:cNvSpPr/>
+      </dsp:nvSpPr>
+      <dsp:spPr>
+        <a:xfrm>
+          <a:off x="2494418" y="2606987"/>
+          <a:ext cx="1800000" cy="720000"/>
+        </a:xfrm>
+        <a:prstGeom prst="rect">
+          <a:avLst/>
+        </a:prstGeom>
+        <a:noFill/>
+        <a:ln>
+          <a:noFill/>
+        </a:ln>
+        <a:effectLst/>
+      </dsp:spPr>
+      <dsp:style>
+        <a:lnRef idx="0">
+          <a:scrgbClr r="0" g="0" b="0"/>
+        </a:lnRef>
+        <a:fillRef idx="0">
+          <a:scrgbClr r="0" g="0" b="0"/>
+        </a:fillRef>
+        <a:effectRef idx="0">
+          <a:scrgbClr r="0" g="0" b="0"/>
+        </a:effectRef>
+        <a:fontRef idx="minor"/>
+      </dsp:style>
+      <dsp:txBody>
+        <a:bodyPr spcFirstLastPara="0" vert="horz" wrap="square" lIns="0" tIns="0" rIns="0" bIns="0" numCol="1" spcCol="1270" anchor="t" anchorCtr="0">
+          <a:noAutofit/>
+        </a:bodyPr>
+        <a:lstStyle/>
+        <a:p>
+          <a:pPr marL="0" lvl="0" indent="0" algn="ctr" defTabSz="1022350">
+            <a:lnSpc>
+              <a:spcPct val="90000"/>
+            </a:lnSpc>
+            <a:spcBef>
+              <a:spcPct val="0"/>
+            </a:spcBef>
+            <a:spcAft>
+              <a:spcPct val="35000"/>
+            </a:spcAft>
+            <a:buNone/>
+          </a:pPr>
+          <a:r>
+            <a:rPr lang="en-US" sz="2300" kern="1200"/>
+            <a:t>DSVM</a:t>
+          </a:r>
+        </a:p>
+      </dsp:txBody>
+      <dsp:txXfrm>
+        <a:off x="2494418" y="2606987"/>
+        <a:ext cx="1800000" cy="720000"/>
+      </dsp:txXfrm>
+    </dsp:sp>
+    <dsp:sp modelId="{11F8D876-8279-4FA7-8001-E8C962FDF5A3}">
+      <dsp:nvSpPr>
+        <dsp:cNvPr id="0" name=""/>
+        <dsp:cNvSpPr/>
+      </dsp:nvSpPr>
+      <dsp:spPr>
+        <a:xfrm>
+          <a:off x="5104418" y="1506950"/>
+          <a:ext cx="810000" cy="810000"/>
+        </a:xfrm>
+        <a:prstGeom prst="rect">
+          <a:avLst/>
+        </a:prstGeom>
+        <a:blipFill>
+          <a:blip xmlns:r="http://schemas.openxmlformats.org/officeDocument/2006/relationships" r:embed="rId5">
+            <a:extLst>
+              <a:ext uri="{28A0092B-C50C-407E-A947-70E740481C1C}">
+                <a14:useLocalDpi xmlns:a14="http://schemas.microsoft.com/office/drawing/2010/main" val="0"/>
+              </a:ext>
+              <a:ext uri="{96DAC541-7B7A-43D3-8B79-37D633B846F1}">
+                <asvg:svgBlip xmlns:asvg="http://schemas.microsoft.com/office/drawing/2016/SVG/main" r:embed="rId6"/>
+              </a:ext>
+            </a:extLst>
+          </a:blip>
+          <a:stretch>
+            <a:fillRect/>
+          </a:stretch>
+        </a:blipFill>
+        <a:ln w="10795" cap="flat" cmpd="sng" algn="ctr">
+          <a:noFill/>
+          <a:prstDash val="solid"/>
+        </a:ln>
+        <a:effectLst/>
+      </dsp:spPr>
+      <dsp:style>
+        <a:lnRef idx="2">
+          <a:scrgbClr r="0" g="0" b="0"/>
+        </a:lnRef>
+        <a:fillRef idx="1">
+          <a:scrgbClr r="0" g="0" b="0"/>
+        </a:fillRef>
+        <a:effectRef idx="0">
+          <a:scrgbClr r="0" g="0" b="0"/>
+        </a:effectRef>
+        <a:fontRef idx="minor">
+          <a:schemeClr val="lt1"/>
+        </a:fontRef>
+      </dsp:style>
+    </dsp:sp>
+    <dsp:sp modelId="{6C107FF1-66D9-4869-83C3-04B314C24EFB}">
+      <dsp:nvSpPr>
+        <dsp:cNvPr id="0" name=""/>
+        <dsp:cNvSpPr/>
+      </dsp:nvSpPr>
+      <dsp:spPr>
+        <a:xfrm>
+          <a:off x="4609418" y="2606987"/>
+          <a:ext cx="1800000" cy="720000"/>
+        </a:xfrm>
+        <a:prstGeom prst="rect">
+          <a:avLst/>
+        </a:prstGeom>
+        <a:noFill/>
+        <a:ln>
+          <a:noFill/>
+        </a:ln>
+        <a:effectLst/>
+      </dsp:spPr>
+      <dsp:style>
+        <a:lnRef idx="0">
+          <a:scrgbClr r="0" g="0" b="0"/>
+        </a:lnRef>
+        <a:fillRef idx="0">
+          <a:scrgbClr r="0" g="0" b="0"/>
+        </a:fillRef>
+        <a:effectRef idx="0">
+          <a:scrgbClr r="0" g="0" b="0"/>
+        </a:effectRef>
+        <a:fontRef idx="minor"/>
+      </dsp:style>
+      <dsp:txBody>
+        <a:bodyPr spcFirstLastPara="0" vert="horz" wrap="square" lIns="0" tIns="0" rIns="0" bIns="0" numCol="1" spcCol="1270" anchor="t" anchorCtr="0">
+          <a:noAutofit/>
+        </a:bodyPr>
+        <a:lstStyle/>
+        <a:p>
+          <a:pPr marL="0" lvl="0" indent="0" algn="ctr" defTabSz="1022350">
+            <a:lnSpc>
+              <a:spcPct val="90000"/>
+            </a:lnSpc>
+            <a:spcBef>
+              <a:spcPct val="0"/>
+            </a:spcBef>
+            <a:spcAft>
+              <a:spcPct val="35000"/>
+            </a:spcAft>
+            <a:buNone/>
+          </a:pPr>
+          <a:r>
+            <a:rPr lang="en-US" sz="2300" kern="1200"/>
+            <a:t>Storage Account</a:t>
+          </a:r>
+        </a:p>
+      </dsp:txBody>
+      <dsp:txXfrm>
+        <a:off x="4609418" y="2606987"/>
+        <a:ext cx="1800000" cy="720000"/>
+      </dsp:txXfrm>
+    </dsp:sp>
+    <dsp:sp modelId="{CE387DF0-9ABF-4829-8EA6-F9C4197811CF}">
+      <dsp:nvSpPr>
+        <dsp:cNvPr id="0" name=""/>
+        <dsp:cNvSpPr/>
+      </dsp:nvSpPr>
+      <dsp:spPr>
+        <a:xfrm>
+          <a:off x="7219419" y="1506950"/>
+          <a:ext cx="810000" cy="810000"/>
+        </a:xfrm>
+        <a:prstGeom prst="rect">
+          <a:avLst/>
+        </a:prstGeom>
+        <a:blipFill>
+          <a:blip xmlns:r="http://schemas.openxmlformats.org/officeDocument/2006/relationships" r:embed="rId7">
+            <a:extLst>
+              <a:ext uri="{28A0092B-C50C-407E-A947-70E740481C1C}">
+                <a14:useLocalDpi xmlns:a14="http://schemas.microsoft.com/office/drawing/2010/main" val="0"/>
+              </a:ext>
+              <a:ext uri="{96DAC541-7B7A-43D3-8B79-37D633B846F1}">
+                <asvg:svgBlip xmlns:asvg="http://schemas.microsoft.com/office/drawing/2016/SVG/main" r:embed="rId8"/>
+              </a:ext>
+            </a:extLst>
+          </a:blip>
+          <a:stretch>
+            <a:fillRect/>
+          </a:stretch>
+        </a:blipFill>
+        <a:ln w="10795" cap="flat" cmpd="sng" algn="ctr">
+          <a:noFill/>
+          <a:prstDash val="solid"/>
+        </a:ln>
+        <a:effectLst/>
+      </dsp:spPr>
+      <dsp:style>
+        <a:lnRef idx="2">
+          <a:scrgbClr r="0" g="0" b="0"/>
+        </a:lnRef>
+        <a:fillRef idx="1">
+          <a:scrgbClr r="0" g="0" b="0"/>
+        </a:fillRef>
+        <a:effectRef idx="0">
+          <a:scrgbClr r="0" g="0" b="0"/>
+        </a:effectRef>
+        <a:fontRef idx="minor">
+          <a:schemeClr val="lt1"/>
+        </a:fontRef>
+      </dsp:style>
+    </dsp:sp>
+    <dsp:sp modelId="{BE9789A8-F72C-49DB-A2D8-6E5D630FD32E}">
+      <dsp:nvSpPr>
+        <dsp:cNvPr id="0" name=""/>
+        <dsp:cNvSpPr/>
+      </dsp:nvSpPr>
+      <dsp:spPr>
+        <a:xfrm>
+          <a:off x="6724419" y="2606987"/>
+          <a:ext cx="1800000" cy="720000"/>
+        </a:xfrm>
+        <a:prstGeom prst="rect">
+          <a:avLst/>
+        </a:prstGeom>
+        <a:noFill/>
+        <a:ln>
+          <a:noFill/>
+        </a:ln>
+        <a:effectLst/>
+      </dsp:spPr>
+      <dsp:style>
+        <a:lnRef idx="0">
+          <a:scrgbClr r="0" g="0" b="0"/>
+        </a:lnRef>
+        <a:fillRef idx="0">
+          <a:scrgbClr r="0" g="0" b="0"/>
+        </a:fillRef>
+        <a:effectRef idx="0">
+          <a:scrgbClr r="0" g="0" b="0"/>
+        </a:effectRef>
+        <a:fontRef idx="minor"/>
+      </dsp:style>
+      <dsp:txBody>
+        <a:bodyPr spcFirstLastPara="0" vert="horz" wrap="square" lIns="0" tIns="0" rIns="0" bIns="0" numCol="1" spcCol="1270" anchor="t" anchorCtr="0">
+          <a:noAutofit/>
+        </a:bodyPr>
+        <a:lstStyle/>
+        <a:p>
+          <a:pPr marL="0" lvl="0" indent="0" algn="ctr" defTabSz="1022350">
+            <a:lnSpc>
+              <a:spcPct val="90000"/>
+            </a:lnSpc>
+            <a:spcBef>
+              <a:spcPct val="0"/>
+            </a:spcBef>
+            <a:spcAft>
+              <a:spcPct val="35000"/>
+            </a:spcAft>
+            <a:buNone/>
+          </a:pPr>
+          <a:r>
+            <a:rPr lang="en-US" sz="2300" kern="1200"/>
+            <a:t>Azure Search</a:t>
+          </a:r>
+        </a:p>
+      </dsp:txBody>
+      <dsp:txXfrm>
+        <a:off x="6724419" y="2606987"/>
+        <a:ext cx="1800000" cy="720000"/>
+      </dsp:txXfrm>
+    </dsp:sp>
+    <dsp:sp modelId="{AC497796-181D-496C-A490-4DBE53DFE4A6}">
+      <dsp:nvSpPr>
+        <dsp:cNvPr id="0" name=""/>
+        <dsp:cNvSpPr/>
+      </dsp:nvSpPr>
+      <dsp:spPr>
+        <a:xfrm>
+          <a:off x="9334418" y="1506950"/>
+          <a:ext cx="810000" cy="810000"/>
+        </a:xfrm>
+        <a:prstGeom prst="rect">
+          <a:avLst/>
+        </a:prstGeom>
+        <a:blipFill>
+          <a:blip xmlns:r="http://schemas.openxmlformats.org/officeDocument/2006/relationships" r:embed="rId9">
+            <a:extLst>
+              <a:ext uri="{28A0092B-C50C-407E-A947-70E740481C1C}">
+                <a14:useLocalDpi xmlns:a14="http://schemas.microsoft.com/office/drawing/2010/main" val="0"/>
+              </a:ext>
+              <a:ext uri="{96DAC541-7B7A-43D3-8B79-37D633B846F1}">
+                <asvg:svgBlip xmlns:asvg="http://schemas.microsoft.com/office/drawing/2016/SVG/main" r:embed="rId10"/>
+              </a:ext>
+            </a:extLst>
+          </a:blip>
+          <a:stretch>
+            <a:fillRect/>
+          </a:stretch>
+        </a:blipFill>
+        <a:ln w="10795" cap="flat" cmpd="sng" algn="ctr">
+          <a:noFill/>
+          <a:prstDash val="solid"/>
+        </a:ln>
+        <a:effectLst/>
+      </dsp:spPr>
+      <dsp:style>
+        <a:lnRef idx="2">
+          <a:scrgbClr r="0" g="0" b="0"/>
+        </a:lnRef>
+        <a:fillRef idx="1">
+          <a:scrgbClr r="0" g="0" b="0"/>
+        </a:fillRef>
+        <a:effectRef idx="0">
+          <a:scrgbClr r="0" g="0" b="0"/>
+        </a:effectRef>
+        <a:fontRef idx="minor">
+          <a:schemeClr val="lt1"/>
+        </a:fontRef>
+      </dsp:style>
+    </dsp:sp>
+    <dsp:sp modelId="{900AD956-3982-4D1F-A7A1-2762DF7B0DAC}">
+      <dsp:nvSpPr>
+        <dsp:cNvPr id="0" name=""/>
+        <dsp:cNvSpPr/>
+      </dsp:nvSpPr>
+      <dsp:spPr>
+        <a:xfrm>
+          <a:off x="8839419" y="2606987"/>
+          <a:ext cx="1800000" cy="720000"/>
+        </a:xfrm>
+        <a:prstGeom prst="rect">
+          <a:avLst/>
+        </a:prstGeom>
+        <a:noFill/>
+        <a:ln>
+          <a:noFill/>
+        </a:ln>
+        <a:effectLst/>
+      </dsp:spPr>
+      <dsp:style>
+        <a:lnRef idx="0">
+          <a:scrgbClr r="0" g="0" b="0"/>
+        </a:lnRef>
+        <a:fillRef idx="0">
+          <a:scrgbClr r="0" g="0" b="0"/>
+        </a:fillRef>
+        <a:effectRef idx="0">
+          <a:scrgbClr r="0" g="0" b="0"/>
+        </a:effectRef>
+        <a:fontRef idx="minor"/>
+      </dsp:style>
+      <dsp:txBody>
+        <a:bodyPr spcFirstLastPara="0" vert="horz" wrap="square" lIns="0" tIns="0" rIns="0" bIns="0" numCol="1" spcCol="1270" anchor="t" anchorCtr="0">
+          <a:noAutofit/>
+        </a:bodyPr>
+        <a:lstStyle/>
+        <a:p>
+          <a:pPr marL="0" lvl="0" indent="0" algn="ctr" defTabSz="1022350">
+            <a:lnSpc>
+              <a:spcPct val="90000"/>
+            </a:lnSpc>
+            <a:spcBef>
+              <a:spcPct val="0"/>
+            </a:spcBef>
+            <a:spcAft>
+              <a:spcPct val="35000"/>
+            </a:spcAft>
+            <a:buNone/>
+          </a:pPr>
+          <a:r>
+            <a:rPr lang="en-US" sz="2300" kern="1200"/>
+            <a:t>Cognitive Services</a:t>
+          </a:r>
+        </a:p>
+      </dsp:txBody>
+      <dsp:txXfrm>
+        <a:off x="8839419" y="2606987"/>
+        <a:ext cx="1800000" cy="720000"/>
+      </dsp:txXfrm>
+    </dsp:sp>
+  </dsp:spTree>
+</dsp:drawing>
+</file>
+
+<file path=ppt/diagrams/layout1.xml><?xml version="1.0" encoding="utf-8"?>
+<dgm:layoutDef xmlns:dgm="http://schemas.openxmlformats.org/drawingml/2006/diagram" xmlns:a="http://schemas.openxmlformats.org/drawingml/2006/main" uniqueId="urn:microsoft.com/office/officeart/2018/2/layout/IconLabelList">
+  <dgm:title val="Icon Label List"/>
+  <dgm:desc val="Use to show non-sequential or grouped chunks of information accompanied by a related visuals. Works best with icons or small pictures with short text captions."/>
+  <dgm:catLst>
+    <dgm:cat type="icon" pri="500"/>
+  </dgm:catLst>
+  <dgm:sampData useDef="1">
+    <dgm:dataModel>
+      <dgm:ptLst/>
+      <dgm:bg/>
+      <dgm:whole/>
+    </dgm:dataModel>
+  </dgm:sampData>
+  <dgm:styleData useDef="1">
+    <dgm:dataModel>
+      <dgm:ptLst/>
+      <dgm:bg/>
+      <dgm:whole/>
+    </dgm:dataModel>
+  </dgm:styleData>
+  <dgm:clrData useDef="1">
+    <dgm:dataModel>
+      <dgm:ptLst/>
+      <dgm:bg/>
+      <dgm:whole/>
+    </dgm:dataModel>
+  </dgm:clrData>
+  <dgm:layoutNode name="root">
+    <dgm:varLst>
+      <dgm:dir/>
+      <dgm:resizeHandles val="exact"/>
+    </dgm:varLst>
+    <dgm:choose name="Name0">
+      <dgm:if name="Name1" axis="self" func="var" arg="dir" op="equ" val="norm">
+        <dgm:alg type="snake">
+          <dgm:param type="grDir" val="tL"/>
+          <dgm:param type="flowDir" val="row"/>
+          <dgm:param type="contDir" val="sameDir"/>
+          <dgm:param type="off" val="ctr"/>
+          <dgm:param type="vertAlign" val="mid"/>
+          <dgm:param type="horzAlign" val="ctr"/>
+        </dgm:alg>
+      </dgm:if>
+      <dgm:else name="Name2">
+        <dgm:alg type="snake">
+          <dgm:param type="grDir" val="tR"/>
+          <dgm:param type="flowDir" val="row"/>
+          <dgm:param type="contDir" val="sameDir"/>
+          <dgm:param type="off" val="ctr"/>
+          <dgm:param type="vertAlign" val="mid"/>
+          <dgm:param type="horzAlign" val="ctr"/>
+        </dgm:alg>
+      </dgm:else>
+    </dgm:choose>
+    <dgm:shape xmlns:r="http://schemas.openxmlformats.org/officeDocument/2006/relationships" r:blip="">
+      <dgm:adjLst/>
+    </dgm:shape>
+    <dgm:presOf/>
+    <dgm:choose name="Name3">
+      <dgm:if name="Name4" axis="ch" ptType="node" func="cnt" op="lte" val="2">
+        <dgm:constrLst>
+          <dgm:constr type="h" for="ch" forName="compNode" refType="h" fact="0.4"/>
+          <dgm:constr type="w" for="ch" forName="compNode" val="120"/>
+          <dgm:constr type="w" for="ch" forName="sibTrans" refType="w" refFor="ch" refForName="compNode" fact="0.175"/>
+          <dgm:constr type="sp" refType="w" refFor="ch" refForName="compNode" op="equ" fact="0.25"/>
+          <dgm:constr type="primFontSz" for="des" ptType="node" op="equ" val="50"/>
+          <dgm:constr type="h" for="des" forName="compNode" op="equ"/>
+          <dgm:constr type="h" for="des" forName="textRect" op="equ"/>
+        </dgm:constrLst>
+      </dgm:if>
+      <dgm:if name="Name5" axis="ch" ptType="node" func="cnt" op="lte" val="4">
+        <dgm:constrLst>
+          <dgm:constr type="h" for="ch" forName="compNode" refType="h" fact="0.4"/>
+          <dgm:constr type="w" for="ch" forName="compNode" refType="w"/>
+          <dgm:constr type="w" for="ch" forName="sibTrans" refType="w" refFor="ch" refForName="compNode" fact="0.175"/>
+          <dgm:constr type="sp" refType="w" refFor="ch" refForName="compNode" op="equ" fact="0.25"/>
+          <dgm:constr type="primFontSz" for="des" ptType="node" op="equ" val="36"/>
+          <dgm:constr type="h" for="des" forName="compNode" op="equ"/>
+          <dgm:constr type="h" for="des" forName="textRect" op="equ"/>
+        </dgm:constrLst>
+      </dgm:if>
+      <dgm:else name="Name6">
+        <dgm:constrLst>
+          <dgm:constr type="h" for="ch" forName="compNode" refType="h" fact="0.4"/>
+          <dgm:constr type="w" for="ch" forName="compNode" refType="w"/>
+          <dgm:constr type="w" for="ch" forName="sibTrans" refType="w" refFor="ch" refForName="compNode" fact="0.175"/>
+          <dgm:constr type="sp" refType="w" refFor="ch" refForName="compNode" op="equ" fact="0.25"/>
+          <dgm:constr type="primFontSz" for="des" ptType="node" op="equ" val="24"/>
+          <dgm:constr type="h" for="des" forName="compNode" op="equ"/>
+          <dgm:constr type="h" for="des" forName="textRect" op="equ"/>
+        </dgm:constrLst>
+      </dgm:else>
+    </dgm:choose>
+    <dgm:ruleLst>
+      <dgm:rule type="w" for="ch" forName="compNode" val="50" fact="NaN" max="NaN"/>
+    </dgm:ruleLst>
+    <dgm:forEach name="Name7" axis="ch" ptType="node">
+      <dgm:layoutNode name="compNode">
+        <dgm:alg type="composite"/>
+        <dgm:shape xmlns:r="http://schemas.openxmlformats.org/officeDocument/2006/relationships" r:blip="">
+          <dgm:adjLst/>
+        </dgm:shape>
+        <dgm:presOf axis="self"/>
+        <dgm:constrLst>
+          <dgm:constr type="w" for="ch" forName="iconRect" refType="w" fact="0.45"/>
+          <dgm:constr type="h" for="ch" forName="iconRect" refType="w" refFor="ch" refForName="iconRect"/>
+          <dgm:constr type="ctrX" for="ch" forName="iconRect" refType="w" fact="0.5"/>
+          <dgm:constr type="t" for="ch" forName="iconRect"/>
+          <dgm:constr type="h" for="ch" forName="spaceRect" refType="h" fact="0.15"/>
+          <dgm:constr type="w" for="ch" forName="spaceRect" refType="w"/>
+          <dgm:constr type="l" for="ch" forName="spaceRect"/>
+          <dgm:constr type="t" for="ch" forName="spaceRect" refType="b" refFor="ch" refForName="iconRect"/>
+          <dgm:constr type="h" for="ch" forName="textRect" val="20"/>
+          <dgm:constr type="w" for="ch" forName="textRect" refType="w"/>
+          <dgm:constr type="l" for="ch" forName="textRect"/>
+          <dgm:constr type="t" for="ch" forName="textRect" refType="b" refFor="ch" refForName="spaceRect"/>
+        </dgm:constrLst>
+        <dgm:ruleLst>
+          <dgm:rule type="h" val="INF" fact="NaN" max="NaN"/>
+        </dgm:ruleLst>
+        <dgm:layoutNode name="iconRect" styleLbl="node1">
+          <dgm:alg type="sp"/>
+          <dgm:shape xmlns:r="http://schemas.openxmlformats.org/officeDocument/2006/relationships" type="rect" r:blip="" blipPhldr="1">
+            <dgm:adjLst/>
+          </dgm:shape>
+          <dgm:presOf/>
+          <dgm:constrLst/>
+          <dgm:ruleLst/>
+        </dgm:layoutNode>
+        <dgm:layoutNode name="spaceRect">
+          <dgm:alg type="sp"/>
+          <dgm:shape xmlns:r="http://schemas.openxmlformats.org/officeDocument/2006/relationships" r:blip="">
+            <dgm:adjLst/>
+          </dgm:shape>
+          <dgm:presOf/>
+          <dgm:constrLst/>
+          <dgm:ruleLst/>
+        </dgm:layoutNode>
+        <dgm:layoutNode name="textRect" styleLbl="revTx">
+          <dgm:varLst>
+            <dgm:chMax val="1"/>
+            <dgm:chPref val="1"/>
+          </dgm:varLst>
+          <dgm:alg type="tx">
+            <dgm:param type="txAnchorVert" val="t"/>
+          </dgm:alg>
+          <dgm:shape xmlns:r="http://schemas.openxmlformats.org/officeDocument/2006/relationships" type="rect" r:blip="">
+            <dgm:adjLst/>
+          </dgm:shape>
+          <dgm:presOf axis="self" ptType="node"/>
+          <dgm:constrLst>
+            <dgm:constr type="lMarg"/>
+            <dgm:constr type="rMarg"/>
+            <dgm:constr type="tMarg"/>
+            <dgm:constr type="bMarg"/>
+          </dgm:constrLst>
+          <dgm:ruleLst>
+            <dgm:rule type="primFontSz" val="11" fact="NaN" max="NaN"/>
+            <dgm:rule type="h" val="INF" fact="NaN" max="NaN"/>
+          </dgm:ruleLst>
+        </dgm:layoutNode>
+      </dgm:layoutNode>
+      <dgm:forEach name="Name8" axis="followSib" ptType="sibTrans" cnt="1">
+        <dgm:layoutNode name="sibTrans">
+          <dgm:alg type="sp"/>
+          <dgm:shape xmlns:r="http://schemas.openxmlformats.org/officeDocument/2006/relationships" r:blip="">
+            <dgm:adjLst/>
+          </dgm:shape>
+          <dgm:presOf axis="self"/>
+          <dgm:constrLst/>
+          <dgm:ruleLst/>
+        </dgm:layoutNode>
+      </dgm:forEach>
+    </dgm:forEach>
+  </dgm:layoutNode>
+  <dgm:extLst>
+    <a:ext uri="{68A01E43-0DF5-4B5B-8FA6-DAF915123BFB}">
+      <dgm1612:lstStyle xmlns:dgm1612="http://schemas.microsoft.com/office/drawing/2016/12/diagram">
+        <a:lvl1pPr>
+          <a:lnSpc>
+            <a:spcPct val="100000"/>
+          </a:lnSpc>
+        </a:lvl1pPr>
+      </dgm1612:lstStyle>
+    </a:ext>
+  </dgm:extLst>
+</dgm:layoutDef>
+</file>
+
+<file path=ppt/diagrams/quickStyle1.xml><?xml version="1.0" encoding="utf-8"?>
+<dgm:styleDef xmlns:dgm="http://schemas.openxmlformats.org/drawingml/2006/diagram" xmlns:a="http://schemas.openxmlformats.org/drawingml/2006/main" uniqueId="urn:microsoft.com/office/officeart/2005/8/quickstyle/simple1">
+  <dgm:title val=""/>
+  <dgm:desc val=""/>
+  <dgm:catLst>
+    <dgm:cat type="simple" pri="10100"/>
+  </dgm:catLst>
+  <dgm:scene3d>
+    <a:camera prst="orthographicFront"/>
+    <a:lightRig rig="threePt" dir="t"/>
+  </dgm:scene3d>
+  <dgm:styleLbl name="node0">
+    <dgm:scene3d>
+      <a:camera prst="orthographicFront"/>
+      <a:lightRig rig="threePt" dir="t"/>
+    </dgm:scene3d>
+    <dgm:sp3d/>
+    <dgm:txPr/>
+    <dgm:style>
+      <a:lnRef idx="2">
+        <a:scrgbClr r="0" g="0" b="0"/>
+      </a:lnRef>
+      <a:fillRef idx="1">
+        <a:scrgbClr r="0" g="0" b="0"/>
+      </a:fillRef>
+      <a:effectRef idx="0">
+        <a:scrgbClr r="0" g="0" b="0"/>
+      </a:effectRef>
+      <a:fontRef idx="minor">
+        <a:schemeClr val="lt1"/>
+      </a:fontRef>
+    </dgm:style>
+  </dgm:styleLbl>
+  <dgm:styleLbl name="lnNode1">
+    <dgm:scene3d>
+      <a:camera prst="orthographicFront"/>
+      <a:lightRig rig="threePt" dir="t"/>
+    </dgm:scene3d>
+    <dgm:sp3d/>
+    <dgm:txPr/>
+    <dgm:style>
+      <a:lnRef idx="2">
+        <a:scrgbClr r="0" g="0" b="0"/>
+      </a:lnRef>
+      <a:fillRef idx="1">
+        <a:scrgbClr r="0" g="0" b="0"/>
+      </a:fillRef>
+      <a:effectRef idx="0">
+        <a:scrgbClr r="0" g="0" b="0"/>
+      </a:effectRef>
+      <a:fontRef idx="minor">
+        <a:schemeClr val="lt1"/>
+      </a:fontRef>
+    </dgm:style>
+  </dgm:styleLbl>
+  <dgm:styleLbl name="vennNode1">
+    <dgm:scene3d>
+      <a:camera prst="orthographicFront"/>
+      <a:lightRig rig="threePt" dir="t"/>
+    </dgm:scene3d>
+    <dgm:sp3d/>
+    <dgm:txPr/>
+    <dgm:style>
+      <a:lnRef idx="2">
+        <a:scrgbClr r="0" g="0" b="0"/>
+      </a:lnRef>
+      <a:fillRef idx="1">
+        <a:scrgbClr r="0" g="0" b="0"/>
+      </a:fillRef>
+      <a:effectRef idx="0">
+        <a:scrgbClr r="0" g="0" b="0"/>
+      </a:effectRef>
+      <a:fontRef idx="minor">
+        <a:schemeClr val="tx1"/>
+      </a:fontRef>
+    </dgm:style>
+  </dgm:styleLbl>
+  <dgm:styleLbl name="alignNode1">
+    <dgm:scene3d>
+      <a:camera prst="orthographicFront"/>
+      <a:lightRig rig="threePt" dir="t"/>
+    </dgm:scene3d>
+    <dgm:sp3d/>
+    <dgm:txPr/>
+    <dgm:style>
+      <a:lnRef idx="2">
+        <a:scrgbClr r="0" g="0" b="0"/>
+      </a:lnRef>
+      <a:fillRef idx="1">
+        <a:scrgbClr r="0" g="0" b="0"/>
+      </a:fillRef>
+      <a:effectRef idx="0">
+        <a:scrgbClr r="0" g="0" b="0"/>
+      </a:effectRef>
+      <a:fontRef idx="minor">
+        <a:schemeClr val="lt1"/>
+      </a:fontRef>
+    </dgm:style>
+  </dgm:styleLbl>
+  <dgm:styleLbl name="node1">
+    <dgm:scene3d>
+      <a:camera prst="orthographicFront"/>
+      <a:lightRig rig="threePt" dir="t"/>
+    </dgm:scene3d>
+    <dgm:sp3d/>
+    <dgm:txPr/>
+    <dgm:style>
+      <a:lnRef idx="2">
+        <a:scrgbClr r="0" g="0" b="0"/>
+      </a:lnRef>
+      <a:fillRef idx="1">
+        <a:scrgbClr r="0" g="0" b="0"/>
+      </a:fillRef>
+      <a:effectRef idx="0">
+        <a:scrgbClr r="0" g="0" b="0"/>
+      </a:effectRef>
+      <a:fontRef idx="minor">
+        <a:schemeClr val="lt1"/>
+      </a:fontRef>
+    </dgm:style>
+  </dgm:styleLbl>
+  <dgm:styleLbl name="node2">
+    <dgm:scene3d>
+      <a:camera prst="orthographicFront"/>
+      <a:lightRig rig="threePt" dir="t"/>
+    </dgm:scene3d>
+    <dgm:sp3d/>
+    <dgm:txPr/>
+    <dgm:style>
+      <a:lnRef idx="2">
+        <a:scrgbClr r="0" g="0" b="0"/>
+      </a:lnRef>
+      <a:fillRef idx="1">
+        <a:scrgbClr r="0" g="0" b="0"/>
+      </a:fillRef>
+      <a:effectRef idx="0">
+        <a:scrgbClr r="0" g="0" b="0"/>
+      </a:effectRef>
+      <a:fontRef idx="minor">
+        <a:schemeClr val="lt1"/>
+      </a:fontRef>
+    </dgm:style>
+  </dgm:styleLbl>
+  <dgm:styleLbl name="node3">
+    <dgm:scene3d>
+      <a:camera prst="orthographicFront"/>
+      <a:lightRig rig="threePt" dir="t"/>
+    </dgm:scene3d>
+    <dgm:sp3d/>
+    <dgm:txPr/>
+    <dgm:style>
+      <a:lnRef idx="2">
+        <a:scrgbClr r="0" g="0" b="0"/>
+      </a:lnRef>
+      <a:fillRef idx="1">
+        <a:scrgbClr r="0" g="0" b="0"/>
+      </a:fillRef>
+      <a:effectRef idx="0">
+        <a:scrgbClr r="0" g="0" b="0"/>
+      </a:effectRef>
+      <a:fontRef idx="minor">
+        <a:schemeClr val="lt1"/>
+      </a:fontRef>
+    </dgm:style>
+  </dgm:styleLbl>
+  <dgm:styleLbl name="node4">
+    <dgm:scene3d>
+      <a:camera prst="orthographicFront"/>
+      <a:lightRig rig="threePt" dir="t"/>
+    </dgm:scene3d>
+    <dgm:sp3d/>
+    <dgm:txPr/>
+    <dgm:style>
+      <a:lnRef idx="2">
+        <a:scrgbClr r="0" g="0" b="0"/>
+      </a:lnRef>
+      <a:fillRef idx="1">
+        <a:scrgbClr r="0" g="0" b="0"/>
+      </a:fillRef>
+      <a:effectRef idx="0">
+        <a:scrgbClr r="0" g="0" b="0"/>
+      </a:effectRef>
+      <a:fontRef idx="minor">
+        <a:schemeClr val="lt1"/>
+      </a:fontRef>
+    </dgm:style>
+  </dgm:styleLbl>
+  <dgm:styleLbl name="fgImgPlace1">
+    <dgm:scene3d>
+      <a:camera prst="orthographicFront"/>
+      <a:lightRig rig="threePt" dir="t"/>
+    </dgm:scene3d>
+    <dgm:sp3d/>
+    <dgm:txPr/>
+    <dgm:style>
+      <a:lnRef idx="2">
+        <a:scrgbClr r="0" g="0" b="0"/>
+      </a:lnRef>
+      <a:fillRef idx="1">
+        <a:scrgbClr r="0" g="0" b="0"/>
+      </a:fillRef>
+      <a:effectRef idx="0">
+        <a:scrgbClr r="0" g="0" b="0"/>
+      </a:effectRef>
+      <a:fontRef idx="minor"/>
+    </dgm:style>
+  </dgm:styleLbl>
+  <dgm:styleLbl name="alignImgPlace1">
+    <dgm:scene3d>
+      <a:camera prst="orthographicFront"/>
+      <a:lightRig rig="threePt" dir="t"/>
+    </dgm:scene3d>
+    <dgm:sp3d/>
+    <dgm:txPr/>
+    <dgm:style>
+      <a:lnRef idx="2">
+        <a:scrgbClr r="0" g="0" b="0"/>
+      </a:lnRef>
+      <a:fillRef idx="1">
+        <a:scrgbClr r="0" g="0" b="0"/>
+      </a:fillRef>
+      <a:effectRef idx="0">
+        <a:scrgbClr r="0" g="0" b="0"/>
+      </a:effectRef>
+      <a:fontRef idx="minor"/>
+    </dgm:style>
+  </dgm:styleLbl>
+  <dgm:styleLbl name="bgImgPlace1">
+    <dgm:scene3d>
+      <a:camera prst="orthographicFront"/>
+      <a:lightRig rig="threePt" dir="t"/>
+    </dgm:scene3d>
+    <dgm:sp3d/>
+    <dgm:txPr/>
+    <dgm:style>
+      <a:lnRef idx="2">
+        <a:scrgbClr r="0" g="0" b="0"/>
+      </a:lnRef>
+      <a:fillRef idx="1">
+        <a:scrgbClr r="0" g="0" b="0"/>
+      </a:fillRef>
+      <a:effectRef idx="0">
+        <a:scrgbClr r="0" g="0" b="0"/>
+      </a:effectRef>
+      <a:fontRef idx="minor"/>
+    </dgm:style>
+  </dgm:styleLbl>
+  <dgm:styleLbl name="sibTrans2D1">
+    <dgm:scene3d>
+      <a:camera prst="orthographicFront"/>
+      <a:lightRig rig="threePt" dir="t"/>
+    </dgm:scene3d>
+    <dgm:sp3d/>
+    <dgm:txPr/>
+    <dgm:style>
+      <a:lnRef idx="0">
+        <a:scrgbClr r="0" g="0" b="0"/>
+      </a:lnRef>
+      <a:fillRef idx="1">
+        <a:scrgbClr r="0" g="0" b="0"/>
+      </a:fillRef>
+      <a:effectRef idx="0">
+        <a:scrgbClr r="0" g="0" b="0"/>
+      </a:effectRef>
+      <a:fontRef idx="minor">
+        <a:schemeClr val="lt1"/>
+      </a:fontRef>
+    </dgm:style>
+  </dgm:styleLbl>
+  <dgm:styleLbl name="fgSibTrans2D1">
+    <dgm:scene3d>
+      <a:camera prst="orthographicFront"/>
+      <a:lightRig rig="threePt" dir="t"/>
+    </dgm:scene3d>
+    <dgm:sp3d/>
+    <dgm:txPr/>
+    <dgm:style>
+      <a:lnRef idx="0">
+        <a:scrgbClr r="0" g="0" b="0"/>
+      </a:lnRef>
+      <a:fillRef idx="1">
+        <a:scrgbClr r="0" g="0" b="0"/>
+      </a:fillRef>
+      <a:effectRef idx="0">
+        <a:scrgbClr r="0" g="0" b="0"/>
+      </a:effectRef>
+      <a:fontRef idx="minor">
+        <a:schemeClr val="lt1"/>
+      </a:fontRef>
+    </dgm:style>
+  </dgm:styleLbl>
+  <dgm:styleLbl name="bgSibTrans2D1">
+    <dgm:scene3d>
+      <a:camera prst="orthographicFront"/>
+      <a:lightRig rig="threePt" dir="t"/>
+    </dgm:scene3d>
+    <dgm:sp3d/>
+    <dgm:txPr/>
+    <dgm:style>
+      <a:lnRef idx="0">
+        <a:scrgbClr r="0" g="0" b="0"/>
+      </a:lnRef>
+      <a:fillRef idx="1">
+        <a:scrgbClr r="0" g="0" b="0"/>
+      </a:fillRef>
+      <a:effectRef idx="0">
+        <a:scrgbClr r="0" g="0" b="0"/>
+      </a:effectRef>
+      <a:fontRef idx="minor">
+        <a:schemeClr val="lt1"/>
+      </a:fontRef>
+    </dgm:style>
+  </dgm:styleLbl>
+  <dgm:styleLbl name="sibTrans1D1">
+    <dgm:scene3d>
+      <a:camera prst="orthographicFront"/>
+      <a:lightRig rig="threePt" dir="t"/>
+    </dgm:scene3d>
+    <dgm:sp3d/>
+    <dgm:txPr/>
+    <dgm:style>
+      <a:lnRef idx="1">
+        <a:scrgbClr r="0" g="0" b="0"/>
+      </a:lnRef>
+      <a:fillRef idx="0">
+        <a:scrgbClr r="0" g="0" b="0"/>
+      </a:fillRef>
+      <a:effectRef idx="0">
+        <a:scrgbClr r="0" g="0" b="0"/>
+      </a:effectRef>
+      <a:fontRef idx="minor"/>
+    </dgm:style>
+  </dgm:styleLbl>
+  <dgm:styleLbl name="callout">
+    <dgm:scene3d>
+      <a:camera prst="orthographicFront"/>
+      <a:lightRig rig="threePt" dir="t"/>
+    </dgm:scene3d>
+    <dgm:sp3d/>
+    <dgm:txPr/>
+    <dgm:style>
+      <a:lnRef idx="2">
+        <a:scrgbClr r="0" g="0" b="0"/>
+      </a:lnRef>
+      <a:fillRef idx="1">
+        <a:scrgbClr r="0" g="0" b="0"/>
+      </a:fillRef>
+      <a:effectRef idx="0">
+        <a:scrgbClr r="0" g="0" b="0"/>
+      </a:effectRef>
+      <a:fontRef idx="minor"/>
+    </dgm:style>
+  </dgm:styleLbl>
+  <dgm:styleLbl name="asst0">
+    <dgm:scene3d>
+      <a:camera prst="orthographicFront"/>
+      <a:lightRig rig="threePt" dir="t"/>
+    </dgm:scene3d>
+    <dgm:sp3d/>
+    <dgm:txPr/>
+    <dgm:style>
+      <a:lnRef idx="2">
+        <a:scrgbClr r="0" g="0" b="0"/>
+      </a:lnRef>
+      <a:fillRef idx="1">
+        <a:scrgbClr r="0" g="0" b="0"/>
+      </a:fillRef>
+      <a:effectRef idx="0">
+        <a:scrgbClr r="0" g="0" b="0"/>
+      </a:effectRef>
+      <a:fontRef idx="minor">
+        <a:schemeClr val="lt1"/>
+      </a:fontRef>
+    </dgm:style>
+  </dgm:styleLbl>
+  <dgm:styleLbl name="asst1">
+    <dgm:scene3d>
+      <a:camera prst="orthographicFront"/>
+      <a:lightRig rig="threePt" dir="t"/>
+    </dgm:scene3d>
+    <dgm:sp3d/>
+    <dgm:txPr/>
+    <dgm:style>
+      <a:lnRef idx="2">
+        <a:scrgbClr r="0" g="0" b="0"/>
+      </a:lnRef>
+      <a:fillRef idx="1">
+        <a:scrgbClr r="0" g="0" b="0"/>
+      </a:fillRef>
+      <a:effectRef idx="0">
+        <a:scrgbClr r="0" g="0" b="0"/>
+      </a:effectRef>
+      <a:fontRef idx="minor">
+        <a:schemeClr val="lt1"/>
+      </a:fontRef>
+    </dgm:style>
+  </dgm:styleLbl>
+  <dgm:styleLbl name="asst2">
+    <dgm:scene3d>
+      <a:camera prst="orthographicFront"/>
+      <a:lightRig rig="threePt" dir="t"/>
+    </dgm:scene3d>
+    <dgm:sp3d/>
+    <dgm:txPr/>
+    <dgm:style>
+      <a:lnRef idx="2">
+        <a:scrgbClr r="0" g="0" b="0"/>
+      </a:lnRef>
+      <a:fillRef idx="1">
+        <a:scrgbClr r="0" g="0" b="0"/>
+      </a:fillRef>
+      <a:effectRef idx="0">
+        <a:scrgbClr r="0" g="0" b="0"/>
+      </a:effectRef>
+      <a:fontRef idx="minor">
+        <a:schemeClr val="lt1"/>
+      </a:fontRef>
+    </dgm:style>
+  </dgm:styleLbl>
+  <dgm:styleLbl name="asst3">
+    <dgm:scene3d>
+      <a:camera prst="orthographicFront"/>
+      <a:lightRig rig="threePt" dir="t"/>
+    </dgm:scene3d>
+    <dgm:sp3d/>
+    <dgm:txPr/>
+    <dgm:style>
+      <a:lnRef idx="2">
+        <a:scrgbClr r="0" g="0" b="0"/>
+      </a:lnRef>
+      <a:fillRef idx="1">
+        <a:scrgbClr r="0" g="0" b="0"/>
+      </a:fillRef>
+      <a:effectRef idx="0">
+        <a:scrgbClr r="0" g="0" b="0"/>
+      </a:effectRef>
+      <a:fontRef idx="minor">
+        <a:schemeClr val="lt1"/>
+      </a:fontRef>
+    </dgm:style>
+  </dgm:styleLbl>
+  <dgm:styleLbl name="asst4">
+    <dgm:scene3d>
+      <a:camera prst="orthographicFront"/>
+      <a:lightRig rig="threePt" dir="t"/>
+    </dgm:scene3d>
+    <dgm:sp3d/>
+    <dgm:txPr/>
+    <dgm:style>
+      <a:lnRef idx="2">
+        <a:scrgbClr r="0" g="0" b="0"/>
+      </a:lnRef>
+      <a:fillRef idx="1">
+        <a:scrgbClr r="0" g="0" b="0"/>
+      </a:fillRef>
+      <a:effectRef idx="0">
+        <a:scrgbClr r="0" g="0" b="0"/>
+      </a:effectRef>
+      <a:fontRef idx="minor">
+        <a:schemeClr val="lt1"/>
+      </a:fontRef>
+    </dgm:style>
+  </dgm:styleLbl>
+  <dgm:styleLbl name="parChTrans2D1">
+    <dgm:scene3d>
+      <a:camera prst="orthographicFront"/>
+      <a:lightRig rig="threePt" dir="t"/>
+    </dgm:scene3d>
+    <dgm:sp3d/>
+    <dgm:txPr/>
+    <dgm:style>
+      <a:lnRef idx="2">
+        <a:scrgbClr r="0" g="0" b="0"/>
+      </a:lnRef>
+      <a:fillRef idx="1">
+        <a:scrgbClr r="0" g="0" b="0"/>
+      </a:fillRef>
+      <a:effectRef idx="0">
+        <a:scrgbClr r="0" g="0" b="0"/>
+      </a:effectRef>
+      <a:fontRef idx="minor">
+        <a:schemeClr val="lt1"/>
+      </a:fontRef>
+    </dgm:style>
+  </dgm:styleLbl>
+  <dgm:styleLbl name="parChTrans2D2">
+    <dgm:scene3d>
+      <a:camera prst="orthographicFront"/>
+      <a:lightRig rig="threePt" dir="t"/>
+    </dgm:scene3d>
+    <dgm:sp3d/>
+    <dgm:txPr/>
+    <dgm:style>
+      <a:lnRef idx="2">
+        <a:scrgbClr r="0" g="0" b="0"/>
+      </a:lnRef>
+      <a:fillRef idx="1">
+        <a:scrgbClr r="0" g="0" b="0"/>
+      </a:fillRef>
+      <a:effectRef idx="0">
+        <a:scrgbClr r="0" g="0" b="0"/>
+      </a:effectRef>
+      <a:fontRef idx="minor">
+        <a:schemeClr val="lt1"/>
+      </a:fontRef>
+    </dgm:style>
+  </dgm:styleLbl>
+  <dgm:styleLbl name="parChTrans2D3">
+    <dgm:scene3d>
+      <a:camera prst="orthographicFront"/>
+      <a:lightRig rig="threePt" dir="t"/>
+    </dgm:scene3d>
+    <dgm:sp3d/>
+    <dgm:txPr/>
+    <dgm:style>
+      <a:lnRef idx="2">
+        <a:scrgbClr r="0" g="0" b="0"/>
+      </a:lnRef>
+      <a:fillRef idx="1">
+        <a:scrgbClr r="0" g="0" b="0"/>
+      </a:fillRef>
+      <a:effectRef idx="0">
+        <a:scrgbClr r="0" g="0" b="0"/>
+      </a:effectRef>
+      <a:fontRef idx="minor">
+        <a:schemeClr val="lt1"/>
+      </a:fontRef>
+    </dgm:style>
+  </dgm:styleLbl>
+  <dgm:styleLbl name="parChTrans2D4">
+    <dgm:scene3d>
+      <a:camera prst="orthographicFront"/>
+      <a:lightRig rig="threePt" dir="t"/>
+    </dgm:scene3d>
+    <dgm:sp3d/>
+    <dgm:txPr/>
+    <dgm:style>
+      <a:lnRef idx="2">
+        <a:scrgbClr r="0" g="0" b="0"/>
+      </a:lnRef>
+      <a:fillRef idx="1">
+        <a:scrgbClr r="0" g="0" b="0"/>
+      </a:fillRef>
+      <a:effectRef idx="0">
+        <a:scrgbClr r="0" g="0" b="0"/>
+      </a:effectRef>
+      <a:fontRef idx="minor">
+        <a:schemeClr val="lt1"/>
+      </a:fontRef>
+    </dgm:style>
+  </dgm:styleLbl>
+  <dgm:styleLbl name="parChTrans1D1">
+    <dgm:scene3d>
+      <a:camera prst="orthographicFront"/>
+      <a:lightRig rig="threePt" dir="t"/>
+    </dgm:scene3d>
+    <dgm:sp3d/>
+    <dgm:txPr/>
+    <dgm:style>
+      <a:lnRef idx="2">
+        <a:scrgbClr r="0" g="0" b="0"/>
+      </a:lnRef>
+      <a:fillRef idx="0">
+        <a:scrgbClr r="0" g="0" b="0"/>
+      </a:fillRef>
+      <a:effectRef idx="0">
+        <a:scrgbClr r="0" g="0" b="0"/>
+      </a:effectRef>
+      <a:fontRef idx="minor"/>
+    </dgm:style>
+  </dgm:styleLbl>
+  <dgm:styleLbl name="parChTrans1D2">
+    <dgm:scene3d>
+      <a:camera prst="orthographicFront"/>
+      <a:lightRig rig="threePt" dir="t"/>
+    </dgm:scene3d>
+    <dgm:sp3d/>
+    <dgm:txPr/>
+    <dgm:style>
+      <a:lnRef idx="2">
+        <a:scrgbClr r="0" g="0" b="0"/>
+      </a:lnRef>
+      <a:fillRef idx="0">
+        <a:scrgbClr r="0" g="0" b="0"/>
+      </a:fillRef>
+      <a:effectRef idx="0">
+        <a:scrgbClr r="0" g="0" b="0"/>
+      </a:effectRef>
+      <a:fontRef idx="minor"/>
+    </dgm:style>
+  </dgm:styleLbl>
+  <dgm:styleLbl name="parChTrans1D3">
+    <dgm:scene3d>
+      <a:camera prst="orthographicFront"/>
+      <a:lightRig rig="threePt" dir="t"/>
+    </dgm:scene3d>
+    <dgm:sp3d/>
+    <dgm:txPr/>
+    <dgm:style>
+      <a:lnRef idx="2">
+        <a:scrgbClr r="0" g="0" b="0"/>
+      </a:lnRef>
+      <a:fillRef idx="0">
+        <a:scrgbClr r="0" g="0" b="0"/>
+      </a:fillRef>
+      <a:effectRef idx="0">
+        <a:scrgbClr r="0" g="0" b="0"/>
+      </a:effectRef>
+      <a:fontRef idx="minor"/>
+    </dgm:style>
+  </dgm:styleLbl>
+  <dgm:styleLbl name="parChTrans1D4">
+    <dgm:scene3d>
+      <a:camera prst="orthographicFront"/>
+      <a:lightRig rig="threePt" dir="t"/>
+    </dgm:scene3d>
+    <dgm:sp3d/>
+    <dgm:txPr/>
+    <dgm:style>
+      <a:lnRef idx="2">
+        <a:scrgbClr r="0" g="0" b="0"/>
+      </a:lnRef>
+      <a:fillRef idx="0">
+        <a:scrgbClr r="0" g="0" b="0"/>
+      </a:fillRef>
+      <a:effectRef idx="0">
+        <a:scrgbClr r="0" g="0" b="0"/>
+      </a:effectRef>
+      <a:fontRef idx="minor"/>
+    </dgm:style>
+  </dgm:styleLbl>
+  <dgm:styleLbl name="fgAcc1">
+    <dgm:scene3d>
+      <a:camera prst="orthographicFront"/>
+      <a:lightRig rig="threePt" dir="t"/>
+    </dgm:scene3d>
+    <dgm:sp3d/>
+    <dgm:txPr/>
+    <dgm:style>
+      <a:lnRef idx="2">
+        <a:scrgbClr r="0" g="0" b="0"/>
+      </a:lnRef>
+      <a:fillRef idx="1">
+        <a:scrgbClr r="0" g="0" b="0"/>
+      </a:fillRef>
+      <a:effectRef idx="0">
+        <a:scrgbClr r="0" g="0" b="0"/>
+      </a:effectRef>
+      <a:fontRef idx="minor"/>
+    </dgm:style>
+  </dgm:styleLbl>
+  <dgm:styleLbl name="conFgAcc1">
+    <dgm:scene3d>
+      <a:camera prst="orthographicFront"/>
+      <a:lightRig rig="threePt" dir="t"/>
+    </dgm:scene3d>
+    <dgm:sp3d/>
+    <dgm:txPr/>
+    <dgm:style>
+      <a:lnRef idx="2">
+        <a:scrgbClr r="0" g="0" b="0"/>
+      </a:lnRef>
+      <a:fillRef idx="1">
+        <a:scrgbClr r="0" g="0" b="0"/>
+      </a:fillRef>
+      <a:effectRef idx="0">
+        <a:scrgbClr r="0" g="0" b="0"/>
+      </a:effectRef>
+      <a:fontRef idx="minor"/>
+    </dgm:style>
+  </dgm:styleLbl>
+  <dgm:styleLbl name="alignAcc1">
+    <dgm:scene3d>
+      <a:camera prst="orthographicFront"/>
+      <a:lightRig rig="threePt" dir="t"/>
+    </dgm:scene3d>
+    <dgm:sp3d/>
+    <dgm:txPr/>
+    <dgm:style>
+      <a:lnRef idx="2">
+        <a:scrgbClr r="0" g="0" b="0"/>
+      </a:lnRef>
+      <a:fillRef idx="1">
+        <a:scrgbClr r="0" g="0" b="0"/>
+      </a:fillRef>
+      <a:effectRef idx="0">
+        <a:scrgbClr r="0" g="0" b="0"/>
+      </a:effectRef>
+      <a:fontRef idx="minor"/>
+    </dgm:style>
+  </dgm:styleLbl>
+  <dgm:styleLbl name="trAlignAcc1">
+    <dgm:scene3d>
+      <a:camera prst="orthographicFront"/>
+      <a:lightRig rig="threePt" dir="t"/>
+    </dgm:scene3d>
+    <dgm:sp3d/>
+    <dgm:txPr/>
+    <dgm:style>
+      <a:lnRef idx="1">
+        <a:scrgbClr r="0" g="0" b="0"/>
+      </a:lnRef>
+      <a:fillRef idx="1">
+        <a:scrgbClr r="0" g="0" b="0"/>
+      </a:fillRef>
+      <a:effectRef idx="0">
+        <a:scrgbClr r="0" g="0" b="0"/>
+      </a:effectRef>
+      <a:fontRef idx="minor"/>
+    </dgm:style>
+  </dgm:styleLbl>
+  <dgm:styleLbl name="bgAcc1">
+    <dgm:scene3d>
+      <a:camera prst="orthographicFront"/>
+      <a:lightRig rig="threePt" dir="t"/>
+    </dgm:scene3d>
+    <dgm:sp3d/>
+    <dgm:txPr/>
+    <dgm:style>
+      <a:lnRef idx="2">
+        <a:scrgbClr r="0" g="0" b="0"/>
+      </a:lnRef>
+      <a:fillRef idx="1">
+        <a:scrgbClr r="0" g="0" b="0"/>
+      </a:fillRef>
+      <a:effectRef idx="0">
+        <a:scrgbClr r="0" g="0" b="0"/>
+      </a:effectRef>
+      <a:fontRef idx="minor"/>
+    </dgm:style>
+  </dgm:styleLbl>
+  <dgm:styleLbl name="solidFgAcc1">
+    <dgm:scene3d>
+      <a:camera prst="orthographicFront"/>
+      <a:lightRig rig="threePt" dir="t"/>
+    </dgm:scene3d>
+    <dgm:sp3d/>
+    <dgm:txPr/>
+    <dgm:style>
+      <a:lnRef idx="2">
+        <a:scrgbClr r="0" g="0" b="0"/>
+      </a:lnRef>
+      <a:fillRef idx="1">
+        <a:scrgbClr r="0" g="0" b="0"/>
+      </a:fillRef>
+      <a:effectRef idx="0">
+        <a:scrgbClr r="0" g="0" b="0"/>
+      </a:effectRef>
+      <a:fontRef idx="minor"/>
+    </dgm:style>
+  </dgm:styleLbl>
+  <dgm:styleLbl name="solidAlignAcc1">
+    <dgm:scene3d>
+      <a:camera prst="orthographicFront"/>
+      <a:lightRig rig="threePt" dir="t"/>
+    </dgm:scene3d>
+    <dgm:sp3d/>
+    <dgm:txPr/>
+    <dgm:style>
+      <a:lnRef idx="2">
+        <a:scrgbClr r="0" g="0" b="0"/>
+      </a:lnRef>
+      <a:fillRef idx="1">
+        <a:scrgbClr r="0" g="0" b="0"/>
+      </a:fillRef>
+      <a:effectRef idx="0">
+        <a:scrgbClr r="0" g="0" b="0"/>
+      </a:effectRef>
+      <a:fontRef idx="minor"/>
+    </dgm:style>
+  </dgm:styleLbl>
+  <dgm:styleLbl name="solidBgAcc1">
+    <dgm:scene3d>
+      <a:camera prst="orthographicFront"/>
+      <a:lightRig rig="threePt" dir="t"/>
+    </dgm:scene3d>
+    <dgm:sp3d/>
+    <dgm:txPr/>
+    <dgm:style>
+      <a:lnRef idx="2">
+        <a:scrgbClr r="0" g="0" b="0"/>
+      </a:lnRef>
+      <a:fillRef idx="1">
+        <a:scrgbClr r="0" g="0" b="0"/>
+      </a:fillRef>
+      <a:effectRef idx="0">
+        <a:scrgbClr r="0" g="0" b="0"/>
+      </a:effectRef>
+      <a:fontRef idx="minor"/>
+    </dgm:style>
+  </dgm:styleLbl>
+  <dgm:styleLbl name="fgAccFollowNode1">
+    <dgm:scene3d>
+      <a:camera prst="orthographicFront"/>
+      <a:lightRig rig="threePt" dir="t"/>
+    </dgm:scene3d>
+    <dgm:sp3d/>
+    <dgm:txPr/>
+    <dgm:style>
+      <a:lnRef idx="2">
+        <a:scrgbClr r="0" g="0" b="0"/>
+      </a:lnRef>
+      <a:fillRef idx="1">
+        <a:scrgbClr r="0" g="0" b="0"/>
+      </a:fillRef>
+      <a:effectRef idx="0">
+        <a:scrgbClr r="0" g="0" b="0"/>
+      </a:effectRef>
+      <a:fontRef idx="minor"/>
+    </dgm:style>
+  </dgm:styleLbl>
+  <dgm:styleLbl name="alignAccFollowNode1">
+    <dgm:scene3d>
+      <a:camera prst="orthographicFront"/>
+      <a:lightRig rig="threePt" dir="t"/>
+    </dgm:scene3d>
+    <dgm:sp3d/>
+    <dgm:txPr/>
+    <dgm:style>
+      <a:lnRef idx="2">
+        <a:scrgbClr r="0" g="0" b="0"/>
+      </a:lnRef>
+      <a:fillRef idx="1">
+        <a:scrgbClr r="0" g="0" b="0"/>
+      </a:fillRef>
+      <a:effectRef idx="0">
+        <a:scrgbClr r="0" g="0" b="0"/>
+      </a:effectRef>
+      <a:fontRef idx="minor"/>
+    </dgm:style>
+  </dgm:styleLbl>
+  <dgm:styleLbl name="bgAccFollowNode1">
+    <dgm:scene3d>
+      <a:camera prst="orthographicFront"/>
+      <a:lightRig rig="threePt" dir="t"/>
+    </dgm:scene3d>
+    <dgm:sp3d/>
+    <dgm:txPr/>
+    <dgm:style>
+      <a:lnRef idx="2">
+        <a:scrgbClr r="0" g="0" b="0"/>
+      </a:lnRef>
+      <a:fillRef idx="1">
+        <a:scrgbClr r="0" g="0" b="0"/>
+      </a:fillRef>
+      <a:effectRef idx="0">
+        <a:scrgbClr r="0" g="0" b="0"/>
+      </a:effectRef>
+      <a:fontRef idx="minor"/>
+    </dgm:style>
+  </dgm:styleLbl>
+  <dgm:styleLbl name="fgAcc0">
+    <dgm:scene3d>
+      <a:camera prst="orthographicFront"/>
+      <a:lightRig rig="threePt" dir="t"/>
+    </dgm:scene3d>
+    <dgm:sp3d/>
+    <dgm:txPr/>
+    <dgm:style>
+      <a:lnRef idx="2">
+        <a:scrgbClr r="0" g="0" b="0"/>
+      </a:lnRef>
+      <a:fillRef idx="1">
+        <a:scrgbClr r="0" g="0" b="0"/>
+      </a:fillRef>
+      <a:effectRef idx="0">
+        <a:scrgbClr r="0" g="0" b="0"/>
+      </a:effectRef>
+      <a:fontRef idx="minor"/>
+    </dgm:style>
+  </dgm:styleLbl>
+  <dgm:styleLbl name="fgAcc2">
+    <dgm:scene3d>
+      <a:camera prst="orthographicFront"/>
+      <a:lightRig rig="threePt" dir="t"/>
+    </dgm:scene3d>
+    <dgm:sp3d/>
+    <dgm:txPr/>
+    <dgm:style>
+      <a:lnRef idx="2">
+        <a:scrgbClr r="0" g="0" b="0"/>
+      </a:lnRef>
+      <a:fillRef idx="1">
+        <a:scrgbClr r="0" g="0" b="0"/>
+      </a:fillRef>
+      <a:effectRef idx="0">
+        <a:scrgbClr r="0" g="0" b="0"/>
+      </a:effectRef>
+      <a:fontRef idx="minor"/>
+    </dgm:style>
+  </dgm:styleLbl>
+  <dgm:styleLbl name="fgAcc3">
+    <dgm:scene3d>
+      <a:camera prst="orthographicFront"/>
+      <a:lightRig rig="threePt" dir="t"/>
+    </dgm:scene3d>
+    <dgm:sp3d/>
+    <dgm:txPr/>
+    <dgm:style>
+      <a:lnRef idx="2">
+        <a:scrgbClr r="0" g="0" b="0"/>
+      </a:lnRef>
+      <a:fillRef idx="1">
+        <a:scrgbClr r="0" g="0" b="0"/>
+      </a:fillRef>
+      <a:effectRef idx="0">
+        <a:scrgbClr r="0" g="0" b="0"/>
+      </a:effectRef>
+      <a:fontRef idx="minor"/>
+    </dgm:style>
+  </dgm:styleLbl>
+  <dgm:styleLbl name="fgAcc4">
+    <dgm:scene3d>
+      <a:camera prst="orthographicFront"/>
+      <a:lightRig rig="threePt" dir="t"/>
+    </dgm:scene3d>
+    <dgm:sp3d/>
+    <dgm:txPr/>
+    <dgm:style>
+      <a:lnRef idx="2">
+        <a:scrgbClr r="0" g="0" b="0"/>
+      </a:lnRef>
+      <a:fillRef idx="1">
+        <a:scrgbClr r="0" g="0" b="0"/>
+      </a:fillRef>
+      <a:effectRef idx="0">
+        <a:scrgbClr r="0" g="0" b="0"/>
+      </a:effectRef>
+      <a:fontRef idx="minor"/>
+    </dgm:style>
+  </dgm:styleLbl>
+  <dgm:styleLbl name="bgShp">
+    <dgm:scene3d>
+      <a:camera prst="orthographicFront"/>
+      <a:lightRig rig="threePt" dir="t"/>
+    </dgm:scene3d>
+    <dgm:sp3d/>
+    <dgm:txPr/>
+    <dgm:style>
+      <a:lnRef idx="0">
+        <a:scrgbClr r="0" g="0" b="0"/>
+      </a:lnRef>
+      <a:fillRef idx="1">
+        <a:scrgbClr r="0" g="0" b="0"/>
+      </a:fillRef>
+      <a:effectRef idx="0">
+        <a:scrgbClr r="0" g="0" b="0"/>
+      </a:effectRef>
+      <a:fontRef idx="minor"/>
+    </dgm:style>
+  </dgm:styleLbl>
+  <dgm:styleLbl name="dkBgShp">
+    <dgm:scene3d>
+      <a:camera prst="orthographicFront"/>
+      <a:lightRig rig="threePt" dir="t"/>
+    </dgm:scene3d>
+    <dgm:sp3d/>
+    <dgm:txPr/>
+    <dgm:style>
+      <a:lnRef idx="0">
+        <a:scrgbClr r="0" g="0" b="0"/>
+      </a:lnRef>
+      <a:fillRef idx="1">
+        <a:scrgbClr r="0" g="0" b="0"/>
+      </a:fillRef>
+      <a:effectRef idx="0">
+        <a:scrgbClr r="0" g="0" b="0"/>
+      </a:effectRef>
+      <a:fontRef idx="minor"/>
+    </dgm:style>
+  </dgm:styleLbl>
+  <dgm:styleLbl name="trBgShp">
+    <dgm:scene3d>
+      <a:camera prst="orthographicFront"/>
+      <a:lightRig rig="threePt" dir="t"/>
+    </dgm:scene3d>
+    <dgm:sp3d/>
+    <dgm:txPr/>
+    <dgm:style>
+      <a:lnRef idx="0">
+        <a:scrgbClr r="0" g="0" b="0"/>
+      </a:lnRef>
+      <a:fillRef idx="1">
+        <a:scrgbClr r="0" g="0" b="0"/>
+      </a:fillRef>
+      <a:effectRef idx="0">
+        <a:scrgbClr r="0" g="0" b="0"/>
+      </a:effectRef>
+      <a:fontRef idx="minor"/>
+    </dgm:style>
+  </dgm:styleLbl>
+  <dgm:styleLbl name="fgShp">
+    <dgm:scene3d>
+      <a:camera prst="orthographicFront"/>
+      <a:lightRig rig="threePt" dir="t"/>
+    </dgm:scene3d>
+    <dgm:sp3d/>
+    <dgm:txPr/>
+    <dgm:style>
+      <a:lnRef idx="2">
+        <a:scrgbClr r="0" g="0" b="0"/>
+      </a:lnRef>
+      <a:fillRef idx="1">
+        <a:scrgbClr r="0" g="0" b="0"/>
+      </a:fillRef>
+      <a:effectRef idx="0">
+        <a:scrgbClr r="0" g="0" b="0"/>
+      </a:effectRef>
+      <a:fontRef idx="minor"/>
+    </dgm:style>
+  </dgm:styleLbl>
+  <dgm:styleLbl name="revTx">
+    <dgm:scene3d>
+      <a:camera prst="orthographicFront"/>
+      <a:lightRig rig="threePt" dir="t"/>
+    </dgm:scene3d>
+    <dgm:sp3d/>
+    <dgm:txPr/>
+    <dgm:style>
+      <a:lnRef idx="0">
+        <a:scrgbClr r="0" g="0" b="0"/>
+      </a:lnRef>
+      <a:fillRef idx="0">
+        <a:scrgbClr r="0" g="0" b="0"/>
+      </a:fillRef>
+      <a:effectRef idx="0">
+        <a:scrgbClr r="0" g="0" b="0"/>
+      </a:effectRef>
+      <a:fontRef idx="minor"/>
+    </dgm:style>
+  </dgm:styleLbl>
+</dgm:styleDef>
+</file>
+
 <file path=ppt/handoutMasters/handoutMaster1.xml><?xml version="1.0" encoding="utf-8"?>
 <p:handoutMaster xmlns:a="http://schemas.openxmlformats.org/drawingml/2006/main" xmlns:r="http://schemas.openxmlformats.org/officeDocument/2006/relationships" xmlns:p="http://schemas.openxmlformats.org/presentationml/2006/main">
   <p:cSld>
@@ -1342,7 +4364,7 @@
               <a:rPr lang="en-US" smtClean="0">
                 <a:latin typeface="Segoe UI" pitchFamily="34" charset="0"/>
               </a:rPr>
-              <a:t>11/11/2019 10:04 AM</a:t>
+              <a:t>11/12/2019 6:36 AM</a:t>
             </a:fld>
             <a:endParaRPr lang="en-US" dirty="0">
               <a:latin typeface="Segoe UI" pitchFamily="34" charset="0"/>
@@ -1620,7 +4642,7 @@
           <a:p>
             <a:fld id="{386CE63F-9E7F-4C04-9D0D-FCA25A8E9E86}" type="datetime8">
               <a:rPr lang="en-US" smtClean="0"/>
-              <a:t>11/11/2019 10:04 AM</a:t>
+              <a:t>11/12/2019 6:33 AM</a:t>
             </a:fld>
             <a:endParaRPr lang="en-US" dirty="0"/>
           </a:p>
@@ -1987,7 +5009,7 @@
           <a:p>
             <a:fld id="{72E0C910-0166-48E0-B8EF-5071277A02A8}" type="datetime8">
               <a:rPr lang="en-US" smtClean="0"/>
-              <a:t>11/11/2019 10:04 AM</a:t>
+              <a:t>11/12/2019 6:33 AM</a:t>
             </a:fld>
             <a:endParaRPr lang="en-US" dirty="0"/>
           </a:p>
@@ -2119,7 +5141,7 @@
           <a:p>
             <a:fld id="{1D9BFF88-B9B5-4B68-BAE1-09ACB5D03C54}" type="datetime8">
               <a:rPr lang="en-US" smtClean="0"/>
-              <a:t>11/11/2019 10:04 AM</a:t>
+              <a:t>11/12/2019 6:33 AM</a:t>
             </a:fld>
             <a:endParaRPr lang="en-US" dirty="0"/>
           </a:p>
@@ -2185,7 +5207,7 @@
     </p:spTree>
     <p:extLst>
       <p:ext uri="{BB962C8B-B14F-4D97-AF65-F5344CB8AC3E}">
-        <p14:creationId xmlns:p14="http://schemas.microsoft.com/office/powerpoint/2010/main" val="4174890608"/>
+        <p14:creationId xmlns:p14="http://schemas.microsoft.com/office/powerpoint/2010/main" val="1843639342"/>
       </p:ext>
     </p:extLst>
   </p:cSld>
@@ -2284,7 +5306,7 @@
           <a:p>
             <a:fld id="{1D9BFF88-B9B5-4B68-BAE1-09ACB5D03C54}" type="datetime8">
               <a:rPr lang="en-US" smtClean="0"/>
-              <a:t>11/11/2019 10:04 AM</a:t>
+              <a:t>11/12/2019 6:33 AM</a:t>
             </a:fld>
             <a:endParaRPr lang="en-US" dirty="0"/>
           </a:p>
@@ -2350,7 +5372,172 @@
     </p:spTree>
     <p:extLst>
       <p:ext uri="{BB962C8B-B14F-4D97-AF65-F5344CB8AC3E}">
-        <p14:creationId xmlns:p14="http://schemas.microsoft.com/office/powerpoint/2010/main" val="3616834637"/>
+        <p14:creationId xmlns:p14="http://schemas.microsoft.com/office/powerpoint/2010/main" val="4174890608"/>
+      </p:ext>
+    </p:extLst>
+  </p:cSld>
+  <p:clrMapOvr>
+    <a:masterClrMapping/>
+  </p:clrMapOvr>
+</p:notes>
+</file>
+
+<file path=ppt/notesSlides/notesSlide12.xml><?xml version="1.0" encoding="utf-8"?>
+<p:notes xmlns:a="http://schemas.openxmlformats.org/drawingml/2006/main" xmlns:r="http://schemas.openxmlformats.org/officeDocument/2006/relationships" xmlns:p="http://schemas.openxmlformats.org/presentationml/2006/main">
+  <p:cSld>
+    <p:spTree>
+      <p:nvGrpSpPr>
+        <p:cNvPr id="1" name=""/>
+        <p:cNvGrpSpPr/>
+        <p:nvPr/>
+      </p:nvGrpSpPr>
+      <p:grpSpPr>
+        <a:xfrm>
+          <a:off x="0" y="0"/>
+          <a:ext cx="0" cy="0"/>
+          <a:chOff x="0" y="0"/>
+          <a:chExt cx="0" cy="0"/>
+        </a:xfrm>
+      </p:grpSpPr>
+      <p:sp>
+        <p:nvSpPr>
+          <p:cNvPr id="2" name="Slide Image Placeholder 1"/>
+          <p:cNvSpPr>
+            <a:spLocks noGrp="1" noRot="1" noChangeAspect="1"/>
+          </p:cNvSpPr>
+          <p:nvPr>
+            <p:ph type="sldImg"/>
+          </p:nvPr>
+        </p:nvSpPr>
+        <p:spPr/>
+      </p:sp>
+      <p:sp>
+        <p:nvSpPr>
+          <p:cNvPr id="3" name="Notes Placeholder 2"/>
+          <p:cNvSpPr>
+            <a:spLocks noGrp="1"/>
+          </p:cNvSpPr>
+          <p:nvPr>
+            <p:ph type="body" idx="1"/>
+          </p:nvPr>
+        </p:nvSpPr>
+        <p:spPr/>
+        <p:txBody>
+          <a:bodyPr/>
+          <a:lstStyle/>
+          <a:p>
+            <a:endParaRPr lang="en-US" dirty="0"/>
+          </a:p>
+        </p:txBody>
+      </p:sp>
+      <p:sp>
+        <p:nvSpPr>
+          <p:cNvPr id="6" name="Slide Number Placeholder 5"/>
+          <p:cNvSpPr>
+            <a:spLocks noGrp="1"/>
+          </p:cNvSpPr>
+          <p:nvPr>
+            <p:ph type="sldNum" sz="quarter" idx="12"/>
+          </p:nvPr>
+        </p:nvSpPr>
+        <p:spPr/>
+        <p:txBody>
+          <a:bodyPr/>
+          <a:lstStyle/>
+          <a:p>
+            <a:fld id="{B4008EB6-D09E-4580-8CD6-DDB14511944F}" type="slidenum">
+              <a:rPr lang="en-US" smtClean="0"/>
+              <a:pPr/>
+              <a:t>13</a:t>
+            </a:fld>
+            <a:endParaRPr lang="en-US" dirty="0"/>
+          </a:p>
+        </p:txBody>
+      </p:sp>
+      <p:sp>
+        <p:nvSpPr>
+          <p:cNvPr id="10" name="Date Placeholder 9"/>
+          <p:cNvSpPr>
+            <a:spLocks noGrp="1"/>
+          </p:cNvSpPr>
+          <p:nvPr>
+            <p:ph type="dt" idx="13"/>
+          </p:nvPr>
+        </p:nvSpPr>
+        <p:spPr/>
+        <p:txBody>
+          <a:bodyPr/>
+          <a:lstStyle/>
+          <a:p>
+            <a:fld id="{1D9BFF88-B9B5-4B68-BAE1-09ACB5D03C54}" type="datetime8">
+              <a:rPr lang="en-US" smtClean="0"/>
+              <a:t>11/12/2019 6:45 AM</a:t>
+            </a:fld>
+            <a:endParaRPr lang="en-US" dirty="0"/>
+          </a:p>
+        </p:txBody>
+      </p:sp>
+      <p:sp>
+        <p:nvSpPr>
+          <p:cNvPr id="12" name="Header Placeholder 11"/>
+          <p:cNvSpPr>
+            <a:spLocks noGrp="1"/>
+          </p:cNvSpPr>
+          <p:nvPr>
+            <p:ph type="hdr" sz="quarter" idx="15"/>
+          </p:nvPr>
+        </p:nvSpPr>
+        <p:spPr/>
+        <p:txBody>
+          <a:bodyPr/>
+          <a:lstStyle/>
+          <a:p>
+            <a:endParaRPr lang="en-US" dirty="0"/>
+          </a:p>
+        </p:txBody>
+      </p:sp>
+      <p:sp>
+        <p:nvSpPr>
+          <p:cNvPr id="5" name="Footer Placeholder 4"/>
+          <p:cNvSpPr>
+            <a:spLocks noGrp="1"/>
+          </p:cNvSpPr>
+          <p:nvPr>
+            <p:ph type="ftr" sz="quarter" idx="16"/>
+          </p:nvPr>
+        </p:nvSpPr>
+        <p:spPr/>
+        <p:txBody>
+          <a:bodyPr/>
+          <a:lstStyle/>
+          <a:p>
+            <a:pPr defTabSz="914099" eaLnBrk="0" hangingPunct="0"/>
+            <a:r>
+              <a:rPr lang="en-US" sz="400" dirty="0">
+                <a:gradFill>
+                  <a:gsLst>
+                    <a:gs pos="0">
+                      <a:prstClr val="black"/>
+                    </a:gs>
+                    <a:gs pos="100000">
+                      <a:prstClr val="black"/>
+                    </a:gs>
+                  </a:gsLst>
+                  <a:lin ang="5400000" scaled="0"/>
+                </a:gradFill>
+                <a:latin typeface="Segoe UI" pitchFamily="34" charset="0"/>
+                <a:ea typeface="Segoe UI" pitchFamily="34" charset="0"/>
+                <a:cs typeface="Segoe UI" pitchFamily="34" charset="0"/>
+              </a:rPr>
+              <a:t>© Microsoft Corporation. All rights reserved. MICROSOFT MAKES NO WARRANTIES, EXPRESS, IMPLIED OR STATUTORY, AS TO THE INFORMATION IN THIS PRESENTATION.</a:t>
+            </a:r>
+          </a:p>
+        </p:txBody>
+      </p:sp>
+    </p:spTree>
+    <p:extLst>
+      <p:ext uri="{BB962C8B-B14F-4D97-AF65-F5344CB8AC3E}">
+        <p14:creationId xmlns:p14="http://schemas.microsoft.com/office/powerpoint/2010/main" val="3793488764"/>
       </p:ext>
     </p:extLst>
   </p:cSld>
@@ -2482,7 +5669,7 @@
           <a:p>
             <a:fld id="{72E0C910-0166-48E0-B8EF-5071277A02A8}" type="datetime8">
               <a:rPr lang="en-US" smtClean="0"/>
-              <a:t>11/11/2019 10:04 AM</a:t>
+              <a:t>11/12/2019 6:33 AM</a:t>
             </a:fld>
             <a:endParaRPr lang="en-US" dirty="0"/>
           </a:p>
@@ -2647,7 +5834,7 @@
           <a:p>
             <a:fld id="{72E0C910-0166-48E0-B8EF-5071277A02A8}" type="datetime8">
               <a:rPr lang="en-US" smtClean="0"/>
-              <a:t>11/11/2019 10:04 AM</a:t>
+              <a:t>11/12/2019 6:55 AM</a:t>
             </a:fld>
             <a:endParaRPr lang="en-US" dirty="0"/>
           </a:p>
@@ -2812,7 +5999,7 @@
           <a:p>
             <a:fld id="{72E0C910-0166-48E0-B8EF-5071277A02A8}" type="datetime8">
               <a:rPr lang="en-US" smtClean="0"/>
-              <a:t>11/11/2019 10:04 AM</a:t>
+              <a:t>11/12/2019 6:33 AM</a:t>
             </a:fld>
             <a:endParaRPr lang="en-US" dirty="0"/>
           </a:p>
@@ -2977,7 +6164,7 @@
           <a:p>
             <a:fld id="{72E0C910-0166-48E0-B8EF-5071277A02A8}" type="datetime8">
               <a:rPr lang="en-US" smtClean="0"/>
-              <a:t>11/11/2019 10:04 AM</a:t>
+              <a:t>11/12/2019 6:33 AM</a:t>
             </a:fld>
             <a:endParaRPr lang="en-US" dirty="0"/>
           </a:p>
@@ -3142,7 +6329,7 @@
           <a:p>
             <a:fld id="{72E0C910-0166-48E0-B8EF-5071277A02A8}" type="datetime8">
               <a:rPr lang="en-US" smtClean="0"/>
-              <a:t>11/11/2019 10:04 AM</a:t>
+              <a:t>11/12/2019 6:41 AM</a:t>
             </a:fld>
             <a:endParaRPr lang="en-US" dirty="0"/>
           </a:p>
@@ -3175,7 +6362,7 @@
     </p:spTree>
     <p:extLst>
       <p:ext uri="{BB962C8B-B14F-4D97-AF65-F5344CB8AC3E}">
-        <p14:creationId xmlns:p14="http://schemas.microsoft.com/office/powerpoint/2010/main" val="3350675604"/>
+        <p14:creationId xmlns:p14="http://schemas.microsoft.com/office/powerpoint/2010/main" val="988938956"/>
       </p:ext>
     </p:extLst>
   </p:cSld>
@@ -3305,9 +6492,9 @@
           <a:bodyPr/>
           <a:lstStyle/>
           <a:p>
-            <a:fld id="{9427A7F7-BB1E-479D-AFAA-B52F4D0C99F2}" type="datetime8">
+            <a:fld id="{72E0C910-0166-48E0-B8EF-5071277A02A8}" type="datetime8">
               <a:rPr lang="en-US" smtClean="0"/>
-              <a:t>11/11/2019 10:04 AM</a:t>
+              <a:t>11/12/2019 6:42 AM</a:t>
             </a:fld>
             <a:endParaRPr lang="en-US" dirty="0"/>
           </a:p>
@@ -3340,7 +6527,7 @@
     </p:spTree>
     <p:extLst>
       <p:ext uri="{BB962C8B-B14F-4D97-AF65-F5344CB8AC3E}">
-        <p14:creationId xmlns:p14="http://schemas.microsoft.com/office/powerpoint/2010/main" val="1958519690"/>
+        <p14:creationId xmlns:p14="http://schemas.microsoft.com/office/powerpoint/2010/main" val="4043494205"/>
       </p:ext>
     </p:extLst>
   </p:cSld>
@@ -3472,7 +6659,7 @@
           <a:p>
             <a:fld id="{9427A7F7-BB1E-479D-AFAA-B52F4D0C99F2}" type="datetime8">
               <a:rPr lang="en-US" smtClean="0"/>
-              <a:t>11/11/2019 10:04 AM</a:t>
+              <a:t>11/12/2019 6:33 AM</a:t>
             </a:fld>
             <a:endParaRPr lang="en-US" dirty="0"/>
           </a:p>
@@ -3505,7 +6692,7 @@
     </p:spTree>
     <p:extLst>
       <p:ext uri="{BB962C8B-B14F-4D97-AF65-F5344CB8AC3E}">
-        <p14:creationId xmlns:p14="http://schemas.microsoft.com/office/powerpoint/2010/main" val="1071861760"/>
+        <p14:creationId xmlns:p14="http://schemas.microsoft.com/office/powerpoint/2010/main" val="1958519690"/>
       </p:ext>
     </p:extLst>
   </p:cSld>
@@ -3565,59 +6752,12 @@
       </p:sp>
       <p:sp>
         <p:nvSpPr>
-          <p:cNvPr id="6" name="Slide Number Placeholder 5"/>
+          <p:cNvPr id="4" name="Header Placeholder 3"/>
           <p:cNvSpPr>
             <a:spLocks noGrp="1"/>
           </p:cNvSpPr>
           <p:nvPr>
-            <p:ph type="sldNum" sz="quarter" idx="12"/>
-          </p:nvPr>
-        </p:nvSpPr>
-        <p:spPr/>
-        <p:txBody>
-          <a:bodyPr/>
-          <a:lstStyle/>
-          <a:p>
-            <a:fld id="{B4008EB6-D09E-4580-8CD6-DDB14511944F}" type="slidenum">
-              <a:rPr lang="en-US" smtClean="0"/>
-              <a:pPr/>
-              <a:t>10</a:t>
-            </a:fld>
-            <a:endParaRPr lang="en-US" dirty="0"/>
-          </a:p>
-        </p:txBody>
-      </p:sp>
-      <p:sp>
-        <p:nvSpPr>
-          <p:cNvPr id="10" name="Date Placeholder 9"/>
-          <p:cNvSpPr>
-            <a:spLocks noGrp="1"/>
-          </p:cNvSpPr>
-          <p:nvPr>
-            <p:ph type="dt" idx="13"/>
-          </p:nvPr>
-        </p:nvSpPr>
-        <p:spPr/>
-        <p:txBody>
-          <a:bodyPr/>
-          <a:lstStyle/>
-          <a:p>
-            <a:fld id="{1D9BFF88-B9B5-4B68-BAE1-09ACB5D03C54}" type="datetime8">
-              <a:rPr lang="en-US" smtClean="0"/>
-              <a:t>11/11/2019 10:04 AM</a:t>
-            </a:fld>
-            <a:endParaRPr lang="en-US" dirty="0"/>
-          </a:p>
-        </p:txBody>
-      </p:sp>
-      <p:sp>
-        <p:nvSpPr>
-          <p:cNvPr id="12" name="Header Placeholder 11"/>
-          <p:cNvSpPr>
-            <a:spLocks noGrp="1"/>
-          </p:cNvSpPr>
-          <p:nvPr>
-            <p:ph type="hdr" sz="quarter" idx="15"/>
+            <p:ph type="hdr" sz="quarter" idx="10"/>
           </p:nvPr>
         </p:nvSpPr>
         <p:spPr/>
@@ -3636,7 +6776,7 @@
             <a:spLocks noGrp="1"/>
           </p:cNvSpPr>
           <p:nvPr>
-            <p:ph type="ftr" sz="quarter" idx="16"/>
+            <p:ph type="ftr" sz="quarter" idx="11"/>
           </p:nvPr>
         </p:nvSpPr>
         <p:spPr/>
@@ -3667,10 +6807,57 @@
           </a:p>
         </p:txBody>
       </p:sp>
+      <p:sp>
+        <p:nvSpPr>
+          <p:cNvPr id="6" name="Date Placeholder 5"/>
+          <p:cNvSpPr>
+            <a:spLocks noGrp="1"/>
+          </p:cNvSpPr>
+          <p:nvPr>
+            <p:ph type="dt" idx="12"/>
+          </p:nvPr>
+        </p:nvSpPr>
+        <p:spPr/>
+        <p:txBody>
+          <a:bodyPr/>
+          <a:lstStyle/>
+          <a:p>
+            <a:fld id="{9427A7F7-BB1E-479D-AFAA-B52F4D0C99F2}" type="datetime8">
+              <a:rPr lang="en-US" smtClean="0"/>
+              <a:t>11/12/2019 6:33 AM</a:t>
+            </a:fld>
+            <a:endParaRPr lang="en-US" dirty="0"/>
+          </a:p>
+        </p:txBody>
+      </p:sp>
+      <p:sp>
+        <p:nvSpPr>
+          <p:cNvPr id="7" name="Slide Number Placeholder 6"/>
+          <p:cNvSpPr>
+            <a:spLocks noGrp="1"/>
+          </p:cNvSpPr>
+          <p:nvPr>
+            <p:ph type="sldNum" sz="quarter" idx="13"/>
+          </p:nvPr>
+        </p:nvSpPr>
+        <p:spPr/>
+        <p:txBody>
+          <a:bodyPr/>
+          <a:lstStyle/>
+          <a:p>
+            <a:fld id="{B4008EB6-D09E-4580-8CD6-DDB14511944F}" type="slidenum">
+              <a:rPr lang="en-US" smtClean="0"/>
+              <a:pPr/>
+              <a:t>10</a:t>
+            </a:fld>
+            <a:endParaRPr lang="en-US" dirty="0"/>
+          </a:p>
+        </p:txBody>
+      </p:sp>
     </p:spTree>
     <p:extLst>
       <p:ext uri="{BB962C8B-B14F-4D97-AF65-F5344CB8AC3E}">
-        <p14:creationId xmlns:p14="http://schemas.microsoft.com/office/powerpoint/2010/main" val="1843639342"/>
+        <p14:creationId xmlns:p14="http://schemas.microsoft.com/office/powerpoint/2010/main" val="1071861760"/>
       </p:ext>
     </p:extLst>
   </p:cSld>
@@ -35851,6 +39038,14 @@
 <file path=ppt/slides/slide1.xml><?xml version="1.0" encoding="utf-8"?>
 <p:sld xmlns:a="http://schemas.openxmlformats.org/drawingml/2006/main" xmlns:r="http://schemas.openxmlformats.org/officeDocument/2006/relationships" xmlns:p="http://schemas.openxmlformats.org/presentationml/2006/main">
   <p:cSld>
+    <p:bg>
+      <p:bgPr>
+        <a:solidFill>
+          <a:schemeClr val="bg1"/>
+        </a:solidFill>
+        <a:effectLst/>
+      </p:bgPr>
+    </p:bg>
     <p:spTree>
       <p:nvGrpSpPr>
         <p:cNvPr id="1" name=""/>
@@ -35883,12 +39078,17 @@
         </p:nvSpPr>
         <p:spPr>
           <a:xfrm>
-            <a:off x="584200" y="2979778"/>
-            <a:ext cx="9144000" cy="553998"/>
+            <a:off x="588263" y="585788"/>
+            <a:ext cx="3182027" cy="5683250"/>
           </a:xfrm>
+          <a:prstGeom prst="rect">
+            <a:avLst/>
+          </a:prstGeom>
         </p:spPr>
         <p:txBody>
-          <a:bodyPr/>
+          <a:bodyPr wrap="square" anchor="ctr">
+            <a:normAutofit/>
+          </a:bodyPr>
           <a:lstStyle/>
           <a:p>
             <a:r>
@@ -35911,17 +39111,22 @@
             <a:spLocks noGrp="1"/>
           </p:cNvSpPr>
           <p:nvPr>
-            <p:ph type="body" sz="quarter" idx="12"/>
+            <p:ph type="body" sz="quarter" idx="11"/>
           </p:nvPr>
         </p:nvSpPr>
         <p:spPr>
           <a:xfrm>
-            <a:off x="584200" y="3962400"/>
-            <a:ext cx="5693383" cy="2031325"/>
+            <a:off x="4941888" y="585788"/>
+            <a:ext cx="6667500" cy="5683249"/>
           </a:xfrm>
+          <a:prstGeom prst="rect">
+            <a:avLst/>
+          </a:prstGeom>
         </p:spPr>
         <p:txBody>
-          <a:bodyPr/>
+          <a:bodyPr wrap="square" anchor="ctr">
+            <a:normAutofit/>
+          </a:bodyPr>
           <a:lstStyle/>
           <a:p>
             <a:r>
@@ -35958,10 +39163,125 @@
           </a:p>
         </p:txBody>
       </p:sp>
+      <p:pic>
+        <p:nvPicPr>
+          <p:cNvPr id="2" name="Picture 1">
+            <a:extLst>
+              <a:ext uri="{FF2B5EF4-FFF2-40B4-BE49-F238E27FC236}">
+                <a16:creationId xmlns:a16="http://schemas.microsoft.com/office/drawing/2014/main" id="{9A572891-DACC-4E7C-9D65-1E7FA476590E}"/>
+              </a:ext>
+            </a:extLst>
+          </p:cNvPr>
+          <p:cNvPicPr>
+            <a:picLocks noChangeAspect="1"/>
+          </p:cNvPicPr>
+          <p:nvPr/>
+        </p:nvPicPr>
+        <p:blipFill>
+          <a:blip r:embed="rId2"/>
+          <a:stretch>
+            <a:fillRect/>
+          </a:stretch>
+        </p:blipFill>
+        <p:spPr>
+          <a:xfrm>
+            <a:off x="158866" y="60070"/>
+            <a:ext cx="2577660" cy="916501"/>
+          </a:xfrm>
+          <a:prstGeom prst="rect">
+            <a:avLst/>
+          </a:prstGeom>
+        </p:spPr>
+      </p:pic>
     </p:spTree>
     <p:extLst>
       <p:ext uri="{BB962C8B-B14F-4D97-AF65-F5344CB8AC3E}">
         <p14:creationId xmlns:p14="http://schemas.microsoft.com/office/powerpoint/2010/main" val="3117013438"/>
+      </p:ext>
+    </p:extLst>
+  </p:cSld>
+  <p:clrMapOvr>
+    <a:masterClrMapping/>
+  </p:clrMapOvr>
+  <p:transition>
+    <p:fade/>
+  </p:transition>
+</p:sld>
+</file>
+
+<file path=ppt/slides/slide10.xml><?xml version="1.0" encoding="utf-8"?>
+<p:sld xmlns:a="http://schemas.openxmlformats.org/drawingml/2006/main" xmlns:r="http://schemas.openxmlformats.org/officeDocument/2006/relationships" xmlns:p="http://schemas.openxmlformats.org/presentationml/2006/main">
+  <p:cSld>
+    <p:spTree>
+      <p:nvGrpSpPr>
+        <p:cNvPr id="1" name=""/>
+        <p:cNvGrpSpPr/>
+        <p:nvPr/>
+      </p:nvGrpSpPr>
+      <p:grpSpPr>
+        <a:xfrm>
+          <a:off x="0" y="0"/>
+          <a:ext cx="0" cy="0"/>
+          <a:chOff x="0" y="0"/>
+          <a:chExt cx="0" cy="0"/>
+        </a:xfrm>
+      </p:grpSpPr>
+      <p:sp>
+        <p:nvSpPr>
+          <p:cNvPr id="17" name="Title 16"/>
+          <p:cNvSpPr>
+            <a:spLocks noGrp="1"/>
+          </p:cNvSpPr>
+          <p:nvPr>
+            <p:ph type="title"/>
+          </p:nvPr>
+        </p:nvSpPr>
+        <p:spPr/>
+        <p:txBody>
+          <a:bodyPr/>
+          <a:lstStyle/>
+          <a:p>
+            <a:r>
+              <a:rPr lang="en-US" dirty="0"/>
+              <a:t>KMB - Architecture</a:t>
+            </a:r>
+          </a:p>
+        </p:txBody>
+      </p:sp>
+      <p:pic>
+        <p:nvPicPr>
+          <p:cNvPr id="7" name="Picture 6">
+            <a:extLst>
+              <a:ext uri="{FF2B5EF4-FFF2-40B4-BE49-F238E27FC236}">
+                <a16:creationId xmlns:a16="http://schemas.microsoft.com/office/drawing/2014/main" id="{5B23A7A7-5880-4EEC-90F4-590C9DFC16AA}"/>
+              </a:ext>
+            </a:extLst>
+          </p:cNvPr>
+          <p:cNvPicPr>
+            <a:picLocks noChangeAspect="1"/>
+          </p:cNvPicPr>
+          <p:nvPr/>
+        </p:nvPicPr>
+        <p:blipFill>
+          <a:blip r:embed="rId3"/>
+          <a:stretch>
+            <a:fillRect/>
+          </a:stretch>
+        </p:blipFill>
+        <p:spPr>
+          <a:xfrm>
+            <a:off x="1813586" y="1231228"/>
+            <a:ext cx="7962010" cy="5398621"/>
+          </a:xfrm>
+          <a:prstGeom prst="rect">
+            <a:avLst/>
+          </a:prstGeom>
+        </p:spPr>
+      </p:pic>
+    </p:spTree>
+    <p:extLst>
+      <p:ext uri="{BB962C8B-B14F-4D97-AF65-F5344CB8AC3E}">
+        <p14:creationId xmlns:p14="http://schemas.microsoft.com/office/powerpoint/2010/main" val="2878158329"/>
       </p:ext>
     </p:extLst>
   </p:cSld>
@@ -35983,7 +39303,7 @@
 </p:sld>
 </file>
 
-<file path=ppt/slides/slide10.xml><?xml version="1.0" encoding="utf-8"?>
+<file path=ppt/slides/slide11.xml><?xml version="1.0" encoding="utf-8"?>
 <p:sld xmlns:a="http://schemas.openxmlformats.org/drawingml/2006/main" xmlns:r="http://schemas.openxmlformats.org/officeDocument/2006/relationships" xmlns:p="http://schemas.openxmlformats.org/presentationml/2006/main">
   <p:cSld>
     <p:spTree>
@@ -36111,9 +39431,17 @@
 </p:sld>
 </file>
 
-<file path=ppt/slides/slide11.xml><?xml version="1.0" encoding="utf-8"?>
+<file path=ppt/slides/slide12.xml><?xml version="1.0" encoding="utf-8"?>
 <p:sld xmlns:a="http://schemas.openxmlformats.org/drawingml/2006/main" xmlns:r="http://schemas.openxmlformats.org/officeDocument/2006/relationships" xmlns:p="http://schemas.openxmlformats.org/presentationml/2006/main">
   <p:cSld>
+    <p:bg>
+      <p:bgPr>
+        <a:solidFill>
+          <a:schemeClr val="bg1"/>
+        </a:solidFill>
+        <a:effectLst/>
+      </p:bgPr>
+    </p:bg>
     <p:spTree>
       <p:nvGrpSpPr>
         <p:cNvPr id="1" name=""/>
@@ -36138,13 +39466,31 @@
             <p:ph type="title"/>
           </p:nvPr>
         </p:nvSpPr>
-        <p:spPr/>
+        <p:spPr>
+          <a:xfrm>
+            <a:off x="588263" y="585788"/>
+            <a:ext cx="3182027" cy="5683250"/>
+          </a:xfrm>
+          <a:prstGeom prst="rect">
+            <a:avLst/>
+          </a:prstGeom>
+        </p:spPr>
         <p:txBody>
-          <a:bodyPr/>
+          <a:bodyPr vert="horz" wrap="square" lIns="0" tIns="0" rIns="0" bIns="0" rtlCol="0" anchor="ctr">
+            <a:normAutofit/>
+          </a:bodyPr>
           <a:lstStyle/>
           <a:p>
             <a:r>
-              <a:rPr lang="en-US" dirty="0"/>
+              <a:rPr lang="en-US" b="0" kern="1200" cap="none" spc="-50" baseline="0">
+                <a:ln w="3175">
+                  <a:noFill/>
+                </a:ln>
+                <a:effectLst/>
+                <a:latin typeface="+mj-lt"/>
+                <a:ea typeface="+mn-ea"/>
+                <a:cs typeface="Segoe UI" pitchFamily="34" charset="0"/>
+              </a:rPr>
               <a:t>Key Links</a:t>
             </a:r>
           </a:p>
@@ -36164,98 +39510,508 @@
         </p:nvSpPr>
         <p:spPr>
           <a:xfrm>
-            <a:off x="588263" y="1828104"/>
-            <a:ext cx="4554772" cy="3623300"/>
+            <a:off x="4941888" y="585788"/>
+            <a:ext cx="6667500" cy="5683249"/>
           </a:xfrm>
           <a:prstGeom prst="rect">
             <a:avLst/>
           </a:prstGeom>
         </p:spPr>
         <p:txBody>
-          <a:bodyPr wrap="square">
-            <a:spAutoFit/>
+          <a:bodyPr vert="horz" wrap="square" lIns="0" tIns="0" rIns="0" bIns="0" rtlCol="0" anchor="ctr">
+            <a:normAutofit/>
           </a:bodyPr>
           <a:lstStyle/>
           <a:p>
-            <a:r>
-              <a:rPr lang="en-US" dirty="0" err="1">
+            <a:pPr defTabSz="932742">
+              <a:lnSpc>
+                <a:spcPct val="90000"/>
+              </a:lnSpc>
+              <a:spcBef>
+                <a:spcPct val="20000"/>
+              </a:spcBef>
+              <a:buSzPct val="90000"/>
+            </a:pPr>
+            <a:r>
+              <a:rPr lang="en-US" sz="2600" kern="1200" spc="0" baseline="0">
+                <a:gradFill>
+                  <a:gsLst>
+                    <a:gs pos="1250">
+                      <a:schemeClr val="tx1"/>
+                    </a:gs>
+                    <a:gs pos="100000">
+                      <a:schemeClr val="tx1"/>
+                    </a:gs>
+                  </a:gsLst>
+                  <a:lin ang="5400000" scaled="0"/>
+                </a:gradFill>
+                <a:latin typeface="+mn-lt"/>
+                <a:ea typeface="+mn-ea"/>
+                <a:cs typeface="Segoe UI" panose="020B0502040204020203" pitchFamily="34" charset="0"/>
                 <a:hlinkClick r:id="rId3"/>
               </a:rPr>
               <a:t>AutomatedML</a:t>
             </a:r>
-            <a:endParaRPr lang="en-US" dirty="0"/>
-          </a:p>
-          <a:p>
-            <a:endParaRPr lang="en-US" dirty="0"/>
-          </a:p>
-          <a:p>
-            <a:r>
-              <a:rPr lang="en-US" dirty="0">
+            <a:endParaRPr lang="en-US" sz="2600" kern="1200" spc="0" baseline="0">
+              <a:gradFill>
+                <a:gsLst>
+                  <a:gs pos="1250">
+                    <a:schemeClr val="tx1"/>
+                  </a:gs>
+                  <a:gs pos="100000">
+                    <a:schemeClr val="tx1"/>
+                  </a:gs>
+                </a:gsLst>
+                <a:lin ang="5400000" scaled="0"/>
+              </a:gradFill>
+              <a:latin typeface="+mn-lt"/>
+              <a:ea typeface="+mn-ea"/>
+              <a:cs typeface="Segoe UI" panose="020B0502040204020203" pitchFamily="34" charset="0"/>
+            </a:endParaRPr>
+          </a:p>
+          <a:p>
+            <a:pPr defTabSz="932742">
+              <a:lnSpc>
+                <a:spcPct val="90000"/>
+              </a:lnSpc>
+              <a:spcBef>
+                <a:spcPct val="20000"/>
+              </a:spcBef>
+              <a:buSzPct val="90000"/>
+            </a:pPr>
+            <a:endParaRPr lang="en-US" sz="2600" kern="1200" spc="0" baseline="0">
+              <a:gradFill>
+                <a:gsLst>
+                  <a:gs pos="1250">
+                    <a:schemeClr val="tx1"/>
+                  </a:gs>
+                  <a:gs pos="100000">
+                    <a:schemeClr val="tx1"/>
+                  </a:gs>
+                </a:gsLst>
+                <a:lin ang="5400000" scaled="0"/>
+              </a:gradFill>
+              <a:latin typeface="+mn-lt"/>
+              <a:ea typeface="+mn-ea"/>
+              <a:cs typeface="Segoe UI" panose="020B0502040204020203" pitchFamily="34" charset="0"/>
+            </a:endParaRPr>
+          </a:p>
+          <a:p>
+            <a:pPr defTabSz="932742">
+              <a:lnSpc>
+                <a:spcPct val="90000"/>
+              </a:lnSpc>
+              <a:spcBef>
+                <a:spcPct val="20000"/>
+              </a:spcBef>
+              <a:buSzPct val="90000"/>
+            </a:pPr>
+            <a:r>
+              <a:rPr lang="en-US" sz="2600" kern="1200" spc="0" baseline="0">
+                <a:gradFill>
+                  <a:gsLst>
+                    <a:gs pos="1250">
+                      <a:schemeClr val="tx1"/>
+                    </a:gs>
+                    <a:gs pos="100000">
+                      <a:schemeClr val="tx1"/>
+                    </a:gs>
+                  </a:gsLst>
+                  <a:lin ang="5400000" scaled="0"/>
+                </a:gradFill>
+                <a:latin typeface="+mn-lt"/>
+                <a:ea typeface="+mn-ea"/>
+                <a:cs typeface="Segoe UI" panose="020B0502040204020203" pitchFamily="34" charset="0"/>
                 <a:hlinkClick r:id="rId4"/>
               </a:rPr>
               <a:t>Hyperdrive</a:t>
             </a:r>
-            <a:endParaRPr lang="en-US" dirty="0"/>
-          </a:p>
-          <a:p>
-            <a:endParaRPr lang="en-US" dirty="0"/>
-          </a:p>
-          <a:p>
-            <a:r>
-              <a:rPr lang="en-US" dirty="0">
+            <a:endParaRPr lang="en-US" sz="2600" kern="1200" spc="0" baseline="0">
+              <a:gradFill>
+                <a:gsLst>
+                  <a:gs pos="1250">
+                    <a:schemeClr val="tx1"/>
+                  </a:gs>
+                  <a:gs pos="100000">
+                    <a:schemeClr val="tx1"/>
+                  </a:gs>
+                </a:gsLst>
+                <a:lin ang="5400000" scaled="0"/>
+              </a:gradFill>
+              <a:latin typeface="+mn-lt"/>
+              <a:ea typeface="+mn-ea"/>
+              <a:cs typeface="Segoe UI" panose="020B0502040204020203" pitchFamily="34" charset="0"/>
+            </a:endParaRPr>
+          </a:p>
+          <a:p>
+            <a:pPr defTabSz="932742">
+              <a:lnSpc>
+                <a:spcPct val="90000"/>
+              </a:lnSpc>
+              <a:spcBef>
+                <a:spcPct val="20000"/>
+              </a:spcBef>
+              <a:buSzPct val="90000"/>
+            </a:pPr>
+            <a:endParaRPr lang="en-US" sz="2600" kern="1200" spc="0" baseline="0">
+              <a:gradFill>
+                <a:gsLst>
+                  <a:gs pos="1250">
+                    <a:schemeClr val="tx1"/>
+                  </a:gs>
+                  <a:gs pos="100000">
+                    <a:schemeClr val="tx1"/>
+                  </a:gs>
+                </a:gsLst>
+                <a:lin ang="5400000" scaled="0"/>
+              </a:gradFill>
+              <a:latin typeface="+mn-lt"/>
+              <a:ea typeface="+mn-ea"/>
+              <a:cs typeface="Segoe UI" panose="020B0502040204020203" pitchFamily="34" charset="0"/>
+            </a:endParaRPr>
+          </a:p>
+          <a:p>
+            <a:pPr defTabSz="932742">
+              <a:lnSpc>
+                <a:spcPct val="90000"/>
+              </a:lnSpc>
+              <a:spcBef>
+                <a:spcPct val="20000"/>
+              </a:spcBef>
+              <a:buSzPct val="90000"/>
+            </a:pPr>
+            <a:r>
+              <a:rPr lang="en-US" sz="2600" kern="1200" spc="0" baseline="0">
+                <a:gradFill>
+                  <a:gsLst>
+                    <a:gs pos="1250">
+                      <a:schemeClr val="tx1"/>
+                    </a:gs>
+                    <a:gs pos="100000">
+                      <a:schemeClr val="tx1"/>
+                    </a:gs>
+                  </a:gsLst>
+                  <a:lin ang="5400000" scaled="0"/>
+                </a:gradFill>
+                <a:latin typeface="+mn-lt"/>
+                <a:ea typeface="+mn-ea"/>
+                <a:cs typeface="Segoe UI" panose="020B0502040204020203" pitchFamily="34" charset="0"/>
                 <a:hlinkClick r:id="rId3"/>
               </a:rPr>
               <a:t>Azure Machine Learning Documentation</a:t>
             </a:r>
-            <a:endParaRPr lang="en-US" dirty="0"/>
-          </a:p>
-          <a:p>
-            <a:endParaRPr lang="en-US" dirty="0"/>
-          </a:p>
-          <a:p>
-            <a:r>
-              <a:rPr lang="en-US" dirty="0">
+            <a:endParaRPr lang="en-US" sz="2600" kern="1200" spc="0" baseline="0">
+              <a:gradFill>
+                <a:gsLst>
+                  <a:gs pos="1250">
+                    <a:schemeClr val="tx1"/>
+                  </a:gs>
+                  <a:gs pos="100000">
+                    <a:schemeClr val="tx1"/>
+                  </a:gs>
+                </a:gsLst>
+                <a:lin ang="5400000" scaled="0"/>
+              </a:gradFill>
+              <a:latin typeface="+mn-lt"/>
+              <a:ea typeface="+mn-ea"/>
+              <a:cs typeface="Segoe UI" panose="020B0502040204020203" pitchFamily="34" charset="0"/>
+            </a:endParaRPr>
+          </a:p>
+          <a:p>
+            <a:pPr defTabSz="932742">
+              <a:lnSpc>
+                <a:spcPct val="90000"/>
+              </a:lnSpc>
+              <a:spcBef>
+                <a:spcPct val="20000"/>
+              </a:spcBef>
+              <a:buSzPct val="90000"/>
+            </a:pPr>
+            <a:endParaRPr lang="en-US" sz="2600" kern="1200" spc="0" baseline="0">
+              <a:gradFill>
+                <a:gsLst>
+                  <a:gs pos="1250">
+                    <a:schemeClr val="tx1"/>
+                  </a:gs>
+                  <a:gs pos="100000">
+                    <a:schemeClr val="tx1"/>
+                  </a:gs>
+                </a:gsLst>
+                <a:lin ang="5400000" scaled="0"/>
+              </a:gradFill>
+              <a:latin typeface="+mn-lt"/>
+              <a:ea typeface="+mn-ea"/>
+              <a:cs typeface="Segoe UI" panose="020B0502040204020203" pitchFamily="34" charset="0"/>
+            </a:endParaRPr>
+          </a:p>
+          <a:p>
+            <a:pPr defTabSz="932742">
+              <a:lnSpc>
+                <a:spcPct val="90000"/>
+              </a:lnSpc>
+              <a:spcBef>
+                <a:spcPct val="20000"/>
+              </a:spcBef>
+              <a:buSzPct val="90000"/>
+            </a:pPr>
+            <a:r>
+              <a:rPr lang="en-US" sz="2600" kern="1200" spc="0" baseline="0">
+                <a:gradFill>
+                  <a:gsLst>
+                    <a:gs pos="1250">
+                      <a:schemeClr val="tx1"/>
+                    </a:gs>
+                    <a:gs pos="100000">
+                      <a:schemeClr val="tx1"/>
+                    </a:gs>
+                  </a:gsLst>
+                  <a:lin ang="5400000" scaled="0"/>
+                </a:gradFill>
+                <a:latin typeface="+mn-lt"/>
+                <a:ea typeface="+mn-ea"/>
+                <a:cs typeface="Segoe UI" panose="020B0502040204020203" pitchFamily="34" charset="0"/>
                 <a:hlinkClick r:id="rId5"/>
               </a:rPr>
               <a:t>AI on IoT Edge Devices</a:t>
             </a:r>
-            <a:endParaRPr lang="en-US" dirty="0"/>
-          </a:p>
-          <a:p>
-            <a:endParaRPr lang="en-US" dirty="0"/>
-          </a:p>
-          <a:p>
-            <a:r>
-              <a:rPr lang="en-US" dirty="0">
+            <a:endParaRPr lang="en-US" sz="2600" kern="1200" spc="0" baseline="0">
+              <a:gradFill>
+                <a:gsLst>
+                  <a:gs pos="1250">
+                    <a:schemeClr val="tx1"/>
+                  </a:gs>
+                  <a:gs pos="100000">
+                    <a:schemeClr val="tx1"/>
+                  </a:gs>
+                </a:gsLst>
+                <a:lin ang="5400000" scaled="0"/>
+              </a:gradFill>
+              <a:latin typeface="+mn-lt"/>
+              <a:ea typeface="+mn-ea"/>
+              <a:cs typeface="Segoe UI" panose="020B0502040204020203" pitchFamily="34" charset="0"/>
+            </a:endParaRPr>
+          </a:p>
+          <a:p>
+            <a:pPr defTabSz="932742">
+              <a:lnSpc>
+                <a:spcPct val="90000"/>
+              </a:lnSpc>
+              <a:spcBef>
+                <a:spcPct val="20000"/>
+              </a:spcBef>
+              <a:buSzPct val="90000"/>
+            </a:pPr>
+            <a:endParaRPr lang="en-US" sz="2600" kern="1200" spc="0" baseline="0">
+              <a:gradFill>
+                <a:gsLst>
+                  <a:gs pos="1250">
+                    <a:schemeClr val="tx1"/>
+                  </a:gs>
+                  <a:gs pos="100000">
+                    <a:schemeClr val="tx1"/>
+                  </a:gs>
+                </a:gsLst>
+                <a:lin ang="5400000" scaled="0"/>
+              </a:gradFill>
+              <a:latin typeface="+mn-lt"/>
+              <a:ea typeface="+mn-ea"/>
+              <a:cs typeface="Segoe UI" panose="020B0502040204020203" pitchFamily="34" charset="0"/>
+            </a:endParaRPr>
+          </a:p>
+          <a:p>
+            <a:pPr defTabSz="932742">
+              <a:lnSpc>
+                <a:spcPct val="90000"/>
+              </a:lnSpc>
+              <a:spcBef>
+                <a:spcPct val="20000"/>
+              </a:spcBef>
+              <a:buSzPct val="90000"/>
+            </a:pPr>
+            <a:r>
+              <a:rPr lang="en-US" sz="2600" kern="1200" spc="0" baseline="0">
+                <a:gradFill>
+                  <a:gsLst>
+                    <a:gs pos="1250">
+                      <a:schemeClr val="tx1"/>
+                    </a:gs>
+                    <a:gs pos="100000">
+                      <a:schemeClr val="tx1"/>
+                    </a:gs>
+                  </a:gsLst>
+                  <a:lin ang="5400000" scaled="0"/>
+                </a:gradFill>
+                <a:latin typeface="+mn-lt"/>
+                <a:ea typeface="+mn-ea"/>
+                <a:cs typeface="Segoe UI" panose="020B0502040204020203" pitchFamily="34" charset="0"/>
                 <a:hlinkClick r:id="rId6"/>
               </a:rPr>
               <a:t>Azure Cognitive Services</a:t>
             </a:r>
-            <a:endParaRPr lang="en-US" dirty="0"/>
-          </a:p>
-          <a:p>
-            <a:endParaRPr lang="en-US" dirty="0"/>
-          </a:p>
-          <a:p>
-            <a:r>
-              <a:rPr lang="en-US" dirty="0">
+            <a:endParaRPr lang="en-US" sz="2600" kern="1200" spc="0" baseline="0">
+              <a:gradFill>
+                <a:gsLst>
+                  <a:gs pos="1250">
+                    <a:schemeClr val="tx1"/>
+                  </a:gs>
+                  <a:gs pos="100000">
+                    <a:schemeClr val="tx1"/>
+                  </a:gs>
+                </a:gsLst>
+                <a:lin ang="5400000" scaled="0"/>
+              </a:gradFill>
+              <a:latin typeface="+mn-lt"/>
+              <a:ea typeface="+mn-ea"/>
+              <a:cs typeface="Segoe UI" panose="020B0502040204020203" pitchFamily="34" charset="0"/>
+            </a:endParaRPr>
+          </a:p>
+          <a:p>
+            <a:pPr defTabSz="932742">
+              <a:lnSpc>
+                <a:spcPct val="90000"/>
+              </a:lnSpc>
+              <a:spcBef>
+                <a:spcPct val="20000"/>
+              </a:spcBef>
+              <a:buSzPct val="90000"/>
+            </a:pPr>
+            <a:endParaRPr lang="en-US" sz="2600" kern="1200" spc="0" baseline="0">
+              <a:gradFill>
+                <a:gsLst>
+                  <a:gs pos="1250">
+                    <a:schemeClr val="tx1"/>
+                  </a:gs>
+                  <a:gs pos="100000">
+                    <a:schemeClr val="tx1"/>
+                  </a:gs>
+                </a:gsLst>
+                <a:lin ang="5400000" scaled="0"/>
+              </a:gradFill>
+              <a:latin typeface="+mn-lt"/>
+              <a:ea typeface="+mn-ea"/>
+              <a:cs typeface="Segoe UI" panose="020B0502040204020203" pitchFamily="34" charset="0"/>
+            </a:endParaRPr>
+          </a:p>
+          <a:p>
+            <a:pPr defTabSz="932742">
+              <a:lnSpc>
+                <a:spcPct val="90000"/>
+              </a:lnSpc>
+              <a:spcBef>
+                <a:spcPct val="20000"/>
+              </a:spcBef>
+              <a:buSzPct val="90000"/>
+            </a:pPr>
+            <a:r>
+              <a:rPr lang="en-US" sz="2600" kern="1200" spc="0" baseline="0">
+                <a:gradFill>
+                  <a:gsLst>
+                    <a:gs pos="1250">
+                      <a:schemeClr val="tx1"/>
+                    </a:gs>
+                    <a:gs pos="100000">
+                      <a:schemeClr val="tx1"/>
+                    </a:gs>
+                  </a:gsLst>
+                  <a:lin ang="5400000" scaled="0"/>
+                </a:gradFill>
+                <a:latin typeface="+mn-lt"/>
+                <a:ea typeface="+mn-ea"/>
+                <a:cs typeface="Segoe UI" panose="020B0502040204020203" pitchFamily="34" charset="0"/>
                 <a:hlinkClick r:id="rId7"/>
               </a:rPr>
               <a:t>Azure Cognitive Services in Containers</a:t>
             </a:r>
-            <a:endParaRPr lang="en-US" dirty="0"/>
-          </a:p>
-          <a:p>
-            <a:endParaRPr lang="en-US" dirty="0"/>
-          </a:p>
-          <a:p>
-            <a:r>
-              <a:rPr lang="en-US" dirty="0">
+            <a:endParaRPr lang="en-US" sz="2600" kern="1200" spc="0" baseline="0">
+              <a:gradFill>
+                <a:gsLst>
+                  <a:gs pos="1250">
+                    <a:schemeClr val="tx1"/>
+                  </a:gs>
+                  <a:gs pos="100000">
+                    <a:schemeClr val="tx1"/>
+                  </a:gs>
+                </a:gsLst>
+                <a:lin ang="5400000" scaled="0"/>
+              </a:gradFill>
+              <a:latin typeface="+mn-lt"/>
+              <a:ea typeface="+mn-ea"/>
+              <a:cs typeface="Segoe UI" panose="020B0502040204020203" pitchFamily="34" charset="0"/>
+            </a:endParaRPr>
+          </a:p>
+          <a:p>
+            <a:pPr defTabSz="932742">
+              <a:lnSpc>
+                <a:spcPct val="90000"/>
+              </a:lnSpc>
+              <a:spcBef>
+                <a:spcPct val="20000"/>
+              </a:spcBef>
+              <a:buSzPct val="90000"/>
+            </a:pPr>
+            <a:endParaRPr lang="en-US" sz="2600" kern="1200" spc="0" baseline="0">
+              <a:gradFill>
+                <a:gsLst>
+                  <a:gs pos="1250">
+                    <a:schemeClr val="tx1"/>
+                  </a:gs>
+                  <a:gs pos="100000">
+                    <a:schemeClr val="tx1"/>
+                  </a:gs>
+                </a:gsLst>
+                <a:lin ang="5400000" scaled="0"/>
+              </a:gradFill>
+              <a:latin typeface="+mn-lt"/>
+              <a:ea typeface="+mn-ea"/>
+              <a:cs typeface="Segoe UI" panose="020B0502040204020203" pitchFamily="34" charset="0"/>
+            </a:endParaRPr>
+          </a:p>
+          <a:p>
+            <a:pPr defTabSz="932742">
+              <a:lnSpc>
+                <a:spcPct val="90000"/>
+              </a:lnSpc>
+              <a:spcBef>
+                <a:spcPct val="20000"/>
+              </a:spcBef>
+              <a:buSzPct val="90000"/>
+            </a:pPr>
+            <a:r>
+              <a:rPr lang="en-US" sz="2600" kern="1200" spc="0" baseline="0">
+                <a:gradFill>
+                  <a:gsLst>
+                    <a:gs pos="1250">
+                      <a:schemeClr val="tx1"/>
+                    </a:gs>
+                    <a:gs pos="100000">
+                      <a:schemeClr val="tx1"/>
+                    </a:gs>
+                  </a:gsLst>
+                  <a:lin ang="5400000" scaled="0"/>
+                </a:gradFill>
+                <a:latin typeface="+mn-lt"/>
+                <a:ea typeface="+mn-ea"/>
+                <a:cs typeface="Segoe UI" panose="020B0502040204020203" pitchFamily="34" charset="0"/>
                 <a:hlinkClick r:id="rId8"/>
               </a:rPr>
               <a:t>Azure Machine Learning Studio</a:t>
             </a:r>
-            <a:endParaRPr lang="en-US" dirty="0"/>
+            <a:endParaRPr lang="en-US" sz="2600" kern="1200" spc="0" baseline="0">
+              <a:gradFill>
+                <a:gsLst>
+                  <a:gs pos="1250">
+                    <a:schemeClr val="tx1"/>
+                  </a:gs>
+                  <a:gs pos="100000">
+                    <a:schemeClr val="tx1"/>
+                  </a:gs>
+                </a:gsLst>
+                <a:lin ang="5400000" scaled="0"/>
+              </a:gradFill>
+              <a:latin typeface="+mn-lt"/>
+              <a:ea typeface="+mn-ea"/>
+              <a:cs typeface="Segoe UI" panose="020B0502040204020203" pitchFamily="34" charset="0"/>
+            </a:endParaRPr>
           </a:p>
         </p:txBody>
       </p:sp>
@@ -36275,9 +40031,17 @@
 </p:sld>
 </file>
 
-<file path=ppt/slides/slide12.xml><?xml version="1.0" encoding="utf-8"?>
+<file path=ppt/slides/slide13.xml><?xml version="1.0" encoding="utf-8"?>
 <p:sld xmlns:a="http://schemas.openxmlformats.org/drawingml/2006/main" xmlns:r="http://schemas.openxmlformats.org/officeDocument/2006/relationships" xmlns:p="http://schemas.openxmlformats.org/presentationml/2006/main">
   <p:cSld>
+    <p:bg>
+      <p:bgPr>
+        <a:solidFill>
+          <a:schemeClr val="bg1"/>
+        </a:solidFill>
+        <a:effectLst/>
+      </p:bgPr>
+    </p:bg>
     <p:spTree>
       <p:nvGrpSpPr>
         <p:cNvPr id="1" name=""/>
@@ -36302,24 +40066,42 @@
             <p:ph type="title"/>
           </p:nvPr>
         </p:nvSpPr>
-        <p:spPr/>
+        <p:spPr>
+          <a:xfrm>
+            <a:off x="588263" y="585788"/>
+            <a:ext cx="3182027" cy="5683250"/>
+          </a:xfrm>
+          <a:prstGeom prst="rect">
+            <a:avLst/>
+          </a:prstGeom>
+        </p:spPr>
         <p:txBody>
-          <a:bodyPr/>
+          <a:bodyPr vert="horz" wrap="square" lIns="0" tIns="0" rIns="0" bIns="0" rtlCol="0" anchor="ctr">
+            <a:normAutofit/>
+          </a:bodyPr>
           <a:lstStyle/>
           <a:p>
             <a:r>
-              <a:rPr lang="en-US" dirty="0"/>
-              <a:t>Key Links – ACE Team</a:t>
+              <a:rPr lang="en-US" b="0" kern="1200" cap="none" spc="-50" baseline="0" dirty="0">
+                <a:ln w="3175">
+                  <a:noFill/>
+                </a:ln>
+                <a:effectLst/>
+                <a:latin typeface="+mj-lt"/>
+                <a:ea typeface="+mn-ea"/>
+                <a:cs typeface="Segoe UI" pitchFamily="34" charset="0"/>
+              </a:rPr>
+              <a:t>Key Links</a:t>
             </a:r>
           </a:p>
         </p:txBody>
       </p:sp>
       <p:sp>
         <p:nvSpPr>
-          <p:cNvPr id="2" name="Rectangle 1">
+          <p:cNvPr id="5" name="Rectangle 4">
             <a:extLst>
               <a:ext uri="{FF2B5EF4-FFF2-40B4-BE49-F238E27FC236}">
-                <a16:creationId xmlns:a16="http://schemas.microsoft.com/office/drawing/2014/main" id="{327A2E38-32AE-4B41-BA3B-BDD1AE3DEE75}"/>
+                <a16:creationId xmlns:a16="http://schemas.microsoft.com/office/drawing/2014/main" id="{16AAA9C5-7D97-4ABE-BD0F-7904D2AF8B6D}"/>
               </a:ext>
             </a:extLst>
           </p:cNvPr>
@@ -36328,72 +40110,60 @@
         </p:nvSpPr>
         <p:spPr>
           <a:xfrm>
-            <a:off x="588263" y="2020614"/>
-            <a:ext cx="6096000" cy="3046988"/>
+            <a:off x="4941888" y="585788"/>
+            <a:ext cx="6667500" cy="5683249"/>
           </a:xfrm>
           <a:prstGeom prst="rect">
             <a:avLst/>
           </a:prstGeom>
         </p:spPr>
         <p:txBody>
-          <a:bodyPr>
-            <a:spAutoFit/>
+          <a:bodyPr vert="horz" wrap="square" lIns="0" tIns="0" rIns="0" bIns="0" rtlCol="0" anchor="ctr">
+            <a:normAutofit/>
           </a:bodyPr>
           <a:lstStyle/>
           <a:p>
-            <a:endParaRPr lang="en-US" sz="3200" dirty="0"/>
-          </a:p>
-          <a:p>
-            <a:r>
-              <a:rPr lang="en-US" sz="3200" dirty="0">
+            <a:endParaRPr lang="en-US" sz="2800" dirty="0"/>
+          </a:p>
+          <a:p>
+            <a:r>
+              <a:rPr lang="en-US" sz="2800" dirty="0">
                 <a:hlinkClick r:id="rId3"/>
               </a:rPr>
               <a:t>aka.ms/ACE-Blog</a:t>
             </a:r>
-            <a:endParaRPr lang="en-US" sz="3200" dirty="0"/>
-          </a:p>
-          <a:p>
-            <a:endParaRPr lang="en-US" sz="3200" dirty="0"/>
-          </a:p>
-          <a:p>
-            <a:r>
-              <a:rPr lang="en-US" sz="3200" dirty="0">
+            <a:endParaRPr lang="en-US" sz="2800" dirty="0"/>
+          </a:p>
+          <a:p>
+            <a:endParaRPr lang="en-US" sz="2800" dirty="0"/>
+          </a:p>
+          <a:p>
+            <a:r>
+              <a:rPr lang="en-US" sz="2800" dirty="0">
                 <a:hlinkClick r:id="rId4"/>
               </a:rPr>
-              <a:t>aka.ms/</a:t>
-            </a:r>
-            <a:r>
-              <a:rPr lang="en-US" sz="3200" dirty="0" err="1">
-                <a:hlinkClick r:id="rId4"/>
-              </a:rPr>
-              <a:t>kma</a:t>
-            </a:r>
-            <a:endParaRPr lang="en-US" sz="3200" dirty="0"/>
-          </a:p>
-          <a:p>
-            <a:endParaRPr lang="en-US" sz="3200" dirty="0"/>
-          </a:p>
-          <a:p>
-            <a:r>
-              <a:rPr lang="en-US" sz="3200" dirty="0">
+              <a:t>aka.ms/kma</a:t>
+            </a:r>
+            <a:endParaRPr lang="en-US" sz="2800" dirty="0"/>
+          </a:p>
+          <a:p>
+            <a:endParaRPr lang="en-US" sz="2800" dirty="0"/>
+          </a:p>
+          <a:p>
+            <a:r>
+              <a:rPr lang="en-US" sz="2800" dirty="0">
                 <a:hlinkClick r:id="rId5"/>
               </a:rPr>
-              <a:t>aka.ms/</a:t>
-            </a:r>
-            <a:r>
-              <a:rPr lang="en-US" sz="3200" dirty="0" err="1">
-                <a:hlinkClick r:id="rId5"/>
-              </a:rPr>
-              <a:t>kmb</a:t>
-            </a:r>
-            <a:endParaRPr lang="en-US" sz="2800" dirty="0"/>
+              <a:t>aka.ms/kmb</a:t>
+            </a:r>
+            <a:endParaRPr lang="en-US" sz="2400" dirty="0"/>
           </a:p>
         </p:txBody>
       </p:sp>
     </p:spTree>
     <p:extLst>
       <p:ext uri="{BB962C8B-B14F-4D97-AF65-F5344CB8AC3E}">
-        <p14:creationId xmlns:p14="http://schemas.microsoft.com/office/powerpoint/2010/main" val="2604429840"/>
+        <p14:creationId xmlns:p14="http://schemas.microsoft.com/office/powerpoint/2010/main" val="1110305336"/>
       </p:ext>
     </p:extLst>
   </p:cSld>
@@ -36406,9 +40176,17 @@
 </p:sld>
 </file>
 
-<file path=ppt/slides/slide13.xml><?xml version="1.0" encoding="utf-8"?>
+<file path=ppt/slides/slide14.xml><?xml version="1.0" encoding="utf-8"?>
 <p:sld xmlns:a="http://schemas.openxmlformats.org/drawingml/2006/main" xmlns:r="http://schemas.openxmlformats.org/officeDocument/2006/relationships" xmlns:p="http://schemas.openxmlformats.org/presentationml/2006/main">
   <p:cSld>
+    <p:bg>
+      <p:bgPr>
+        <a:solidFill>
+          <a:schemeClr val="bg1"/>
+        </a:solidFill>
+        <a:effectLst/>
+      </p:bgPr>
+    </p:bg>
     <p:spTree>
       <p:nvGrpSpPr>
         <p:cNvPr id="1" name=""/>
@@ -36441,160 +40219,62 @@
         </p:nvSpPr>
         <p:spPr>
           <a:xfrm>
-            <a:off x="501650" y="1198602"/>
-            <a:ext cx="9144000" cy="553998"/>
-          </a:xfrm>
-        </p:spPr>
-        <p:txBody>
-          <a:bodyPr/>
-          <a:lstStyle/>
-          <a:p>
-            <a:r>
-              <a:rPr lang="en-US" dirty="0"/>
-              <a:t>Spektra Environment</a:t>
-            </a:r>
-          </a:p>
-        </p:txBody>
-      </p:sp>
-      <p:sp>
-        <p:nvSpPr>
-          <p:cNvPr id="2" name="TextBox 1">
-            <a:extLst>
-              <a:ext uri="{FF2B5EF4-FFF2-40B4-BE49-F238E27FC236}">
-                <a16:creationId xmlns:a16="http://schemas.microsoft.com/office/drawing/2014/main" id="{0732188B-CC0A-4A85-BE9C-3258D1FEFAD5}"/>
-              </a:ext>
-            </a:extLst>
-          </p:cNvPr>
-          <p:cNvSpPr txBox="1"/>
-          <p:nvPr/>
-        </p:nvSpPr>
-        <p:spPr>
-          <a:xfrm>
-            <a:off x="501651" y="2165350"/>
-            <a:ext cx="8877300" cy="2462213"/>
+            <a:off x="588263" y="457200"/>
+            <a:ext cx="11018520" cy="553998"/>
           </a:xfrm>
           <a:prstGeom prst="rect">
             <a:avLst/>
           </a:prstGeom>
-          <a:noFill/>
         </p:spPr>
         <p:txBody>
-          <a:bodyPr wrap="square" lIns="0" tIns="0" rIns="0" bIns="0" rtlCol="0">
-            <a:spAutoFit/>
+          <a:bodyPr vert="horz" wrap="square" lIns="0" tIns="0" rIns="0" bIns="0" rtlCol="0" anchor="t">
+            <a:normAutofit/>
           </a:bodyPr>
           <a:lstStyle/>
           <a:p>
-            <a:pPr marL="457200" indent="-457200">
-              <a:buFont typeface="Arial" panose="020B0604020202020204" pitchFamily="34" charset="0"/>
-              <a:buChar char="•"/>
-            </a:pPr>
-            <a:r>
-              <a:rPr lang="en-US" sz="3200" dirty="0">
-                <a:gradFill>
-                  <a:gsLst>
-                    <a:gs pos="2917">
-                      <a:schemeClr val="tx1"/>
-                    </a:gs>
-                    <a:gs pos="30000">
-                      <a:schemeClr val="tx1"/>
-                    </a:gs>
-                  </a:gsLst>
-                  <a:lin ang="5400000" scaled="0"/>
-                </a:gradFill>
+            <a:r>
+              <a:rPr lang="en-US" b="0" kern="1200" cap="none" spc="-50" baseline="0" dirty="0">
+                <a:ln w="3175">
+                  <a:noFill/>
+                </a:ln>
+                <a:effectLst/>
+                <a:latin typeface="+mj-lt"/>
+                <a:ea typeface="+mn-ea"/>
+                <a:cs typeface="Segoe UI" pitchFamily="34" charset="0"/>
               </a:rPr>
-              <a:t>Azure Account</a:t>
-            </a:r>
-          </a:p>
-          <a:p>
-            <a:pPr marL="457200" indent="-457200">
-              <a:buFont typeface="Arial" panose="020B0604020202020204" pitchFamily="34" charset="0"/>
-              <a:buChar char="•"/>
-            </a:pPr>
-            <a:r>
-              <a:rPr lang="en-US" sz="3200" dirty="0">
-                <a:gradFill>
-                  <a:gsLst>
-                    <a:gs pos="2917">
-                      <a:schemeClr val="tx1"/>
-                    </a:gs>
-                    <a:gs pos="30000">
-                      <a:schemeClr val="tx1"/>
-                    </a:gs>
-                  </a:gsLst>
-                  <a:lin ang="5400000" scaled="0"/>
-                </a:gradFill>
-              </a:rPr>
-              <a:t>DSVM</a:t>
-            </a:r>
-          </a:p>
-          <a:p>
-            <a:pPr marL="457200" indent="-457200">
-              <a:buFont typeface="Arial" panose="020B0604020202020204" pitchFamily="34" charset="0"/>
-              <a:buChar char="•"/>
-            </a:pPr>
-            <a:r>
-              <a:rPr lang="en-US" sz="3200" dirty="0">
-                <a:gradFill>
-                  <a:gsLst>
-                    <a:gs pos="2917">
-                      <a:schemeClr val="tx1"/>
-                    </a:gs>
-                    <a:gs pos="30000">
-                      <a:schemeClr val="tx1"/>
-                    </a:gs>
-                  </a:gsLst>
-                  <a:lin ang="5400000" scaled="0"/>
-                </a:gradFill>
-              </a:rPr>
-              <a:t>Storage Account</a:t>
-            </a:r>
-          </a:p>
-          <a:p>
-            <a:pPr marL="457200" indent="-457200">
-              <a:buFont typeface="Arial" panose="020B0604020202020204" pitchFamily="34" charset="0"/>
-              <a:buChar char="•"/>
-            </a:pPr>
-            <a:r>
-              <a:rPr lang="en-US" sz="3200" dirty="0">
-                <a:gradFill>
-                  <a:gsLst>
-                    <a:gs pos="2917">
-                      <a:schemeClr val="tx1"/>
-                    </a:gs>
-                    <a:gs pos="30000">
-                      <a:schemeClr val="tx1"/>
-                    </a:gs>
-                  </a:gsLst>
-                  <a:lin ang="5400000" scaled="0"/>
-                </a:gradFill>
-              </a:rPr>
-              <a:t>Azure Search</a:t>
-            </a:r>
-          </a:p>
-          <a:p>
-            <a:pPr marL="457200" indent="-457200">
-              <a:buFont typeface="Arial" panose="020B0604020202020204" pitchFamily="34" charset="0"/>
-              <a:buChar char="•"/>
-            </a:pPr>
-            <a:r>
-              <a:rPr lang="en-US" sz="3200" dirty="0">
-                <a:gradFill>
-                  <a:gsLst>
-                    <a:gs pos="2917">
-                      <a:schemeClr val="tx1"/>
-                    </a:gs>
-                    <a:gs pos="30000">
-                      <a:schemeClr val="tx1"/>
-                    </a:gs>
-                  </a:gsLst>
-                  <a:lin ang="5400000" scaled="0"/>
-                </a:gradFill>
-              </a:rPr>
-              <a:t>Cognitive Services</a:t>
+              <a:t>Spektra Environment</a:t>
             </a:r>
           </a:p>
         </p:txBody>
       </p:sp>
+      <p:graphicFrame>
+        <p:nvGraphicFramePr>
+          <p:cNvPr id="6" name="TextBox 1">
+            <a:extLst>
+              <a:ext uri="{FF2B5EF4-FFF2-40B4-BE49-F238E27FC236}">
+                <a16:creationId xmlns:a16="http://schemas.microsoft.com/office/drawing/2014/main" id="{155B2527-3690-440C-8F61-8B20DD039555}"/>
+              </a:ext>
+            </a:extLst>
+          </p:cNvPr>
+          <p:cNvGraphicFramePr/>
+          <p:nvPr>
+            <p:extLst>
+              <p:ext uri="{D42A27DB-BD31-4B8C-83A1-F6EECF244321}">
+                <p14:modId xmlns:p14="http://schemas.microsoft.com/office/powerpoint/2010/main" val="1643612496"/>
+              </p:ext>
+            </p:extLst>
+          </p:nvPr>
+        </p:nvGraphicFramePr>
+        <p:xfrm>
+          <a:off x="584200" y="1435100"/>
+          <a:ext cx="11018838" cy="4833938"/>
+        </p:xfrm>
+        <a:graphic>
+          <a:graphicData uri="http://schemas.openxmlformats.org/drawingml/2006/diagram">
+            <dgm:relIds xmlns:dgm="http://schemas.openxmlformats.org/drawingml/2006/diagram" xmlns:r="http://schemas.openxmlformats.org/officeDocument/2006/relationships" r:dm="rId2" r:lo="rId3" r:qs="rId4" r:cs="rId5"/>
+          </a:graphicData>
+        </a:graphic>
+      </p:graphicFrame>
     </p:spTree>
     <p:extLst>
       <p:ext uri="{BB962C8B-B14F-4D97-AF65-F5344CB8AC3E}">
@@ -36605,24 +40285,23 @@
   <p:clrMapOvr>
     <a:masterClrMapping/>
   </p:clrMapOvr>
-  <mc:AlternateContent xmlns:mc="http://schemas.openxmlformats.org/markup-compatibility/2006" xmlns:p14="http://schemas.microsoft.com/office/powerpoint/2010/main">
-    <mc:Choice Requires="p14">
-      <p:transition spd="med" p14:dur="700">
-        <p:fade/>
-      </p:transition>
-    </mc:Choice>
-    <mc:Fallback xmlns="">
-      <p:transition spd="med">
-        <p:fade/>
-      </p:transition>
-    </mc:Fallback>
-  </mc:AlternateContent>
+  <p:transition>
+    <p:fade/>
+  </p:transition>
 </p:sld>
 </file>
 
-<file path=ppt/slides/slide14.xml><?xml version="1.0" encoding="utf-8"?>
+<file path=ppt/slides/slide15.xml><?xml version="1.0" encoding="utf-8"?>
 <p:sld xmlns:a="http://schemas.openxmlformats.org/drawingml/2006/main" xmlns:r="http://schemas.openxmlformats.org/officeDocument/2006/relationships" xmlns:p="http://schemas.openxmlformats.org/presentationml/2006/main">
   <p:cSld>
+    <p:bg>
+      <p:bgPr>
+        <a:solidFill>
+          <a:schemeClr val="bg1"/>
+        </a:solidFill>
+        <a:effectLst/>
+      </p:bgPr>
+    </p:bg>
     <p:spTree>
       <p:nvGrpSpPr>
         <p:cNvPr id="1" name=""/>
@@ -36655,21 +40334,65 @@
         </p:nvSpPr>
         <p:spPr>
           <a:xfrm>
-            <a:off x="501650" y="1198602"/>
-            <a:ext cx="9144000" cy="553998"/>
+            <a:off x="588263" y="457200"/>
+            <a:ext cx="11018520" cy="553998"/>
           </a:xfrm>
+          <a:prstGeom prst="rect">
+            <a:avLst/>
+          </a:prstGeom>
         </p:spPr>
         <p:txBody>
-          <a:bodyPr/>
+          <a:bodyPr vert="horz" wrap="square" lIns="0" tIns="0" rIns="0" bIns="0" rtlCol="0" anchor="t">
+            <a:normAutofit/>
+          </a:bodyPr>
           <a:lstStyle/>
           <a:p>
             <a:r>
-              <a:rPr lang="en-US" dirty="0"/>
+              <a:rPr lang="en-US" b="0" kern="1200" cap="none" spc="-50" baseline="0" dirty="0">
+                <a:ln w="3175">
+                  <a:noFill/>
+                </a:ln>
+                <a:effectLst/>
+                <a:latin typeface="+mj-lt"/>
+                <a:ea typeface="+mn-ea"/>
+                <a:cs typeface="Segoe UI" pitchFamily="34" charset="0"/>
+              </a:rPr>
               <a:t>Spektra Environment</a:t>
             </a:r>
           </a:p>
         </p:txBody>
       </p:sp>
+      <p:pic>
+        <p:nvPicPr>
+          <p:cNvPr id="5" name="Picture 4">
+            <a:extLst>
+              <a:ext uri="{FF2B5EF4-FFF2-40B4-BE49-F238E27FC236}">
+                <a16:creationId xmlns:a16="http://schemas.microsoft.com/office/drawing/2014/main" id="{2261BC85-CE72-4B00-AA39-8FD28927127C}"/>
+              </a:ext>
+            </a:extLst>
+          </p:cNvPr>
+          <p:cNvPicPr>
+            <a:picLocks noChangeAspect="1"/>
+          </p:cNvPicPr>
+          <p:nvPr/>
+        </p:nvPicPr>
+        <p:blipFill>
+          <a:blip r:embed="rId2"/>
+          <a:stretch>
+            <a:fillRect/>
+          </a:stretch>
+        </p:blipFill>
+        <p:spPr>
+          <a:xfrm>
+            <a:off x="343920" y="1435100"/>
+            <a:ext cx="5596343" cy="5050698"/>
+          </a:xfrm>
+          <a:prstGeom prst="rect">
+            <a:avLst/>
+          </a:prstGeom>
+          <a:noFill/>
+        </p:spPr>
+      </p:pic>
       <p:sp>
         <p:nvSpPr>
           <p:cNvPr id="2" name="TextBox 1">
@@ -36684,97 +40407,161 @@
         </p:nvSpPr>
         <p:spPr>
           <a:xfrm>
-            <a:off x="501651" y="2165349"/>
-            <a:ext cx="10751368" cy="3447098"/>
+            <a:off x="6683364" y="1435100"/>
+            <a:ext cx="5219700" cy="4833938"/>
           </a:xfrm>
           <a:prstGeom prst="rect">
             <a:avLst/>
           </a:prstGeom>
-          <a:noFill/>
         </p:spPr>
         <p:txBody>
-          <a:bodyPr wrap="square" lIns="0" tIns="0" rIns="0" bIns="0" rtlCol="0">
-            <a:spAutoFit/>
+          <a:bodyPr vert="horz" wrap="square" lIns="0" tIns="0" rIns="0" bIns="0" rtlCol="0">
+            <a:normAutofit/>
           </a:bodyPr>
           <a:lstStyle/>
           <a:p>
-            <a:pPr marL="342900" lvl="0" indent="-342900">
-              <a:lnSpc>
-                <a:spcPct val="150000"/>
-              </a:lnSpc>
-              <a:buFont typeface="Arial" panose="020B0604020202020204" pitchFamily="34" charset="0"/>
-              <a:buChar char="•"/>
+            <a:pPr marL="342900" lvl="0" indent="-342900" defTabSz="932742">
+              <a:spcBef>
+                <a:spcPct val="20000"/>
+              </a:spcBef>
+              <a:buSzPct val="90000"/>
+              <a:buFont typeface="Wingdings" panose="05000000000000000000" pitchFamily="2" charset="2"/>
+              <a:buChar char=""/>
             </a:pPr>
             <a:r>
-              <a:rPr lang="en-US" sz="3200" dirty="0">
-                <a:hlinkClick r:id="rId2"/>
+              <a:rPr lang="en-US" sz="2800" dirty="0">
+                <a:gradFill>
+                  <a:gsLst>
+                    <a:gs pos="1250">
+                      <a:schemeClr val="tx1"/>
+                    </a:gs>
+                    <a:gs pos="100000">
+                      <a:schemeClr val="tx1"/>
+                    </a:gs>
+                  </a:gsLst>
+                  <a:lin ang="5400000" scaled="0"/>
+                </a:gradFill>
+                <a:hlinkClick r:id="rId3"/>
               </a:rPr>
               <a:t>https://aka.ms/ignite-PRE09</a:t>
             </a:r>
-            <a:endParaRPr lang="en-US" sz="3200" dirty="0"/>
-          </a:p>
-          <a:p>
-            <a:pPr marL="342900" lvl="0" indent="-342900">
-              <a:lnSpc>
-                <a:spcPct val="150000"/>
-              </a:lnSpc>
-              <a:buFont typeface="Arial" panose="020B0604020202020204" pitchFamily="34" charset="0"/>
-              <a:buChar char="•"/>
+            <a:endParaRPr lang="en-US" sz="2800" dirty="0">
+              <a:gradFill>
+                <a:gsLst>
+                  <a:gs pos="1250">
+                    <a:schemeClr val="tx1"/>
+                  </a:gs>
+                  <a:gs pos="100000">
+                    <a:schemeClr val="tx1"/>
+                  </a:gs>
+                </a:gsLst>
+                <a:lin ang="5400000" scaled="0"/>
+              </a:gradFill>
+            </a:endParaRPr>
+          </a:p>
+          <a:p>
+            <a:pPr marL="342900" lvl="0" indent="-342900" defTabSz="932742">
+              <a:spcBef>
+                <a:spcPct val="20000"/>
+              </a:spcBef>
+              <a:buSzPct val="90000"/>
+              <a:buFont typeface="Wingdings" panose="05000000000000000000" pitchFamily="2" charset="2"/>
+              <a:buChar char=""/>
             </a:pPr>
             <a:r>
-              <a:rPr lang="en-US" sz="3200" dirty="0"/>
+              <a:rPr lang="en-US" sz="2800" dirty="0">
+                <a:gradFill>
+                  <a:gsLst>
+                    <a:gs pos="1250">
+                      <a:schemeClr val="tx1"/>
+                    </a:gs>
+                    <a:gs pos="100000">
+                      <a:schemeClr val="tx1"/>
+                    </a:gs>
+                  </a:gsLst>
+                  <a:lin ang="5400000" scaled="0"/>
+                </a:gradFill>
+              </a:rPr>
               <a:t>Activation Code =  TBD</a:t>
             </a:r>
           </a:p>
           <a:p>
-            <a:pPr marL="342900" lvl="0" indent="-342900">
-              <a:lnSpc>
-                <a:spcPct val="150000"/>
-              </a:lnSpc>
-              <a:buFont typeface="Arial" panose="020B0604020202020204" pitchFamily="34" charset="0"/>
-              <a:buChar char="•"/>
+            <a:pPr marL="342900" lvl="0" indent="-342900" defTabSz="932742">
+              <a:spcBef>
+                <a:spcPct val="20000"/>
+              </a:spcBef>
+              <a:buSzPct val="90000"/>
+              <a:buFont typeface="Wingdings" panose="05000000000000000000" pitchFamily="2" charset="2"/>
+              <a:buChar char=""/>
               <a:defRPr/>
             </a:pPr>
             <a:r>
-              <a:rPr lang="en-US" sz="3200" dirty="0"/>
+              <a:rPr lang="en-US" sz="2800" dirty="0">
+                <a:gradFill>
+                  <a:gsLst>
+                    <a:gs pos="1250">
+                      <a:schemeClr val="tx1"/>
+                    </a:gs>
+                    <a:gs pos="100000">
+                      <a:schemeClr val="tx1"/>
+                    </a:gs>
+                  </a:gsLst>
+                  <a:lin ang="5400000" scaled="0"/>
+                </a:gradFill>
+              </a:rPr>
               <a:t>Confirmation page</a:t>
             </a:r>
           </a:p>
           <a:p>
-            <a:pPr marL="342900" lvl="0" indent="-342900">
-              <a:lnSpc>
-                <a:spcPct val="150000"/>
-              </a:lnSpc>
-              <a:buFont typeface="Arial" panose="020B0604020202020204" pitchFamily="34" charset="0"/>
-              <a:buChar char="•"/>
+            <a:pPr marL="342900" lvl="0" indent="-342900" defTabSz="932742">
+              <a:spcBef>
+                <a:spcPct val="20000"/>
+              </a:spcBef>
+              <a:buSzPct val="90000"/>
+              <a:buFont typeface="Wingdings" panose="05000000000000000000" pitchFamily="2" charset="2"/>
+              <a:buChar char=""/>
               <a:defRPr/>
             </a:pPr>
             <a:r>
-              <a:rPr lang="en-US" sz="3200" dirty="0"/>
-              <a:t>Confirmation email from </a:t>
-            </a:r>
-            <a:r>
-              <a:rPr lang="en-US" sz="3200" dirty="0">
-                <a:hlinkClick r:id="rId3">
-                  <a:extLst>
-                    <a:ext uri="{A12FA001-AC4F-418D-AE19-62706E023703}">
-                      <ahyp:hlinkClr xmlns:ahyp="http://schemas.microsoft.com/office/drawing/2018/hyperlinkcolor" val="tx"/>
-                    </a:ext>
-                  </a:extLst>
-                </a:hlinkClick>
+              <a:rPr lang="en-US" sz="2800" dirty="0">
+                <a:gradFill>
+                  <a:gsLst>
+                    <a:gs pos="1250">
+                      <a:schemeClr val="tx1"/>
+                    </a:gs>
+                    <a:gs pos="100000">
+                      <a:schemeClr val="tx1"/>
+                    </a:gs>
+                  </a:gsLst>
+                  <a:lin ang="5400000" scaled="0"/>
+                </a:gradFill>
               </a:rPr>
-              <a:t>noreply@cloudlabs.ai</a:t>
-            </a:r>
-            <a:r>
-              <a:rPr lang="en-US" sz="3200" dirty="0"/>
-              <a:t> </a:t>
-            </a:r>
-          </a:p>
-          <a:p>
-            <a:pPr lvl="0">
+              <a:t>Duration – Start here, finish later</a:t>
+            </a:r>
+          </a:p>
+          <a:p>
+            <a:pPr lvl="0" defTabSz="932742">
+              <a:spcBef>
+                <a:spcPct val="20000"/>
+              </a:spcBef>
+              <a:buSzPct val="90000"/>
+              <a:buFont typeface="Wingdings" panose="05000000000000000000" pitchFamily="2" charset="2"/>
+              <a:buChar char=""/>
               <a:defRPr/>
             </a:pPr>
-            <a:endParaRPr lang="en-US" sz="3200" dirty="0"/>
+            <a:endParaRPr lang="en-US" sz="2800" dirty="0">
+              <a:gradFill>
+                <a:gsLst>
+                  <a:gs pos="1250">
+                    <a:schemeClr val="tx1"/>
+                  </a:gs>
+                  <a:gs pos="100000">
+                    <a:schemeClr val="tx1"/>
+                  </a:gs>
+                </a:gsLst>
+                <a:lin ang="5400000" scaled="0"/>
+              </a:gradFill>
+            </a:endParaRPr>
           </a:p>
         </p:txBody>
       </p:sp>
@@ -36788,24 +40575,23 @@
   <p:clrMapOvr>
     <a:masterClrMapping/>
   </p:clrMapOvr>
-  <mc:AlternateContent xmlns:mc="http://schemas.openxmlformats.org/markup-compatibility/2006" xmlns:p14="http://schemas.microsoft.com/office/powerpoint/2010/main">
-    <mc:Choice Requires="p14">
-      <p:transition spd="med" p14:dur="700">
-        <p:fade/>
-      </p:transition>
-    </mc:Choice>
-    <mc:Fallback xmlns="">
-      <p:transition spd="med">
-        <p:fade/>
-      </p:transition>
-    </mc:Fallback>
-  </mc:AlternateContent>
+  <p:transition>
+    <p:fade/>
+  </p:transition>
 </p:sld>
 </file>
 
-<file path=ppt/slides/slide15.xml><?xml version="1.0" encoding="utf-8"?>
+<file path=ppt/slides/slide16.xml><?xml version="1.0" encoding="utf-8"?>
 <p:sld xmlns:a="http://schemas.openxmlformats.org/drawingml/2006/main" xmlns:r="http://schemas.openxmlformats.org/officeDocument/2006/relationships" xmlns:p="http://schemas.openxmlformats.org/presentationml/2006/main">
   <p:cSld>
+    <p:bg>
+      <p:bgPr>
+        <a:solidFill>
+          <a:schemeClr val="bg1"/>
+        </a:solidFill>
+        <a:effectLst/>
+      </p:bgPr>
+    </p:bg>
     <p:spTree>
       <p:nvGrpSpPr>
         <p:cNvPr id="1" name=""/>
@@ -36838,57 +40624,189 @@
         </p:nvSpPr>
         <p:spPr>
           <a:xfrm>
-            <a:off x="501650" y="1198602"/>
-            <a:ext cx="9144000" cy="553998"/>
-          </a:xfrm>
-        </p:spPr>
-        <p:txBody>
-          <a:bodyPr/>
-          <a:lstStyle/>
-          <a:p>
-            <a:r>
-              <a:rPr lang="en-US" dirty="0"/>
-              <a:t>Spektra Environment</a:t>
-            </a:r>
-          </a:p>
-        </p:txBody>
-      </p:sp>
-      <p:pic>
-        <p:nvPicPr>
-          <p:cNvPr id="2" name="Picture 1">
-            <a:extLst>
-              <a:ext uri="{FF2B5EF4-FFF2-40B4-BE49-F238E27FC236}">
-                <a16:creationId xmlns:a16="http://schemas.microsoft.com/office/drawing/2014/main" id="{AED50097-FD77-474F-A58B-7209992E15CF}"/>
-              </a:ext>
-            </a:extLst>
-          </p:cNvPr>
-          <p:cNvPicPr>
-            <a:picLocks noChangeAspect="1"/>
-          </p:cNvPicPr>
-          <p:nvPr/>
-        </p:nvPicPr>
-        <p:blipFill>
-          <a:blip r:embed="rId2"/>
-          <a:stretch>
-            <a:fillRect/>
-          </a:stretch>
-        </p:blipFill>
-        <p:spPr>
-          <a:xfrm>
-            <a:off x="501649" y="2053355"/>
-            <a:ext cx="5739759" cy="4293153"/>
+            <a:off x="588263" y="457200"/>
+            <a:ext cx="11018520" cy="553998"/>
           </a:xfrm>
           <a:prstGeom prst="rect">
             <a:avLst/>
           </a:prstGeom>
         </p:spPr>
-      </p:pic>
+        <p:txBody>
+          <a:bodyPr vert="horz" wrap="square" lIns="0" tIns="0" rIns="0" bIns="0" rtlCol="0" anchor="t">
+            <a:normAutofit/>
+          </a:bodyPr>
+          <a:lstStyle/>
+          <a:p>
+            <a:r>
+              <a:rPr lang="en-US" b="0" kern="1200" cap="none" spc="-50" baseline="0" dirty="0">
+                <a:ln w="3175">
+                  <a:noFill/>
+                </a:ln>
+                <a:effectLst/>
+                <a:latin typeface="+mj-lt"/>
+                <a:ea typeface="+mn-ea"/>
+                <a:cs typeface="Segoe UI" pitchFamily="34" charset="0"/>
+              </a:rPr>
+              <a:t>Spektra Environment</a:t>
+            </a:r>
+          </a:p>
+        </p:txBody>
+      </p:sp>
+      <p:sp>
+        <p:nvSpPr>
+          <p:cNvPr id="2" name="TextBox 1">
+            <a:extLst>
+              <a:ext uri="{FF2B5EF4-FFF2-40B4-BE49-F238E27FC236}">
+                <a16:creationId xmlns:a16="http://schemas.microsoft.com/office/drawing/2014/main" id="{0732188B-CC0A-4A85-BE9C-3258D1FEFAD5}"/>
+              </a:ext>
+            </a:extLst>
+          </p:cNvPr>
+          <p:cNvSpPr txBox="1"/>
+          <p:nvPr/>
+        </p:nvSpPr>
+        <p:spPr>
+          <a:xfrm>
+            <a:off x="2395294" y="6118670"/>
+            <a:ext cx="8717669" cy="391763"/>
+          </a:xfrm>
+          <a:prstGeom prst="rect">
+            <a:avLst/>
+          </a:prstGeom>
+        </p:spPr>
+        <p:txBody>
+          <a:bodyPr vert="horz" wrap="square" lIns="0" tIns="0" rIns="0" bIns="0" rtlCol="0">
+            <a:normAutofit/>
+          </a:bodyPr>
+          <a:lstStyle/>
+          <a:p>
+            <a:pPr defTabSz="932742">
+              <a:spcBef>
+                <a:spcPct val="20000"/>
+              </a:spcBef>
+              <a:buSzPct val="90000"/>
+              <a:defRPr/>
+            </a:pPr>
+            <a:r>
+              <a:rPr lang="en-US" sz="2000" kern="1200" spc="0" baseline="0" dirty="0">
+                <a:gradFill>
+                  <a:gsLst>
+                    <a:gs pos="1250">
+                      <a:schemeClr val="tx1"/>
+                    </a:gs>
+                    <a:gs pos="100000">
+                      <a:schemeClr val="tx1"/>
+                    </a:gs>
+                  </a:gsLst>
+                  <a:lin ang="5400000" scaled="0"/>
+                </a:gradFill>
+                <a:latin typeface="+mn-lt"/>
+                <a:ea typeface="+mn-ea"/>
+                <a:cs typeface="Segoe UI" panose="020B0502040204020203" pitchFamily="34" charset="0"/>
+              </a:rPr>
+              <a:t>Confirmation </a:t>
+            </a:r>
+            <a:r>
+              <a:rPr lang="en-US" sz="2000" dirty="0">
+                <a:gradFill>
+                  <a:gsLst>
+                    <a:gs pos="1250">
+                      <a:schemeClr val="tx1"/>
+                    </a:gs>
+                    <a:gs pos="100000">
+                      <a:schemeClr val="tx1"/>
+                    </a:gs>
+                  </a:gsLst>
+                  <a:lin ang="5400000" scaled="0"/>
+                </a:gradFill>
+                <a:cs typeface="Segoe UI" panose="020B0502040204020203" pitchFamily="34" charset="0"/>
+              </a:rPr>
+              <a:t>e-mail from </a:t>
+            </a:r>
+            <a:r>
+              <a:rPr lang="en-US" sz="2000" dirty="0">
+                <a:gradFill>
+                  <a:gsLst>
+                    <a:gs pos="1250">
+                      <a:schemeClr val="tx1"/>
+                    </a:gs>
+                    <a:gs pos="100000">
+                      <a:schemeClr val="tx1"/>
+                    </a:gs>
+                  </a:gsLst>
+                  <a:lin ang="5400000" scaled="0"/>
+                </a:gradFill>
+                <a:cs typeface="Segoe UI" panose="020B0502040204020203" pitchFamily="34" charset="0"/>
+                <a:hlinkClick r:id="rId2"/>
+              </a:rPr>
+              <a:t>noreply@cloudlabs.ai</a:t>
+            </a:r>
+            <a:r>
+              <a:rPr lang="en-US" sz="2000" dirty="0">
+                <a:gradFill>
+                  <a:gsLst>
+                    <a:gs pos="1250">
+                      <a:schemeClr val="tx1"/>
+                    </a:gs>
+                    <a:gs pos="100000">
+                      <a:schemeClr val="tx1"/>
+                    </a:gs>
+                  </a:gsLst>
+                  <a:lin ang="5400000" scaled="0"/>
+                </a:gradFill>
+                <a:cs typeface="Segoe UI" panose="020B0502040204020203" pitchFamily="34" charset="0"/>
+              </a:rPr>
+              <a:t> </a:t>
+            </a:r>
+            <a:endParaRPr lang="en-US" sz="2000" kern="1200" spc="0" baseline="0" dirty="0">
+              <a:gradFill>
+                <a:gsLst>
+                  <a:gs pos="1250">
+                    <a:schemeClr val="tx1"/>
+                  </a:gs>
+                  <a:gs pos="100000">
+                    <a:schemeClr val="tx1"/>
+                  </a:gs>
+                </a:gsLst>
+                <a:lin ang="5400000" scaled="0"/>
+              </a:gradFill>
+              <a:latin typeface="+mn-lt"/>
+              <a:ea typeface="+mn-ea"/>
+              <a:cs typeface="Segoe UI" panose="020B0502040204020203" pitchFamily="34" charset="0"/>
+            </a:endParaRPr>
+          </a:p>
+          <a:p>
+            <a:pPr defTabSz="932742">
+              <a:spcBef>
+                <a:spcPct val="20000"/>
+              </a:spcBef>
+              <a:buSzPct val="90000"/>
+              <a:defRPr/>
+            </a:pPr>
+            <a:endParaRPr lang="en-US" sz="2000" kern="1200" spc="0" baseline="0" dirty="0">
+              <a:gradFill>
+                <a:gsLst>
+                  <a:gs pos="1250">
+                    <a:schemeClr val="tx1"/>
+                  </a:gs>
+                  <a:gs pos="100000">
+                    <a:schemeClr val="tx1"/>
+                  </a:gs>
+                </a:gsLst>
+                <a:lin ang="5400000" scaled="0"/>
+              </a:gradFill>
+              <a:latin typeface="+mn-lt"/>
+              <a:ea typeface="+mn-ea"/>
+              <a:cs typeface="Segoe UI" panose="020B0502040204020203" pitchFamily="34" charset="0"/>
+            </a:endParaRPr>
+          </a:p>
+        </p:txBody>
+      </p:sp>
       <p:pic>
         <p:nvPicPr>
-          <p:cNvPr id="5" name="Picture 4">
+          <p:cNvPr id="7" name="Picture 6">
             <a:extLst>
               <a:ext uri="{FF2B5EF4-FFF2-40B4-BE49-F238E27FC236}">
-                <a16:creationId xmlns:a16="http://schemas.microsoft.com/office/drawing/2014/main" id="{98FB9453-B897-429B-A981-9F4D67C1145E}"/>
+                <a16:creationId xmlns:a16="http://schemas.microsoft.com/office/drawing/2014/main" id="{8C783146-B7BC-4E1B-A2E5-A21DA1A015CC}"/>
               </a:ext>
             </a:extLst>
           </p:cNvPr>
@@ -36905,18 +40823,274 @@
         </p:blipFill>
         <p:spPr>
           <a:xfrm>
-            <a:off x="6872652" y="2053355"/>
-            <a:ext cx="4574494" cy="4352790"/>
+            <a:off x="588263" y="1482520"/>
+            <a:ext cx="10571422" cy="4360710"/>
+          </a:xfrm>
+          <a:prstGeom prst="rect">
+            <a:avLst/>
+          </a:prstGeom>
+          <a:noFill/>
+        </p:spPr>
+      </p:pic>
+    </p:spTree>
+    <p:extLst>
+      <p:ext uri="{BB962C8B-B14F-4D97-AF65-F5344CB8AC3E}">
+        <p14:creationId xmlns:p14="http://schemas.microsoft.com/office/powerpoint/2010/main" val="840024799"/>
+      </p:ext>
+    </p:extLst>
+  </p:cSld>
+  <p:clrMapOvr>
+    <a:masterClrMapping/>
+  </p:clrMapOvr>
+  <p:transition>
+    <p:fade/>
+  </p:transition>
+</p:sld>
+</file>
+
+<file path=ppt/slides/slide17.xml><?xml version="1.0" encoding="utf-8"?>
+<p:sld xmlns:a="http://schemas.openxmlformats.org/drawingml/2006/main" xmlns:r="http://schemas.openxmlformats.org/officeDocument/2006/relationships" xmlns:p="http://schemas.openxmlformats.org/presentationml/2006/main">
+  <p:cSld>
+    <p:spTree>
+      <p:nvGrpSpPr>
+        <p:cNvPr id="1" name=""/>
+        <p:cNvGrpSpPr/>
+        <p:nvPr/>
+      </p:nvGrpSpPr>
+      <p:grpSpPr>
+        <a:xfrm>
+          <a:off x="0" y="0"/>
+          <a:ext cx="0" cy="0"/>
+          <a:chOff x="0" y="0"/>
+          <a:chExt cx="0" cy="0"/>
+        </a:xfrm>
+      </p:grpSpPr>
+      <p:sp>
+        <p:nvSpPr>
+          <p:cNvPr id="5" name="TextBox 4">
+            <a:extLst>
+              <a:ext uri="{FF2B5EF4-FFF2-40B4-BE49-F238E27FC236}">
+                <a16:creationId xmlns:a16="http://schemas.microsoft.com/office/drawing/2014/main" id="{411D7550-C615-4285-BEB4-B46976801990}"/>
+              </a:ext>
+            </a:extLst>
+          </p:cNvPr>
+          <p:cNvSpPr txBox="1"/>
+          <p:nvPr/>
+        </p:nvSpPr>
+        <p:spPr>
+          <a:xfrm>
+            <a:off x="420490" y="1975638"/>
+            <a:ext cx="3405484" cy="2215991"/>
+          </a:xfrm>
+          <a:prstGeom prst="rect">
+            <a:avLst/>
+          </a:prstGeom>
+          <a:noFill/>
+        </p:spPr>
+        <p:txBody>
+          <a:bodyPr wrap="none" lIns="0" tIns="0" rIns="0" bIns="0" rtlCol="0">
+            <a:spAutoFit/>
+          </a:bodyPr>
+          <a:lstStyle/>
+          <a:p>
+            <a:pPr marL="342900" indent="-342900" algn="l">
+              <a:buFont typeface="Arial" panose="020B0604020202020204" pitchFamily="34" charset="0"/>
+              <a:buChar char="•"/>
+            </a:pPr>
+            <a:r>
+              <a:rPr lang="en-US" sz="3600" dirty="0">
+                <a:gradFill>
+                  <a:gsLst>
+                    <a:gs pos="2917">
+                      <a:schemeClr val="tx1"/>
+                    </a:gs>
+                    <a:gs pos="30000">
+                      <a:schemeClr val="tx1"/>
+                    </a:gs>
+                  </a:gsLst>
+                  <a:lin ang="5400000" scaled="0"/>
+                </a:gradFill>
+                <a:hlinkClick r:id="rId2"/>
+              </a:rPr>
+              <a:t>JFK</a:t>
+            </a:r>
+            <a:endParaRPr lang="en-US" sz="3600" dirty="0">
+              <a:gradFill>
+                <a:gsLst>
+                  <a:gs pos="2917">
+                    <a:schemeClr val="tx1"/>
+                  </a:gs>
+                  <a:gs pos="30000">
+                    <a:schemeClr val="tx1"/>
+                  </a:gs>
+                </a:gsLst>
+                <a:lin ang="5400000" scaled="0"/>
+              </a:gradFill>
+            </a:endParaRPr>
+          </a:p>
+          <a:p>
+            <a:pPr marL="342900" indent="-342900" algn="l">
+              <a:buFont typeface="Arial" panose="020B0604020202020204" pitchFamily="34" charset="0"/>
+              <a:buChar char="•"/>
+            </a:pPr>
+            <a:r>
+              <a:rPr lang="en-US" sz="3600" dirty="0">
+                <a:gradFill>
+                  <a:gsLst>
+                    <a:gs pos="2917">
+                      <a:schemeClr val="tx1"/>
+                    </a:gs>
+                    <a:gs pos="30000">
+                      <a:schemeClr val="tx1"/>
+                    </a:gs>
+                  </a:gsLst>
+                  <a:lin ang="5400000" scaled="0"/>
+                </a:gradFill>
+                <a:hlinkClick r:id="rId3"/>
+              </a:rPr>
+              <a:t>KMA</a:t>
+            </a:r>
+            <a:endParaRPr lang="en-US" sz="3600" dirty="0">
+              <a:gradFill>
+                <a:gsLst>
+                  <a:gs pos="2917">
+                    <a:schemeClr val="tx1"/>
+                  </a:gs>
+                  <a:gs pos="30000">
+                    <a:schemeClr val="tx1"/>
+                  </a:gs>
+                </a:gsLst>
+                <a:lin ang="5400000" scaled="0"/>
+              </a:gradFill>
+            </a:endParaRPr>
+          </a:p>
+          <a:p>
+            <a:pPr marL="342900" indent="-342900" algn="l">
+              <a:buFont typeface="Arial" panose="020B0604020202020204" pitchFamily="34" charset="0"/>
+              <a:buChar char="•"/>
+            </a:pPr>
+            <a:r>
+              <a:rPr lang="en-US" sz="3600" dirty="0">
+                <a:gradFill>
+                  <a:gsLst>
+                    <a:gs pos="2917">
+                      <a:schemeClr val="tx1"/>
+                    </a:gs>
+                    <a:gs pos="30000">
+                      <a:schemeClr val="tx1"/>
+                    </a:gs>
+                  </a:gsLst>
+                  <a:lin ang="5400000" scaled="0"/>
+                </a:gradFill>
+                <a:hlinkClick r:id="rId4" action="ppaction://hlinkfile"/>
+              </a:rPr>
+              <a:t>KMB – Bot</a:t>
+            </a:r>
+            <a:endParaRPr lang="en-US" sz="3600" dirty="0">
+              <a:gradFill>
+                <a:gsLst>
+                  <a:gs pos="2917">
+                    <a:schemeClr val="tx1"/>
+                  </a:gs>
+                  <a:gs pos="30000">
+                    <a:schemeClr val="tx1"/>
+                  </a:gs>
+                </a:gsLst>
+                <a:lin ang="5400000" scaled="0"/>
+              </a:gradFill>
+            </a:endParaRPr>
+          </a:p>
+          <a:p>
+            <a:pPr marL="342900" indent="-342900" algn="l">
+              <a:buFont typeface="Arial" panose="020B0604020202020204" pitchFamily="34" charset="0"/>
+              <a:buChar char="•"/>
+            </a:pPr>
+            <a:r>
+              <a:rPr lang="en-US" sz="3600" dirty="0">
+                <a:gradFill>
+                  <a:gsLst>
+                    <a:gs pos="2917">
+                      <a:schemeClr val="tx1"/>
+                    </a:gs>
+                    <a:gs pos="30000">
+                      <a:schemeClr val="tx1"/>
+                    </a:gs>
+                  </a:gsLst>
+                  <a:lin ang="5400000" scaled="0"/>
+                </a:gradFill>
+                <a:hlinkClick r:id="rId5"/>
+              </a:rPr>
+              <a:t>Wolters Kluwer</a:t>
+            </a:r>
+            <a:endParaRPr lang="en-US" sz="3600" dirty="0">
+              <a:gradFill>
+                <a:gsLst>
+                  <a:gs pos="2917">
+                    <a:schemeClr val="tx1"/>
+                  </a:gs>
+                  <a:gs pos="30000">
+                    <a:schemeClr val="tx1"/>
+                  </a:gs>
+                </a:gsLst>
+                <a:lin ang="5400000" scaled="0"/>
+              </a:gradFill>
+            </a:endParaRPr>
+          </a:p>
+        </p:txBody>
+      </p:sp>
+      <p:sp>
+        <p:nvSpPr>
+          <p:cNvPr id="6" name="Title 3">
+            <a:extLst>
+              <a:ext uri="{FF2B5EF4-FFF2-40B4-BE49-F238E27FC236}">
+                <a16:creationId xmlns:a16="http://schemas.microsoft.com/office/drawing/2014/main" id="{46950627-DD08-47B9-BD94-07129D343978}"/>
+              </a:ext>
+            </a:extLst>
+          </p:cNvPr>
+          <p:cNvSpPr>
+            <a:spLocks noGrp="1"/>
+          </p:cNvSpPr>
+          <p:nvPr>
+            <p:ph type="title"/>
+          </p:nvPr>
+        </p:nvSpPr>
+        <p:spPr>
+          <a:xfrm>
+            <a:off x="2477133" y="452945"/>
+            <a:ext cx="5872607" cy="624061"/>
           </a:xfrm>
           <a:prstGeom prst="rect">
             <a:avLst/>
           </a:prstGeom>
         </p:spPr>
-      </p:pic>
+        <p:txBody>
+          <a:bodyPr vert="horz" wrap="square" lIns="0" tIns="0" rIns="0" bIns="0" rtlCol="0" anchor="t">
+            <a:normAutofit/>
+          </a:bodyPr>
+          <a:lstStyle/>
+          <a:p>
+            <a:r>
+              <a:rPr lang="en-US" b="0" kern="1200" cap="none" spc="-50" baseline="0" dirty="0">
+                <a:ln w="3175">
+                  <a:noFill/>
+                </a:ln>
+                <a:solidFill>
+                  <a:schemeClr val="tx1"/>
+                </a:solidFill>
+                <a:effectLst/>
+                <a:latin typeface="+mj-lt"/>
+                <a:ea typeface="+mn-ea"/>
+                <a:cs typeface="Segoe UI" pitchFamily="34" charset="0"/>
+              </a:rPr>
+              <a:t>Demos</a:t>
+            </a:r>
+          </a:p>
+        </p:txBody>
+      </p:sp>
     </p:spTree>
     <p:extLst>
       <p:ext uri="{BB962C8B-B14F-4D97-AF65-F5344CB8AC3E}">
-        <p14:creationId xmlns:p14="http://schemas.microsoft.com/office/powerpoint/2010/main" val="1911752796"/>
+        <p14:creationId xmlns:p14="http://schemas.microsoft.com/office/powerpoint/2010/main" val="1065878728"/>
       </p:ext>
     </p:extLst>
   </p:cSld>
@@ -36938,7 +41112,7 @@
 </p:sld>
 </file>
 
-<file path=ppt/slides/slide16.xml><?xml version="1.0" encoding="utf-8"?>
+<file path=ppt/slides/slide18.xml><?xml version="1.0" encoding="utf-8"?>
 <p:sld xmlns:a="http://schemas.openxmlformats.org/drawingml/2006/main" xmlns:r="http://schemas.openxmlformats.org/officeDocument/2006/relationships" xmlns:p="http://schemas.openxmlformats.org/presentationml/2006/main">
   <p:cSld>
     <p:spTree>
@@ -36957,10 +41131,245 @@
       </p:grpSpPr>
       <p:sp>
         <p:nvSpPr>
-          <p:cNvPr id="4" name="Title 3">
+          <p:cNvPr id="5" name="TextBox 4">
             <a:extLst>
               <a:ext uri="{FF2B5EF4-FFF2-40B4-BE49-F238E27FC236}">
-                <a16:creationId xmlns:a16="http://schemas.microsoft.com/office/drawing/2014/main" id="{79850671-DC31-4204-BA79-C472F6478216}"/>
+                <a16:creationId xmlns:a16="http://schemas.microsoft.com/office/drawing/2014/main" id="{411D7550-C615-4285-BEB4-B46976801990}"/>
+              </a:ext>
+            </a:extLst>
+          </p:cNvPr>
+          <p:cNvSpPr txBox="1"/>
+          <p:nvPr/>
+        </p:nvSpPr>
+        <p:spPr>
+          <a:xfrm>
+            <a:off x="420490" y="1975638"/>
+            <a:ext cx="7271228" cy="2769989"/>
+          </a:xfrm>
+          <a:prstGeom prst="rect">
+            <a:avLst/>
+          </a:prstGeom>
+          <a:noFill/>
+        </p:spPr>
+        <p:txBody>
+          <a:bodyPr wrap="square" lIns="0" tIns="0" rIns="0" bIns="0" rtlCol="0">
+            <a:spAutoFit/>
+          </a:bodyPr>
+          <a:lstStyle/>
+          <a:p>
+            <a:pPr algn="l"/>
+            <a:r>
+              <a:rPr lang="en-US" sz="2000" dirty="0">
+                <a:gradFill>
+                  <a:gsLst>
+                    <a:gs pos="2917">
+                      <a:schemeClr val="tx1"/>
+                    </a:gs>
+                    <a:gs pos="30000">
+                      <a:schemeClr val="tx1"/>
+                    </a:gs>
+                  </a:gsLst>
+                  <a:lin ang="5400000" scaled="0"/>
+                </a:gradFill>
+                <a:latin typeface="+mj-lt"/>
+                <a:hlinkClick r:id="rId2"/>
+              </a:rPr>
+              <a:t>aka.ms/kmb</a:t>
+            </a:r>
+            <a:endParaRPr lang="en-US" sz="2000" dirty="0">
+              <a:gradFill>
+                <a:gsLst>
+                  <a:gs pos="2917">
+                    <a:schemeClr val="tx1"/>
+                  </a:gs>
+                  <a:gs pos="30000">
+                    <a:schemeClr val="tx1"/>
+                  </a:gs>
+                </a:gsLst>
+                <a:lin ang="5400000" scaled="0"/>
+              </a:gradFill>
+              <a:latin typeface="+mj-lt"/>
+            </a:endParaRPr>
+          </a:p>
+          <a:p>
+            <a:pPr algn="l"/>
+            <a:endParaRPr lang="en-US" sz="2000" dirty="0">
+              <a:gradFill>
+                <a:gsLst>
+                  <a:gs pos="2917">
+                    <a:schemeClr val="tx1"/>
+                  </a:gs>
+                  <a:gs pos="30000">
+                    <a:schemeClr val="tx1"/>
+                  </a:gs>
+                </a:gsLst>
+                <a:lin ang="5400000" scaled="0"/>
+              </a:gradFill>
+              <a:latin typeface="+mj-lt"/>
+            </a:endParaRPr>
+          </a:p>
+          <a:p>
+            <a:pPr marL="342900" indent="-342900" algn="l">
+              <a:buFont typeface="Arial" panose="020B0604020202020204" pitchFamily="34" charset="0"/>
+              <a:buChar char="•"/>
+            </a:pPr>
+            <a:r>
+              <a:rPr lang="en-US" sz="2000" dirty="0">
+                <a:gradFill>
+                  <a:gsLst>
+                    <a:gs pos="2917">
+                      <a:schemeClr val="tx1"/>
+                    </a:gs>
+                    <a:gs pos="30000">
+                      <a:schemeClr val="tx1"/>
+                    </a:gs>
+                  </a:gsLst>
+                  <a:lin ang="5400000" scaled="0"/>
+                </a:gradFill>
+              </a:rPr>
+              <a:t>Introduction</a:t>
+            </a:r>
+          </a:p>
+          <a:p>
+            <a:pPr marL="342900" indent="-342900" algn="l">
+              <a:buFont typeface="Arial" panose="020B0604020202020204" pitchFamily="34" charset="0"/>
+              <a:buChar char="•"/>
+            </a:pPr>
+            <a:r>
+              <a:rPr lang="en-US" sz="2000" dirty="0">
+                <a:gradFill>
+                  <a:gsLst>
+                    <a:gs pos="2917">
+                      <a:schemeClr val="tx1"/>
+                    </a:gs>
+                    <a:gs pos="30000">
+                      <a:schemeClr val="tx1"/>
+                    </a:gs>
+                  </a:gsLst>
+                  <a:lin ang="5400000" scaled="0"/>
+                </a:gradFill>
+              </a:rPr>
+              <a:t>Solution Architecture</a:t>
+            </a:r>
+          </a:p>
+          <a:p>
+            <a:pPr marL="342900" indent="-342900" algn="l">
+              <a:buFont typeface="Arial" panose="020B0604020202020204" pitchFamily="34" charset="0"/>
+              <a:buChar char="•"/>
+            </a:pPr>
+            <a:r>
+              <a:rPr lang="en-US" sz="2000" dirty="0">
+                <a:gradFill>
+                  <a:gsLst>
+                    <a:gs pos="2917">
+                      <a:schemeClr val="tx1"/>
+                    </a:gs>
+                    <a:gs pos="30000">
+                      <a:schemeClr val="tx1"/>
+                    </a:gs>
+                  </a:gsLst>
+                  <a:lin ang="5400000" scaled="0"/>
+                </a:gradFill>
+              </a:rPr>
+              <a:t>Lab 1 – Environment Creation</a:t>
+            </a:r>
+          </a:p>
+          <a:p>
+            <a:pPr marL="342900" indent="-342900" algn="l">
+              <a:buFont typeface="Arial" panose="020B0604020202020204" pitchFamily="34" charset="0"/>
+              <a:buChar char="•"/>
+            </a:pPr>
+            <a:r>
+              <a:rPr lang="en-US" sz="2000" dirty="0">
+                <a:gradFill>
+                  <a:gsLst>
+                    <a:gs pos="2917">
+                      <a:schemeClr val="tx1"/>
+                    </a:gs>
+                    <a:gs pos="30000">
+                      <a:schemeClr val="tx1"/>
+                    </a:gs>
+                  </a:gsLst>
+                  <a:lin ang="5400000" scaled="0"/>
+                </a:gradFill>
+              </a:rPr>
+              <a:t>Lab 2 – Let’s do it together</a:t>
+            </a:r>
+          </a:p>
+          <a:p>
+            <a:pPr marL="800083" lvl="1" indent="-342900">
+              <a:buFont typeface="Arial" panose="020B0604020202020204" pitchFamily="34" charset="0"/>
+              <a:buChar char="•"/>
+            </a:pPr>
+            <a:r>
+              <a:rPr lang="en-US" sz="2000" dirty="0">
+                <a:gradFill>
+                  <a:gsLst>
+                    <a:gs pos="2917">
+                      <a:schemeClr val="tx1"/>
+                    </a:gs>
+                    <a:gs pos="30000">
+                      <a:schemeClr val="tx1"/>
+                    </a:gs>
+                  </a:gsLst>
+                  <a:lin ang="5400000" scaled="0"/>
+                </a:gradFill>
+              </a:rPr>
+              <a:t>Azure Portal from your pc</a:t>
+            </a:r>
+          </a:p>
+          <a:p>
+            <a:pPr marL="800083" lvl="1" indent="-342900">
+              <a:buFont typeface="Arial" panose="020B0604020202020204" pitchFamily="34" charset="0"/>
+              <a:buChar char="•"/>
+            </a:pPr>
+            <a:r>
+              <a:rPr lang="en-US" sz="2000" dirty="0">
+                <a:gradFill>
+                  <a:gsLst>
+                    <a:gs pos="2917">
+                      <a:schemeClr val="tx1"/>
+                    </a:gs>
+                    <a:gs pos="30000">
+                      <a:schemeClr val="tx1"/>
+                    </a:gs>
+                  </a:gsLst>
+                  <a:lin ang="5400000" scaled="0"/>
+                </a:gradFill>
+              </a:rPr>
+              <a:t>Spektra credentials</a:t>
+            </a:r>
+          </a:p>
+          <a:p>
+            <a:pPr marL="342900" indent="-342900" algn="l">
+              <a:buFont typeface="Arial" panose="020B0604020202020204" pitchFamily="34" charset="0"/>
+              <a:buChar char="•"/>
+            </a:pPr>
+            <a:r>
+              <a:rPr lang="en-US" sz="2000" dirty="0">
+                <a:gradFill>
+                  <a:gsLst>
+                    <a:gs pos="2917">
+                      <a:schemeClr val="tx1"/>
+                    </a:gs>
+                    <a:gs pos="30000">
+                      <a:schemeClr val="tx1"/>
+                    </a:gs>
+                  </a:gsLst>
+                  <a:lin ang="5400000" scaled="0"/>
+                </a:gradFill>
+              </a:rPr>
+              <a:t>Labs 3 – 6 - overview</a:t>
+            </a:r>
+          </a:p>
+        </p:txBody>
+      </p:sp>
+      <p:sp>
+        <p:nvSpPr>
+          <p:cNvPr id="6" name="Title 3">
+            <a:extLst>
+              <a:ext uri="{FF2B5EF4-FFF2-40B4-BE49-F238E27FC236}">
+                <a16:creationId xmlns:a16="http://schemas.microsoft.com/office/drawing/2014/main" id="{46950627-DD08-47B9-BD94-07129D343978}"/>
               </a:ext>
             </a:extLst>
           </p:cNvPr>
@@ -36973,58 +41382,77 @@
         </p:nvSpPr>
         <p:spPr>
           <a:xfrm>
-            <a:off x="635000" y="1133554"/>
-            <a:ext cx="9144000" cy="3323987"/>
+            <a:off x="2477133" y="452945"/>
+            <a:ext cx="5872607" cy="624061"/>
           </a:xfrm>
+          <a:prstGeom prst="rect">
+            <a:avLst/>
+          </a:prstGeom>
         </p:spPr>
         <p:txBody>
-          <a:bodyPr/>
+          <a:bodyPr vert="horz" wrap="square" lIns="0" tIns="0" rIns="0" bIns="0" rtlCol="0" anchor="t">
+            <a:normAutofit/>
+          </a:bodyPr>
           <a:lstStyle/>
           <a:p>
-            <a:br>
-              <a:rPr lang="en-US" dirty="0"/>
-            </a:br>
-            <a:r>
-              <a:rPr lang="en-US" dirty="0"/>
+            <a:r>
+              <a:rPr lang="en-US" b="0" kern="1200" cap="none" spc="-50" baseline="0" dirty="0">
+                <a:ln w="3175">
+                  <a:noFill/>
+                </a:ln>
+                <a:solidFill>
+                  <a:schemeClr val="tx1"/>
+                </a:solidFill>
+                <a:effectLst/>
+                <a:latin typeface="+mj-lt"/>
+                <a:ea typeface="+mn-ea"/>
+                <a:cs typeface="Segoe UI" pitchFamily="34" charset="0"/>
+              </a:rPr>
               <a:t>Let’s go!</a:t>
-            </a:r>
-            <a:br>
-              <a:rPr lang="en-US" dirty="0"/>
-            </a:br>
-            <a:br>
-              <a:rPr lang="en-US" dirty="0"/>
-            </a:br>
-            <a:r>
-              <a:rPr lang="en-US" dirty="0">
-                <a:hlinkClick r:id="rId2"/>
-              </a:rPr>
-              <a:t>aka.ms/</a:t>
-            </a:r>
-            <a:r>
-              <a:rPr lang="en-US" dirty="0" err="1">
-                <a:hlinkClick r:id="rId2"/>
-              </a:rPr>
-              <a:t>kmb</a:t>
-            </a:r>
-            <a:r>
-              <a:rPr lang="en-US" dirty="0">
-                <a:hlinkClick r:id="rId2"/>
-              </a:rPr>
-              <a:t> </a:t>
-            </a:r>
-            <a:br>
-              <a:rPr lang="en-US" dirty="0"/>
-            </a:br>
-            <a:br>
-              <a:rPr lang="en-US" dirty="0"/>
-            </a:br>
-            <a:r>
-              <a:rPr lang="en-US" dirty="0"/>
-              <a:t> </a:t>
             </a:r>
           </a:p>
         </p:txBody>
       </p:sp>
+      <p:cxnSp>
+        <p:nvCxnSpPr>
+          <p:cNvPr id="8" name="Straight Connector 7">
+            <a:extLst>
+              <a:ext uri="{FF2B5EF4-FFF2-40B4-BE49-F238E27FC236}">
+                <a16:creationId xmlns:a16="http://schemas.microsoft.com/office/drawing/2014/main" id="{68A2AC66-EE08-4104-8BE3-CF083E9A2997}"/>
+              </a:ext>
+            </a:extLst>
+          </p:cNvPr>
+          <p:cNvCxnSpPr/>
+          <p:nvPr/>
+        </p:nvCxnSpPr>
+        <p:spPr>
+          <a:xfrm>
+            <a:off x="723153" y="3352800"/>
+            <a:ext cx="3388659" cy="0"/>
+          </a:xfrm>
+          <a:prstGeom prst="line">
+            <a:avLst/>
+          </a:prstGeom>
+          <a:ln>
+            <a:headEnd type="none" w="lg" len="med"/>
+            <a:tailEnd type="none" w="lg" len="med"/>
+          </a:ln>
+        </p:spPr>
+        <p:style>
+          <a:lnRef idx="1">
+            <a:schemeClr val="accent3"/>
+          </a:lnRef>
+          <a:fillRef idx="0">
+            <a:schemeClr val="accent3"/>
+          </a:fillRef>
+          <a:effectRef idx="0">
+            <a:schemeClr val="accent3"/>
+          </a:effectRef>
+          <a:fontRef idx="minor">
+            <a:schemeClr val="tx1"/>
+          </a:fontRef>
+        </p:style>
+      </p:cxnSp>
     </p:spTree>
     <p:extLst>
       <p:ext uri="{BB962C8B-B14F-4D97-AF65-F5344CB8AC3E}">
@@ -37047,10 +41475,85 @@
       </p:transition>
     </mc:Fallback>
   </mc:AlternateContent>
+  <p:timing>
+    <p:tnLst>
+      <p:par>
+        <p:cTn id="1" dur="indefinite" restart="never" nodeType="tmRoot">
+          <p:childTnLst>
+            <p:seq concurrent="1" nextAc="seek">
+              <p:cTn id="2" dur="indefinite" nodeType="mainSeq">
+                <p:childTnLst>
+                  <p:par>
+                    <p:cTn id="3" fill="hold">
+                      <p:stCondLst>
+                        <p:cond delay="indefinite"/>
+                      </p:stCondLst>
+                      <p:childTnLst>
+                        <p:par>
+                          <p:cTn id="4" fill="hold">
+                            <p:stCondLst>
+                              <p:cond delay="0"/>
+                            </p:stCondLst>
+                            <p:childTnLst>
+                              <p:par>
+                                <p:cTn id="5" presetID="1" presetClass="entr" presetSubtype="0" fill="hold" nodeType="clickEffect">
+                                  <p:stCondLst>
+                                    <p:cond delay="0"/>
+                                  </p:stCondLst>
+                                  <p:childTnLst>
+                                    <p:set>
+                                      <p:cBhvr>
+                                        <p:cTn id="6" dur="1" fill="hold">
+                                          <p:stCondLst>
+                                            <p:cond delay="0"/>
+                                          </p:stCondLst>
+                                        </p:cTn>
+                                        <p:tgtEl>
+                                          <p:spTgt spid="8"/>
+                                        </p:tgtEl>
+                                        <p:attrNameLst>
+                                          <p:attrName>style.visibility</p:attrName>
+                                        </p:attrNameLst>
+                                      </p:cBhvr>
+                                      <p:to>
+                                        <p:strVal val="visible"/>
+                                      </p:to>
+                                    </p:set>
+                                  </p:childTnLst>
+                                </p:cTn>
+                              </p:par>
+                            </p:childTnLst>
+                          </p:cTn>
+                        </p:par>
+                      </p:childTnLst>
+                    </p:cTn>
+                  </p:par>
+                </p:childTnLst>
+              </p:cTn>
+              <p:prevCondLst>
+                <p:cond evt="onPrev" delay="0">
+                  <p:tgtEl>
+                    <p:sldTgt/>
+                  </p:tgtEl>
+                </p:cond>
+              </p:prevCondLst>
+              <p:nextCondLst>
+                <p:cond evt="onNext" delay="0">
+                  <p:tgtEl>
+                    <p:sldTgt/>
+                  </p:tgtEl>
+                </p:cond>
+              </p:nextCondLst>
+            </p:seq>
+          </p:childTnLst>
+        </p:cTn>
+      </p:par>
+    </p:tnLst>
+  </p:timing>
 </p:sld>
 </file>
 
-<file path=ppt/slides/slide17.xml><?xml version="1.0" encoding="utf-8"?>
+<file path=ppt/slides/slide19.xml><?xml version="1.0" encoding="utf-8"?>
 <p:sld xmlns:a="http://schemas.openxmlformats.org/drawingml/2006/main" xmlns:r="http://schemas.openxmlformats.org/officeDocument/2006/relationships" xmlns:p="http://schemas.openxmlformats.org/presentationml/2006/main">
   <p:cSld>
     <p:spTree>
@@ -37094,23 +41597,47 @@
           <a:lstStyle/>
           <a:p>
             <a:r>
-              <a:rPr lang="en-US" dirty="0"/>
+              <a:rPr lang="en-US" dirty="0">
+                <a:solidFill>
+                  <a:schemeClr val="tx1"/>
+                </a:solidFill>
+              </a:rPr>
               <a:t>Thank you!</a:t>
             </a:r>
             <a:br>
-              <a:rPr lang="en-US" dirty="0"/>
+              <a:rPr lang="en-US" dirty="0">
+                <a:solidFill>
+                  <a:schemeClr val="tx1"/>
+                </a:solidFill>
+              </a:rPr>
             </a:br>
             <a:br>
-              <a:rPr lang="en-US" dirty="0"/>
+              <a:rPr lang="en-US" dirty="0">
+                <a:solidFill>
+                  <a:schemeClr val="tx1"/>
+                </a:solidFill>
+              </a:rPr>
             </a:br>
             <a:br>
-              <a:rPr lang="en-US" dirty="0"/>
+              <a:rPr lang="en-US" dirty="0">
+                <a:solidFill>
+                  <a:schemeClr val="tx1"/>
+                </a:solidFill>
+              </a:rPr>
             </a:br>
             <a:br>
-              <a:rPr lang="en-US" dirty="0"/>
+              <a:rPr lang="en-US" dirty="0">
+                <a:solidFill>
+                  <a:schemeClr val="tx1"/>
+                </a:solidFill>
+              </a:rPr>
             </a:br>
             <a:r>
-              <a:rPr lang="en-US" dirty="0"/>
+              <a:rPr lang="en-US" dirty="0">
+                <a:solidFill>
+                  <a:schemeClr val="tx1"/>
+                </a:solidFill>
+              </a:rPr>
               <a:t>Rodrigo Souza</a:t>
             </a:r>
             <a:br>
@@ -37161,6 +41688,14 @@
 <file path=ppt/slides/slide2.xml><?xml version="1.0" encoding="utf-8"?>
 <p:sld xmlns:a="http://schemas.openxmlformats.org/drawingml/2006/main" xmlns:r="http://schemas.openxmlformats.org/officeDocument/2006/relationships" xmlns:p="http://schemas.openxmlformats.org/presentationml/2006/main">
   <p:cSld>
+    <p:bg>
+      <p:bgPr>
+        <a:solidFill>
+          <a:schemeClr val="bg1"/>
+        </a:solidFill>
+        <a:effectLst/>
+      </p:bgPr>
+    </p:bg>
     <p:spTree>
       <p:nvGrpSpPr>
         <p:cNvPr id="1" name=""/>
@@ -37185,16 +41720,25 @@
             <p:ph type="title"/>
           </p:nvPr>
         </p:nvSpPr>
-        <p:spPr/>
+        <p:spPr>
+          <a:xfrm>
+            <a:off x="588263" y="585788"/>
+            <a:ext cx="3182027" cy="5683250"/>
+          </a:xfrm>
+          <a:prstGeom prst="rect">
+            <a:avLst/>
+          </a:prstGeom>
+        </p:spPr>
         <p:txBody>
-          <a:bodyPr/>
+          <a:bodyPr wrap="square" anchor="ctr">
+            <a:normAutofit/>
+          </a:bodyPr>
           <a:lstStyle/>
           <a:p>
             <a:r>
-              <a:rPr lang="en-US"/>
+              <a:rPr lang="en-US" dirty="0"/>
               <a:t>Agenda </a:t>
             </a:r>
-            <a:endParaRPr lang="en-US" dirty="0"/>
           </a:p>
         </p:txBody>
       </p:sp>
@@ -37205,17 +41749,22 @@
             <a:spLocks noGrp="1"/>
           </p:cNvSpPr>
           <p:nvPr>
-            <p:ph type="body" sz="quarter" idx="10"/>
+            <p:ph type="body" sz="quarter" idx="11"/>
           </p:nvPr>
         </p:nvSpPr>
         <p:spPr>
           <a:xfrm>
-            <a:off x="586390" y="1434370"/>
-            <a:ext cx="11018520" cy="3213187"/>
+            <a:off x="4941888" y="585788"/>
+            <a:ext cx="6667500" cy="5683249"/>
           </a:xfrm>
+          <a:prstGeom prst="rect">
+            <a:avLst/>
+          </a:prstGeom>
         </p:spPr>
         <p:txBody>
-          <a:bodyPr/>
+          <a:bodyPr wrap="square" anchor="ctr">
+            <a:normAutofit/>
+          </a:bodyPr>
           <a:lstStyle/>
           <a:p>
             <a:pPr marL="571500" indent="-571500">
@@ -37223,8 +41772,8 @@
               <a:buChar char="•"/>
             </a:pPr>
             <a:r>
-              <a:rPr lang="en-US" sz="3600" dirty="0"/>
-              <a:t>8 AM – 5 PM</a:t>
+              <a:rPr lang="en-US" dirty="0"/>
+              <a:t>Environment</a:t>
             </a:r>
           </a:p>
           <a:p>
@@ -37233,8 +41782,8 @@
               <a:buChar char="•"/>
             </a:pPr>
             <a:r>
-              <a:rPr lang="en-US" sz="3600" dirty="0"/>
-              <a:t>Environment</a:t>
+              <a:rPr lang="en-US" dirty="0"/>
+              <a:t>Demos</a:t>
             </a:r>
           </a:p>
           <a:p>
@@ -37243,7 +41792,7 @@
               <a:buChar char="•"/>
             </a:pPr>
             <a:r>
-              <a:rPr lang="en-US" sz="3600" dirty="0"/>
+              <a:rPr lang="en-US" dirty="0"/>
               <a:t>Introduction</a:t>
             </a:r>
           </a:p>
@@ -37253,17 +41802,7 @@
               <a:buChar char="•"/>
             </a:pPr>
             <a:r>
-              <a:rPr lang="en-US" sz="3600" dirty="0"/>
-              <a:t>Demos</a:t>
-            </a:r>
-          </a:p>
-          <a:p>
-            <a:pPr marL="571500" indent="-571500">
-              <a:buFont typeface="Arial" panose="020B0604020202020204" pitchFamily="34" charset="0"/>
-              <a:buChar char="•"/>
-            </a:pPr>
-            <a:r>
-              <a:rPr lang="en-US" sz="3600" dirty="0"/>
+              <a:rPr lang="en-US" dirty="0"/>
               <a:t>Labs</a:t>
             </a:r>
           </a:p>
@@ -37295,8 +41834,16 @@
 </file>
 
 <file path=ppt/slides/slide3.xml><?xml version="1.0" encoding="utf-8"?>
-<p:sld xmlns:a="http://schemas.openxmlformats.org/drawingml/2006/main" xmlns:r="http://schemas.openxmlformats.org/officeDocument/2006/relationships" xmlns:p="http://schemas.openxmlformats.org/presentationml/2006/main">
+<p:sld xmlns:a="http://schemas.openxmlformats.org/drawingml/2006/main" xmlns:r="http://schemas.openxmlformats.org/officeDocument/2006/relationships" xmlns:p="http://schemas.openxmlformats.org/presentationml/2006/main" show="0">
   <p:cSld>
+    <p:bg>
+      <p:bgPr>
+        <a:solidFill>
+          <a:schemeClr val="bg1"/>
+        </a:solidFill>
+        <a:effectLst/>
+      </p:bgPr>
+    </p:bg>
     <p:spTree>
       <p:nvGrpSpPr>
         <p:cNvPr id="1" name=""/>
@@ -37321,9 +41868,19 @@
             <p:ph type="title"/>
           </p:nvPr>
         </p:nvSpPr>
-        <p:spPr/>
+        <p:spPr>
+          <a:xfrm>
+            <a:off x="588263" y="585788"/>
+            <a:ext cx="3182027" cy="5683250"/>
+          </a:xfrm>
+          <a:prstGeom prst="rect">
+            <a:avLst/>
+          </a:prstGeom>
+        </p:spPr>
         <p:txBody>
-          <a:bodyPr/>
+          <a:bodyPr wrap="square" anchor="ctr">
+            <a:normAutofit/>
+          </a:bodyPr>
           <a:lstStyle/>
           <a:p>
             <a:r>
@@ -37340,17 +41897,22 @@
             <a:spLocks noGrp="1"/>
           </p:cNvSpPr>
           <p:nvPr>
-            <p:ph type="body" sz="quarter" idx="10"/>
+            <p:ph type="body" sz="quarter" idx="11"/>
           </p:nvPr>
         </p:nvSpPr>
         <p:spPr>
           <a:xfrm>
-            <a:off x="586390" y="1434370"/>
-            <a:ext cx="11018520" cy="2548390"/>
+            <a:off x="4941888" y="585788"/>
+            <a:ext cx="6667500" cy="5683249"/>
           </a:xfrm>
+          <a:prstGeom prst="rect">
+            <a:avLst/>
+          </a:prstGeom>
         </p:spPr>
         <p:txBody>
-          <a:bodyPr/>
+          <a:bodyPr wrap="square" anchor="ctr">
+            <a:normAutofit/>
+          </a:bodyPr>
           <a:lstStyle/>
           <a:p>
             <a:pPr marL="571500" indent="-571500">
@@ -37358,7 +41920,7 @@
               <a:buChar char="•"/>
             </a:pPr>
             <a:r>
-              <a:rPr lang="en-US" sz="3600" dirty="0"/>
+              <a:rPr lang="en-US"/>
               <a:t>Restrooms – hallway, to the right</a:t>
             </a:r>
           </a:p>
@@ -37368,7 +41930,7 @@
               <a:buChar char="•"/>
             </a:pPr>
             <a:r>
-              <a:rPr lang="en-US" sz="3600" dirty="0"/>
+              <a:rPr lang="en-US"/>
               <a:t>Wi-fi: On the back of your badge</a:t>
             </a:r>
           </a:p>
@@ -37378,7 +41940,7 @@
               <a:buChar char="•"/>
             </a:pPr>
             <a:r>
-              <a:rPr lang="en-US" sz="3600" dirty="0"/>
+              <a:rPr lang="en-US"/>
               <a:t>Lunch: 12 – 1 PM - To go boxes</a:t>
             </a:r>
           </a:p>
@@ -37388,7 +41950,7 @@
               <a:buChar char="•"/>
             </a:pPr>
             <a:r>
-              <a:rPr lang="en-US" sz="3600" dirty="0"/>
+              <a:rPr lang="en-US"/>
               <a:t>Breaks: Anytime!!</a:t>
             </a:r>
           </a:p>
@@ -37404,13 +41966,13 @@
   <p:clrMapOvr>
     <a:masterClrMapping/>
   </p:clrMapOvr>
-  <mc:AlternateContent xmlns:mc="http://schemas.openxmlformats.org/markup-compatibility/2006" xmlns:p14="http://schemas.microsoft.com/office/powerpoint/2010/main">
-    <mc:Choice Requires="p14">
+  <mc:AlternateContent xmlns:mc="http://schemas.openxmlformats.org/markup-compatibility/2006">
+    <mc:Choice xmlns:p14="http://schemas.microsoft.com/office/powerpoint/2010/main" Requires="p14">
       <p:transition spd="med" p14:dur="700">
         <p:fade/>
       </p:transition>
     </mc:Choice>
-    <mc:Fallback xmlns="">
+    <mc:Fallback>
       <p:transition spd="med">
         <p:fade/>
       </p:transition>
@@ -37422,6 +41984,14 @@
 <file path=ppt/slides/slide4.xml><?xml version="1.0" encoding="utf-8"?>
 <p:sld xmlns:a="http://schemas.openxmlformats.org/drawingml/2006/main" xmlns:r="http://schemas.openxmlformats.org/officeDocument/2006/relationships" xmlns:p="http://schemas.openxmlformats.org/presentationml/2006/main">
   <p:cSld>
+    <p:bg>
+      <p:bgPr>
+        <a:solidFill>
+          <a:schemeClr val="bg1"/>
+        </a:solidFill>
+        <a:effectLst/>
+      </p:bgPr>
+    </p:bg>
     <p:spTree>
       <p:nvGrpSpPr>
         <p:cNvPr id="1" name=""/>
@@ -37446,9 +42016,19 @@
             <p:ph type="title"/>
           </p:nvPr>
         </p:nvSpPr>
-        <p:spPr/>
+        <p:spPr>
+          <a:xfrm>
+            <a:off x="588263" y="585788"/>
+            <a:ext cx="3182027" cy="5683250"/>
+          </a:xfrm>
+          <a:prstGeom prst="rect">
+            <a:avLst/>
+          </a:prstGeom>
+        </p:spPr>
         <p:txBody>
-          <a:bodyPr/>
+          <a:bodyPr wrap="square" anchor="ctr">
+            <a:normAutofit/>
+          </a:bodyPr>
           <a:lstStyle/>
           <a:p>
             <a:r>
@@ -37465,21 +42045,26 @@
             <a:spLocks noGrp="1"/>
           </p:cNvSpPr>
           <p:nvPr>
-            <p:ph type="body" sz="quarter" idx="10"/>
+            <p:ph type="body" sz="quarter" idx="11"/>
           </p:nvPr>
         </p:nvSpPr>
         <p:spPr>
           <a:xfrm>
-            <a:off x="586390" y="1434370"/>
-            <a:ext cx="11018520" cy="3213187"/>
+            <a:off x="4941888" y="585788"/>
+            <a:ext cx="6667500" cy="5683249"/>
           </a:xfrm>
+          <a:prstGeom prst="rect">
+            <a:avLst/>
+          </a:prstGeom>
         </p:spPr>
         <p:txBody>
-          <a:bodyPr/>
+          <a:bodyPr wrap="square" anchor="ctr">
+            <a:normAutofit/>
+          </a:bodyPr>
           <a:lstStyle/>
           <a:p>
             <a:r>
-              <a:rPr lang="en-US" sz="3600" dirty="0"/>
+              <a:rPr lang="en-US" dirty="0"/>
               <a:t>Knowledge Mining Bootcamp</a:t>
             </a:r>
           </a:p>
@@ -37489,19 +42074,13 @@
               <a:buChar char="•"/>
             </a:pPr>
             <a:r>
-              <a:rPr lang="en-US" sz="3600" dirty="0">
+              <a:rPr lang="en-US" dirty="0">
                 <a:hlinkClick r:id="rId3"/>
               </a:rPr>
-              <a:t>aka.ms/</a:t>
-            </a:r>
-            <a:r>
-              <a:rPr lang="en-US" sz="3600" dirty="0" err="1">
-                <a:hlinkClick r:id="rId3"/>
-              </a:rPr>
-              <a:t>kmb</a:t>
-            </a:r>
-            <a:r>
-              <a:rPr lang="en-US" sz="3600" dirty="0"/>
+              <a:t>aka.ms/kmb</a:t>
+            </a:r>
+            <a:r>
+              <a:rPr lang="en-US" dirty="0"/>
               <a:t> </a:t>
             </a:r>
           </a:p>
@@ -37511,8 +42090,8 @@
               <a:buChar char="•"/>
             </a:pPr>
             <a:r>
-              <a:rPr lang="en-US" sz="3600" dirty="0"/>
-              <a:t>2 Days</a:t>
+              <a:rPr lang="en-US" dirty="0"/>
+              <a:t>2 Days - Start here, finish later</a:t>
             </a:r>
           </a:p>
           <a:p>
@@ -37521,8 +42100,8 @@
               <a:buChar char="•"/>
             </a:pPr>
             <a:r>
-              <a:rPr lang="en-US" sz="3600" dirty="0"/>
-              <a:t>Bot</a:t>
+              <a:rPr lang="en-US" dirty="0"/>
+              <a:t>Bot Interface</a:t>
             </a:r>
           </a:p>
           <a:p>
@@ -37531,8 +42110,18 @@
               <a:buChar char="•"/>
             </a:pPr>
             <a:r>
-              <a:rPr lang="en-US" sz="3600" dirty="0"/>
+              <a:rPr lang="en-US" dirty="0"/>
               <a:t>Content Moderator as a Custom Skill</a:t>
+            </a:r>
+          </a:p>
+          <a:p>
+            <a:pPr marL="571500" indent="-571500">
+              <a:buFont typeface="Arial" panose="020B0604020202020204" pitchFamily="34" charset="0"/>
+              <a:buChar char="•"/>
+            </a:pPr>
+            <a:r>
+              <a:rPr lang="en-US" dirty="0"/>
+              <a:t>Sales Tool – Demo/POC in minutes</a:t>
             </a:r>
           </a:p>
         </p:txBody>
@@ -37565,6 +42154,14 @@
 <file path=ppt/slides/slide5.xml><?xml version="1.0" encoding="utf-8"?>
 <p:sld xmlns:a="http://schemas.openxmlformats.org/drawingml/2006/main" xmlns:r="http://schemas.openxmlformats.org/officeDocument/2006/relationships" xmlns:p="http://schemas.openxmlformats.org/presentationml/2006/main">
   <p:cSld>
+    <p:bg>
+      <p:bgPr>
+        <a:solidFill>
+          <a:schemeClr val="bg1"/>
+        </a:solidFill>
+        <a:effectLst/>
+      </p:bgPr>
+    </p:bg>
     <p:spTree>
       <p:nvGrpSpPr>
         <p:cNvPr id="1" name=""/>
@@ -37589,9 +42186,19 @@
             <p:ph type="title"/>
           </p:nvPr>
         </p:nvSpPr>
-        <p:spPr/>
+        <p:spPr>
+          <a:xfrm>
+            <a:off x="588263" y="585788"/>
+            <a:ext cx="3182027" cy="5683250"/>
+          </a:xfrm>
+          <a:prstGeom prst="rect">
+            <a:avLst/>
+          </a:prstGeom>
+        </p:spPr>
         <p:txBody>
-          <a:bodyPr/>
+          <a:bodyPr wrap="square" anchor="ctr">
+            <a:normAutofit/>
+          </a:bodyPr>
           <a:lstStyle/>
           <a:p>
             <a:r>
@@ -37608,21 +42215,26 @@
             <a:spLocks noGrp="1"/>
           </p:cNvSpPr>
           <p:nvPr>
-            <p:ph type="body" sz="quarter" idx="10"/>
+            <p:ph type="body" sz="quarter" idx="11"/>
           </p:nvPr>
         </p:nvSpPr>
         <p:spPr>
           <a:xfrm>
-            <a:off x="586390" y="1434370"/>
-            <a:ext cx="11018520" cy="3213187"/>
+            <a:off x="4941888" y="585788"/>
+            <a:ext cx="6667500" cy="5683249"/>
           </a:xfrm>
+          <a:prstGeom prst="rect">
+            <a:avLst/>
+          </a:prstGeom>
         </p:spPr>
         <p:txBody>
-          <a:bodyPr/>
+          <a:bodyPr wrap="square" anchor="ctr">
+            <a:normAutofit/>
+          </a:bodyPr>
           <a:lstStyle/>
           <a:p>
             <a:r>
-              <a:rPr lang="en-US" sz="3600" dirty="0"/>
+              <a:rPr lang="en-US"/>
               <a:t>Knowledge Mining Workshop</a:t>
             </a:r>
           </a:p>
@@ -37632,12 +42244,12 @@
               <a:buChar char="•"/>
             </a:pPr>
             <a:r>
-              <a:rPr lang="en-US" sz="3600" dirty="0">
+              <a:rPr lang="en-US">
                 <a:hlinkClick r:id="rId3"/>
               </a:rPr>
               <a:t>aka.ms/kmw1 </a:t>
             </a:r>
-            <a:endParaRPr lang="en-US" sz="3600" dirty="0"/>
+            <a:endParaRPr lang="en-US"/>
           </a:p>
           <a:p>
             <a:pPr marL="571500" indent="-571500">
@@ -37645,7 +42257,7 @@
               <a:buChar char="•"/>
             </a:pPr>
             <a:r>
-              <a:rPr lang="en-US" sz="3600" dirty="0"/>
+              <a:rPr lang="en-US"/>
               <a:t>6 hours</a:t>
             </a:r>
           </a:p>
@@ -37655,7 +42267,7 @@
               <a:buChar char="•"/>
             </a:pPr>
             <a:r>
-              <a:rPr lang="en-US" sz="3600" dirty="0"/>
+              <a:rPr lang="en-US"/>
               <a:t>Web Interface</a:t>
             </a:r>
           </a:p>
@@ -37665,7 +42277,7 @@
               <a:buChar char="•"/>
             </a:pPr>
             <a:r>
-              <a:rPr lang="en-US" sz="3600" dirty="0"/>
+              <a:rPr lang="en-US"/>
               <a:t>Will be delivered on Thursday at 10:45 AM</a:t>
             </a:r>
           </a:p>
@@ -37699,6 +42311,14 @@
 <file path=ppt/slides/slide6.xml><?xml version="1.0" encoding="utf-8"?>
 <p:sld xmlns:a="http://schemas.openxmlformats.org/drawingml/2006/main" xmlns:r="http://schemas.openxmlformats.org/officeDocument/2006/relationships" xmlns:p="http://schemas.openxmlformats.org/presentationml/2006/main">
   <p:cSld>
+    <p:bg>
+      <p:bgPr>
+        <a:solidFill>
+          <a:schemeClr val="bg1"/>
+        </a:solidFill>
+        <a:effectLst/>
+      </p:bgPr>
+    </p:bg>
     <p:spTree>
       <p:nvGrpSpPr>
         <p:cNvPr id="1" name=""/>
@@ -37723,9 +42343,19 @@
             <p:ph type="title"/>
           </p:nvPr>
         </p:nvSpPr>
-        <p:spPr/>
+        <p:spPr>
+          <a:xfrm>
+            <a:off x="588263" y="585788"/>
+            <a:ext cx="3182027" cy="5683250"/>
+          </a:xfrm>
+          <a:prstGeom prst="rect">
+            <a:avLst/>
+          </a:prstGeom>
+        </p:spPr>
         <p:txBody>
-          <a:bodyPr/>
+          <a:bodyPr wrap="square" anchor="ctr">
+            <a:normAutofit/>
+          </a:bodyPr>
           <a:lstStyle/>
           <a:p>
             <a:r>
@@ -37742,21 +42372,26 @@
             <a:spLocks noGrp="1"/>
           </p:cNvSpPr>
           <p:nvPr>
-            <p:ph type="body" sz="quarter" idx="10"/>
+            <p:ph type="body" sz="quarter" idx="11"/>
           </p:nvPr>
         </p:nvSpPr>
         <p:spPr>
           <a:xfrm>
-            <a:off x="586390" y="1434370"/>
-            <a:ext cx="11018520" cy="3213187"/>
+            <a:off x="4941888" y="585788"/>
+            <a:ext cx="6667500" cy="5683249"/>
           </a:xfrm>
+          <a:prstGeom prst="rect">
+            <a:avLst/>
+          </a:prstGeom>
         </p:spPr>
         <p:txBody>
-          <a:bodyPr/>
+          <a:bodyPr wrap="square" anchor="ctr">
+            <a:normAutofit/>
+          </a:bodyPr>
           <a:lstStyle/>
           <a:p>
             <a:r>
-              <a:rPr lang="en-US" sz="3600" dirty="0"/>
+              <a:rPr lang="en-US" dirty="0"/>
               <a:t>ACE Team Blog</a:t>
             </a:r>
           </a:p>
@@ -37766,18 +42401,18 @@
               <a:buChar char="•"/>
             </a:pPr>
             <a:r>
-              <a:rPr lang="en-US" sz="3600" dirty="0">
+              <a:rPr lang="en-US" dirty="0">
                 <a:hlinkClick r:id="rId3"/>
               </a:rPr>
               <a:t>aka.ms/ACE-Blog</a:t>
             </a:r>
             <a:r>
-              <a:rPr lang="en-US" sz="3600" dirty="0">
+              <a:rPr lang="en-US" dirty="0">
                 <a:hlinkClick r:id="rId4"/>
               </a:rPr>
               <a:t> </a:t>
             </a:r>
-            <a:endParaRPr lang="en-US" sz="3600" dirty="0"/>
+            <a:endParaRPr lang="en-US" dirty="0"/>
           </a:p>
           <a:p>
             <a:pPr marL="571500" indent="-571500">
@@ -37785,7 +42420,7 @@
               <a:buChar char="•"/>
             </a:pPr>
             <a:r>
-              <a:rPr lang="en-US" sz="3600" dirty="0"/>
+              <a:rPr lang="en-US" dirty="0"/>
               <a:t>Lessons Learned</a:t>
             </a:r>
           </a:p>
@@ -37795,7 +42430,7 @@
               <a:buChar char="•"/>
             </a:pPr>
             <a:r>
-              <a:rPr lang="en-US" sz="3600" dirty="0"/>
+              <a:rPr lang="en-US" dirty="0"/>
               <a:t>Best Practices</a:t>
             </a:r>
           </a:p>
@@ -37805,7 +42440,7 @@
               <a:buChar char="•"/>
             </a:pPr>
             <a:r>
-              <a:rPr lang="en-US" sz="3600" dirty="0"/>
+              <a:rPr lang="en-US" dirty="0"/>
               <a:t>Innovations</a:t>
             </a:r>
           </a:p>
@@ -37839,6 +42474,14 @@
 <file path=ppt/slides/slide7.xml><?xml version="1.0" encoding="utf-8"?>
 <p:sld xmlns:a="http://schemas.openxmlformats.org/drawingml/2006/main" xmlns:r="http://schemas.openxmlformats.org/officeDocument/2006/relationships" xmlns:p="http://schemas.openxmlformats.org/presentationml/2006/main">
   <p:cSld>
+    <p:bg>
+      <p:bgPr>
+        <a:solidFill>
+          <a:schemeClr val="bg1"/>
+        </a:solidFill>
+        <a:effectLst/>
+      </p:bgPr>
+    </p:bg>
     <p:spTree>
       <p:nvGrpSpPr>
         <p:cNvPr id="1" name=""/>
@@ -37863,16 +42506,25 @@
             <p:ph type="title"/>
           </p:nvPr>
         </p:nvSpPr>
-        <p:spPr/>
+        <p:spPr>
+          <a:xfrm>
+            <a:off x="588263" y="585788"/>
+            <a:ext cx="3182027" cy="5683250"/>
+          </a:xfrm>
+          <a:prstGeom prst="rect">
+            <a:avLst/>
+          </a:prstGeom>
+        </p:spPr>
         <p:txBody>
-          <a:bodyPr/>
+          <a:bodyPr wrap="square" anchor="ctr">
+            <a:normAutofit/>
+          </a:bodyPr>
           <a:lstStyle/>
           <a:p>
             <a:r>
-              <a:rPr lang="en-US"/>
+              <a:rPr lang="en-US" dirty="0"/>
               <a:t>Other KM Resources</a:t>
             </a:r>
-            <a:endParaRPr lang="en-US" dirty="0"/>
           </a:p>
         </p:txBody>
       </p:sp>
@@ -37883,338 +42535,27 @@
             <a:spLocks noGrp="1"/>
           </p:cNvSpPr>
           <p:nvPr>
-            <p:ph type="body" sz="quarter" idx="10"/>
+            <p:ph type="body" sz="quarter" idx="11"/>
           </p:nvPr>
         </p:nvSpPr>
         <p:spPr>
           <a:xfrm>
-            <a:off x="269638" y="1449329"/>
-            <a:ext cx="4708762" cy="3939540"/>
-          </a:xfrm>
-        </p:spPr>
-        <p:txBody>
-          <a:bodyPr/>
-          <a:lstStyle/>
-          <a:p>
-            <a:r>
-              <a:rPr lang="en-US" sz="3200" dirty="0"/>
-              <a:t>Knowledge Mining Accelerator</a:t>
-            </a:r>
-          </a:p>
-          <a:p>
-            <a:pPr marL="571500" indent="-571500">
-              <a:buFont typeface="Arial" panose="020B0604020202020204" pitchFamily="34" charset="0"/>
-              <a:buChar char="•"/>
-            </a:pPr>
-            <a:r>
-              <a:rPr lang="en-US" sz="2400" dirty="0">
-                <a:hlinkClick r:id="rId3"/>
-              </a:rPr>
-              <a:t>aka.ms/</a:t>
-            </a:r>
-            <a:r>
-              <a:rPr lang="en-US" sz="2400" dirty="0" err="1">
-                <a:hlinkClick r:id="rId3"/>
-              </a:rPr>
-              <a:t>kma</a:t>
-            </a:r>
-            <a:endParaRPr lang="en-US" sz="2400" dirty="0"/>
-          </a:p>
-          <a:p>
-            <a:pPr marL="571500" indent="-571500">
-              <a:buFont typeface="Arial" panose="020B0604020202020204" pitchFamily="34" charset="0"/>
-              <a:buChar char="•"/>
-            </a:pPr>
-            <a:r>
-              <a:rPr lang="en-US" sz="2400" dirty="0"/>
-              <a:t>PowerShell Deployment</a:t>
-            </a:r>
-          </a:p>
-          <a:p>
-            <a:pPr marL="571500" indent="-571500">
-              <a:buFont typeface="Arial" panose="020B0604020202020204" pitchFamily="34" charset="0"/>
-              <a:buChar char="•"/>
-            </a:pPr>
-            <a:r>
-              <a:rPr lang="en-US" sz="2400" dirty="0"/>
-              <a:t>BYOD</a:t>
-            </a:r>
-          </a:p>
-          <a:p>
-            <a:pPr marL="571500" indent="-571500">
-              <a:buFont typeface="Arial" panose="020B0604020202020204" pitchFamily="34" charset="0"/>
-              <a:buChar char="•"/>
-            </a:pPr>
-            <a:r>
-              <a:rPr lang="en-US" sz="2400" dirty="0"/>
-              <a:t>Multi-facet Graph</a:t>
-            </a:r>
-          </a:p>
-          <a:p>
-            <a:pPr marL="571500" indent="-571500">
-              <a:buFont typeface="Arial" panose="020B0604020202020204" pitchFamily="34" charset="0"/>
-              <a:buChar char="•"/>
-            </a:pPr>
-            <a:r>
-              <a:rPr lang="en-US" sz="2400" dirty="0"/>
-              <a:t>Pre-Deployed demos for Healthcare, Retail, and Oil &amp; Gas</a:t>
-            </a:r>
-          </a:p>
-        </p:txBody>
-      </p:sp>
-      <p:sp>
-        <p:nvSpPr>
-          <p:cNvPr id="4" name="Text Placeholder 5">
-            <a:extLst>
-              <a:ext uri="{FF2B5EF4-FFF2-40B4-BE49-F238E27FC236}">
-                <a16:creationId xmlns:a16="http://schemas.microsoft.com/office/drawing/2014/main" id="{4B8833AF-50B3-44E7-83FB-F47603830D71}"/>
-              </a:ext>
-            </a:extLst>
-          </p:cNvPr>
-          <p:cNvSpPr txBox="1">
-            <a:spLocks/>
-          </p:cNvSpPr>
-          <p:nvPr/>
-        </p:nvSpPr>
-        <p:spPr>
-          <a:xfrm>
-            <a:off x="6112812" y="1452352"/>
-            <a:ext cx="5509610" cy="3127010"/>
+            <a:off x="4941888" y="585788"/>
+            <a:ext cx="6667500" cy="5683249"/>
           </a:xfrm>
           <a:prstGeom prst="rect">
             <a:avLst/>
           </a:prstGeom>
         </p:spPr>
         <p:txBody>
-          <a:bodyPr vert="horz" wrap="square" lIns="0" tIns="0" rIns="0" bIns="0" rtlCol="0">
-            <a:spAutoFit/>
+          <a:bodyPr wrap="square" anchor="ctr">
+            <a:normAutofit/>
           </a:bodyPr>
-          <a:lstStyle>
-            <a:lvl1pPr marL="0" marR="0" indent="0" algn="l" defTabSz="932742" rtl="0" eaLnBrk="1" fontAlgn="auto" latinLnBrk="0" hangingPunct="1">
-              <a:lnSpc>
-                <a:spcPct val="100000"/>
-              </a:lnSpc>
-              <a:spcBef>
-                <a:spcPct val="20000"/>
-              </a:spcBef>
-              <a:spcAft>
-                <a:spcPts val="0"/>
-              </a:spcAft>
-              <a:buClrTx/>
-              <a:buSzPct val="90000"/>
-              <a:buFont typeface="Wingdings" panose="05000000000000000000" pitchFamily="2" charset="2"/>
-              <a:buNone/>
-              <a:tabLst/>
-              <a:defRPr sz="2800" kern="1200" spc="0" baseline="0">
-                <a:gradFill>
-                  <a:gsLst>
-                    <a:gs pos="1250">
-                      <a:schemeClr val="tx1"/>
-                    </a:gs>
-                    <a:gs pos="100000">
-                      <a:schemeClr val="tx1"/>
-                    </a:gs>
-                  </a:gsLst>
-                  <a:lin ang="5400000" scaled="0"/>
-                </a:gradFill>
-                <a:latin typeface="+mn-lt"/>
-                <a:ea typeface="+mn-ea"/>
-                <a:cs typeface="Segoe UI" panose="020B0502040204020203" pitchFamily="34" charset="0"/>
-              </a:defRPr>
-            </a:lvl1pPr>
-            <a:lvl2pPr marL="228600" marR="0" indent="0" algn="l" defTabSz="932742" rtl="0" eaLnBrk="1" fontAlgn="auto" latinLnBrk="0" hangingPunct="1">
-              <a:lnSpc>
-                <a:spcPct val="100000"/>
-              </a:lnSpc>
-              <a:spcBef>
-                <a:spcPct val="20000"/>
-              </a:spcBef>
-              <a:spcAft>
-                <a:spcPts val="0"/>
-              </a:spcAft>
-              <a:buClrTx/>
-              <a:buSzPct val="90000"/>
-              <a:buFont typeface="Wingdings" panose="05000000000000000000" pitchFamily="2" charset="2"/>
-              <a:buNone/>
-              <a:tabLst/>
-              <a:defRPr sz="2000" kern="1200" spc="0" baseline="0">
-                <a:gradFill>
-                  <a:gsLst>
-                    <a:gs pos="1250">
-                      <a:schemeClr val="tx1"/>
-                    </a:gs>
-                    <a:gs pos="100000">
-                      <a:schemeClr val="tx1"/>
-                    </a:gs>
-                  </a:gsLst>
-                  <a:lin ang="5400000" scaled="0"/>
-                </a:gradFill>
-                <a:latin typeface="+mn-lt"/>
-                <a:ea typeface="+mn-ea"/>
-                <a:cs typeface="+mn-cs"/>
-              </a:defRPr>
-            </a:lvl2pPr>
-            <a:lvl3pPr marL="457200" marR="0" indent="0" algn="l" defTabSz="932742" rtl="0" eaLnBrk="1" fontAlgn="auto" latinLnBrk="0" hangingPunct="1">
-              <a:lnSpc>
-                <a:spcPct val="100000"/>
-              </a:lnSpc>
-              <a:spcBef>
-                <a:spcPct val="20000"/>
-              </a:spcBef>
-              <a:spcAft>
-                <a:spcPts val="0"/>
-              </a:spcAft>
-              <a:buClrTx/>
-              <a:buSzPct val="90000"/>
-              <a:buFont typeface="Wingdings" panose="05000000000000000000" pitchFamily="2" charset="2"/>
-              <a:buNone/>
-              <a:tabLst/>
-              <a:defRPr sz="1600" kern="1200" spc="0" baseline="0">
-                <a:gradFill>
-                  <a:gsLst>
-                    <a:gs pos="1250">
-                      <a:schemeClr val="tx1"/>
-                    </a:gs>
-                    <a:gs pos="100000">
-                      <a:schemeClr val="tx1"/>
-                    </a:gs>
-                  </a:gsLst>
-                  <a:lin ang="5400000" scaled="0"/>
-                </a:gradFill>
-                <a:latin typeface="+mn-lt"/>
-                <a:ea typeface="+mn-ea"/>
-                <a:cs typeface="+mn-cs"/>
-              </a:defRPr>
-            </a:lvl3pPr>
-            <a:lvl4pPr marL="685800" marR="0" indent="0" algn="l" defTabSz="932742" rtl="0" eaLnBrk="1" fontAlgn="auto" latinLnBrk="0" hangingPunct="1">
-              <a:lnSpc>
-                <a:spcPct val="100000"/>
-              </a:lnSpc>
-              <a:spcBef>
-                <a:spcPct val="20000"/>
-              </a:spcBef>
-              <a:spcAft>
-                <a:spcPts val="0"/>
-              </a:spcAft>
-              <a:buClrTx/>
-              <a:buSzPct val="90000"/>
-              <a:buFont typeface="Wingdings" panose="05000000000000000000" pitchFamily="2" charset="2"/>
-              <a:buNone/>
-              <a:tabLst/>
-              <a:defRPr sz="1400" kern="1200" spc="0" baseline="0">
-                <a:gradFill>
-                  <a:gsLst>
-                    <a:gs pos="1250">
-                      <a:schemeClr val="tx1"/>
-                    </a:gs>
-                    <a:gs pos="100000">
-                      <a:schemeClr val="tx1"/>
-                    </a:gs>
-                  </a:gsLst>
-                  <a:lin ang="5400000" scaled="0"/>
-                </a:gradFill>
-                <a:latin typeface="+mn-lt"/>
-                <a:ea typeface="+mn-ea"/>
-                <a:cs typeface="+mn-cs"/>
-              </a:defRPr>
-            </a:lvl4pPr>
-            <a:lvl5pPr marL="914400" marR="0" indent="0" algn="l" defTabSz="932742" rtl="0" eaLnBrk="1" fontAlgn="auto" latinLnBrk="0" hangingPunct="1">
-              <a:lnSpc>
-                <a:spcPct val="100000"/>
-              </a:lnSpc>
-              <a:spcBef>
-                <a:spcPct val="20000"/>
-              </a:spcBef>
-              <a:spcAft>
-                <a:spcPts val="0"/>
-              </a:spcAft>
-              <a:buClrTx/>
-              <a:buSzPct val="90000"/>
-              <a:buFont typeface="Wingdings" panose="05000000000000000000" pitchFamily="2" charset="2"/>
-              <a:buNone/>
-              <a:tabLst/>
-              <a:defRPr sz="1400" kern="1200" spc="0" baseline="0">
-                <a:gradFill>
-                  <a:gsLst>
-                    <a:gs pos="1250">
-                      <a:schemeClr val="tx1"/>
-                    </a:gs>
-                    <a:gs pos="100000">
-                      <a:schemeClr val="tx1"/>
-                    </a:gs>
-                  </a:gsLst>
-                  <a:lin ang="5400000" scaled="0"/>
-                </a:gradFill>
-                <a:latin typeface="+mn-lt"/>
-                <a:ea typeface="+mn-ea"/>
-                <a:cs typeface="+mn-cs"/>
-              </a:defRPr>
-            </a:lvl5pPr>
-            <a:lvl6pPr marL="2565040" indent="-233186" algn="l" defTabSz="932742" rtl="0" eaLnBrk="1" latinLnBrk="0" hangingPunct="1">
-              <a:spcBef>
-                <a:spcPct val="20000"/>
-              </a:spcBef>
-              <a:buFont typeface="Arial" pitchFamily="34" charset="0"/>
-              <a:buChar char="•"/>
-              <a:defRPr sz="2000" kern="1200">
-                <a:solidFill>
-                  <a:schemeClr val="tx1"/>
-                </a:solidFill>
-                <a:latin typeface="+mn-lt"/>
-                <a:ea typeface="+mn-ea"/>
-                <a:cs typeface="+mn-cs"/>
-              </a:defRPr>
-            </a:lvl6pPr>
-            <a:lvl7pPr marL="3031412" indent="-233186" algn="l" defTabSz="932742" rtl="0" eaLnBrk="1" latinLnBrk="0" hangingPunct="1">
-              <a:spcBef>
-                <a:spcPct val="20000"/>
-              </a:spcBef>
-              <a:buFont typeface="Arial" pitchFamily="34" charset="0"/>
-              <a:buChar char="•"/>
-              <a:defRPr sz="2000" kern="1200">
-                <a:solidFill>
-                  <a:schemeClr val="tx1"/>
-                </a:solidFill>
-                <a:latin typeface="+mn-lt"/>
-                <a:ea typeface="+mn-ea"/>
-                <a:cs typeface="+mn-cs"/>
-              </a:defRPr>
-            </a:lvl7pPr>
-            <a:lvl8pPr marL="3497783" indent="-233186" algn="l" defTabSz="932742" rtl="0" eaLnBrk="1" latinLnBrk="0" hangingPunct="1">
-              <a:spcBef>
-                <a:spcPct val="20000"/>
-              </a:spcBef>
-              <a:buFont typeface="Arial" pitchFamily="34" charset="0"/>
-              <a:buChar char="•"/>
-              <a:defRPr sz="2000" kern="1200">
-                <a:solidFill>
-                  <a:schemeClr val="tx1"/>
-                </a:solidFill>
-                <a:latin typeface="+mn-lt"/>
-                <a:ea typeface="+mn-ea"/>
-                <a:cs typeface="+mn-cs"/>
-              </a:defRPr>
-            </a:lvl8pPr>
-            <a:lvl9pPr marL="3964155" indent="-233186" algn="l" defTabSz="932742" rtl="0" eaLnBrk="1" latinLnBrk="0" hangingPunct="1">
-              <a:spcBef>
-                <a:spcPct val="20000"/>
-              </a:spcBef>
-              <a:buFont typeface="Arial" pitchFamily="34" charset="0"/>
-              <a:buChar char="•"/>
-              <a:defRPr sz="2000" kern="1200">
-                <a:solidFill>
-                  <a:schemeClr val="tx1"/>
-                </a:solidFill>
-                <a:latin typeface="+mn-lt"/>
-                <a:ea typeface="+mn-ea"/>
-                <a:cs typeface="+mn-cs"/>
-              </a:defRPr>
-            </a:lvl9pPr>
-          </a:lstStyle>
-          <a:p>
-            <a:r>
-              <a:rPr lang="en-US" sz="3200" dirty="0"/>
-              <a:t>Knowledge Mining Solution Accelerator</a:t>
+          <a:lstStyle/>
+          <a:p>
+            <a:r>
+              <a:rPr lang="en-US" dirty="0"/>
+              <a:t>Knowledge Mining Accelerator</a:t>
             </a:r>
           </a:p>
           <a:p>
@@ -38223,18 +42564,12 @@
               <a:buChar char="•"/>
             </a:pPr>
             <a:r>
-              <a:rPr lang="en-US" sz="2400" dirty="0">
-                <a:hlinkClick r:id="rId4"/>
+              <a:rPr lang="en-US" dirty="0">
+                <a:hlinkClick r:id="rId3"/>
               </a:rPr>
-              <a:t>aka.ms/</a:t>
-            </a:r>
-            <a:r>
-              <a:rPr lang="en-US" sz="2400" dirty="0" err="1">
-                <a:hlinkClick r:id="rId4"/>
-              </a:rPr>
-              <a:t>kmsolutions</a:t>
-            </a:r>
-            <a:endParaRPr lang="en-US" sz="2400" dirty="0"/>
+              <a:t>aka.ms/kma</a:t>
+            </a:r>
+            <a:endParaRPr lang="en-US" dirty="0"/>
           </a:p>
           <a:p>
             <a:pPr marL="571500" indent="-571500">
@@ -38242,8 +42577,8 @@
               <a:buChar char="•"/>
             </a:pPr>
             <a:r>
-              <a:rPr lang="en-US" sz="2400" dirty="0"/>
-              <a:t>PowerShell Deployment + Postman + Visual Studio</a:t>
+              <a:rPr lang="en-US" dirty="0"/>
+              <a:t>PowerShell Deployment</a:t>
             </a:r>
           </a:p>
           <a:p>
@@ -38252,7 +42587,7 @@
               <a:buChar char="•"/>
             </a:pPr>
             <a:r>
-              <a:rPr lang="en-US" sz="2400" dirty="0"/>
+              <a:rPr lang="en-US" dirty="0"/>
               <a:t>BYOD</a:t>
             </a:r>
           </a:p>
@@ -38262,8 +42597,18 @@
               <a:buChar char="•"/>
             </a:pPr>
             <a:r>
-              <a:rPr lang="en-US" sz="2400" dirty="0"/>
-              <a:t>Tabular results</a:t>
+              <a:rPr lang="en-US" dirty="0"/>
+              <a:t>Multi-facet Graph</a:t>
+            </a:r>
+          </a:p>
+          <a:p>
+            <a:pPr marL="571500" indent="-571500">
+              <a:buFont typeface="Arial" panose="020B0604020202020204" pitchFamily="34" charset="0"/>
+              <a:buChar char="•"/>
+            </a:pPr>
+            <a:r>
+              <a:rPr lang="en-US" dirty="0"/>
+              <a:t>Pre-Deployed demos for Healthcare, Retail, and Oil &amp; Gas</a:t>
             </a:r>
           </a:p>
         </p:txBody>
@@ -38271,7 +42616,7 @@
     </p:spTree>
     <p:extLst>
       <p:ext uri="{BB962C8B-B14F-4D97-AF65-F5344CB8AC3E}">
-        <p14:creationId xmlns:p14="http://schemas.microsoft.com/office/powerpoint/2010/main" val="2668243192"/>
+        <p14:creationId xmlns:p14="http://schemas.microsoft.com/office/powerpoint/2010/main" val="2031999890"/>
       </p:ext>
     </p:extLst>
   </p:cSld>
@@ -38294,6 +42639,159 @@
 </file>
 
 <file path=ppt/slides/slide8.xml><?xml version="1.0" encoding="utf-8"?>
+<p:sld xmlns:a="http://schemas.openxmlformats.org/drawingml/2006/main" xmlns:r="http://schemas.openxmlformats.org/officeDocument/2006/relationships" xmlns:p="http://schemas.openxmlformats.org/presentationml/2006/main">
+  <p:cSld>
+    <p:bg>
+      <p:bgPr>
+        <a:solidFill>
+          <a:schemeClr val="bg1"/>
+        </a:solidFill>
+        <a:effectLst/>
+      </p:bgPr>
+    </p:bg>
+    <p:spTree>
+      <p:nvGrpSpPr>
+        <p:cNvPr id="1" name=""/>
+        <p:cNvGrpSpPr/>
+        <p:nvPr/>
+      </p:nvGrpSpPr>
+      <p:grpSpPr>
+        <a:xfrm>
+          <a:off x="0" y="0"/>
+          <a:ext cx="0" cy="0"/>
+          <a:chOff x="0" y="0"/>
+          <a:chExt cx="0" cy="0"/>
+        </a:xfrm>
+      </p:grpSpPr>
+      <p:sp>
+        <p:nvSpPr>
+          <p:cNvPr id="17" name="Title 16"/>
+          <p:cNvSpPr>
+            <a:spLocks noGrp="1"/>
+          </p:cNvSpPr>
+          <p:nvPr>
+            <p:ph type="title"/>
+          </p:nvPr>
+        </p:nvSpPr>
+        <p:spPr>
+          <a:xfrm>
+            <a:off x="588263" y="585788"/>
+            <a:ext cx="3182027" cy="5683250"/>
+          </a:xfrm>
+          <a:prstGeom prst="rect">
+            <a:avLst/>
+          </a:prstGeom>
+        </p:spPr>
+        <p:txBody>
+          <a:bodyPr wrap="square" anchor="ctr">
+            <a:normAutofit/>
+          </a:bodyPr>
+          <a:lstStyle/>
+          <a:p>
+            <a:r>
+              <a:rPr lang="en-US" dirty="0"/>
+              <a:t>Other KM Resources</a:t>
+            </a:r>
+          </a:p>
+        </p:txBody>
+      </p:sp>
+      <p:sp>
+        <p:nvSpPr>
+          <p:cNvPr id="6" name="Text Placeholder 5"/>
+          <p:cNvSpPr>
+            <a:spLocks noGrp="1"/>
+          </p:cNvSpPr>
+          <p:nvPr>
+            <p:ph type="body" sz="quarter" idx="11"/>
+          </p:nvPr>
+        </p:nvSpPr>
+        <p:spPr>
+          <a:xfrm>
+            <a:off x="4941888" y="585788"/>
+            <a:ext cx="6667500" cy="5683249"/>
+          </a:xfrm>
+          <a:prstGeom prst="rect">
+            <a:avLst/>
+          </a:prstGeom>
+        </p:spPr>
+        <p:txBody>
+          <a:bodyPr wrap="square" anchor="ctr">
+            <a:normAutofit/>
+          </a:bodyPr>
+          <a:lstStyle/>
+          <a:p>
+            <a:r>
+              <a:rPr lang="en-US" dirty="0"/>
+              <a:t>Knowledge Mining Solution Accelerator</a:t>
+            </a:r>
+          </a:p>
+          <a:p>
+            <a:pPr marL="571500" indent="-571500">
+              <a:buFont typeface="Arial" panose="020B0604020202020204" pitchFamily="34" charset="0"/>
+              <a:buChar char="•"/>
+            </a:pPr>
+            <a:r>
+              <a:rPr lang="en-US" sz="2400" dirty="0">
+                <a:hlinkClick r:id="rId3"/>
+              </a:rPr>
+              <a:t>aka.ms/</a:t>
+            </a:r>
+            <a:r>
+              <a:rPr lang="en-US" sz="2400" dirty="0" err="1">
+                <a:hlinkClick r:id="rId3"/>
+              </a:rPr>
+              <a:t>kmsolutions</a:t>
+            </a:r>
+            <a:endParaRPr lang="en-US" sz="2400" dirty="0"/>
+          </a:p>
+          <a:p>
+            <a:pPr marL="571500" indent="-571500">
+              <a:buFont typeface="Arial" panose="020B0604020202020204" pitchFamily="34" charset="0"/>
+              <a:buChar char="•"/>
+            </a:pPr>
+            <a:r>
+              <a:rPr lang="en-US" sz="2400" dirty="0"/>
+              <a:t>PowerShell Deployment + Postman + Visual Studio</a:t>
+            </a:r>
+          </a:p>
+          <a:p>
+            <a:pPr marL="571500" indent="-571500">
+              <a:buFont typeface="Arial" panose="020B0604020202020204" pitchFamily="34" charset="0"/>
+              <a:buChar char="•"/>
+            </a:pPr>
+            <a:r>
+              <a:rPr lang="en-US" sz="2400" dirty="0"/>
+              <a:t>BYOD</a:t>
+            </a:r>
+          </a:p>
+        </p:txBody>
+      </p:sp>
+    </p:spTree>
+    <p:extLst>
+      <p:ext uri="{BB962C8B-B14F-4D97-AF65-F5344CB8AC3E}">
+        <p14:creationId xmlns:p14="http://schemas.microsoft.com/office/powerpoint/2010/main" val="173678295"/>
+      </p:ext>
+    </p:extLst>
+  </p:cSld>
+  <p:clrMapOvr>
+    <a:masterClrMapping/>
+  </p:clrMapOvr>
+  <mc:AlternateContent xmlns:mc="http://schemas.openxmlformats.org/markup-compatibility/2006" xmlns:p14="http://schemas.microsoft.com/office/powerpoint/2010/main">
+    <mc:Choice Requires="p14">
+      <p:transition spd="med" p14:dur="700">
+        <p:fade/>
+      </p:transition>
+    </mc:Choice>
+    <mc:Fallback xmlns="">
+      <p:transition spd="med">
+        <p:fade/>
+      </p:transition>
+    </mc:Fallback>
+  </mc:AlternateContent>
+</p:sld>
+</file>
+
+<file path=ppt/slides/slide9.xml><?xml version="1.0" encoding="utf-8"?>
 <p:sld xmlns:a="http://schemas.openxmlformats.org/drawingml/2006/main" xmlns:r="http://schemas.openxmlformats.org/officeDocument/2006/relationships" xmlns:p="http://schemas.openxmlformats.org/presentationml/2006/main">
   <p:cSld>
     <p:spTree>
@@ -38320,14 +42818,19 @@
             <p:ph type="title"/>
           </p:nvPr>
         </p:nvSpPr>
-        <p:spPr/>
+        <p:spPr>
+          <a:xfrm>
+            <a:off x="588263" y="457200"/>
+            <a:ext cx="11018520" cy="553998"/>
+          </a:xfrm>
+        </p:spPr>
         <p:txBody>
           <a:bodyPr/>
           <a:lstStyle/>
           <a:p>
             <a:r>
               <a:rPr lang="en-US" dirty="0"/>
-              <a:t>This Training - What and How</a:t>
+              <a:t>KMB - What and How</a:t>
             </a:r>
           </a:p>
         </p:txBody>
@@ -38657,7 +43160,7 @@
               <a:buNone/>
             </a:pPr>
             <a:r>
-              <a:rPr lang="en-US" b="1" dirty="0">
+              <a:rPr lang="en-US" b="1">
                 <a:solidFill>
                   <a:srgbClr val="FF0000"/>
                 </a:solidFill>
@@ -38665,7 +43168,7 @@
               <a:t>How</a:t>
             </a:r>
             <a:r>
-              <a:rPr lang="en-US" dirty="0"/>
+              <a:rPr lang="en-US"/>
               <a:t> will you learn?</a:t>
             </a:r>
           </a:p>
@@ -38720,257 +43223,6 @@
       </p:transition>
     </mc:Fallback>
   </mc:AlternateContent>
-</p:sld>
-</file>
-
-<file path=ppt/slides/slide9.xml><?xml version="1.0" encoding="utf-8"?>
-<p:sld xmlns:a="http://schemas.openxmlformats.org/drawingml/2006/main" xmlns:r="http://schemas.openxmlformats.org/officeDocument/2006/relationships" xmlns:p="http://schemas.openxmlformats.org/presentationml/2006/main">
-  <p:cSld>
-    <p:spTree>
-      <p:nvGrpSpPr>
-        <p:cNvPr id="1" name=""/>
-        <p:cNvGrpSpPr/>
-        <p:nvPr/>
-      </p:nvGrpSpPr>
-      <p:grpSpPr>
-        <a:xfrm>
-          <a:off x="0" y="0"/>
-          <a:ext cx="0" cy="0"/>
-          <a:chOff x="0" y="0"/>
-          <a:chExt cx="0" cy="0"/>
-        </a:xfrm>
-      </p:grpSpPr>
-      <p:sp>
-        <p:nvSpPr>
-          <p:cNvPr id="17" name="Title 16"/>
-          <p:cNvSpPr>
-            <a:spLocks noGrp="1"/>
-          </p:cNvSpPr>
-          <p:nvPr>
-            <p:ph type="title"/>
-          </p:nvPr>
-        </p:nvSpPr>
-        <p:spPr/>
-        <p:txBody>
-          <a:bodyPr/>
-          <a:lstStyle/>
-          <a:p>
-            <a:r>
-              <a:rPr lang="en-US" dirty="0"/>
-              <a:t>Architecture</a:t>
-            </a:r>
-          </a:p>
-        </p:txBody>
-      </p:sp>
-      <p:pic>
-        <p:nvPicPr>
-          <p:cNvPr id="7" name="Picture 6">
-            <a:extLst>
-              <a:ext uri="{FF2B5EF4-FFF2-40B4-BE49-F238E27FC236}">
-                <a16:creationId xmlns:a16="http://schemas.microsoft.com/office/drawing/2014/main" id="{5B23A7A7-5880-4EEC-90F4-590C9DFC16AA}"/>
-              </a:ext>
-            </a:extLst>
-          </p:cNvPr>
-          <p:cNvPicPr>
-            <a:picLocks noChangeAspect="1"/>
-          </p:cNvPicPr>
-          <p:nvPr/>
-        </p:nvPicPr>
-        <p:blipFill>
-          <a:blip r:embed="rId3"/>
-          <a:stretch>
-            <a:fillRect/>
-          </a:stretch>
-        </p:blipFill>
-        <p:spPr>
-          <a:xfrm>
-            <a:off x="1813586" y="1231228"/>
-            <a:ext cx="7962010" cy="5398621"/>
-          </a:xfrm>
-          <a:prstGeom prst="rect">
-            <a:avLst/>
-          </a:prstGeom>
-        </p:spPr>
-      </p:pic>
-      <p:sp>
-        <p:nvSpPr>
-          <p:cNvPr id="8" name="Explosion: 14 Points 7">
-            <a:extLst>
-              <a:ext uri="{FF2B5EF4-FFF2-40B4-BE49-F238E27FC236}">
-                <a16:creationId xmlns:a16="http://schemas.microsoft.com/office/drawing/2014/main" id="{03758CD8-3E1D-46A1-8D62-3F4E57D028FF}"/>
-              </a:ext>
-            </a:extLst>
-          </p:cNvPr>
-          <p:cNvSpPr/>
-          <p:nvPr/>
-        </p:nvSpPr>
-        <p:spPr bwMode="auto">
-          <a:xfrm>
-            <a:off x="7698317" y="1011198"/>
-            <a:ext cx="4154557" cy="2411895"/>
-          </a:xfrm>
-          <a:prstGeom prst="irregularSeal2">
-            <a:avLst/>
-          </a:prstGeom>
-          <a:solidFill>
-            <a:schemeClr val="accent3"/>
-          </a:solidFill>
-          <a:ln>
-            <a:noFill/>
-          </a:ln>
-        </p:spPr>
-        <p:style>
-          <a:lnRef idx="0">
-            <a:scrgbClr r="0" g="0" b="0"/>
-          </a:lnRef>
-          <a:fillRef idx="0">
-            <a:scrgbClr r="0" g="0" b="0"/>
-          </a:fillRef>
-          <a:effectRef idx="0">
-            <a:scrgbClr r="0" g="0" b="0"/>
-          </a:effectRef>
-          <a:fontRef idx="minor">
-            <a:schemeClr val="lt1"/>
-          </a:fontRef>
-        </p:style>
-        <p:txBody>
-          <a:bodyPr rot="0" spcFirstLastPara="0" vert="horz" wrap="square" lIns="182880" tIns="146304" rIns="182880" bIns="146304" numCol="1" spcCol="0" rtlCol="0" fromWordArt="0" anchor="t" anchorCtr="0" forceAA="0" compatLnSpc="1">
-            <a:prstTxWarp prst="textNoShape">
-              <a:avLst/>
-            </a:prstTxWarp>
-            <a:noAutofit/>
-          </a:bodyPr>
-          <a:lstStyle/>
-          <a:p>
-            <a:pPr algn="l" defTabSz="932472" fontAlgn="base">
-              <a:spcBef>
-                <a:spcPct val="0"/>
-              </a:spcBef>
-              <a:spcAft>
-                <a:spcPct val="0"/>
-              </a:spcAft>
-            </a:pPr>
-            <a:r>
-              <a:rPr lang="en-US" sz="2000" dirty="0">
-                <a:gradFill>
-                  <a:gsLst>
-                    <a:gs pos="0">
-                      <a:srgbClr val="FFFFFF"/>
-                    </a:gs>
-                    <a:gs pos="100000">
-                      <a:srgbClr val="FFFFFF"/>
-                    </a:gs>
-                  </a:gsLst>
-                  <a:lin ang="5400000" scaled="0"/>
-                </a:gradFill>
-                <a:ea typeface="Segoe UI" pitchFamily="34" charset="0"/>
-                <a:cs typeface="Segoe UI" pitchFamily="34" charset="0"/>
-              </a:rPr>
-              <a:t>Demo!!</a:t>
-            </a:r>
-          </a:p>
-        </p:txBody>
-      </p:sp>
-    </p:spTree>
-    <p:extLst>
-      <p:ext uri="{BB962C8B-B14F-4D97-AF65-F5344CB8AC3E}">
-        <p14:creationId xmlns:p14="http://schemas.microsoft.com/office/powerpoint/2010/main" val="2878158329"/>
-      </p:ext>
-    </p:extLst>
-  </p:cSld>
-  <p:clrMapOvr>
-    <a:masterClrMapping/>
-  </p:clrMapOvr>
-  <mc:AlternateContent xmlns:mc="http://schemas.openxmlformats.org/markup-compatibility/2006" xmlns:p14="http://schemas.microsoft.com/office/powerpoint/2010/main">
-    <mc:Choice Requires="p14">
-      <p:transition spd="med" p14:dur="700">
-        <p:fade/>
-      </p:transition>
-    </mc:Choice>
-    <mc:Fallback xmlns="">
-      <p:transition spd="med">
-        <p:fade/>
-      </p:transition>
-    </mc:Fallback>
-  </mc:AlternateContent>
-  <p:timing>
-    <p:tnLst>
-      <p:par>
-        <p:cTn id="1" dur="indefinite" restart="never" nodeType="tmRoot">
-          <p:childTnLst>
-            <p:seq concurrent="1" nextAc="seek">
-              <p:cTn id="2" dur="indefinite" nodeType="mainSeq">
-                <p:childTnLst>
-                  <p:par>
-                    <p:cTn id="3" fill="hold">
-                      <p:stCondLst>
-                        <p:cond delay="indefinite"/>
-                      </p:stCondLst>
-                      <p:childTnLst>
-                        <p:par>
-                          <p:cTn id="4" fill="hold">
-                            <p:stCondLst>
-                              <p:cond delay="0"/>
-                            </p:stCondLst>
-                            <p:childTnLst>
-                              <p:par>
-                                <p:cTn id="5" presetID="1" presetClass="entr" presetSubtype="0" fill="hold" grpId="0" nodeType="clickEffect">
-                                  <p:stCondLst>
-                                    <p:cond delay="0"/>
-                                  </p:stCondLst>
-                                  <p:childTnLst>
-                                    <p:set>
-                                      <p:cBhvr>
-                                        <p:cTn id="6" dur="1" fill="hold">
-                                          <p:stCondLst>
-                                            <p:cond delay="0"/>
-                                          </p:stCondLst>
-                                        </p:cTn>
-                                        <p:tgtEl>
-                                          <p:spTgt spid="8"/>
-                                        </p:tgtEl>
-                                        <p:attrNameLst>
-                                          <p:attrName>style.visibility</p:attrName>
-                                        </p:attrNameLst>
-                                      </p:cBhvr>
-                                      <p:to>
-                                        <p:strVal val="visible"/>
-                                      </p:to>
-                                    </p:set>
-                                  </p:childTnLst>
-                                </p:cTn>
-                              </p:par>
-                            </p:childTnLst>
-                          </p:cTn>
-                        </p:par>
-                      </p:childTnLst>
-                    </p:cTn>
-                  </p:par>
-                </p:childTnLst>
-              </p:cTn>
-              <p:prevCondLst>
-                <p:cond evt="onPrev" delay="0">
-                  <p:tgtEl>
-                    <p:sldTgt/>
-                  </p:tgtEl>
-                </p:cond>
-              </p:prevCondLst>
-              <p:nextCondLst>
-                <p:cond evt="onNext" delay="0">
-                  <p:tgtEl>
-                    <p:sldTgt/>
-                  </p:tgtEl>
-                </p:cond>
-              </p:nextCondLst>
-            </p:seq>
-          </p:childTnLst>
-        </p:cTn>
-      </p:par>
-    </p:tnLst>
-    <p:bldLst>
-      <p:bldP spid="8" grpId="0" animBg="1"/>
-    </p:bldLst>
-  </p:timing>
 </p:sld>
 </file>
 
@@ -40420,6 +44672,25 @@
 </file>
 
 <file path=customXml/item1.xml><?xml version="1.0" encoding="utf-8"?>
+<?mso-contentType ?>
+<FormTemplates xmlns="http://schemas.microsoft.com/sharepoint/v3/contenttype/forms">
+  <Display>DocumentLibraryForm</Display>
+  <Edit>DocumentLibraryForm</Edit>
+  <New>DocumentLibraryForm</New>
+</FormTemplates>
+</file>
+
+<file path=customXml/item2.xml><?xml version="1.0" encoding="utf-8"?>
+<p:properties xmlns:p="http://schemas.microsoft.com/office/2006/metadata/properties" xmlns:xsi="http://www.w3.org/2001/XMLSchema-instance" xmlns:pc="http://schemas.microsoft.com/office/infopath/2007/PartnerControls">
+  <documentManagement>
+    <_ip_UnifiedCompliancePolicyUIAction xmlns="http://schemas.microsoft.com/sharepoint/v3" xsi:nil="true"/>
+    <_ip_UnifiedCompliancePolicyProperties xmlns="http://schemas.microsoft.com/sharepoint/v3" xsi:nil="true"/>
+    <MediaServiceKeyPoints xmlns="e4aa919a-b200-49cb-beca-4c7e0810321e" xsi:nil="true"/>
+  </documentManagement>
+</p:properties>
+</file>
+
+<file path=customXml/item3.xml><?xml version="1.0" encoding="utf-8"?>
 <ct:contentTypeSchema xmlns:ct="http://schemas.microsoft.com/office/2006/metadata/contentType" xmlns:ma="http://schemas.microsoft.com/office/2006/metadata/properties/metaAttributes" ct:_="" ma:_="" ma:contentTypeName="Document" ma:contentTypeID="0x010100778A2EBC6E34694C80F43E94FCA993B5" ma:contentTypeVersion="14" ma:contentTypeDescription="Create a new document." ma:contentTypeScope="" ma:versionID="1a7ced39ac191f9ec8deffde533b0c1c">
   <xsd:schema xmlns:xsd="http://www.w3.org/2001/XMLSchema" xmlns:xs="http://www.w3.org/2001/XMLSchema" xmlns:p="http://schemas.microsoft.com/office/2006/metadata/properties" xmlns:ns1="http://schemas.microsoft.com/sharepoint/v3" xmlns:ns2="e4aa919a-b200-49cb-beca-4c7e0810321e" xmlns:ns3="06670dda-0291-4061-b6e0-f6c0cb392c51" targetNamespace="http://schemas.microsoft.com/office/2006/metadata/properties" ma:root="true" ma:fieldsID="bedea8c8816a4e5934c808becd103583" ns1:_="" ns2:_="" ns3:_="">
     <xsd:import namespace="http://schemas.microsoft.com/sharepoint/v3"/>
@@ -40653,26 +44924,26 @@
 </ct:contentTypeSchema>
 </file>
 
-<file path=customXml/item2.xml><?xml version="1.0" encoding="utf-8"?>
-<p:properties xmlns:p="http://schemas.microsoft.com/office/2006/metadata/properties" xmlns:xsi="http://www.w3.org/2001/XMLSchema-instance" xmlns:pc="http://schemas.microsoft.com/office/infopath/2007/PartnerControls">
-  <documentManagement>
-    <_ip_UnifiedCompliancePolicyUIAction xmlns="http://schemas.microsoft.com/sharepoint/v3" xsi:nil="true"/>
-    <_ip_UnifiedCompliancePolicyProperties xmlns="http://schemas.microsoft.com/sharepoint/v3" xsi:nil="true"/>
-    <MediaServiceKeyPoints xmlns="e4aa919a-b200-49cb-beca-4c7e0810321e" xsi:nil="true"/>
-  </documentManagement>
-</p:properties>
+<file path=customXml/itemProps1.xml><?xml version="1.0" encoding="utf-8"?>
+<ds:datastoreItem xmlns:ds="http://schemas.openxmlformats.org/officeDocument/2006/customXml" ds:itemID="{758FDAC0-319D-4A54-8D8E-1D42CB1F8004}">
+  <ds:schemaRefs>
+    <ds:schemaRef ds:uri="http://schemas.microsoft.com/sharepoint/v3/contenttype/forms"/>
+  </ds:schemaRefs>
+</ds:datastoreItem>
 </file>
 
-<file path=customXml/item3.xml><?xml version="1.0" encoding="utf-8"?>
-<?mso-contentType ?>
-<FormTemplates xmlns="http://schemas.microsoft.com/sharepoint/v3/contenttype/forms">
-  <Display>DocumentLibraryForm</Display>
-  <Edit>DocumentLibraryForm</Edit>
-  <New>DocumentLibraryForm</New>
-</FormTemplates>
+<file path=customXml/itemProps2.xml><?xml version="1.0" encoding="utf-8"?>
+<ds:datastoreItem xmlns:ds="http://schemas.openxmlformats.org/officeDocument/2006/customXml" ds:itemID="{F990F116-B58F-4255-B05B-DA3808E0E5C6}">
+  <ds:schemaRefs>
+    <ds:schemaRef ds:uri="http://schemas.microsoft.com/office/2006/metadata/properties"/>
+    <ds:schemaRef ds:uri="http://schemas.microsoft.com/office/infopath/2007/PartnerControls"/>
+    <ds:schemaRef ds:uri="http://schemas.microsoft.com/sharepoint/v3"/>
+    <ds:schemaRef ds:uri="e4aa919a-b200-49cb-beca-4c7e0810321e"/>
+  </ds:schemaRefs>
+</ds:datastoreItem>
 </file>
 
-<file path=customXml/itemProps1.xml><?xml version="1.0" encoding="utf-8"?>
+<file path=customXml/itemProps3.xml><?xml version="1.0" encoding="utf-8"?>
 <ds:datastoreItem xmlns:ds="http://schemas.openxmlformats.org/officeDocument/2006/customXml" ds:itemID="{0BB3C309-8520-4616-80FC-2CB10D5B83A0}">
   <ds:schemaRefs>
     <ds:schemaRef ds:uri="http://schemas.microsoft.com/office/2006/metadata/contentType"/>
@@ -40690,23 +44961,4 @@
     <ds:schemaRef ds:uri="http://schemas.microsoft.com/internal/obd"/>
   </ds:schemaRefs>
 </ds:datastoreItem>
-</file>
-
-<file path=customXml/itemProps2.xml><?xml version="1.0" encoding="utf-8"?>
-<ds:datastoreItem xmlns:ds="http://schemas.openxmlformats.org/officeDocument/2006/customXml" ds:itemID="{F990F116-B58F-4255-B05B-DA3808E0E5C6}">
-  <ds:schemaRefs>
-    <ds:schemaRef ds:uri="http://schemas.microsoft.com/office/2006/metadata/properties"/>
-    <ds:schemaRef ds:uri="http://schemas.microsoft.com/office/infopath/2007/PartnerControls"/>
-    <ds:schemaRef ds:uri="http://schemas.microsoft.com/sharepoint/v3"/>
-    <ds:schemaRef ds:uri="e4aa919a-b200-49cb-beca-4c7e0810321e"/>
-  </ds:schemaRefs>
-</ds:datastoreItem>
-</file>
-
-<file path=customXml/itemProps3.xml><?xml version="1.0" encoding="utf-8"?>
-<ds:datastoreItem xmlns:ds="http://schemas.openxmlformats.org/officeDocument/2006/customXml" ds:itemID="{758FDAC0-319D-4A54-8D8E-1D42CB1F8004}">
-  <ds:schemaRefs>
-    <ds:schemaRef ds:uri="http://schemas.microsoft.com/sharepoint/v3/contenttype/forms"/>
-  </ds:schemaRefs>
-</ds:datastoreItem>
 </file>